--- a/SERVEUR ET FICHIERS D’IMPRESSION.pptx
+++ b/SERVEUR ET FICHIERS D’IMPRESSION.pptx
@@ -602,7 +602,6 @@
     </c:plotArea>
     <c:legend>
       <c:legendPos val="b"/>
-      <c:layout/>
       <c:overlay val="0"/>
       <c:spPr>
         <a:noFill/>
@@ -9559,11 +9558,11 @@
   <p:clrMapOvr>
     <a:masterClrMapping/>
   </p:clrMapOvr>
-  <mc:AlternateContent xmlns:mc="http://schemas.openxmlformats.org/markup-compatibility/2006">
-    <mc:Choice xmlns:p14="http://schemas.microsoft.com/office/powerpoint/2010/main" Requires="p14">
+  <mc:AlternateContent xmlns:mc="http://schemas.openxmlformats.org/markup-compatibility/2006" xmlns:p14="http://schemas.microsoft.com/office/powerpoint/2010/main">
+    <mc:Choice Requires="p14">
       <p:transition p14:dur="10"/>
     </mc:Choice>
-    <mc:Fallback>
+    <mc:Fallback xmlns="">
       <p:transition/>
     </mc:Fallback>
   </mc:AlternateContent>
@@ -9604,16 +9603,24 @@
             <p:ph type="title"/>
           </p:nvPr>
         </p:nvSpPr>
-        <p:spPr/>
+        <p:spPr>
+          <a:xfrm>
+            <a:off x="3952428" y="836712"/>
+            <a:ext cx="4274360" cy="504056"/>
+          </a:xfrm>
+        </p:spPr>
         <p:txBody>
-          <a:bodyPr rtlCol="0"/>
+          <a:bodyPr rtlCol="0" anchor="ctr">
+            <a:normAutofit fontScale="90000"/>
+          </a:bodyPr>
           <a:lstStyle/>
           <a:p>
-            <a:pPr rtl="0"/>
+            <a:pPr algn="ctr" rtl="0"/>
             <a:r>
-              <a:rPr lang="fr-FR" dirty="0"/>
-              <a:t>Disposition Titre et contenu avec liste</a:t>
+              <a:rPr lang="fr-FR" dirty="0" smtClean="0"/>
+              <a:t>TABLES DES MATIÈRES</a:t>
             </a:r>
+            <a:endParaRPr lang="fr-FR" dirty="0"/>
           </a:p>
         </p:txBody>
       </p:sp>
@@ -9633,38 +9640,7 @@
           <a:lstStyle/>
           <a:p>
             <a:pPr lvl="0" rtl="0"/>
-            <a:r>
-              <a:rPr lang="fr-FR" dirty="0"/>
-              <a:t>Cliquez pour modifier les styles du texte du masque</a:t>
-            </a:r>
-          </a:p>
-          <a:p>
-            <a:pPr lvl="1" rtl="0"/>
-            <a:r>
-              <a:rPr lang="fr-FR" dirty="0"/>
-              <a:t>Deuxième niveau</a:t>
-            </a:r>
-          </a:p>
-          <a:p>
-            <a:pPr lvl="2" rtl="0"/>
-            <a:r>
-              <a:rPr lang="fr-FR" dirty="0"/>
-              <a:t>Troisième niveau</a:t>
-            </a:r>
-          </a:p>
-          <a:p>
-            <a:pPr lvl="3" rtl="0"/>
-            <a:r>
-              <a:rPr lang="fr-FR" dirty="0"/>
-              <a:t>Quatrième niveau</a:t>
-            </a:r>
-          </a:p>
-          <a:p>
-            <a:pPr lvl="4" rtl="0"/>
-            <a:r>
-              <a:rPr lang="fr-FR" dirty="0"/>
-              <a:t>Cinquième niveau</a:t>
-            </a:r>
+            <a:endParaRPr lang="fr-FR" dirty="0" smtClean="0"/>
           </a:p>
         </p:txBody>
       </p:sp>
@@ -11084,6 +11060,15 @@
 </file>
 
 <file path=customXml/item1.xml><?xml version="1.0" encoding="utf-8"?>
+<?mso-contentType ?>
+<FormTemplates xmlns="http://schemas.microsoft.com/sharepoint/v3/contenttype/forms">
+  <Display>DocumentLibraryForm</Display>
+  <Edit>DocumentLibraryForm</Edit>
+  <New>DocumentLibraryForm</New>
+</FormTemplates>
+</file>
+
+<file path=customXml/item2.xml><?xml version="1.0" encoding="utf-8"?>
 <ct:contentTypeSchema xmlns:ct="http://schemas.microsoft.com/office/2006/metadata/contentType" xmlns:ma="http://schemas.microsoft.com/office/2006/metadata/properties/metaAttributes" ct:_="" ma:_="" ma:contentTypeName="Document" ma:contentTypeID="0x010100AA3F7D94069FF64A86F7DFF56D60E3BE" ma:contentTypeVersion="6" ma:contentTypeDescription="Create a new document." ma:contentTypeScope="" ma:versionID="c32302c77d4085ecf495bdddb7f5e889">
   <xsd:schema xmlns:xsd="http://www.w3.org/2001/XMLSchema" xmlns:xs="http://www.w3.org/2001/XMLSchema" xmlns:p="http://schemas.microsoft.com/office/2006/metadata/properties" xmlns:ns2="a4f35948-e619-41b3-aa29-22878b09cfd2" xmlns:ns3="40262f94-9f35-4ac3-9a90-690165a166b7" targetNamespace="http://schemas.microsoft.com/office/2006/metadata/properties" ma:root="true" ma:fieldsID="4ab5ae46be95f9d0be6107e8200be7a2" ns2:_="" ns3:_="">
     <xsd:import namespace="a4f35948-e619-41b3-aa29-22878b09cfd2"/>
@@ -11264,15 +11249,6 @@
 </ct:contentTypeSchema>
 </file>
 
-<file path=customXml/item2.xml><?xml version="1.0" encoding="utf-8"?>
-<?mso-contentType ?>
-<FormTemplates xmlns="http://schemas.microsoft.com/sharepoint/v3/contenttype/forms">
-  <Display>DocumentLibraryForm</Display>
-  <Edit>DocumentLibraryForm</Edit>
-  <New>DocumentLibraryForm</New>
-</FormTemplates>
-</file>
-
 <file path=customXml/item3.xml><?xml version="1.0" encoding="utf-8"?>
 <p:properties xmlns:p="http://schemas.microsoft.com/office/2006/metadata/properties" xmlns:xsi="http://www.w3.org/2001/XMLSchema-instance" xmlns:pc="http://schemas.microsoft.com/office/infopath/2007/PartnerControls">
   <documentManagement>
@@ -11285,6 +11261,14 @@
 </file>
 
 <file path=customXml/itemProps1.xml><?xml version="1.0" encoding="utf-8"?>
+<ds:datastoreItem xmlns:ds="http://schemas.openxmlformats.org/officeDocument/2006/customXml" ds:itemID="{0875BD71-4A33-4FB7-88CA-777C4D9E6EE5}">
+  <ds:schemaRefs>
+    <ds:schemaRef ds:uri="http://schemas.microsoft.com/sharepoint/v3/contenttype/forms"/>
+  </ds:schemaRefs>
+</ds:datastoreItem>
+</file>
+
+<file path=customXml/itemProps2.xml><?xml version="1.0" encoding="utf-8"?>
 <ds:datastoreItem xmlns:ds="http://schemas.openxmlformats.org/officeDocument/2006/customXml" ds:itemID="{51F78577-2839-4BFF-9EC7-673BD8FEBD87}">
   <ds:schemaRefs>
     <ds:schemaRef ds:uri="http://schemas.microsoft.com/office/2006/metadata/contentType"/>
@@ -11299,14 +11283,6 @@
     <ds:schemaRef ds:uri="http://purl.org/dc/elements/1.1/"/>
     <ds:schemaRef ds:uri="http://purl.org/dc/terms/"/>
     <ds:schemaRef ds:uri="http://schemas.microsoft.com/internal/obd"/>
-  </ds:schemaRefs>
-</ds:datastoreItem>
-</file>
-
-<file path=customXml/itemProps2.xml><?xml version="1.0" encoding="utf-8"?>
-<ds:datastoreItem xmlns:ds="http://schemas.openxmlformats.org/officeDocument/2006/customXml" ds:itemID="{0875BD71-4A33-4FB7-88CA-777C4D9E6EE5}">
-  <ds:schemaRefs>
-    <ds:schemaRef ds:uri="http://schemas.microsoft.com/sharepoint/v3/contenttype/forms"/>
   </ds:schemaRefs>
 </ds:datastoreItem>
 </file>

--- a/SERVEUR ET FICHIERS D’IMPRESSION.pptx
+++ b/SERVEUR ET FICHIERS D’IMPRESSION.pptx
@@ -9636,11 +9636,87 @@
         </p:nvSpPr>
         <p:spPr/>
         <p:txBody>
-          <a:bodyPr rtlCol="0"/>
+          <a:bodyPr rtlCol="0">
+            <a:normAutofit/>
+          </a:bodyPr>
           <a:lstStyle/>
           <a:p>
-            <a:pPr lvl="0" rtl="0"/>
-            <a:endParaRPr lang="fr-FR" dirty="0" smtClean="0"/>
+            <a:r>
+              <a:rPr lang="fr-CH" dirty="0"/>
+              <a:t>Serveur de fichiers </a:t>
+            </a:r>
+            <a:r>
+              <a:rPr lang="fr-CH" dirty="0" smtClean="0"/>
+              <a:t>:</a:t>
+            </a:r>
+            <a:endParaRPr lang="fr-CH" dirty="0"/>
+          </a:p>
+          <a:p>
+            <a:pPr lvl="1"/>
+            <a:r>
+              <a:rPr lang="fr-CH" dirty="0"/>
+              <a:t>Arborescences</a:t>
+            </a:r>
+          </a:p>
+          <a:p>
+            <a:pPr lvl="1"/>
+            <a:r>
+              <a:rPr lang="fr-CH" dirty="0"/>
+              <a:t>Explication des partages</a:t>
+            </a:r>
+          </a:p>
+          <a:p>
+            <a:pPr lvl="2"/>
+            <a:r>
+              <a:rPr lang="fr-CH" dirty="0"/>
+              <a:t>Type de droit</a:t>
+            </a:r>
+          </a:p>
+          <a:p>
+            <a:pPr lvl="2"/>
+            <a:r>
+              <a:rPr lang="fr-CH" dirty="0"/>
+              <a:t>Partage avancé</a:t>
+            </a:r>
+          </a:p>
+          <a:p>
+            <a:pPr lvl="1"/>
+            <a:r>
+              <a:rPr lang="fr-CH" dirty="0"/>
+              <a:t>Explication des droits NTFS</a:t>
+            </a:r>
+          </a:p>
+          <a:p>
+            <a:pPr lvl="2"/>
+            <a:r>
+              <a:rPr lang="fr-CH" dirty="0"/>
+              <a:t>Type de droit</a:t>
+            </a:r>
+          </a:p>
+          <a:p>
+            <a:r>
+              <a:rPr lang="fr-CH" dirty="0"/>
+              <a:t>Serveur d'impression :</a:t>
+            </a:r>
+          </a:p>
+          <a:p>
+            <a:pPr lvl="1"/>
+            <a:r>
+              <a:rPr lang="fr-CH" dirty="0"/>
+              <a:t>Différence entre serveur d'impression et imprimante réseau standard</a:t>
+            </a:r>
+          </a:p>
+          <a:p>
+            <a:pPr lvl="1"/>
+            <a:r>
+              <a:rPr lang="fr-CH" dirty="0"/>
+              <a:t>Files </a:t>
+            </a:r>
+            <a:r>
+              <a:rPr lang="fr-CH" dirty="0" smtClean="0"/>
+              <a:t>d'impression</a:t>
+            </a:r>
+            <a:endParaRPr lang="fr-CH" dirty="0"/>
           </a:p>
         </p:txBody>
       </p:sp>

--- a/SERVEUR ET FICHIERS D’IMPRESSION.pptx
+++ b/SERVEUR ET FICHIERS D’IMPRESSION.pptx
@@ -9529,7 +9529,7 @@
         </p:nvSpPr>
         <p:spPr>
           <a:xfrm>
-            <a:off x="3286100" y="6501408"/>
+            <a:off x="3432870" y="6501408"/>
             <a:ext cx="5355134" cy="356592"/>
           </a:xfrm>
         </p:spPr>
@@ -9579,6 +9579,21 @@
 <file path=ppt/slides/slide2.xml><?xml version="1.0" encoding="utf-8"?>
 <p:sld xmlns:a="http://schemas.openxmlformats.org/drawingml/2006/main" xmlns:r="http://schemas.openxmlformats.org/officeDocument/2006/relationships" xmlns:p="http://schemas.openxmlformats.org/presentationml/2006/main">
   <p:cSld>
+    <p:bg>
+      <p:bgPr>
+        <a:blipFill dpi="0" rotWithShape="1">
+          <a:blip r:embed="rId3">
+            <a:alphaModFix amt="66000"/>
+            <a:lum/>
+          </a:blip>
+          <a:srcRect/>
+          <a:stretch>
+            <a:fillRect l="-8000" r="-8000"/>
+          </a:stretch>
+        </a:blipFill>
+        <a:effectLst/>
+      </p:bgPr>
+    </p:bg>
     <p:spTree>
       <p:nvGrpSpPr>
         <p:cNvPr id="1" name=""/>
@@ -9605,22 +9620,30 @@
         </p:nvSpPr>
         <p:spPr>
           <a:xfrm>
-            <a:off x="3952428" y="836712"/>
-            <a:ext cx="4274360" cy="504056"/>
+            <a:off x="4006180" y="764704"/>
+            <a:ext cx="4274360" cy="576064"/>
           </a:xfrm>
         </p:spPr>
         <p:txBody>
           <a:bodyPr rtlCol="0" anchor="ctr">
-            <a:normAutofit fontScale="90000"/>
+            <a:noAutofit/>
           </a:bodyPr>
           <a:lstStyle/>
           <a:p>
             <a:pPr algn="ctr" rtl="0"/>
             <a:r>
-              <a:rPr lang="fr-FR" dirty="0" smtClean="0"/>
+              <a:rPr lang="fr-FR" sz="4400" dirty="0" smtClean="0">
+                <a:solidFill>
+                  <a:schemeClr val="bg1"/>
+                </a:solidFill>
+              </a:rPr>
               <a:t>TABLES DES MATIÈRES</a:t>
             </a:r>
-            <a:endParaRPr lang="fr-FR" dirty="0"/>
+            <a:endParaRPr lang="fr-FR" sz="4400" dirty="0">
+              <a:solidFill>
+                <a:schemeClr val="bg1"/>
+              </a:solidFill>
+            </a:endParaRPr>
           </a:p>
         </p:txBody>
       </p:sp>
@@ -9634,7 +9657,12 @@
             <p:ph idx="1"/>
           </p:nvPr>
         </p:nvSpPr>
-        <p:spPr/>
+        <p:spPr>
+          <a:xfrm>
+            <a:off x="477788" y="1340768"/>
+            <a:ext cx="9134391" cy="4114801"/>
+          </a:xfrm>
+        </p:spPr>
         <p:txBody>
           <a:bodyPr rtlCol="0">
             <a:normAutofit/>
@@ -9642,81 +9670,137 @@
           <a:lstStyle/>
           <a:p>
             <a:r>
-              <a:rPr lang="fr-CH" dirty="0"/>
+              <a:rPr lang="fr-CH" b="1" dirty="0">
+                <a:solidFill>
+                  <a:schemeClr val="bg1"/>
+                </a:solidFill>
+              </a:rPr>
               <a:t>Serveur de fichiers </a:t>
             </a:r>
             <a:r>
-              <a:rPr lang="fr-CH" dirty="0" smtClean="0"/>
+              <a:rPr lang="fr-CH" b="1" dirty="0" smtClean="0">
+                <a:solidFill>
+                  <a:schemeClr val="bg1"/>
+                </a:solidFill>
+              </a:rPr>
               <a:t>:</a:t>
             </a:r>
-            <a:endParaRPr lang="fr-CH" dirty="0"/>
+            <a:endParaRPr lang="fr-CH" b="1" dirty="0">
+              <a:solidFill>
+                <a:schemeClr val="bg1"/>
+              </a:solidFill>
+            </a:endParaRPr>
           </a:p>
           <a:p>
             <a:pPr lvl="1"/>
             <a:r>
-              <a:rPr lang="fr-CH" dirty="0"/>
+              <a:rPr lang="fr-CH" b="1" dirty="0">
+                <a:solidFill>
+                  <a:schemeClr val="bg1"/>
+                </a:solidFill>
+              </a:rPr>
               <a:t>Arborescences</a:t>
             </a:r>
           </a:p>
           <a:p>
             <a:pPr lvl="1"/>
             <a:r>
-              <a:rPr lang="fr-CH" dirty="0"/>
+              <a:rPr lang="fr-CH" b="1" dirty="0">
+                <a:solidFill>
+                  <a:schemeClr val="bg1"/>
+                </a:solidFill>
+              </a:rPr>
               <a:t>Explication des partages</a:t>
             </a:r>
           </a:p>
           <a:p>
             <a:pPr lvl="2"/>
             <a:r>
-              <a:rPr lang="fr-CH" dirty="0"/>
+              <a:rPr lang="fr-CH" b="1" dirty="0">
+                <a:solidFill>
+                  <a:schemeClr val="bg1"/>
+                </a:solidFill>
+              </a:rPr>
               <a:t>Type de droit</a:t>
             </a:r>
           </a:p>
           <a:p>
             <a:pPr lvl="2"/>
             <a:r>
-              <a:rPr lang="fr-CH" dirty="0"/>
+              <a:rPr lang="fr-CH" b="1" dirty="0">
+                <a:solidFill>
+                  <a:schemeClr val="bg1"/>
+                </a:solidFill>
+              </a:rPr>
               <a:t>Partage avancé</a:t>
             </a:r>
           </a:p>
           <a:p>
             <a:pPr lvl="1"/>
             <a:r>
-              <a:rPr lang="fr-CH" dirty="0"/>
+              <a:rPr lang="fr-CH" b="1" dirty="0">
+                <a:solidFill>
+                  <a:schemeClr val="bg1"/>
+                </a:solidFill>
+              </a:rPr>
               <a:t>Explication des droits NTFS</a:t>
             </a:r>
           </a:p>
           <a:p>
             <a:pPr lvl="2"/>
             <a:r>
-              <a:rPr lang="fr-CH" dirty="0"/>
+              <a:rPr lang="fr-CH" b="1" dirty="0">
+                <a:solidFill>
+                  <a:schemeClr val="bg1"/>
+                </a:solidFill>
+              </a:rPr>
               <a:t>Type de droit</a:t>
             </a:r>
           </a:p>
           <a:p>
             <a:r>
-              <a:rPr lang="fr-CH" dirty="0"/>
+              <a:rPr lang="fr-CH" b="1" dirty="0">
+                <a:solidFill>
+                  <a:schemeClr val="bg1"/>
+                </a:solidFill>
+              </a:rPr>
               <a:t>Serveur d'impression :</a:t>
             </a:r>
           </a:p>
           <a:p>
             <a:pPr lvl="1"/>
             <a:r>
-              <a:rPr lang="fr-CH" dirty="0"/>
+              <a:rPr lang="fr-CH" b="1" dirty="0">
+                <a:solidFill>
+                  <a:schemeClr val="bg1"/>
+                </a:solidFill>
+              </a:rPr>
               <a:t>Différence entre serveur d'impression et imprimante réseau standard</a:t>
             </a:r>
           </a:p>
           <a:p>
             <a:pPr lvl="1"/>
             <a:r>
-              <a:rPr lang="fr-CH" dirty="0"/>
+              <a:rPr lang="fr-CH" b="1" dirty="0">
+                <a:solidFill>
+                  <a:schemeClr val="bg1"/>
+                </a:solidFill>
+              </a:rPr>
               <a:t>Files </a:t>
             </a:r>
             <a:r>
-              <a:rPr lang="fr-CH" dirty="0" smtClean="0"/>
+              <a:rPr lang="fr-CH" b="1" dirty="0" smtClean="0">
+                <a:solidFill>
+                  <a:schemeClr val="bg1"/>
+                </a:solidFill>
+              </a:rPr>
               <a:t>d'impression</a:t>
             </a:r>
-            <a:endParaRPr lang="fr-CH" dirty="0"/>
+            <a:endParaRPr lang="fr-CH" b="1" dirty="0">
+              <a:solidFill>
+                <a:schemeClr val="bg1"/>
+              </a:solidFill>
+            </a:endParaRPr>
           </a:p>
         </p:txBody>
       </p:sp>

--- a/SERVEUR ET FICHIERS D’IMPRESSION.pptx
+++ b/SERVEUR ET FICHIERS D’IMPRESSION.pptx
@@ -602,6 +602,7 @@
     </c:plotArea>
     <c:legend>
       <c:legendPos val="b"/>
+      <c:layout/>
       <c:overlay val="0"/>
       <c:spPr>
         <a:noFill/>
@@ -9804,6 +9805,231 @@
           </a:p>
         </p:txBody>
       </p:sp>
+      <p:sp>
+        <p:nvSpPr>
+          <p:cNvPr id="4" name="Sous-titre 2"/>
+          <p:cNvSpPr txBox="1">
+            <a:spLocks/>
+          </p:cNvSpPr>
+          <p:nvPr/>
+        </p:nvSpPr>
+        <p:spPr>
+          <a:xfrm>
+            <a:off x="7318548" y="5589240"/>
+            <a:ext cx="2088232" cy="216024"/>
+          </a:xfrm>
+          <a:prstGeom prst="rect">
+            <a:avLst/>
+          </a:prstGeom>
+        </p:spPr>
+        <p:txBody>
+          <a:bodyPr vert="horz" lIns="91440" tIns="45720" rIns="91440" bIns="45720" rtlCol="0">
+            <a:noAutofit/>
+          </a:bodyPr>
+          <a:lstStyle>
+            <a:lvl1pPr marL="223838" indent="-223838" algn="l" defTabSz="914400" rtl="0" eaLnBrk="1" latinLnBrk="0" hangingPunct="1">
+              <a:lnSpc>
+                <a:spcPct val="90000"/>
+              </a:lnSpc>
+              <a:spcBef>
+                <a:spcPts val="1800"/>
+              </a:spcBef>
+              <a:buClr>
+                <a:schemeClr val="accent1"/>
+              </a:buClr>
+              <a:buSzPct val="100000"/>
+              <a:buFont typeface="Arial" pitchFamily="34" charset="0"/>
+              <a:buChar char="•"/>
+              <a:defRPr sz="2400" kern="1200">
+                <a:solidFill>
+                  <a:schemeClr val="tx1"/>
+                </a:solidFill>
+                <a:latin typeface="+mn-lt"/>
+                <a:ea typeface="+mn-ea"/>
+                <a:cs typeface="+mn-cs"/>
+              </a:defRPr>
+            </a:lvl1pPr>
+            <a:lvl2pPr marL="463550" indent="-231775" algn="l" defTabSz="914400" rtl="0" eaLnBrk="1" latinLnBrk="0" hangingPunct="1">
+              <a:lnSpc>
+                <a:spcPct val="90000"/>
+              </a:lnSpc>
+              <a:spcBef>
+                <a:spcPts val="1200"/>
+              </a:spcBef>
+              <a:buClr>
+                <a:schemeClr val="accent1"/>
+              </a:buClr>
+              <a:buSzPct val="100000"/>
+              <a:buFont typeface="Arial" pitchFamily="34" charset="0"/>
+              <a:buChar char="•"/>
+              <a:defRPr sz="2000" kern="1200">
+                <a:solidFill>
+                  <a:schemeClr val="tx1"/>
+                </a:solidFill>
+                <a:latin typeface="+mn-lt"/>
+                <a:ea typeface="+mn-ea"/>
+                <a:cs typeface="+mn-cs"/>
+              </a:defRPr>
+            </a:lvl2pPr>
+            <a:lvl3pPr marL="682625" indent="-219075" algn="l" defTabSz="914400" rtl="0" eaLnBrk="1" latinLnBrk="0" hangingPunct="1">
+              <a:lnSpc>
+                <a:spcPct val="90000"/>
+              </a:lnSpc>
+              <a:spcBef>
+                <a:spcPts val="600"/>
+              </a:spcBef>
+              <a:buClr>
+                <a:schemeClr val="accent1"/>
+              </a:buClr>
+              <a:buSzPct val="100000"/>
+              <a:buFont typeface="Arial" pitchFamily="34" charset="0"/>
+              <a:buChar char="•"/>
+              <a:defRPr sz="1800" kern="1200">
+                <a:solidFill>
+                  <a:schemeClr val="tx1"/>
+                </a:solidFill>
+                <a:latin typeface="+mn-lt"/>
+                <a:ea typeface="+mn-ea"/>
+                <a:cs typeface="+mn-cs"/>
+              </a:defRPr>
+            </a:lvl3pPr>
+            <a:lvl4pPr marL="857250" indent="-174625" algn="l" defTabSz="914400" rtl="0" eaLnBrk="1" latinLnBrk="0" hangingPunct="1">
+              <a:lnSpc>
+                <a:spcPct val="90000"/>
+              </a:lnSpc>
+              <a:spcBef>
+                <a:spcPts val="600"/>
+              </a:spcBef>
+              <a:buClr>
+                <a:schemeClr val="accent1"/>
+              </a:buClr>
+              <a:buSzPct val="100000"/>
+              <a:buFont typeface="Arial" pitchFamily="34" charset="0"/>
+              <a:buChar char="•"/>
+              <a:defRPr sz="1800" kern="1200">
+                <a:solidFill>
+                  <a:schemeClr val="tx1"/>
+                </a:solidFill>
+                <a:latin typeface="+mn-lt"/>
+                <a:ea typeface="+mn-ea"/>
+                <a:cs typeface="+mn-cs"/>
+              </a:defRPr>
+            </a:lvl4pPr>
+            <a:lvl5pPr marL="1030288" indent="-173038" algn="l" defTabSz="914400" rtl="0" eaLnBrk="1" latinLnBrk="0" hangingPunct="1">
+              <a:lnSpc>
+                <a:spcPct val="90000"/>
+              </a:lnSpc>
+              <a:spcBef>
+                <a:spcPts val="600"/>
+              </a:spcBef>
+              <a:buClr>
+                <a:schemeClr val="accent1"/>
+              </a:buClr>
+              <a:buSzPct val="100000"/>
+              <a:buFont typeface="Arial" pitchFamily="34" charset="0"/>
+              <a:buChar char="•"/>
+              <a:defRPr sz="1800" kern="1200">
+                <a:solidFill>
+                  <a:schemeClr val="tx1"/>
+                </a:solidFill>
+                <a:latin typeface="+mn-lt"/>
+                <a:ea typeface="+mn-ea"/>
+                <a:cs typeface="+mn-cs"/>
+              </a:defRPr>
+            </a:lvl5pPr>
+            <a:lvl6pPr marL="1207008" indent="-173736" algn="l" defTabSz="914400" rtl="0" eaLnBrk="1" latinLnBrk="0" hangingPunct="1">
+              <a:spcBef>
+                <a:spcPts val="600"/>
+              </a:spcBef>
+              <a:buClr>
+                <a:schemeClr val="accent1"/>
+              </a:buClr>
+              <a:buFont typeface="Arial" pitchFamily="34" charset="0"/>
+              <a:buChar char="•"/>
+              <a:defRPr sz="1800" kern="1200">
+                <a:solidFill>
+                  <a:schemeClr val="tx1"/>
+                </a:solidFill>
+                <a:latin typeface="+mn-lt"/>
+                <a:ea typeface="+mn-ea"/>
+                <a:cs typeface="+mn-cs"/>
+              </a:defRPr>
+            </a:lvl6pPr>
+            <a:lvl7pPr marL="1380744" indent="-173736" algn="l" defTabSz="914400" rtl="0" eaLnBrk="1" latinLnBrk="0" hangingPunct="1">
+              <a:spcBef>
+                <a:spcPts val="600"/>
+              </a:spcBef>
+              <a:buClr>
+                <a:schemeClr val="accent1"/>
+              </a:buClr>
+              <a:buFont typeface="Arial" pitchFamily="34" charset="0"/>
+              <a:buChar char="•"/>
+              <a:defRPr sz="1800" kern="1200">
+                <a:solidFill>
+                  <a:schemeClr val="tx1"/>
+                </a:solidFill>
+                <a:latin typeface="+mn-lt"/>
+                <a:ea typeface="+mn-ea"/>
+                <a:cs typeface="+mn-cs"/>
+              </a:defRPr>
+            </a:lvl7pPr>
+            <a:lvl8pPr marL="1554480" indent="-173736" algn="l" defTabSz="914400" rtl="0" eaLnBrk="1" latinLnBrk="0" hangingPunct="1">
+              <a:spcBef>
+                <a:spcPts val="600"/>
+              </a:spcBef>
+              <a:buClr>
+                <a:schemeClr val="accent1"/>
+              </a:buClr>
+              <a:buFont typeface="Arial" pitchFamily="34" charset="0"/>
+              <a:buChar char="•"/>
+              <a:defRPr sz="1800" kern="1200">
+                <a:solidFill>
+                  <a:schemeClr val="tx1"/>
+                </a:solidFill>
+                <a:latin typeface="+mn-lt"/>
+                <a:ea typeface="+mn-ea"/>
+                <a:cs typeface="+mn-cs"/>
+              </a:defRPr>
+            </a:lvl8pPr>
+            <a:lvl9pPr marL="1728216" indent="-173736" algn="l" defTabSz="914400" rtl="0" eaLnBrk="1" latinLnBrk="0" hangingPunct="1">
+              <a:spcBef>
+                <a:spcPts val="600"/>
+              </a:spcBef>
+              <a:buClr>
+                <a:schemeClr val="accent1"/>
+              </a:buClr>
+              <a:buFont typeface="Arial" pitchFamily="34" charset="0"/>
+              <a:buChar char="•"/>
+              <a:defRPr sz="1800" kern="1200">
+                <a:solidFill>
+                  <a:schemeClr val="tx1"/>
+                </a:solidFill>
+                <a:latin typeface="+mn-lt"/>
+                <a:ea typeface="+mn-ea"/>
+                <a:cs typeface="+mn-cs"/>
+              </a:defRPr>
+            </a:lvl9pPr>
+          </a:lstStyle>
+          <a:p>
+            <a:pPr marL="0" indent="0">
+              <a:buNone/>
+            </a:pPr>
+            <a:r>
+              <a:rPr lang="fr-FR" sz="1100" dirty="0" smtClean="0">
+                <a:solidFill>
+                  <a:schemeClr val="bg1"/>
+                </a:solidFill>
+              </a:rPr>
+              <a:t>C’est pas le logo anarchiste</a:t>
+            </a:r>
+            <a:endParaRPr lang="fr-FR" sz="1100" dirty="0">
+              <a:solidFill>
+                <a:schemeClr val="bg1"/>
+              </a:solidFill>
+            </a:endParaRPr>
+          </a:p>
+        </p:txBody>
+      </p:sp>
     </p:spTree>
     <p:extLst>
       <p:ext uri="{BB962C8B-B14F-4D97-AF65-F5344CB8AC3E}">

--- a/SERVEUR ET FICHIERS D’IMPRESSION.pptx
+++ b/SERVEUR ET FICHIERS D’IMPRESSION.pptx
@@ -6228,34 +6228,6 @@
       </p:sp>
       <p:sp>
         <p:nvSpPr>
-          <p:cNvPr id="7" name="Espace réservé de la date 6"/>
-          <p:cNvSpPr>
-            <a:spLocks noGrp="1"/>
-          </p:cNvSpPr>
-          <p:nvPr>
-            <p:ph type="dt" sz="half" idx="10"/>
-          </p:nvPr>
-        </p:nvSpPr>
-        <p:spPr/>
-        <p:txBody>
-          <a:bodyPr rtlCol="0"/>
-          <a:lstStyle>
-            <a:lvl1pPr>
-              <a:defRPr sz="1100"/>
-            </a:lvl1pPr>
-          </a:lstStyle>
-          <a:p>
-            <a:pPr rtl="0"/>
-            <a:fld id="{59C6914E-1119-4A4B-A3DC-147034B2ECE6}" type="datetime1">
-              <a:rPr lang="fr-FR" noProof="0" smtClean="0"/>
-              <a:t>13/04/2022</a:t>
-            </a:fld>
-            <a:endParaRPr lang="fr-FR" noProof="0" dirty="0"/>
-          </a:p>
-        </p:txBody>
-      </p:sp>
-      <p:sp>
-        <p:nvSpPr>
           <p:cNvPr id="8" name="Espace réservé du pied de page 7"/>
           <p:cNvSpPr>
             <a:spLocks noGrp="1"/>
@@ -6283,30 +6255,45 @@
       </p:sp>
       <p:sp>
         <p:nvSpPr>
-          <p:cNvPr id="9" name="Espace réservé du numéro de diapositive 8"/>
+          <p:cNvPr id="11" name="Espace réservé de la date 6"/>
           <p:cNvSpPr>
             <a:spLocks noGrp="1"/>
           </p:cNvSpPr>
           <p:nvPr>
-            <p:ph type="sldNum" sz="quarter" idx="12"/>
+            <p:ph type="dt" sz="half" idx="2"/>
           </p:nvPr>
         </p:nvSpPr>
-        <p:spPr/>
+        <p:spPr>
+          <a:xfrm>
+            <a:off x="9622804" y="6426200"/>
+            <a:ext cx="2376264" cy="250828"/>
+          </a:xfrm>
+          <a:prstGeom prst="rect">
+            <a:avLst/>
+          </a:prstGeom>
+        </p:spPr>
         <p:txBody>
           <a:bodyPr rtlCol="0"/>
           <a:lstStyle>
             <a:lvl1pPr>
-              <a:defRPr sz="1100"/>
+              <a:defRPr sz="1800">
+                <a:solidFill>
+                  <a:schemeClr val="bg2">
+                    <a:lumMod val="20000"/>
+                    <a:lumOff val="80000"/>
+                  </a:schemeClr>
+                </a:solidFill>
+                <a:latin typeface="Lucida Console" panose="020B0609040504020204" pitchFamily="49" charset="0"/>
+              </a:defRPr>
             </a:lvl1pPr>
           </a:lstStyle>
           <a:p>
-            <a:pPr rtl="0"/>
-            <a:fld id="{2A013F82-EE5E-44EE-A61D-E31C6657F26F}" type="slidenum">
-              <a:rPr lang="fr-FR" noProof="0" smtClean="0"/>
+            <a:fld id="{B88C40BB-4737-4D39-9F3C-F0B9A14C804A}" type="datetime1">
+              <a:rPr lang="fr-FR" smtClean="0"/>
               <a:pPr/>
-              <a:t>‹N°›</a:t>
+              <a:t>13/04/2022</a:t>
             </a:fld>
-            <a:endParaRPr lang="fr-FR" noProof="0" dirty="0"/>
+            <a:endParaRPr lang="fr-FR" dirty="0"/>
           </a:p>
         </p:txBody>
       </p:sp>
@@ -6332,6 +6319,13 @@
       </p:transition>
     </mc:Fallback>
   </mc:AlternateContent>
+  <p:timing>
+    <p:tnLst>
+      <p:par>
+        <p:cTn id="1" dur="indefinite" restart="never" nodeType="tmRoot"/>
+      </p:par>
+    </p:tnLst>
+  </p:timing>
 </p:sldLayout>
 </file>
 
@@ -6461,49 +6455,45 @@
       </p:sp>
       <p:sp>
         <p:nvSpPr>
-          <p:cNvPr id="4" name="Espace réservé de la date 3"/>
+          <p:cNvPr id="7" name="Espace réservé de la date 6"/>
           <p:cNvSpPr>
             <a:spLocks noGrp="1"/>
           </p:cNvSpPr>
           <p:nvPr>
-            <p:ph type="dt" sz="half" idx="10"/>
+            <p:ph type="dt" sz="half" idx="2"/>
           </p:nvPr>
         </p:nvSpPr>
-        <p:spPr/>
+        <p:spPr>
+          <a:xfrm>
+            <a:off x="9622804" y="6426200"/>
+            <a:ext cx="2376264" cy="250828"/>
+          </a:xfrm>
+          <a:prstGeom prst="rect">
+            <a:avLst/>
+          </a:prstGeom>
+        </p:spPr>
         <p:txBody>
           <a:bodyPr rtlCol="0"/>
-          <a:lstStyle/>
-          <a:p>
-            <a:pPr rtl="0"/>
-            <a:fld id="{EC69E5DC-658C-47BB-A5D0-330F33AD0363}" type="datetime1">
-              <a:rPr lang="fr-FR" noProof="0" smtClean="0"/>
+          <a:lstStyle>
+            <a:lvl1pPr>
+              <a:defRPr sz="1800">
+                <a:solidFill>
+                  <a:schemeClr val="bg2">
+                    <a:lumMod val="20000"/>
+                    <a:lumOff val="80000"/>
+                  </a:schemeClr>
+                </a:solidFill>
+                <a:latin typeface="Lucida Console" panose="020B0609040504020204" pitchFamily="49" charset="0"/>
+              </a:defRPr>
+            </a:lvl1pPr>
+          </a:lstStyle>
+          <a:p>
+            <a:fld id="{B88C40BB-4737-4D39-9F3C-F0B9A14C804A}" type="datetime1">
+              <a:rPr lang="fr-FR" smtClean="0"/>
+              <a:pPr/>
               <a:t>13/04/2022</a:t>
             </a:fld>
-            <a:endParaRPr lang="fr-FR" noProof="0" dirty="0"/>
-          </a:p>
-        </p:txBody>
-      </p:sp>
-      <p:sp>
-        <p:nvSpPr>
-          <p:cNvPr id="6" name="Espace réservé du numéro de diapositive 5"/>
-          <p:cNvSpPr>
-            <a:spLocks noGrp="1"/>
-          </p:cNvSpPr>
-          <p:nvPr>
-            <p:ph type="sldNum" sz="quarter" idx="12"/>
-          </p:nvPr>
-        </p:nvSpPr>
-        <p:spPr/>
-        <p:txBody>
-          <a:bodyPr rtlCol="0"/>
-          <a:lstStyle/>
-          <a:p>
-            <a:pPr rtl="0"/>
-            <a:fld id="{2A013F82-EE5E-44EE-A61D-E31C6657F26F}" type="slidenum">
-              <a:rPr lang="fr-FR" noProof="0" smtClean="0"/>
-              <a:t>‹N°›</a:t>
-            </a:fld>
-            <a:endParaRPr lang="fr-FR" noProof="0" dirty="0"/>
+            <a:endParaRPr lang="fr-FR" dirty="0"/>
           </a:p>
         </p:txBody>
       </p:sp>
@@ -6529,6 +6519,13 @@
       </p:transition>
     </mc:Fallback>
   </mc:AlternateContent>
+  <p:timing>
+    <p:tnLst>
+      <p:par>
+        <p:cTn id="1" dur="indefinite" restart="never" nodeType="tmRoot"/>
+      </p:par>
+    </p:tnLst>
+  </p:timing>
 </p:sldLayout>
 </file>
 
@@ -6668,49 +6665,45 @@
       </p:sp>
       <p:sp>
         <p:nvSpPr>
-          <p:cNvPr id="4" name="Espace réservé de la date 3"/>
+          <p:cNvPr id="8" name="Espace réservé de la date 6"/>
           <p:cNvSpPr>
             <a:spLocks noGrp="1"/>
           </p:cNvSpPr>
           <p:nvPr>
-            <p:ph type="dt" sz="half" idx="10"/>
+            <p:ph type="dt" sz="half" idx="2"/>
           </p:nvPr>
         </p:nvSpPr>
-        <p:spPr/>
+        <p:spPr>
+          <a:xfrm>
+            <a:off x="9622804" y="6426200"/>
+            <a:ext cx="2376264" cy="250828"/>
+          </a:xfrm>
+          <a:prstGeom prst="rect">
+            <a:avLst/>
+          </a:prstGeom>
+        </p:spPr>
         <p:txBody>
           <a:bodyPr rtlCol="0"/>
-          <a:lstStyle/>
-          <a:p>
-            <a:pPr rtl="0"/>
-            <a:fld id="{D2A7BE6E-8411-4A07-90E8-1243C474D5FF}" type="datetime1">
-              <a:rPr lang="fr-FR" noProof="0" smtClean="0"/>
+          <a:lstStyle>
+            <a:lvl1pPr>
+              <a:defRPr sz="1800">
+                <a:solidFill>
+                  <a:schemeClr val="bg2">
+                    <a:lumMod val="20000"/>
+                    <a:lumOff val="80000"/>
+                  </a:schemeClr>
+                </a:solidFill>
+                <a:latin typeface="Lucida Console" panose="020B0609040504020204" pitchFamily="49" charset="0"/>
+              </a:defRPr>
+            </a:lvl1pPr>
+          </a:lstStyle>
+          <a:p>
+            <a:fld id="{B88C40BB-4737-4D39-9F3C-F0B9A14C804A}" type="datetime1">
+              <a:rPr lang="fr-FR" smtClean="0"/>
+              <a:pPr/>
               <a:t>13/04/2022</a:t>
             </a:fld>
-            <a:endParaRPr lang="fr-FR" noProof="0" dirty="0"/>
-          </a:p>
-        </p:txBody>
-      </p:sp>
-      <p:sp>
-        <p:nvSpPr>
-          <p:cNvPr id="6" name="Espace réservé du numéro de diapositive 5"/>
-          <p:cNvSpPr>
-            <a:spLocks noGrp="1"/>
-          </p:cNvSpPr>
-          <p:nvPr>
-            <p:ph type="sldNum" sz="quarter" idx="12"/>
-          </p:nvPr>
-        </p:nvSpPr>
-        <p:spPr/>
-        <p:txBody>
-          <a:bodyPr rtlCol="0"/>
-          <a:lstStyle/>
-          <a:p>
-            <a:pPr rtl="0"/>
-            <a:fld id="{2A013F82-EE5E-44EE-A61D-E31C6657F26F}" type="slidenum">
-              <a:rPr lang="fr-FR" noProof="0" smtClean="0"/>
-              <a:t>‹N°›</a:t>
-            </a:fld>
-            <a:endParaRPr lang="fr-FR" noProof="0" dirty="0"/>
+            <a:endParaRPr lang="fr-FR" dirty="0"/>
           </a:p>
         </p:txBody>
       </p:sp>
@@ -6736,6 +6729,13 @@
       </p:transition>
     </mc:Fallback>
   </mc:AlternateContent>
+  <p:timing>
+    <p:tnLst>
+      <p:par>
+        <p:cTn id="1" dur="indefinite" restart="never" nodeType="tmRoot"/>
+      </p:par>
+    </p:tnLst>
+  </p:timing>
 </p:sldLayout>
 </file>
 
@@ -6866,49 +6866,45 @@
       </p:sp>
       <p:sp>
         <p:nvSpPr>
-          <p:cNvPr id="4" name="Espace réservé de la date 3"/>
+          <p:cNvPr id="14" name="Espace réservé de la date 6"/>
           <p:cNvSpPr>
             <a:spLocks noGrp="1"/>
           </p:cNvSpPr>
           <p:nvPr>
-            <p:ph type="dt" sz="half" idx="10"/>
+            <p:ph type="dt" sz="half" idx="2"/>
           </p:nvPr>
         </p:nvSpPr>
-        <p:spPr/>
+        <p:spPr>
+          <a:xfrm>
+            <a:off x="9622804" y="6426200"/>
+            <a:ext cx="2376264" cy="250828"/>
+          </a:xfrm>
+          <a:prstGeom prst="rect">
+            <a:avLst/>
+          </a:prstGeom>
+        </p:spPr>
         <p:txBody>
           <a:bodyPr rtlCol="0"/>
-          <a:lstStyle/>
-          <a:p>
-            <a:pPr rtl="0"/>
-            <a:fld id="{F050B14C-74B9-4974-9E07-5364A6325630}" type="datetime1">
-              <a:rPr lang="fr-FR" noProof="0" smtClean="0"/>
+          <a:lstStyle>
+            <a:lvl1pPr>
+              <a:defRPr sz="1800">
+                <a:solidFill>
+                  <a:schemeClr val="bg2">
+                    <a:lumMod val="20000"/>
+                    <a:lumOff val="80000"/>
+                  </a:schemeClr>
+                </a:solidFill>
+                <a:latin typeface="Lucida Console" panose="020B0609040504020204" pitchFamily="49" charset="0"/>
+              </a:defRPr>
+            </a:lvl1pPr>
+          </a:lstStyle>
+          <a:p>
+            <a:fld id="{B88C40BB-4737-4D39-9F3C-F0B9A14C804A}" type="datetime1">
+              <a:rPr lang="fr-FR" smtClean="0"/>
+              <a:pPr/>
               <a:t>13/04/2022</a:t>
             </a:fld>
-            <a:endParaRPr lang="fr-FR" noProof="0" dirty="0"/>
-          </a:p>
-        </p:txBody>
-      </p:sp>
-      <p:sp>
-        <p:nvSpPr>
-          <p:cNvPr id="6" name="Espace réservé du numéro de diapositive 5"/>
-          <p:cNvSpPr>
-            <a:spLocks noGrp="1"/>
-          </p:cNvSpPr>
-          <p:nvPr>
-            <p:ph type="sldNum" sz="quarter" idx="12"/>
-          </p:nvPr>
-        </p:nvSpPr>
-        <p:spPr/>
-        <p:txBody>
-          <a:bodyPr rtlCol="0"/>
-          <a:lstStyle/>
-          <a:p>
-            <a:pPr rtl="0"/>
-            <a:fld id="{2A013F82-EE5E-44EE-A61D-E31C6657F26F}" type="slidenum">
-              <a:rPr lang="fr-FR" noProof="0" smtClean="0"/>
-              <a:t>‹N°›</a:t>
-            </a:fld>
-            <a:endParaRPr lang="fr-FR" noProof="0" dirty="0"/>
+            <a:endParaRPr lang="fr-FR" dirty="0"/>
           </a:p>
         </p:txBody>
       </p:sp>
@@ -6934,6 +6930,13 @@
       </p:transition>
     </mc:Fallback>
   </mc:AlternateContent>
+  <p:timing>
+    <p:tnLst>
+      <p:par>
+        <p:cTn id="1" dur="indefinite" restart="never" nodeType="tmRoot"/>
+      </p:par>
+    </p:tnLst>
+  </p:timing>
 </p:sldLayout>
 </file>
 
@@ -7141,49 +7144,45 @@
       </p:sp>
       <p:sp>
         <p:nvSpPr>
-          <p:cNvPr id="4" name="Espace réservé de la date 3"/>
+          <p:cNvPr id="11" name="Espace réservé de la date 6"/>
           <p:cNvSpPr>
             <a:spLocks noGrp="1"/>
           </p:cNvSpPr>
           <p:nvPr>
-            <p:ph type="dt" sz="half" idx="10"/>
+            <p:ph type="dt" sz="half" idx="2"/>
           </p:nvPr>
         </p:nvSpPr>
-        <p:spPr/>
+        <p:spPr>
+          <a:xfrm>
+            <a:off x="9622804" y="6426200"/>
+            <a:ext cx="2376264" cy="250828"/>
+          </a:xfrm>
+          <a:prstGeom prst="rect">
+            <a:avLst/>
+          </a:prstGeom>
+        </p:spPr>
         <p:txBody>
           <a:bodyPr rtlCol="0"/>
-          <a:lstStyle/>
-          <a:p>
-            <a:pPr rtl="0"/>
-            <a:fld id="{AB011E6E-BA7E-4057-B991-3D369C25AF09}" type="datetime1">
-              <a:rPr lang="fr-FR" noProof="0" smtClean="0"/>
+          <a:lstStyle>
+            <a:lvl1pPr>
+              <a:defRPr sz="1800">
+                <a:solidFill>
+                  <a:schemeClr val="bg2">
+                    <a:lumMod val="20000"/>
+                    <a:lumOff val="80000"/>
+                  </a:schemeClr>
+                </a:solidFill>
+                <a:latin typeface="Lucida Console" panose="020B0609040504020204" pitchFamily="49" charset="0"/>
+              </a:defRPr>
+            </a:lvl1pPr>
+          </a:lstStyle>
+          <a:p>
+            <a:fld id="{B88C40BB-4737-4D39-9F3C-F0B9A14C804A}" type="datetime1">
+              <a:rPr lang="fr-FR" smtClean="0"/>
+              <a:pPr/>
               <a:t>13/04/2022</a:t>
             </a:fld>
-            <a:endParaRPr lang="fr-FR" noProof="0" dirty="0"/>
-          </a:p>
-        </p:txBody>
-      </p:sp>
-      <p:sp>
-        <p:nvSpPr>
-          <p:cNvPr id="6" name="Espace réservé du numéro de diapositive 5"/>
-          <p:cNvSpPr>
-            <a:spLocks noGrp="1"/>
-          </p:cNvSpPr>
-          <p:nvPr>
-            <p:ph type="sldNum" sz="quarter" idx="12"/>
-          </p:nvPr>
-        </p:nvSpPr>
-        <p:spPr/>
-        <p:txBody>
-          <a:bodyPr rtlCol="0"/>
-          <a:lstStyle/>
-          <a:p>
-            <a:pPr rtl="0"/>
-            <a:fld id="{2A013F82-EE5E-44EE-A61D-E31C6657F26F}" type="slidenum">
-              <a:rPr lang="fr-FR" noProof="0" smtClean="0"/>
-              <a:t>‹N°›</a:t>
-            </a:fld>
-            <a:endParaRPr lang="fr-FR" noProof="0" dirty="0"/>
+            <a:endParaRPr lang="fr-FR" dirty="0"/>
           </a:p>
         </p:txBody>
       </p:sp>
@@ -7209,6 +7208,13 @@
       </p:transition>
     </mc:Fallback>
   </mc:AlternateContent>
+  <p:timing>
+    <p:tnLst>
+      <p:par>
+        <p:cTn id="1" dur="indefinite" restart="never" nodeType="tmRoot"/>
+      </p:par>
+    </p:tnLst>
+  </p:timing>
 </p:sldLayout>
 </file>
 
@@ -7455,31 +7461,7 @@
       </p:sp>
       <p:sp>
         <p:nvSpPr>
-          <p:cNvPr id="5" name="Espace réservé de la date 4"/>
-          <p:cNvSpPr>
-            <a:spLocks noGrp="1"/>
-          </p:cNvSpPr>
-          <p:nvPr>
-            <p:ph type="dt" sz="half" idx="10"/>
-          </p:nvPr>
-        </p:nvSpPr>
-        <p:spPr/>
-        <p:txBody>
-          <a:bodyPr rtlCol="0"/>
-          <a:lstStyle/>
-          <a:p>
-            <a:pPr rtl="0"/>
-            <a:fld id="{8E3804CD-D4BA-4FA9-A809-5187FBA47AE8}" type="datetime1">
-              <a:rPr lang="fr-FR" noProof="0" smtClean="0"/>
-              <a:t>13/04/2022</a:t>
-            </a:fld>
-            <a:endParaRPr lang="fr-FR" noProof="0" dirty="0"/>
-          </a:p>
-        </p:txBody>
-      </p:sp>
-      <p:sp>
-        <p:nvSpPr>
-          <p:cNvPr id="7" name="Espace réservé du numéro de diapositive 6"/>
+          <p:cNvPr id="10" name="Espace réservé du numéro de diapositive 8"/>
           <p:cNvSpPr>
             <a:spLocks noGrp="1"/>
           </p:cNvSpPr>
@@ -7487,17 +7469,83 @@
             <p:ph type="sldNum" sz="quarter" idx="12"/>
           </p:nvPr>
         </p:nvSpPr>
-        <p:spPr/>
+        <p:spPr>
+          <a:xfrm>
+            <a:off x="11206980" y="188640"/>
+            <a:ext cx="622177" cy="288032"/>
+          </a:xfrm>
+          <a:prstGeom prst="rect">
+            <a:avLst/>
+          </a:prstGeom>
+          <a:solidFill>
+            <a:srgbClr val="B6CABF"/>
+          </a:solidFill>
+        </p:spPr>
         <p:txBody>
           <a:bodyPr rtlCol="0"/>
-          <a:lstStyle/>
-          <a:p>
-            <a:pPr rtl="0"/>
+          <a:lstStyle>
+            <a:lvl1pPr>
+              <a:defRPr sz="1800">
+                <a:solidFill>
+                  <a:schemeClr val="bg2">
+                    <a:lumMod val="60000"/>
+                    <a:lumOff val="40000"/>
+                  </a:schemeClr>
+                </a:solidFill>
+              </a:defRPr>
+            </a:lvl1pPr>
+          </a:lstStyle>
+          <a:p>
             <a:fld id="{2A013F82-EE5E-44EE-A61D-E31C6657F26F}" type="slidenum">
-              <a:rPr lang="fr-FR" noProof="0" smtClean="0"/>
+              <a:rPr lang="fr-FR" smtClean="0"/>
+              <a:pPr/>
               <a:t>‹N°›</a:t>
             </a:fld>
-            <a:endParaRPr lang="fr-FR" noProof="0" dirty="0"/>
+            <a:endParaRPr lang="fr-FR" dirty="0"/>
+          </a:p>
+        </p:txBody>
+      </p:sp>
+      <p:sp>
+        <p:nvSpPr>
+          <p:cNvPr id="13" name="Espace réservé de la date 6"/>
+          <p:cNvSpPr>
+            <a:spLocks noGrp="1"/>
+          </p:cNvSpPr>
+          <p:nvPr>
+            <p:ph type="dt" sz="half" idx="13"/>
+          </p:nvPr>
+        </p:nvSpPr>
+        <p:spPr>
+          <a:xfrm>
+            <a:off x="9622804" y="6426200"/>
+            <a:ext cx="2376264" cy="250828"/>
+          </a:xfrm>
+          <a:prstGeom prst="rect">
+            <a:avLst/>
+          </a:prstGeom>
+        </p:spPr>
+        <p:txBody>
+          <a:bodyPr rtlCol="0"/>
+          <a:lstStyle>
+            <a:lvl1pPr>
+              <a:defRPr sz="1800">
+                <a:solidFill>
+                  <a:schemeClr val="bg2">
+                    <a:lumMod val="20000"/>
+                    <a:lumOff val="80000"/>
+                  </a:schemeClr>
+                </a:solidFill>
+                <a:latin typeface="Lucida Console" panose="020B0609040504020204" pitchFamily="49" charset="0"/>
+              </a:defRPr>
+            </a:lvl1pPr>
+          </a:lstStyle>
+          <a:p>
+            <a:fld id="{B88C40BB-4737-4D39-9F3C-F0B9A14C804A}" type="datetime1">
+              <a:rPr lang="fr-FR" smtClean="0"/>
+              <a:pPr/>
+              <a:t>13/04/2022</a:t>
+            </a:fld>
+            <a:endParaRPr lang="fr-FR" dirty="0"/>
           </a:p>
         </p:txBody>
       </p:sp>
@@ -7523,6 +7571,13 @@
       </p:transition>
     </mc:Fallback>
   </mc:AlternateContent>
+  <p:timing>
+    <p:tnLst>
+      <p:par>
+        <p:cTn id="1" dur="indefinite" restart="never" nodeType="tmRoot"/>
+      </p:par>
+    </p:tnLst>
+  </p:timing>
 </p:sldLayout>
 </file>
 
@@ -7921,49 +7976,175 @@
       </p:sp>
       <p:sp>
         <p:nvSpPr>
-          <p:cNvPr id="7" name="Espace réservé de la date 6"/>
+          <p:cNvPr id="10" name="Espace réservé du numéro de diapositive 8"/>
+          <p:cNvSpPr txBox="1">
+            <a:spLocks/>
+          </p:cNvSpPr>
+          <p:nvPr userDrawn="1"/>
+        </p:nvSpPr>
+        <p:spPr>
+          <a:xfrm>
+            <a:off x="11206980" y="188640"/>
+            <a:ext cx="622177" cy="288032"/>
+          </a:xfrm>
+          <a:prstGeom prst="rect">
+            <a:avLst/>
+          </a:prstGeom>
+          <a:solidFill>
+            <a:srgbClr val="B6CABF"/>
+          </a:solidFill>
+        </p:spPr>
+        <p:txBody>
+          <a:bodyPr vert="horz" lIns="91440" tIns="45720" rIns="91440" bIns="45720" rtlCol="0" anchor="ctr"/>
+          <a:lstStyle>
+            <a:defPPr rtl="0">
+              <a:defRPr lang="fr-fr"/>
+            </a:defPPr>
+            <a:lvl1pPr marL="0" algn="r" defTabSz="914400" rtl="0" eaLnBrk="1" latinLnBrk="0" hangingPunct="1">
+              <a:defRPr sz="1800" kern="1200">
+                <a:solidFill>
+                  <a:schemeClr val="bg2">
+                    <a:lumMod val="60000"/>
+                    <a:lumOff val="40000"/>
+                  </a:schemeClr>
+                </a:solidFill>
+                <a:latin typeface="+mn-lt"/>
+                <a:ea typeface="+mn-ea"/>
+                <a:cs typeface="+mn-cs"/>
+              </a:defRPr>
+            </a:lvl1pPr>
+            <a:lvl2pPr marL="457200" algn="l" defTabSz="914400" rtl="0" eaLnBrk="1" latinLnBrk="0" hangingPunct="1">
+              <a:defRPr sz="1800" kern="1200">
+                <a:solidFill>
+                  <a:schemeClr val="tx1"/>
+                </a:solidFill>
+                <a:latin typeface="+mn-lt"/>
+                <a:ea typeface="+mn-ea"/>
+                <a:cs typeface="+mn-cs"/>
+              </a:defRPr>
+            </a:lvl2pPr>
+            <a:lvl3pPr marL="914400" algn="l" defTabSz="914400" rtl="0" eaLnBrk="1" latinLnBrk="0" hangingPunct="1">
+              <a:defRPr sz="1800" kern="1200">
+                <a:solidFill>
+                  <a:schemeClr val="tx1"/>
+                </a:solidFill>
+                <a:latin typeface="+mn-lt"/>
+                <a:ea typeface="+mn-ea"/>
+                <a:cs typeface="+mn-cs"/>
+              </a:defRPr>
+            </a:lvl3pPr>
+            <a:lvl4pPr marL="1371600" algn="l" defTabSz="914400" rtl="0" eaLnBrk="1" latinLnBrk="0" hangingPunct="1">
+              <a:defRPr sz="1800" kern="1200">
+                <a:solidFill>
+                  <a:schemeClr val="tx1"/>
+                </a:solidFill>
+                <a:latin typeface="+mn-lt"/>
+                <a:ea typeface="+mn-ea"/>
+                <a:cs typeface="+mn-cs"/>
+              </a:defRPr>
+            </a:lvl4pPr>
+            <a:lvl5pPr marL="1828800" algn="l" defTabSz="914400" rtl="0" eaLnBrk="1" latinLnBrk="0" hangingPunct="1">
+              <a:defRPr sz="1800" kern="1200">
+                <a:solidFill>
+                  <a:schemeClr val="tx1"/>
+                </a:solidFill>
+                <a:latin typeface="+mn-lt"/>
+                <a:ea typeface="+mn-ea"/>
+                <a:cs typeface="+mn-cs"/>
+              </a:defRPr>
+            </a:lvl5pPr>
+            <a:lvl6pPr marL="2286000" algn="l" defTabSz="914400" rtl="0" eaLnBrk="1" latinLnBrk="0" hangingPunct="1">
+              <a:defRPr sz="1800" kern="1200">
+                <a:solidFill>
+                  <a:schemeClr val="tx1"/>
+                </a:solidFill>
+                <a:latin typeface="+mn-lt"/>
+                <a:ea typeface="+mn-ea"/>
+                <a:cs typeface="+mn-cs"/>
+              </a:defRPr>
+            </a:lvl6pPr>
+            <a:lvl7pPr marL="2743200" algn="l" defTabSz="914400" rtl="0" eaLnBrk="1" latinLnBrk="0" hangingPunct="1">
+              <a:defRPr sz="1800" kern="1200">
+                <a:solidFill>
+                  <a:schemeClr val="tx1"/>
+                </a:solidFill>
+                <a:latin typeface="+mn-lt"/>
+                <a:ea typeface="+mn-ea"/>
+                <a:cs typeface="+mn-cs"/>
+              </a:defRPr>
+            </a:lvl7pPr>
+            <a:lvl8pPr marL="3200400" algn="l" defTabSz="914400" rtl="0" eaLnBrk="1" latinLnBrk="0" hangingPunct="1">
+              <a:defRPr sz="1800" kern="1200">
+                <a:solidFill>
+                  <a:schemeClr val="tx1"/>
+                </a:solidFill>
+                <a:latin typeface="+mn-lt"/>
+                <a:ea typeface="+mn-ea"/>
+                <a:cs typeface="+mn-cs"/>
+              </a:defRPr>
+            </a:lvl8pPr>
+            <a:lvl9pPr marL="3657600" algn="l" defTabSz="914400" rtl="0" eaLnBrk="1" latinLnBrk="0" hangingPunct="1">
+              <a:defRPr sz="1800" kern="1200">
+                <a:solidFill>
+                  <a:schemeClr val="tx1"/>
+                </a:solidFill>
+                <a:latin typeface="+mn-lt"/>
+                <a:ea typeface="+mn-ea"/>
+                <a:cs typeface="+mn-cs"/>
+              </a:defRPr>
+            </a:lvl9pPr>
+          </a:lstStyle>
+          <a:p>
+            <a:fld id="{2A013F82-EE5E-44EE-A61D-E31C6657F26F}" type="slidenum">
+              <a:rPr lang="fr-FR" smtClean="0"/>
+              <a:pPr/>
+              <a:t>‹N°›</a:t>
+            </a:fld>
+            <a:endParaRPr lang="fr-FR" dirty="0"/>
+          </a:p>
+        </p:txBody>
+      </p:sp>
+      <p:sp>
+        <p:nvSpPr>
+          <p:cNvPr id="13" name="Espace réservé de la date 6"/>
           <p:cNvSpPr>
             <a:spLocks noGrp="1"/>
           </p:cNvSpPr>
           <p:nvPr>
-            <p:ph type="dt" sz="half" idx="10"/>
+            <p:ph type="dt" sz="half" idx="12"/>
           </p:nvPr>
         </p:nvSpPr>
-        <p:spPr/>
+        <p:spPr>
+          <a:xfrm>
+            <a:off x="9622804" y="6426200"/>
+            <a:ext cx="2376264" cy="250828"/>
+          </a:xfrm>
+          <a:prstGeom prst="rect">
+            <a:avLst/>
+          </a:prstGeom>
+        </p:spPr>
         <p:txBody>
           <a:bodyPr rtlCol="0"/>
-          <a:lstStyle/>
-          <a:p>
-            <a:pPr rtl="0"/>
-            <a:fld id="{D69C3D8F-253F-4C47-955D-F111C253D839}" type="datetime1">
-              <a:rPr lang="fr-FR" noProof="0" smtClean="0"/>
+          <a:lstStyle>
+            <a:lvl1pPr>
+              <a:defRPr sz="1800">
+                <a:solidFill>
+                  <a:schemeClr val="bg2">
+                    <a:lumMod val="20000"/>
+                    <a:lumOff val="80000"/>
+                  </a:schemeClr>
+                </a:solidFill>
+                <a:latin typeface="Lucida Console" panose="020B0609040504020204" pitchFamily="49" charset="0"/>
+              </a:defRPr>
+            </a:lvl1pPr>
+          </a:lstStyle>
+          <a:p>
+            <a:fld id="{B88C40BB-4737-4D39-9F3C-F0B9A14C804A}" type="datetime1">
+              <a:rPr lang="fr-FR" smtClean="0"/>
+              <a:pPr/>
               <a:t>13/04/2022</a:t>
             </a:fld>
-            <a:endParaRPr lang="fr-FR" noProof="0" dirty="0"/>
-          </a:p>
-        </p:txBody>
-      </p:sp>
-      <p:sp>
-        <p:nvSpPr>
-          <p:cNvPr id="9" name="Espace réservé du numéro de diapositive 8"/>
-          <p:cNvSpPr>
-            <a:spLocks noGrp="1"/>
-          </p:cNvSpPr>
-          <p:nvPr>
-            <p:ph type="sldNum" sz="quarter" idx="12"/>
-          </p:nvPr>
-        </p:nvSpPr>
-        <p:spPr/>
-        <p:txBody>
-          <a:bodyPr rtlCol="0"/>
-          <a:lstStyle/>
-          <a:p>
-            <a:pPr rtl="0"/>
-            <a:fld id="{2A013F82-EE5E-44EE-A61D-E31C6657F26F}" type="slidenum">
-              <a:rPr lang="fr-FR" noProof="0" smtClean="0"/>
-              <a:t>‹N°›</a:t>
-            </a:fld>
-            <a:endParaRPr lang="fr-FR" noProof="0" dirty="0"/>
+            <a:endParaRPr lang="fr-FR" dirty="0"/>
           </a:p>
         </p:txBody>
       </p:sp>
@@ -7989,6 +8170,13 @@
       </p:transition>
     </mc:Fallback>
   </mc:AlternateContent>
+  <p:timing>
+    <p:tnLst>
+      <p:par>
+        <p:cTn id="1" dur="indefinite" restart="never" nodeType="tmRoot"/>
+      </p:par>
+    </p:tnLst>
+  </p:timing>
 </p:sldLayout>
 </file>
 
@@ -8058,49 +8246,175 @@
       </p:sp>
       <p:sp>
         <p:nvSpPr>
-          <p:cNvPr id="3" name="Espace réservé de la date 2"/>
+          <p:cNvPr id="7" name="Espace réservé du numéro de diapositive 8"/>
+          <p:cNvSpPr txBox="1">
+            <a:spLocks/>
+          </p:cNvSpPr>
+          <p:nvPr userDrawn="1"/>
+        </p:nvSpPr>
+        <p:spPr>
+          <a:xfrm>
+            <a:off x="11206980" y="188640"/>
+            <a:ext cx="622177" cy="288032"/>
+          </a:xfrm>
+          <a:prstGeom prst="rect">
+            <a:avLst/>
+          </a:prstGeom>
+          <a:solidFill>
+            <a:srgbClr val="B6CABF"/>
+          </a:solidFill>
+        </p:spPr>
+        <p:txBody>
+          <a:bodyPr vert="horz" lIns="91440" tIns="45720" rIns="91440" bIns="45720" rtlCol="0" anchor="ctr"/>
+          <a:lstStyle>
+            <a:defPPr rtl="0">
+              <a:defRPr lang="fr-fr"/>
+            </a:defPPr>
+            <a:lvl1pPr marL="0" algn="r" defTabSz="914400" rtl="0" eaLnBrk="1" latinLnBrk="0" hangingPunct="1">
+              <a:defRPr sz="1800" kern="1200">
+                <a:solidFill>
+                  <a:schemeClr val="bg2">
+                    <a:lumMod val="60000"/>
+                    <a:lumOff val="40000"/>
+                  </a:schemeClr>
+                </a:solidFill>
+                <a:latin typeface="+mn-lt"/>
+                <a:ea typeface="+mn-ea"/>
+                <a:cs typeface="+mn-cs"/>
+              </a:defRPr>
+            </a:lvl1pPr>
+            <a:lvl2pPr marL="457200" algn="l" defTabSz="914400" rtl="0" eaLnBrk="1" latinLnBrk="0" hangingPunct="1">
+              <a:defRPr sz="1800" kern="1200">
+                <a:solidFill>
+                  <a:schemeClr val="tx1"/>
+                </a:solidFill>
+                <a:latin typeface="+mn-lt"/>
+                <a:ea typeface="+mn-ea"/>
+                <a:cs typeface="+mn-cs"/>
+              </a:defRPr>
+            </a:lvl2pPr>
+            <a:lvl3pPr marL="914400" algn="l" defTabSz="914400" rtl="0" eaLnBrk="1" latinLnBrk="0" hangingPunct="1">
+              <a:defRPr sz="1800" kern="1200">
+                <a:solidFill>
+                  <a:schemeClr val="tx1"/>
+                </a:solidFill>
+                <a:latin typeface="+mn-lt"/>
+                <a:ea typeface="+mn-ea"/>
+                <a:cs typeface="+mn-cs"/>
+              </a:defRPr>
+            </a:lvl3pPr>
+            <a:lvl4pPr marL="1371600" algn="l" defTabSz="914400" rtl="0" eaLnBrk="1" latinLnBrk="0" hangingPunct="1">
+              <a:defRPr sz="1800" kern="1200">
+                <a:solidFill>
+                  <a:schemeClr val="tx1"/>
+                </a:solidFill>
+                <a:latin typeface="+mn-lt"/>
+                <a:ea typeface="+mn-ea"/>
+                <a:cs typeface="+mn-cs"/>
+              </a:defRPr>
+            </a:lvl4pPr>
+            <a:lvl5pPr marL="1828800" algn="l" defTabSz="914400" rtl="0" eaLnBrk="1" latinLnBrk="0" hangingPunct="1">
+              <a:defRPr sz="1800" kern="1200">
+                <a:solidFill>
+                  <a:schemeClr val="tx1"/>
+                </a:solidFill>
+                <a:latin typeface="+mn-lt"/>
+                <a:ea typeface="+mn-ea"/>
+                <a:cs typeface="+mn-cs"/>
+              </a:defRPr>
+            </a:lvl5pPr>
+            <a:lvl6pPr marL="2286000" algn="l" defTabSz="914400" rtl="0" eaLnBrk="1" latinLnBrk="0" hangingPunct="1">
+              <a:defRPr sz="1800" kern="1200">
+                <a:solidFill>
+                  <a:schemeClr val="tx1"/>
+                </a:solidFill>
+                <a:latin typeface="+mn-lt"/>
+                <a:ea typeface="+mn-ea"/>
+                <a:cs typeface="+mn-cs"/>
+              </a:defRPr>
+            </a:lvl6pPr>
+            <a:lvl7pPr marL="2743200" algn="l" defTabSz="914400" rtl="0" eaLnBrk="1" latinLnBrk="0" hangingPunct="1">
+              <a:defRPr sz="1800" kern="1200">
+                <a:solidFill>
+                  <a:schemeClr val="tx1"/>
+                </a:solidFill>
+                <a:latin typeface="+mn-lt"/>
+                <a:ea typeface="+mn-ea"/>
+                <a:cs typeface="+mn-cs"/>
+              </a:defRPr>
+            </a:lvl7pPr>
+            <a:lvl8pPr marL="3200400" algn="l" defTabSz="914400" rtl="0" eaLnBrk="1" latinLnBrk="0" hangingPunct="1">
+              <a:defRPr sz="1800" kern="1200">
+                <a:solidFill>
+                  <a:schemeClr val="tx1"/>
+                </a:solidFill>
+                <a:latin typeface="+mn-lt"/>
+                <a:ea typeface="+mn-ea"/>
+                <a:cs typeface="+mn-cs"/>
+              </a:defRPr>
+            </a:lvl8pPr>
+            <a:lvl9pPr marL="3657600" algn="l" defTabSz="914400" rtl="0" eaLnBrk="1" latinLnBrk="0" hangingPunct="1">
+              <a:defRPr sz="1800" kern="1200">
+                <a:solidFill>
+                  <a:schemeClr val="tx1"/>
+                </a:solidFill>
+                <a:latin typeface="+mn-lt"/>
+                <a:ea typeface="+mn-ea"/>
+                <a:cs typeface="+mn-cs"/>
+              </a:defRPr>
+            </a:lvl9pPr>
+          </a:lstStyle>
+          <a:p>
+            <a:fld id="{2A013F82-EE5E-44EE-A61D-E31C6657F26F}" type="slidenum">
+              <a:rPr lang="fr-FR" smtClean="0"/>
+              <a:pPr/>
+              <a:t>‹N°›</a:t>
+            </a:fld>
+            <a:endParaRPr lang="fr-FR" dirty="0"/>
+          </a:p>
+        </p:txBody>
+      </p:sp>
+      <p:sp>
+        <p:nvSpPr>
+          <p:cNvPr id="9" name="Espace réservé de la date 6"/>
           <p:cNvSpPr>
             <a:spLocks noGrp="1"/>
           </p:cNvSpPr>
           <p:nvPr>
-            <p:ph type="dt" sz="half" idx="10"/>
+            <p:ph type="dt" sz="half" idx="2"/>
           </p:nvPr>
         </p:nvSpPr>
-        <p:spPr/>
+        <p:spPr>
+          <a:xfrm>
+            <a:off x="9622804" y="6426200"/>
+            <a:ext cx="2376264" cy="250828"/>
+          </a:xfrm>
+          <a:prstGeom prst="rect">
+            <a:avLst/>
+          </a:prstGeom>
+        </p:spPr>
         <p:txBody>
           <a:bodyPr rtlCol="0"/>
-          <a:lstStyle/>
-          <a:p>
-            <a:pPr rtl="0"/>
-            <a:fld id="{8270D57C-CFB9-4FFD-92E4-EAF8BD1BA42D}" type="datetime1">
-              <a:rPr lang="fr-FR" noProof="0" smtClean="0"/>
+          <a:lstStyle>
+            <a:lvl1pPr>
+              <a:defRPr sz="1800">
+                <a:solidFill>
+                  <a:schemeClr val="bg2">
+                    <a:lumMod val="20000"/>
+                    <a:lumOff val="80000"/>
+                  </a:schemeClr>
+                </a:solidFill>
+                <a:latin typeface="Lucida Console" panose="020B0609040504020204" pitchFamily="49" charset="0"/>
+              </a:defRPr>
+            </a:lvl1pPr>
+          </a:lstStyle>
+          <a:p>
+            <a:fld id="{B88C40BB-4737-4D39-9F3C-F0B9A14C804A}" type="datetime1">
+              <a:rPr lang="fr-FR" smtClean="0"/>
+              <a:pPr/>
               <a:t>13/04/2022</a:t>
             </a:fld>
-            <a:endParaRPr lang="fr-FR" noProof="0" dirty="0"/>
-          </a:p>
-        </p:txBody>
-      </p:sp>
-      <p:sp>
-        <p:nvSpPr>
-          <p:cNvPr id="5" name="Espace réservé du numéro de diapositive 4"/>
-          <p:cNvSpPr>
-            <a:spLocks noGrp="1"/>
-          </p:cNvSpPr>
-          <p:nvPr>
-            <p:ph type="sldNum" sz="quarter" idx="12"/>
-          </p:nvPr>
-        </p:nvSpPr>
-        <p:spPr/>
-        <p:txBody>
-          <a:bodyPr rtlCol="0"/>
-          <a:lstStyle/>
-          <a:p>
-            <a:pPr rtl="0"/>
-            <a:fld id="{2A013F82-EE5E-44EE-A61D-E31C6657F26F}" type="slidenum">
-              <a:rPr lang="fr-FR" noProof="0" smtClean="0"/>
-              <a:t>‹N°›</a:t>
-            </a:fld>
-            <a:endParaRPr lang="fr-FR" noProof="0" dirty="0"/>
+            <a:endParaRPr lang="fr-FR" dirty="0"/>
           </a:p>
         </p:txBody>
       </p:sp>
@@ -8126,6 +8440,13 @@
       </p:transition>
     </mc:Fallback>
   </mc:AlternateContent>
+  <p:timing>
+    <p:tnLst>
+      <p:par>
+        <p:cTn id="1" dur="indefinite" restart="never" nodeType="tmRoot"/>
+      </p:par>
+    </p:tnLst>
+  </p:timing>
 </p:sldLayout>
 </file>
 
@@ -8171,49 +8492,45 @@
       </p:sp>
       <p:sp>
         <p:nvSpPr>
-          <p:cNvPr id="2" name="Espace réservé de la date 1"/>
+          <p:cNvPr id="6" name="Espace réservé de la date 6"/>
           <p:cNvSpPr>
             <a:spLocks noGrp="1"/>
           </p:cNvSpPr>
           <p:nvPr>
-            <p:ph type="dt" sz="half" idx="10"/>
+            <p:ph type="dt" sz="half" idx="2"/>
           </p:nvPr>
         </p:nvSpPr>
-        <p:spPr/>
+        <p:spPr>
+          <a:xfrm>
+            <a:off x="9622804" y="6426200"/>
+            <a:ext cx="2376264" cy="250828"/>
+          </a:xfrm>
+          <a:prstGeom prst="rect">
+            <a:avLst/>
+          </a:prstGeom>
+        </p:spPr>
         <p:txBody>
           <a:bodyPr rtlCol="0"/>
-          <a:lstStyle/>
-          <a:p>
-            <a:pPr rtl="0"/>
-            <a:fld id="{29D61F30-55A4-45BB-9184-EC64D72675E9}" type="datetime1">
-              <a:rPr lang="fr-FR" noProof="0" smtClean="0"/>
+          <a:lstStyle>
+            <a:lvl1pPr>
+              <a:defRPr sz="1800">
+                <a:solidFill>
+                  <a:schemeClr val="bg2">
+                    <a:lumMod val="20000"/>
+                    <a:lumOff val="80000"/>
+                  </a:schemeClr>
+                </a:solidFill>
+                <a:latin typeface="Lucida Console" panose="020B0609040504020204" pitchFamily="49" charset="0"/>
+              </a:defRPr>
+            </a:lvl1pPr>
+          </a:lstStyle>
+          <a:p>
+            <a:fld id="{B88C40BB-4737-4D39-9F3C-F0B9A14C804A}" type="datetime1">
+              <a:rPr lang="fr-FR" smtClean="0"/>
+              <a:pPr/>
               <a:t>13/04/2022</a:t>
             </a:fld>
-            <a:endParaRPr lang="fr-FR" noProof="0" dirty="0"/>
-          </a:p>
-        </p:txBody>
-      </p:sp>
-      <p:sp>
-        <p:nvSpPr>
-          <p:cNvPr id="4" name="Espace réservé du numéro de diapositive 3"/>
-          <p:cNvSpPr>
-            <a:spLocks noGrp="1"/>
-          </p:cNvSpPr>
-          <p:nvPr>
-            <p:ph type="sldNum" sz="quarter" idx="12"/>
-          </p:nvPr>
-        </p:nvSpPr>
-        <p:spPr/>
-        <p:txBody>
-          <a:bodyPr rtlCol="0"/>
-          <a:lstStyle/>
-          <a:p>
-            <a:pPr rtl="0"/>
-            <a:fld id="{2A013F82-EE5E-44EE-A61D-E31C6657F26F}" type="slidenum">
-              <a:rPr lang="fr-FR" noProof="0" smtClean="0"/>
-              <a:t>‹N°›</a:t>
-            </a:fld>
-            <a:endParaRPr lang="fr-FR" noProof="0" dirty="0"/>
+            <a:endParaRPr lang="fr-FR" dirty="0"/>
           </a:p>
         </p:txBody>
       </p:sp>
@@ -8239,6 +8556,13 @@
       </p:transition>
     </mc:Fallback>
   </mc:AlternateContent>
+  <p:timing>
+    <p:tnLst>
+      <p:par>
+        <p:cTn id="1" dur="indefinite" restart="never" nodeType="tmRoot"/>
+      </p:par>
+    </p:tnLst>
+  </p:timing>
 </p:sldLayout>
 </file>
 
@@ -8485,49 +8809,45 @@
       </p:sp>
       <p:sp>
         <p:nvSpPr>
-          <p:cNvPr id="5" name="Espace réservé de la date 4"/>
+          <p:cNvPr id="9" name="Espace réservé de la date 6"/>
           <p:cNvSpPr>
             <a:spLocks noGrp="1"/>
           </p:cNvSpPr>
           <p:nvPr>
-            <p:ph type="dt" sz="half" idx="10"/>
+            <p:ph type="dt" sz="half" idx="12"/>
           </p:nvPr>
         </p:nvSpPr>
-        <p:spPr/>
+        <p:spPr>
+          <a:xfrm>
+            <a:off x="9622804" y="6426200"/>
+            <a:ext cx="2376264" cy="250828"/>
+          </a:xfrm>
+          <a:prstGeom prst="rect">
+            <a:avLst/>
+          </a:prstGeom>
+        </p:spPr>
         <p:txBody>
           <a:bodyPr rtlCol="0"/>
-          <a:lstStyle/>
-          <a:p>
-            <a:pPr rtl="0"/>
-            <a:fld id="{092042BC-A942-47C9-A9AC-D65F963D9D0A}" type="datetime1">
-              <a:rPr lang="fr-FR" noProof="0" smtClean="0"/>
+          <a:lstStyle>
+            <a:lvl1pPr>
+              <a:defRPr sz="1800">
+                <a:solidFill>
+                  <a:schemeClr val="bg2">
+                    <a:lumMod val="20000"/>
+                    <a:lumOff val="80000"/>
+                  </a:schemeClr>
+                </a:solidFill>
+                <a:latin typeface="Lucida Console" panose="020B0609040504020204" pitchFamily="49" charset="0"/>
+              </a:defRPr>
+            </a:lvl1pPr>
+          </a:lstStyle>
+          <a:p>
+            <a:fld id="{B88C40BB-4737-4D39-9F3C-F0B9A14C804A}" type="datetime1">
+              <a:rPr lang="fr-FR" smtClean="0"/>
+              <a:pPr/>
               <a:t>13/04/2022</a:t>
             </a:fld>
-            <a:endParaRPr lang="fr-FR" noProof="0" dirty="0"/>
-          </a:p>
-        </p:txBody>
-      </p:sp>
-      <p:sp>
-        <p:nvSpPr>
-          <p:cNvPr id="7" name="Espace réservé du numéro de diapositive 6"/>
-          <p:cNvSpPr>
-            <a:spLocks noGrp="1"/>
-          </p:cNvSpPr>
-          <p:nvPr>
-            <p:ph type="sldNum" sz="quarter" idx="12"/>
-          </p:nvPr>
-        </p:nvSpPr>
-        <p:spPr/>
-        <p:txBody>
-          <a:bodyPr rtlCol="0"/>
-          <a:lstStyle/>
-          <a:p>
-            <a:pPr rtl="0"/>
-            <a:fld id="{2A013F82-EE5E-44EE-A61D-E31C6657F26F}" type="slidenum">
-              <a:rPr lang="fr-FR" noProof="0" smtClean="0"/>
-              <a:t>‹N°›</a:t>
-            </a:fld>
-            <a:endParaRPr lang="fr-FR" noProof="0" dirty="0"/>
+            <a:endParaRPr lang="fr-FR" dirty="0"/>
           </a:p>
         </p:txBody>
       </p:sp>
@@ -8553,6 +8873,13 @@
       </p:transition>
     </mc:Fallback>
   </mc:AlternateContent>
+  <p:timing>
+    <p:tnLst>
+      <p:par>
+        <p:cTn id="1" dur="indefinite" restart="never" nodeType="tmRoot"/>
+      </p:par>
+    </p:tnLst>
+  </p:timing>
 </p:sldLayout>
 </file>
 
@@ -8790,50 +9117,45 @@
       </p:sp>
       <p:sp>
         <p:nvSpPr>
-          <p:cNvPr id="5" name="Espace réservé de la date 4"/>
+          <p:cNvPr id="9" name="Espace réservé de la date 6"/>
           <p:cNvSpPr>
             <a:spLocks noGrp="1"/>
           </p:cNvSpPr>
           <p:nvPr>
-            <p:ph type="dt" sz="half" idx="10"/>
+            <p:ph type="dt" sz="half" idx="12"/>
           </p:nvPr>
         </p:nvSpPr>
-        <p:spPr/>
+        <p:spPr>
+          <a:xfrm>
+            <a:off x="9622804" y="6426200"/>
+            <a:ext cx="2376264" cy="250828"/>
+          </a:xfrm>
+          <a:prstGeom prst="rect">
+            <a:avLst/>
+          </a:prstGeom>
+        </p:spPr>
         <p:txBody>
           <a:bodyPr rtlCol="0"/>
-          <a:lstStyle/>
-          <a:p>
-            <a:pPr rtl="0"/>
-            <a:fld id="{25804C06-6B6C-4650-A088-D87F535956EC}" type="datetime1">
-              <a:rPr lang="fr-FR" noProof="0" smtClean="0"/>
+          <a:lstStyle>
+            <a:lvl1pPr>
+              <a:defRPr sz="1800">
+                <a:solidFill>
+                  <a:schemeClr val="bg2">
+                    <a:lumMod val="20000"/>
+                    <a:lumOff val="80000"/>
+                  </a:schemeClr>
+                </a:solidFill>
+                <a:latin typeface="Lucida Console" panose="020B0609040504020204" pitchFamily="49" charset="0"/>
+              </a:defRPr>
+            </a:lvl1pPr>
+          </a:lstStyle>
+          <a:p>
+            <a:fld id="{B88C40BB-4737-4D39-9F3C-F0B9A14C804A}" type="datetime1">
+              <a:rPr lang="fr-FR" smtClean="0"/>
+              <a:pPr/>
               <a:t>13/04/2022</a:t>
             </a:fld>
-            <a:endParaRPr lang="fr-FR" noProof="0" dirty="0"/>
-          </a:p>
-        </p:txBody>
-      </p:sp>
-      <p:sp>
-        <p:nvSpPr>
-          <p:cNvPr id="7" name="Espace réservé du numéro de diapositive 6"/>
-          <p:cNvSpPr>
-            <a:spLocks noGrp="1"/>
-          </p:cNvSpPr>
-          <p:nvPr>
-            <p:ph type="sldNum" sz="quarter" idx="12"/>
-          </p:nvPr>
-        </p:nvSpPr>
-        <p:spPr/>
-        <p:txBody>
-          <a:bodyPr rtlCol="0"/>
-          <a:lstStyle/>
-          <a:p>
-            <a:pPr rtl="0"/>
-            <a:fld id="{2A013F82-EE5E-44EE-A61D-E31C6657F26F}" type="slidenum">
-              <a:rPr lang="fr-FR" noProof="0" smtClean="0"/>
-              <a:pPr rtl="0"/>
-              <a:t>‹N°›</a:t>
-            </a:fld>
-            <a:endParaRPr lang="fr-FR" noProof="0" dirty="0"/>
+            <a:endParaRPr lang="fr-FR" dirty="0"/>
           </a:p>
         </p:txBody>
       </p:sp>
@@ -8859,6 +9181,13 @@
       </p:transition>
     </mc:Fallback>
   </mc:AlternateContent>
+  <p:timing>
+    <p:tnLst>
+      <p:par>
+        <p:cTn id="1" dur="indefinite" restart="never" nodeType="tmRoot"/>
+      </p:par>
+    </p:tnLst>
+  </p:timing>
 </p:sldLayout>
 </file>
 
@@ -9033,7 +9362,138 @@
       </p:sp>
       <p:sp>
         <p:nvSpPr>
-          <p:cNvPr id="4" name="Espace réservé de la date 3"/>
+          <p:cNvPr id="7" name="Espace réservé du numéro de diapositive 8"/>
+          <p:cNvSpPr txBox="1">
+            <a:spLocks/>
+          </p:cNvSpPr>
+          <p:nvPr userDrawn="1"/>
+        </p:nvSpPr>
+        <p:spPr>
+          <a:xfrm>
+            <a:off x="11567020" y="142664"/>
+            <a:ext cx="478161" cy="476672"/>
+          </a:xfrm>
+          <a:prstGeom prst="rect">
+            <a:avLst/>
+          </a:prstGeom>
+          <a:solidFill>
+            <a:srgbClr val="B6CABF"/>
+          </a:solidFill>
+        </p:spPr>
+        <p:txBody>
+          <a:bodyPr rtlCol="0" anchor="ctr"/>
+          <a:lstStyle>
+            <a:defPPr rtl="0">
+              <a:defRPr lang="fr-fr"/>
+            </a:defPPr>
+            <a:lvl1pPr marL="0" algn="l" defTabSz="914400" rtl="0" eaLnBrk="1" latinLnBrk="0" hangingPunct="1">
+              <a:defRPr sz="1800" kern="1200">
+                <a:solidFill>
+                  <a:schemeClr val="bg2">
+                    <a:lumMod val="60000"/>
+                    <a:lumOff val="40000"/>
+                  </a:schemeClr>
+                </a:solidFill>
+                <a:latin typeface="+mn-lt"/>
+                <a:ea typeface="+mn-ea"/>
+                <a:cs typeface="+mn-cs"/>
+              </a:defRPr>
+            </a:lvl1pPr>
+            <a:lvl2pPr marL="457200" algn="l" defTabSz="914400" rtl="0" eaLnBrk="1" latinLnBrk="0" hangingPunct="1">
+              <a:defRPr sz="1800" kern="1200">
+                <a:solidFill>
+                  <a:schemeClr val="tx1"/>
+                </a:solidFill>
+                <a:latin typeface="+mn-lt"/>
+                <a:ea typeface="+mn-ea"/>
+                <a:cs typeface="+mn-cs"/>
+              </a:defRPr>
+            </a:lvl2pPr>
+            <a:lvl3pPr marL="914400" algn="l" defTabSz="914400" rtl="0" eaLnBrk="1" latinLnBrk="0" hangingPunct="1">
+              <a:defRPr sz="1800" kern="1200">
+                <a:solidFill>
+                  <a:schemeClr val="tx1"/>
+                </a:solidFill>
+                <a:latin typeface="+mn-lt"/>
+                <a:ea typeface="+mn-ea"/>
+                <a:cs typeface="+mn-cs"/>
+              </a:defRPr>
+            </a:lvl3pPr>
+            <a:lvl4pPr marL="1371600" algn="l" defTabSz="914400" rtl="0" eaLnBrk="1" latinLnBrk="0" hangingPunct="1">
+              <a:defRPr sz="1800" kern="1200">
+                <a:solidFill>
+                  <a:schemeClr val="tx1"/>
+                </a:solidFill>
+                <a:latin typeface="+mn-lt"/>
+                <a:ea typeface="+mn-ea"/>
+                <a:cs typeface="+mn-cs"/>
+              </a:defRPr>
+            </a:lvl4pPr>
+            <a:lvl5pPr marL="1828800" algn="l" defTabSz="914400" rtl="0" eaLnBrk="1" latinLnBrk="0" hangingPunct="1">
+              <a:defRPr sz="1800" kern="1200">
+                <a:solidFill>
+                  <a:schemeClr val="tx1"/>
+                </a:solidFill>
+                <a:latin typeface="+mn-lt"/>
+                <a:ea typeface="+mn-ea"/>
+                <a:cs typeface="+mn-cs"/>
+              </a:defRPr>
+            </a:lvl5pPr>
+            <a:lvl6pPr marL="2286000" algn="l" defTabSz="914400" rtl="0" eaLnBrk="1" latinLnBrk="0" hangingPunct="1">
+              <a:defRPr sz="1800" kern="1200">
+                <a:solidFill>
+                  <a:schemeClr val="tx1"/>
+                </a:solidFill>
+                <a:latin typeface="+mn-lt"/>
+                <a:ea typeface="+mn-ea"/>
+                <a:cs typeface="+mn-cs"/>
+              </a:defRPr>
+            </a:lvl6pPr>
+            <a:lvl7pPr marL="2743200" algn="l" defTabSz="914400" rtl="0" eaLnBrk="1" latinLnBrk="0" hangingPunct="1">
+              <a:defRPr sz="1800" kern="1200">
+                <a:solidFill>
+                  <a:schemeClr val="tx1"/>
+                </a:solidFill>
+                <a:latin typeface="+mn-lt"/>
+                <a:ea typeface="+mn-ea"/>
+                <a:cs typeface="+mn-cs"/>
+              </a:defRPr>
+            </a:lvl7pPr>
+            <a:lvl8pPr marL="3200400" algn="l" defTabSz="914400" rtl="0" eaLnBrk="1" latinLnBrk="0" hangingPunct="1">
+              <a:defRPr sz="1800" kern="1200">
+                <a:solidFill>
+                  <a:schemeClr val="tx1"/>
+                </a:solidFill>
+                <a:latin typeface="+mn-lt"/>
+                <a:ea typeface="+mn-ea"/>
+                <a:cs typeface="+mn-cs"/>
+              </a:defRPr>
+            </a:lvl8pPr>
+            <a:lvl9pPr marL="3657600" algn="l" defTabSz="914400" rtl="0" eaLnBrk="1" latinLnBrk="0" hangingPunct="1">
+              <a:defRPr sz="1800" kern="1200">
+                <a:solidFill>
+                  <a:schemeClr val="tx1"/>
+                </a:solidFill>
+                <a:latin typeface="+mn-lt"/>
+                <a:ea typeface="+mn-ea"/>
+                <a:cs typeface="+mn-cs"/>
+              </a:defRPr>
+            </a:lvl9pPr>
+          </a:lstStyle>
+          <a:p>
+            <a:pPr algn="ctr"/>
+            <a:fld id="{2A013F82-EE5E-44EE-A61D-E31C6657F26F}" type="slidenum">
+              <a:rPr lang="fr-FR" smtClean="0"/>
+              <a:pPr algn="ctr"/>
+              <a:t>‹N°›</a:t>
+            </a:fld>
+            <a:endParaRPr lang="fr-FR" dirty="0"/>
+          </a:p>
+        </p:txBody>
+      </p:sp>
+      <p:sp>
+        <p:nvSpPr>
+          <p:cNvPr id="13" name="Espace réservé de la date 6"/>
           <p:cNvSpPr>
             <a:spLocks noGrp="1"/>
           </p:cNvSpPr>
@@ -9043,76 +9503,35 @@
         </p:nvSpPr>
         <p:spPr>
           <a:xfrm>
-            <a:off x="8226422" y="6400800"/>
-            <a:ext cx="1449389" cy="276228"/>
+            <a:off x="9622804" y="6426200"/>
+            <a:ext cx="2376264" cy="250828"/>
           </a:xfrm>
           <a:prstGeom prst="rect">
             <a:avLst/>
           </a:prstGeom>
         </p:spPr>
         <p:txBody>
-          <a:bodyPr vert="horz" lIns="91440" tIns="45720" rIns="91440" bIns="45720" rtlCol="0" anchor="ctr"/>
+          <a:bodyPr rtlCol="0"/>
           <a:lstStyle>
-            <a:lvl1pPr algn="r">
-              <a:defRPr sz="1100">
+            <a:lvl1pPr>
+              <a:defRPr sz="1800">
                 <a:solidFill>
-                  <a:schemeClr val="tx1">
-                    <a:tint val="75000"/>
+                  <a:schemeClr val="bg2">
+                    <a:lumMod val="20000"/>
+                    <a:lumOff val="80000"/>
                   </a:schemeClr>
                 </a:solidFill>
+                <a:latin typeface="Lucida Console" panose="020B0609040504020204" pitchFamily="49" charset="0"/>
               </a:defRPr>
             </a:lvl1pPr>
           </a:lstStyle>
           <a:p>
-            <a:pPr rtl="0"/>
-            <a:fld id="{39EAFC98-A08A-4C0D-B6B1-41428C534D64}" type="datetime1">
-              <a:rPr lang="fr-FR" noProof="0" smtClean="0"/>
+            <a:fld id="{B88C40BB-4737-4D39-9F3C-F0B9A14C804A}" type="datetime1">
+              <a:rPr lang="fr-FR" smtClean="0"/>
+              <a:pPr/>
               <a:t>13/04/2022</a:t>
             </a:fld>
-            <a:endParaRPr lang="fr-FR" noProof="0" dirty="0"/>
-          </a:p>
-        </p:txBody>
-      </p:sp>
-      <p:sp>
-        <p:nvSpPr>
-          <p:cNvPr id="6" name="Espace réservé du numéro de diapositive 5"/>
-          <p:cNvSpPr>
-            <a:spLocks noGrp="1"/>
-          </p:cNvSpPr>
-          <p:nvPr>
-            <p:ph type="sldNum" sz="quarter" idx="4"/>
-          </p:nvPr>
-        </p:nvSpPr>
-        <p:spPr>
-          <a:xfrm>
-            <a:off x="9828211" y="6400800"/>
-            <a:ext cx="838201" cy="276228"/>
-          </a:xfrm>
-          <a:prstGeom prst="rect">
-            <a:avLst/>
-          </a:prstGeom>
-        </p:spPr>
-        <p:txBody>
-          <a:bodyPr vert="horz" lIns="91440" tIns="45720" rIns="91440" bIns="45720" rtlCol="0" anchor="ctr"/>
-          <a:lstStyle>
-            <a:lvl1pPr algn="r">
-              <a:defRPr sz="1100">
-                <a:solidFill>
-                  <a:schemeClr val="tx1">
-                    <a:tint val="75000"/>
-                  </a:schemeClr>
-                </a:solidFill>
-              </a:defRPr>
-            </a:lvl1pPr>
-          </a:lstStyle>
-          <a:p>
-            <a:pPr rtl="0"/>
-            <a:fld id="{2A013F82-EE5E-44EE-A61D-E31C6657F26F}" type="slidenum">
-              <a:rPr lang="fr-FR" noProof="0" smtClean="0"/>
-              <a:pPr rtl="0"/>
-              <a:t>‹N°›</a:t>
-            </a:fld>
-            <a:endParaRPr lang="fr-FR" noProof="0" dirty="0"/>
+            <a:endParaRPr lang="fr-FR" dirty="0"/>
           </a:p>
         </p:txBody>
       </p:sp>
@@ -9149,7 +9568,14 @@
       </p:transition>
     </mc:Fallback>
   </mc:AlternateContent>
-  <p:hf sldNum="0" hdr="0" ftr="0" dt="0"/>
+  <p:timing>
+    <p:tnLst>
+      <p:par>
+        <p:cTn id="1" dur="indefinite" restart="never" nodeType="tmRoot"/>
+      </p:par>
+    </p:tnLst>
+  </p:timing>
+  <p:hf hdr="0" ftr="0"/>
   <p:txStyles>
     <p:titleStyle>
       <a:lvl1pPr algn="l" defTabSz="914400" rtl="0" eaLnBrk="1" latinLnBrk="0" hangingPunct="1">
@@ -9463,15 +9889,17 @@
   <p:cSld>
     <p:bg>
       <p:bgPr>
-        <a:blipFill dpi="0" rotWithShape="1">
-          <a:blip r:embed="rId3">
-            <a:lum/>
-          </a:blip>
-          <a:srcRect/>
-          <a:stretch>
-            <a:fillRect l="-30000" r="-30000"/>
-          </a:stretch>
-        </a:blipFill>
+        <a:pattFill prst="zigZag">
+          <a:fgClr>
+            <a:schemeClr val="bg1"/>
+          </a:fgClr>
+          <a:bgClr>
+            <a:schemeClr val="bg1">
+              <a:lumMod val="65000"/>
+              <a:lumOff val="35000"/>
+            </a:schemeClr>
+          </a:bgClr>
+        </a:pattFill>
         <a:effectLst/>
       </p:bgPr>
     </p:bg>
@@ -9511,10 +9939,24 @@
           <a:p>
             <a:pPr algn="ctr" rtl="0"/>
             <a:r>
-              <a:rPr lang="fr-FR" dirty="0" smtClean="0"/>
+              <a:rPr lang="fr-FR" dirty="0" smtClean="0">
+                <a:solidFill>
+                  <a:schemeClr val="bg2">
+                    <a:lumMod val="60000"/>
+                    <a:lumOff val="40000"/>
+                  </a:schemeClr>
+                </a:solidFill>
+              </a:rPr>
               <a:t>SERVEURS ET FICHIERS D’IMPRESSION</a:t>
             </a:r>
-            <a:endParaRPr lang="fr-FR" dirty="0"/>
+            <a:endParaRPr lang="fr-FR" dirty="0">
+              <a:solidFill>
+                <a:schemeClr val="bg2">
+                  <a:lumMod val="60000"/>
+                  <a:lumOff val="40000"/>
+                </a:schemeClr>
+              </a:solidFill>
+            </a:endParaRPr>
           </a:p>
         </p:txBody>
       </p:sp>
@@ -9530,22 +9972,37 @@
         </p:nvSpPr>
         <p:spPr>
           <a:xfrm>
-            <a:off x="3432870" y="6501408"/>
-            <a:ext cx="5355134" cy="356592"/>
+            <a:off x="30212" y="6525344"/>
+            <a:ext cx="4351784" cy="242416"/>
           </a:xfrm>
+          <a:noFill/>
         </p:spPr>
         <p:txBody>
-          <a:bodyPr rtlCol="0">
-            <a:normAutofit lnSpcReduction="10000"/>
+          <a:bodyPr rtlCol="0" anchor="ctr">
+            <a:normAutofit fontScale="85000" lnSpcReduction="20000"/>
           </a:bodyPr>
           <a:lstStyle/>
           <a:p>
             <a:pPr rtl="0"/>
             <a:r>
-              <a:rPr lang="fr-FR" dirty="0" smtClean="0"/>
+              <a:rPr lang="fr-FR" sz="1600" dirty="0" smtClean="0">
+                <a:solidFill>
+                  <a:schemeClr val="bg2">
+                    <a:lumMod val="60000"/>
+                    <a:lumOff val="40000"/>
+                  </a:schemeClr>
+                </a:solidFill>
+              </a:rPr>
               <a:t>ALESSIA, JORGE, PHILIPPE, ROMAIN</a:t>
             </a:r>
-            <a:endParaRPr lang="fr-FR" dirty="0"/>
+            <a:endParaRPr lang="fr-FR" sz="1600" dirty="0">
+              <a:solidFill>
+                <a:schemeClr val="bg2">
+                  <a:lumMod val="60000"/>
+                  <a:lumOff val="40000"/>
+                </a:schemeClr>
+              </a:solidFill>
+            </a:endParaRPr>
           </a:p>
         </p:txBody>
       </p:sp>
@@ -9589,7 +10046,7 @@
           </a:blip>
           <a:srcRect/>
           <a:stretch>
-            <a:fillRect l="-8000" r="-8000"/>
+            <a:fillRect/>
           </a:stretch>
         </a:blipFill>
         <a:effectLst/>
@@ -9621,8 +10078,8 @@
         </p:nvSpPr>
         <p:spPr>
           <a:xfrm>
-            <a:off x="4006180" y="764704"/>
-            <a:ext cx="4274360" cy="576064"/>
+            <a:off x="4006180" y="404663"/>
+            <a:ext cx="4274360" cy="1285799"/>
           </a:xfrm>
         </p:spPr>
         <p:txBody>
@@ -9635,14 +10092,14 @@
             <a:r>
               <a:rPr lang="fr-FR" sz="4400" dirty="0" smtClean="0">
                 <a:solidFill>
-                  <a:schemeClr val="bg1"/>
+                  <a:schemeClr val="tx1"/>
                 </a:solidFill>
               </a:rPr>
               <a:t>TABLES DES MATIÈRES</a:t>
             </a:r>
             <a:endParaRPr lang="fr-FR" sz="4400" dirty="0">
               <a:solidFill>
-                <a:schemeClr val="bg1"/>
+                <a:schemeClr val="tx1"/>
               </a:solidFill>
             </a:endParaRPr>
           </a:p>
@@ -9660,9 +10117,10 @@
         </p:nvSpPr>
         <p:spPr>
           <a:xfrm>
-            <a:off x="477788" y="1340768"/>
+            <a:off x="333772" y="1690463"/>
             <a:ext cx="9134391" cy="4114801"/>
           </a:xfrm>
+          <a:noFill/>
         </p:spPr>
         <p:txBody>
           <a:bodyPr rtlCol="0">
@@ -9671,362 +10129,81 @@
           <a:lstStyle/>
           <a:p>
             <a:r>
-              <a:rPr lang="fr-CH" b="1" dirty="0">
-                <a:solidFill>
-                  <a:schemeClr val="bg1"/>
-                </a:solidFill>
-              </a:rPr>
+              <a:rPr lang="fr-CH" b="1" dirty="0"/>
               <a:t>Serveur de fichiers </a:t>
             </a:r>
             <a:r>
-              <a:rPr lang="fr-CH" b="1" dirty="0" smtClean="0">
-                <a:solidFill>
-                  <a:schemeClr val="bg1"/>
-                </a:solidFill>
-              </a:rPr>
+              <a:rPr lang="fr-CH" b="1" dirty="0" smtClean="0"/>
               <a:t>:</a:t>
             </a:r>
-            <a:endParaRPr lang="fr-CH" b="1" dirty="0">
-              <a:solidFill>
-                <a:schemeClr val="bg1"/>
-              </a:solidFill>
-            </a:endParaRPr>
+            <a:endParaRPr lang="fr-CH" b="1" dirty="0"/>
           </a:p>
           <a:p>
             <a:pPr lvl="1"/>
             <a:r>
-              <a:rPr lang="fr-CH" b="1" dirty="0">
-                <a:solidFill>
-                  <a:schemeClr val="bg1"/>
-                </a:solidFill>
-              </a:rPr>
+              <a:rPr lang="fr-CH" b="1" dirty="0"/>
               <a:t>Arborescences</a:t>
             </a:r>
           </a:p>
           <a:p>
             <a:pPr lvl="1"/>
             <a:r>
-              <a:rPr lang="fr-CH" b="1" dirty="0">
-                <a:solidFill>
-                  <a:schemeClr val="bg1"/>
-                </a:solidFill>
-              </a:rPr>
+              <a:rPr lang="fr-CH" b="1" dirty="0"/>
               <a:t>Explication des partages</a:t>
             </a:r>
           </a:p>
           <a:p>
             <a:pPr lvl="2"/>
             <a:r>
-              <a:rPr lang="fr-CH" b="1" dirty="0">
-                <a:solidFill>
-                  <a:schemeClr val="bg1"/>
-                </a:solidFill>
-              </a:rPr>
+              <a:rPr lang="fr-CH" b="1" dirty="0"/>
               <a:t>Type de droit</a:t>
             </a:r>
           </a:p>
           <a:p>
             <a:pPr lvl="2"/>
             <a:r>
-              <a:rPr lang="fr-CH" b="1" dirty="0">
-                <a:solidFill>
-                  <a:schemeClr val="bg1"/>
-                </a:solidFill>
-              </a:rPr>
+              <a:rPr lang="fr-CH" b="1" dirty="0"/>
               <a:t>Partage avancé</a:t>
             </a:r>
           </a:p>
           <a:p>
             <a:pPr lvl="1"/>
             <a:r>
-              <a:rPr lang="fr-CH" b="1" dirty="0">
-                <a:solidFill>
-                  <a:schemeClr val="bg1"/>
-                </a:solidFill>
-              </a:rPr>
+              <a:rPr lang="fr-CH" b="1" dirty="0"/>
               <a:t>Explication des droits NTFS</a:t>
             </a:r>
           </a:p>
           <a:p>
             <a:pPr lvl="2"/>
             <a:r>
-              <a:rPr lang="fr-CH" b="1" dirty="0">
-                <a:solidFill>
-                  <a:schemeClr val="bg1"/>
-                </a:solidFill>
-              </a:rPr>
+              <a:rPr lang="fr-CH" b="1" dirty="0"/>
               <a:t>Type de droit</a:t>
             </a:r>
           </a:p>
           <a:p>
             <a:r>
-              <a:rPr lang="fr-CH" b="1" dirty="0">
-                <a:solidFill>
-                  <a:schemeClr val="bg1"/>
-                </a:solidFill>
-              </a:rPr>
+              <a:rPr lang="fr-CH" b="1" dirty="0"/>
               <a:t>Serveur d'impression :</a:t>
             </a:r>
           </a:p>
           <a:p>
             <a:pPr lvl="1"/>
             <a:r>
-              <a:rPr lang="fr-CH" b="1" dirty="0">
-                <a:solidFill>
-                  <a:schemeClr val="bg1"/>
-                </a:solidFill>
-              </a:rPr>
+              <a:rPr lang="fr-CH" b="1" dirty="0"/>
               <a:t>Différence entre serveur d'impression et imprimante réseau standard</a:t>
             </a:r>
           </a:p>
           <a:p>
             <a:pPr lvl="1"/>
             <a:r>
-              <a:rPr lang="fr-CH" b="1" dirty="0">
-                <a:solidFill>
-                  <a:schemeClr val="bg1"/>
-                </a:solidFill>
-              </a:rPr>
+              <a:rPr lang="fr-CH" b="1" dirty="0"/>
               <a:t>Files </a:t>
             </a:r>
             <a:r>
-              <a:rPr lang="fr-CH" b="1" dirty="0" smtClean="0">
-                <a:solidFill>
-                  <a:schemeClr val="bg1"/>
-                </a:solidFill>
-              </a:rPr>
+              <a:rPr lang="fr-CH" b="1" dirty="0" smtClean="0"/>
               <a:t>d'impression</a:t>
             </a:r>
-            <a:endParaRPr lang="fr-CH" b="1" dirty="0">
-              <a:solidFill>
-                <a:schemeClr val="bg1"/>
-              </a:solidFill>
-            </a:endParaRPr>
-          </a:p>
-        </p:txBody>
-      </p:sp>
-      <p:sp>
-        <p:nvSpPr>
-          <p:cNvPr id="4" name="Sous-titre 2"/>
-          <p:cNvSpPr txBox="1">
-            <a:spLocks/>
-          </p:cNvSpPr>
-          <p:nvPr/>
-        </p:nvSpPr>
-        <p:spPr>
-          <a:xfrm>
-            <a:off x="7318548" y="5589240"/>
-            <a:ext cx="2088232" cy="216024"/>
-          </a:xfrm>
-          <a:prstGeom prst="rect">
-            <a:avLst/>
-          </a:prstGeom>
-        </p:spPr>
-        <p:txBody>
-          <a:bodyPr vert="horz" lIns="91440" tIns="45720" rIns="91440" bIns="45720" rtlCol="0">
-            <a:noAutofit/>
-          </a:bodyPr>
-          <a:lstStyle>
-            <a:lvl1pPr marL="223838" indent="-223838" algn="l" defTabSz="914400" rtl="0" eaLnBrk="1" latinLnBrk="0" hangingPunct="1">
-              <a:lnSpc>
-                <a:spcPct val="90000"/>
-              </a:lnSpc>
-              <a:spcBef>
-                <a:spcPts val="1800"/>
-              </a:spcBef>
-              <a:buClr>
-                <a:schemeClr val="accent1"/>
-              </a:buClr>
-              <a:buSzPct val="100000"/>
-              <a:buFont typeface="Arial" pitchFamily="34" charset="0"/>
-              <a:buChar char="•"/>
-              <a:defRPr sz="2400" kern="1200">
-                <a:solidFill>
-                  <a:schemeClr val="tx1"/>
-                </a:solidFill>
-                <a:latin typeface="+mn-lt"/>
-                <a:ea typeface="+mn-ea"/>
-                <a:cs typeface="+mn-cs"/>
-              </a:defRPr>
-            </a:lvl1pPr>
-            <a:lvl2pPr marL="463550" indent="-231775" algn="l" defTabSz="914400" rtl="0" eaLnBrk="1" latinLnBrk="0" hangingPunct="1">
-              <a:lnSpc>
-                <a:spcPct val="90000"/>
-              </a:lnSpc>
-              <a:spcBef>
-                <a:spcPts val="1200"/>
-              </a:spcBef>
-              <a:buClr>
-                <a:schemeClr val="accent1"/>
-              </a:buClr>
-              <a:buSzPct val="100000"/>
-              <a:buFont typeface="Arial" pitchFamily="34" charset="0"/>
-              <a:buChar char="•"/>
-              <a:defRPr sz="2000" kern="1200">
-                <a:solidFill>
-                  <a:schemeClr val="tx1"/>
-                </a:solidFill>
-                <a:latin typeface="+mn-lt"/>
-                <a:ea typeface="+mn-ea"/>
-                <a:cs typeface="+mn-cs"/>
-              </a:defRPr>
-            </a:lvl2pPr>
-            <a:lvl3pPr marL="682625" indent="-219075" algn="l" defTabSz="914400" rtl="0" eaLnBrk="1" latinLnBrk="0" hangingPunct="1">
-              <a:lnSpc>
-                <a:spcPct val="90000"/>
-              </a:lnSpc>
-              <a:spcBef>
-                <a:spcPts val="600"/>
-              </a:spcBef>
-              <a:buClr>
-                <a:schemeClr val="accent1"/>
-              </a:buClr>
-              <a:buSzPct val="100000"/>
-              <a:buFont typeface="Arial" pitchFamily="34" charset="0"/>
-              <a:buChar char="•"/>
-              <a:defRPr sz="1800" kern="1200">
-                <a:solidFill>
-                  <a:schemeClr val="tx1"/>
-                </a:solidFill>
-                <a:latin typeface="+mn-lt"/>
-                <a:ea typeface="+mn-ea"/>
-                <a:cs typeface="+mn-cs"/>
-              </a:defRPr>
-            </a:lvl3pPr>
-            <a:lvl4pPr marL="857250" indent="-174625" algn="l" defTabSz="914400" rtl="0" eaLnBrk="1" latinLnBrk="0" hangingPunct="1">
-              <a:lnSpc>
-                <a:spcPct val="90000"/>
-              </a:lnSpc>
-              <a:spcBef>
-                <a:spcPts val="600"/>
-              </a:spcBef>
-              <a:buClr>
-                <a:schemeClr val="accent1"/>
-              </a:buClr>
-              <a:buSzPct val="100000"/>
-              <a:buFont typeface="Arial" pitchFamily="34" charset="0"/>
-              <a:buChar char="•"/>
-              <a:defRPr sz="1800" kern="1200">
-                <a:solidFill>
-                  <a:schemeClr val="tx1"/>
-                </a:solidFill>
-                <a:latin typeface="+mn-lt"/>
-                <a:ea typeface="+mn-ea"/>
-                <a:cs typeface="+mn-cs"/>
-              </a:defRPr>
-            </a:lvl4pPr>
-            <a:lvl5pPr marL="1030288" indent="-173038" algn="l" defTabSz="914400" rtl="0" eaLnBrk="1" latinLnBrk="0" hangingPunct="1">
-              <a:lnSpc>
-                <a:spcPct val="90000"/>
-              </a:lnSpc>
-              <a:spcBef>
-                <a:spcPts val="600"/>
-              </a:spcBef>
-              <a:buClr>
-                <a:schemeClr val="accent1"/>
-              </a:buClr>
-              <a:buSzPct val="100000"/>
-              <a:buFont typeface="Arial" pitchFamily="34" charset="0"/>
-              <a:buChar char="•"/>
-              <a:defRPr sz="1800" kern="1200">
-                <a:solidFill>
-                  <a:schemeClr val="tx1"/>
-                </a:solidFill>
-                <a:latin typeface="+mn-lt"/>
-                <a:ea typeface="+mn-ea"/>
-                <a:cs typeface="+mn-cs"/>
-              </a:defRPr>
-            </a:lvl5pPr>
-            <a:lvl6pPr marL="1207008" indent="-173736" algn="l" defTabSz="914400" rtl="0" eaLnBrk="1" latinLnBrk="0" hangingPunct="1">
-              <a:spcBef>
-                <a:spcPts val="600"/>
-              </a:spcBef>
-              <a:buClr>
-                <a:schemeClr val="accent1"/>
-              </a:buClr>
-              <a:buFont typeface="Arial" pitchFamily="34" charset="0"/>
-              <a:buChar char="•"/>
-              <a:defRPr sz="1800" kern="1200">
-                <a:solidFill>
-                  <a:schemeClr val="tx1"/>
-                </a:solidFill>
-                <a:latin typeface="+mn-lt"/>
-                <a:ea typeface="+mn-ea"/>
-                <a:cs typeface="+mn-cs"/>
-              </a:defRPr>
-            </a:lvl6pPr>
-            <a:lvl7pPr marL="1380744" indent="-173736" algn="l" defTabSz="914400" rtl="0" eaLnBrk="1" latinLnBrk="0" hangingPunct="1">
-              <a:spcBef>
-                <a:spcPts val="600"/>
-              </a:spcBef>
-              <a:buClr>
-                <a:schemeClr val="accent1"/>
-              </a:buClr>
-              <a:buFont typeface="Arial" pitchFamily="34" charset="0"/>
-              <a:buChar char="•"/>
-              <a:defRPr sz="1800" kern="1200">
-                <a:solidFill>
-                  <a:schemeClr val="tx1"/>
-                </a:solidFill>
-                <a:latin typeface="+mn-lt"/>
-                <a:ea typeface="+mn-ea"/>
-                <a:cs typeface="+mn-cs"/>
-              </a:defRPr>
-            </a:lvl7pPr>
-            <a:lvl8pPr marL="1554480" indent="-173736" algn="l" defTabSz="914400" rtl="0" eaLnBrk="1" latinLnBrk="0" hangingPunct="1">
-              <a:spcBef>
-                <a:spcPts val="600"/>
-              </a:spcBef>
-              <a:buClr>
-                <a:schemeClr val="accent1"/>
-              </a:buClr>
-              <a:buFont typeface="Arial" pitchFamily="34" charset="0"/>
-              <a:buChar char="•"/>
-              <a:defRPr sz="1800" kern="1200">
-                <a:solidFill>
-                  <a:schemeClr val="tx1"/>
-                </a:solidFill>
-                <a:latin typeface="+mn-lt"/>
-                <a:ea typeface="+mn-ea"/>
-                <a:cs typeface="+mn-cs"/>
-              </a:defRPr>
-            </a:lvl8pPr>
-            <a:lvl9pPr marL="1728216" indent="-173736" algn="l" defTabSz="914400" rtl="0" eaLnBrk="1" latinLnBrk="0" hangingPunct="1">
-              <a:spcBef>
-                <a:spcPts val="600"/>
-              </a:spcBef>
-              <a:buClr>
-                <a:schemeClr val="accent1"/>
-              </a:buClr>
-              <a:buFont typeface="Arial" pitchFamily="34" charset="0"/>
-              <a:buChar char="•"/>
-              <a:defRPr sz="1800" kern="1200">
-                <a:solidFill>
-                  <a:schemeClr val="tx1"/>
-                </a:solidFill>
-                <a:latin typeface="+mn-lt"/>
-                <a:ea typeface="+mn-ea"/>
-                <a:cs typeface="+mn-cs"/>
-              </a:defRPr>
-            </a:lvl9pPr>
-          </a:lstStyle>
-          <a:p>
-            <a:pPr marL="0" indent="0">
-              <a:buNone/>
-            </a:pPr>
-            <a:r>
-              <a:rPr lang="fr-FR" sz="1100" dirty="0" smtClean="0">
-                <a:solidFill>
-                  <a:schemeClr val="bg1"/>
-                </a:solidFill>
-              </a:rPr>
-              <a:t>C’est pas le logo anarchiste</a:t>
-            </a:r>
-            <a:endParaRPr lang="fr-FR" sz="1100" dirty="0">
-              <a:solidFill>
-                <a:schemeClr val="bg1"/>
-              </a:solidFill>
-            </a:endParaRPr>
+            <a:endParaRPr lang="fr-CH" b="1" dirty="0"/>
           </a:p>
         </p:txBody>
       </p:sp>
@@ -10502,6 +10679,13 @@
       </p:transition>
     </mc:Fallback>
   </mc:AlternateContent>
+  <p:timing>
+    <p:tnLst>
+      <p:par>
+        <p:cTn id="1" dur="indefinite" restart="never" nodeType="tmRoot"/>
+      </p:par>
+    </p:tnLst>
+  </p:timing>
 </p:sld>
 </file>
 
@@ -10592,6 +10776,13 @@
       </p:transition>
     </mc:Fallback>
   </mc:AlternateContent>
+  <p:timing>
+    <p:tnLst>
+      <p:par>
+        <p:cTn id="1" dur="indefinite" restart="never" nodeType="tmRoot"/>
+      </p:par>
+    </p:tnLst>
+  </p:timing>
 </p:sld>
 </file>
 
@@ -11446,15 +11637,6 @@
 </file>
 
 <file path=customXml/item1.xml><?xml version="1.0" encoding="utf-8"?>
-<?mso-contentType ?>
-<FormTemplates xmlns="http://schemas.microsoft.com/sharepoint/v3/contenttype/forms">
-  <Display>DocumentLibraryForm</Display>
-  <Edit>DocumentLibraryForm</Edit>
-  <New>DocumentLibraryForm</New>
-</FormTemplates>
-</file>
-
-<file path=customXml/item2.xml><?xml version="1.0" encoding="utf-8"?>
 <ct:contentTypeSchema xmlns:ct="http://schemas.microsoft.com/office/2006/metadata/contentType" xmlns:ma="http://schemas.microsoft.com/office/2006/metadata/properties/metaAttributes" ct:_="" ma:_="" ma:contentTypeName="Document" ma:contentTypeID="0x010100AA3F7D94069FF64A86F7DFF56D60E3BE" ma:contentTypeVersion="6" ma:contentTypeDescription="Create a new document." ma:contentTypeScope="" ma:versionID="c32302c77d4085ecf495bdddb7f5e889">
   <xsd:schema xmlns:xsd="http://www.w3.org/2001/XMLSchema" xmlns:xs="http://www.w3.org/2001/XMLSchema" xmlns:p="http://schemas.microsoft.com/office/2006/metadata/properties" xmlns:ns2="a4f35948-e619-41b3-aa29-22878b09cfd2" xmlns:ns3="40262f94-9f35-4ac3-9a90-690165a166b7" targetNamespace="http://schemas.microsoft.com/office/2006/metadata/properties" ma:root="true" ma:fieldsID="4ab5ae46be95f9d0be6107e8200be7a2" ns2:_="" ns3:_="">
     <xsd:import namespace="a4f35948-e619-41b3-aa29-22878b09cfd2"/>
@@ -11635,6 +11817,15 @@
 </ct:contentTypeSchema>
 </file>
 
+<file path=customXml/item2.xml><?xml version="1.0" encoding="utf-8"?>
+<?mso-contentType ?>
+<FormTemplates xmlns="http://schemas.microsoft.com/sharepoint/v3/contenttype/forms">
+  <Display>DocumentLibraryForm</Display>
+  <Edit>DocumentLibraryForm</Edit>
+  <New>DocumentLibraryForm</New>
+</FormTemplates>
+</file>
+
 <file path=customXml/item3.xml><?xml version="1.0" encoding="utf-8"?>
 <p:properties xmlns:p="http://schemas.microsoft.com/office/2006/metadata/properties" xmlns:xsi="http://www.w3.org/2001/XMLSchema-instance" xmlns:pc="http://schemas.microsoft.com/office/infopath/2007/PartnerControls">
   <documentManagement>
@@ -11647,14 +11838,6 @@
 </file>
 
 <file path=customXml/itemProps1.xml><?xml version="1.0" encoding="utf-8"?>
-<ds:datastoreItem xmlns:ds="http://schemas.openxmlformats.org/officeDocument/2006/customXml" ds:itemID="{0875BD71-4A33-4FB7-88CA-777C4D9E6EE5}">
-  <ds:schemaRefs>
-    <ds:schemaRef ds:uri="http://schemas.microsoft.com/sharepoint/v3/contenttype/forms"/>
-  </ds:schemaRefs>
-</ds:datastoreItem>
-</file>
-
-<file path=customXml/itemProps2.xml><?xml version="1.0" encoding="utf-8"?>
 <ds:datastoreItem xmlns:ds="http://schemas.openxmlformats.org/officeDocument/2006/customXml" ds:itemID="{51F78577-2839-4BFF-9EC7-673BD8FEBD87}">
   <ds:schemaRefs>
     <ds:schemaRef ds:uri="http://schemas.microsoft.com/office/2006/metadata/contentType"/>
@@ -11669,6 +11852,14 @@
     <ds:schemaRef ds:uri="http://purl.org/dc/elements/1.1/"/>
     <ds:schemaRef ds:uri="http://purl.org/dc/terms/"/>
     <ds:schemaRef ds:uri="http://schemas.microsoft.com/internal/obd"/>
+  </ds:schemaRefs>
+</ds:datastoreItem>
+</file>
+
+<file path=customXml/itemProps2.xml><?xml version="1.0" encoding="utf-8"?>
+<ds:datastoreItem xmlns:ds="http://schemas.openxmlformats.org/officeDocument/2006/customXml" ds:itemID="{0875BD71-4A33-4FB7-88CA-777C4D9E6EE5}">
+  <ds:schemaRefs>
+    <ds:schemaRef ds:uri="http://schemas.microsoft.com/sharepoint/v3/contenttype/forms"/>
   </ds:schemaRefs>
 </ds:datastoreItem>
 </file>

--- a/SERVEUR ET FICHIERS D’IMPRESSION.pptx
+++ b/SERVEUR ET FICHIERS D’IMPRESSION.pptx
@@ -602,7 +602,6 @@
     </c:plotArea>
     <c:legend>
       <c:legendPos val="b"/>
-      <c:layout/>
       <c:overlay val="0"/>
       <c:spPr>
         <a:noFill/>
@@ -10046,7 +10045,7 @@
           </a:blip>
           <a:srcRect/>
           <a:stretch>
-            <a:fillRect/>
+            <a:fillRect l="-30000" r="-30000"/>
           </a:stretch>
         </a:blipFill>
         <a:effectLst/>

--- a/SERVEUR ET FICHIERS D’IMPRESSION.pptx
+++ b/SERVEUR ET FICHIERS D’IMPRESSION.pptx
@@ -5,22 +5,25 @@
     <p:sldMasterId id="2147483672" r:id="rId4"/>
   </p:sldMasterIdLst>
   <p:notesMasterIdLst>
-    <p:notesMasterId r:id="rId10"/>
+    <p:notesMasterId r:id="rId13"/>
   </p:notesMasterIdLst>
   <p:handoutMasterIdLst>
-    <p:handoutMasterId r:id="rId11"/>
+    <p:handoutMasterId r:id="rId14"/>
   </p:handoutMasterIdLst>
   <p:sldIdLst>
     <p:sldId id="322" r:id="rId5"/>
     <p:sldId id="323" r:id="rId6"/>
     <p:sldId id="311" r:id="rId7"/>
     <p:sldId id="313" r:id="rId8"/>
-    <p:sldId id="312" r:id="rId9"/>
+    <p:sldId id="324" r:id="rId9"/>
+    <p:sldId id="325" r:id="rId10"/>
+    <p:sldId id="326" r:id="rId11"/>
+    <p:sldId id="327" r:id="rId12"/>
   </p:sldIdLst>
   <p:sldSz cx="12188825" cy="6858000"/>
   <p:notesSz cx="6858000" cy="9144000"/>
   <p:custDataLst>
-    <p:tags r:id="rId12"/>
+    <p:tags r:id="rId15"/>
   </p:custDataLst>
   <p:defaultTextStyle>
     <a:defPPr rtl="0">
@@ -180,7 +183,7 @@
             <a:srgbClr val="A4A3A4"/>
           </p15:clr>
         </p15:guide>
-        <p15:guide id="13" pos="959">
+        <p15:guide id="13" pos="573" userDrawn="1">
           <p15:clr>
             <a:srgbClr val="A4A3A4"/>
           </p15:clr>
@@ -195,7 +198,7 @@
             <a:srgbClr val="A4A3A4"/>
           </p15:clr>
         </p15:guide>
-        <p15:guide id="16" pos="7007">
+        <p15:guide id="16" pos="7467" userDrawn="1">
           <p15:clr>
             <a:srgbClr val="A4A3A4"/>
           </p15:clr>
@@ -205,7 +208,7 @@
             <a:srgbClr val="A4A3A4"/>
           </p15:clr>
         </p15:guide>
-        <p15:guide id="18" pos="671">
+        <p15:guide id="18" pos="256" userDrawn="1">
           <p15:clr>
             <a:srgbClr val="A4A3A4"/>
           </p15:clr>
@@ -215,7 +218,7 @@
             <a:srgbClr val="A4A3A4"/>
           </p15:clr>
         </p15:guide>
-        <p15:guide id="20" pos="3119">
+        <p15:guide id="20" pos="1526" userDrawn="1">
           <p15:clr>
             <a:srgbClr val="A4A3A4"/>
           </p15:clr>
@@ -229,4848 +232,20 @@
 </p:presentation>
 </file>
 
+<file path=ppt/commentAuthors.xml><?xml version="1.0" encoding="utf-8"?>
+<p:cmAuthorLst xmlns:a="http://schemas.openxmlformats.org/drawingml/2006/main" xmlns:r="http://schemas.openxmlformats.org/officeDocument/2006/relationships" xmlns:p="http://schemas.openxmlformats.org/presentationml/2006/main">
+  <p:cmAuthor id="1" name="MAVRAJ Alessia" initials="MA" lastIdx="1" clrIdx="0">
+    <p:extLst>
+      <p:ext uri="{19B8F6BF-5375-455C-9EA6-DF929625EA0E}">
+        <p15:presenceInfo xmlns:p15="http://schemas.microsoft.com/office/powerpoint/2012/main" userId="S-1-5-21-284480379-1463103499-3249272784-27146" providerId="AD"/>
+      </p:ext>
+    </p:extLst>
+  </p:cmAuthor>
+</p:cmAuthorLst>
+</file>
+
 <file path=ppt/revisionInfo.xml><?xml version="1.0" encoding="utf-8"?>
 <p1510:revInfo xmlns:a="http://schemas.openxmlformats.org/drawingml/2006/main" xmlns:r="http://schemas.openxmlformats.org/officeDocument/2006/relationships" xmlns:p1510="http://schemas.microsoft.com/office/powerpoint/2015/10/main"/>
-</file>
-
-<file path=ppt/charts/chart1.xml><?xml version="1.0" encoding="utf-8"?>
-<c:chartSpace xmlns:c="http://schemas.openxmlformats.org/drawingml/2006/chart" xmlns:a="http://schemas.openxmlformats.org/drawingml/2006/main" xmlns:r="http://schemas.openxmlformats.org/officeDocument/2006/relationships" xmlns:c16r2="http://schemas.microsoft.com/office/drawing/2015/06/chart">
-  <c:date1904 val="0"/>
-  <c:lang val="fr-FR"/>
-  <c:roundedCorners val="0"/>
-  <mc:AlternateContent xmlns:mc="http://schemas.openxmlformats.org/markup-compatibility/2006">
-    <mc:Choice xmlns:c14="http://schemas.microsoft.com/office/drawing/2007/8/2/chart" Requires="c14">
-      <c14:style val="102"/>
-    </mc:Choice>
-    <mc:Fallback>
-      <c:style val="2"/>
-    </mc:Fallback>
-  </mc:AlternateContent>
-  <c:chart>
-    <c:autoTitleDeleted val="1"/>
-    <c:plotArea>
-      <c:layout/>
-      <c:barChart>
-        <c:barDir val="col"/>
-        <c:grouping val="clustered"/>
-        <c:varyColors val="0"/>
-        <c:ser>
-          <c:idx val="0"/>
-          <c:order val="0"/>
-          <c:tx>
-            <c:strRef>
-              <c:f>Sheet1!$B$1</c:f>
-              <c:strCache>
-                <c:ptCount val="1"/>
-                <c:pt idx="0">
-                  <c:v>Série 1</c:v>
-                </c:pt>
-              </c:strCache>
-            </c:strRef>
-          </c:tx>
-          <c:spPr>
-            <a:solidFill>
-              <a:schemeClr val="accent1"/>
-            </a:solidFill>
-            <a:ln>
-              <a:noFill/>
-            </a:ln>
-            <a:effectLst/>
-          </c:spPr>
-          <c:invertIfNegative val="0"/>
-          <c:cat>
-            <c:strRef>
-              <c:f>Sheet1!$A$2:$A$5</c:f>
-              <c:strCache>
-                <c:ptCount val="4"/>
-                <c:pt idx="0">
-                  <c:v>Catégorie 1</c:v>
-                </c:pt>
-                <c:pt idx="1">
-                  <c:v>Catégorie 2</c:v>
-                </c:pt>
-                <c:pt idx="2">
-                  <c:v>Catégorie 3</c:v>
-                </c:pt>
-                <c:pt idx="3">
-                  <c:v>Catégorie 4</c:v>
-                </c:pt>
-              </c:strCache>
-            </c:strRef>
-          </c:cat>
-          <c:val>
-            <c:numRef>
-              <c:f>Sheet1!$B$2:$B$5</c:f>
-              <c:numCache>
-                <c:formatCode>General</c:formatCode>
-                <c:ptCount val="4"/>
-                <c:pt idx="0">
-                  <c:v>4.3</c:v>
-                </c:pt>
-                <c:pt idx="1">
-                  <c:v>2.5</c:v>
-                </c:pt>
-                <c:pt idx="2">
-                  <c:v>3.5</c:v>
-                </c:pt>
-                <c:pt idx="3">
-                  <c:v>4.5</c:v>
-                </c:pt>
-              </c:numCache>
-            </c:numRef>
-          </c:val>
-          <c:extLst>
-            <c:ext xmlns:c16="http://schemas.microsoft.com/office/drawing/2014/chart" uri="{C3380CC4-5D6E-409C-BE32-E72D297353CC}">
-              <c16:uniqueId val="{00000000-79A5-441C-A4DF-B72AB435ECC5}"/>
-            </c:ext>
-          </c:extLst>
-        </c:ser>
-        <c:ser>
-          <c:idx val="1"/>
-          <c:order val="1"/>
-          <c:tx>
-            <c:strRef>
-              <c:f>Sheet1!$C$1</c:f>
-              <c:strCache>
-                <c:ptCount val="1"/>
-                <c:pt idx="0">
-                  <c:v>Série 2</c:v>
-                </c:pt>
-              </c:strCache>
-            </c:strRef>
-          </c:tx>
-          <c:spPr>
-            <a:solidFill>
-              <a:schemeClr val="accent2"/>
-            </a:solidFill>
-            <a:ln>
-              <a:noFill/>
-            </a:ln>
-            <a:effectLst/>
-          </c:spPr>
-          <c:invertIfNegative val="0"/>
-          <c:cat>
-            <c:strRef>
-              <c:f>Sheet1!$A$2:$A$5</c:f>
-              <c:strCache>
-                <c:ptCount val="4"/>
-                <c:pt idx="0">
-                  <c:v>Catégorie 1</c:v>
-                </c:pt>
-                <c:pt idx="1">
-                  <c:v>Catégorie 2</c:v>
-                </c:pt>
-                <c:pt idx="2">
-                  <c:v>Catégorie 3</c:v>
-                </c:pt>
-                <c:pt idx="3">
-                  <c:v>Catégorie 4</c:v>
-                </c:pt>
-              </c:strCache>
-            </c:strRef>
-          </c:cat>
-          <c:val>
-            <c:numRef>
-              <c:f>Sheet1!$C$2:$C$5</c:f>
-              <c:numCache>
-                <c:formatCode>General</c:formatCode>
-                <c:ptCount val="4"/>
-                <c:pt idx="0">
-                  <c:v>2.4</c:v>
-                </c:pt>
-                <c:pt idx="1">
-                  <c:v>4.4000000000000004</c:v>
-                </c:pt>
-                <c:pt idx="2">
-                  <c:v>1.8</c:v>
-                </c:pt>
-                <c:pt idx="3">
-                  <c:v>2.8</c:v>
-                </c:pt>
-              </c:numCache>
-            </c:numRef>
-          </c:val>
-          <c:extLst>
-            <c:ext xmlns:c16="http://schemas.microsoft.com/office/drawing/2014/chart" uri="{C3380CC4-5D6E-409C-BE32-E72D297353CC}">
-              <c16:uniqueId val="{00000001-79A5-441C-A4DF-B72AB435ECC5}"/>
-            </c:ext>
-          </c:extLst>
-        </c:ser>
-        <c:dLbls>
-          <c:showLegendKey val="0"/>
-          <c:showVal val="0"/>
-          <c:showCatName val="0"/>
-          <c:showSerName val="0"/>
-          <c:showPercent val="0"/>
-          <c:showBubbleSize val="0"/>
-        </c:dLbls>
-        <c:gapWidth val="219"/>
-        <c:overlap val="-27"/>
-        <c:axId val="406266472"/>
-        <c:axId val="406265296"/>
-      </c:barChart>
-      <c:lineChart>
-        <c:grouping val="standard"/>
-        <c:varyColors val="0"/>
-        <c:ser>
-          <c:idx val="2"/>
-          <c:order val="2"/>
-          <c:tx>
-            <c:strRef>
-              <c:f>Sheet1!$D$1</c:f>
-              <c:strCache>
-                <c:ptCount val="1"/>
-                <c:pt idx="0">
-                  <c:v>Série 3</c:v>
-                </c:pt>
-              </c:strCache>
-            </c:strRef>
-          </c:tx>
-          <c:spPr>
-            <a:ln w="28575" cap="rnd">
-              <a:solidFill>
-                <a:schemeClr val="accent3"/>
-              </a:solidFill>
-              <a:round/>
-            </a:ln>
-            <a:effectLst/>
-          </c:spPr>
-          <c:marker>
-            <c:symbol val="none"/>
-          </c:marker>
-          <c:cat>
-            <c:strRef>
-              <c:f>Sheet1!$A$2:$A$5</c:f>
-              <c:strCache>
-                <c:ptCount val="4"/>
-                <c:pt idx="0">
-                  <c:v>Catégorie 1</c:v>
-                </c:pt>
-                <c:pt idx="1">
-                  <c:v>Catégorie 2</c:v>
-                </c:pt>
-                <c:pt idx="2">
-                  <c:v>Catégorie 3</c:v>
-                </c:pt>
-                <c:pt idx="3">
-                  <c:v>Catégorie 4</c:v>
-                </c:pt>
-              </c:strCache>
-            </c:strRef>
-          </c:cat>
-          <c:val>
-            <c:numRef>
-              <c:f>Sheet1!$D$2:$D$5</c:f>
-              <c:numCache>
-                <c:formatCode>General</c:formatCode>
-                <c:ptCount val="4"/>
-                <c:pt idx="0">
-                  <c:v>2</c:v>
-                </c:pt>
-                <c:pt idx="1">
-                  <c:v>2</c:v>
-                </c:pt>
-                <c:pt idx="2">
-                  <c:v>3</c:v>
-                </c:pt>
-                <c:pt idx="3">
-                  <c:v>5</c:v>
-                </c:pt>
-              </c:numCache>
-            </c:numRef>
-          </c:val>
-          <c:smooth val="0"/>
-          <c:extLst>
-            <c:ext xmlns:c16="http://schemas.microsoft.com/office/drawing/2014/chart" uri="{C3380CC4-5D6E-409C-BE32-E72D297353CC}">
-              <c16:uniqueId val="{00000002-79A5-441C-A4DF-B72AB435ECC5}"/>
-            </c:ext>
-          </c:extLst>
-        </c:ser>
-        <c:dLbls>
-          <c:showLegendKey val="0"/>
-          <c:showVal val="0"/>
-          <c:showCatName val="0"/>
-          <c:showSerName val="0"/>
-          <c:showPercent val="0"/>
-          <c:showBubbleSize val="0"/>
-        </c:dLbls>
-        <c:marker val="1"/>
-        <c:smooth val="0"/>
-        <c:axId val="406266472"/>
-        <c:axId val="406265296"/>
-      </c:lineChart>
-      <c:catAx>
-        <c:axId val="406266472"/>
-        <c:scaling>
-          <c:orientation val="minMax"/>
-        </c:scaling>
-        <c:delete val="0"/>
-        <c:axPos val="b"/>
-        <c:numFmt formatCode="General" sourceLinked="1"/>
-        <c:majorTickMark val="none"/>
-        <c:minorTickMark val="none"/>
-        <c:tickLblPos val="nextTo"/>
-        <c:spPr>
-          <a:noFill/>
-          <a:ln w="9525" cap="flat" cmpd="sng" algn="ctr">
-            <a:solidFill>
-              <a:schemeClr val="tx1">
-                <a:lumMod val="15000"/>
-                <a:lumOff val="85000"/>
-              </a:schemeClr>
-            </a:solidFill>
-            <a:round/>
-          </a:ln>
-          <a:effectLst/>
-        </c:spPr>
-        <c:txPr>
-          <a:bodyPr rot="-60000000" spcFirstLastPara="1" vertOverflow="ellipsis" vert="horz" wrap="square" anchor="ctr" anchorCtr="1"/>
-          <a:lstStyle/>
-          <a:p>
-            <a:pPr>
-              <a:defRPr sz="1197" b="0" i="0" u="none" strike="noStrike" kern="1200" baseline="0">
-                <a:solidFill>
-                  <a:schemeClr val="tx1">
-                    <a:lumMod val="65000"/>
-                    <a:lumOff val="35000"/>
-                  </a:schemeClr>
-                </a:solidFill>
-                <a:latin typeface="+mn-lt"/>
-                <a:ea typeface="+mn-ea"/>
-                <a:cs typeface="+mn-cs"/>
-              </a:defRPr>
-            </a:pPr>
-            <a:endParaRPr lang="fr-FR"/>
-          </a:p>
-        </c:txPr>
-        <c:crossAx val="406265296"/>
-        <c:crosses val="autoZero"/>
-        <c:auto val="1"/>
-        <c:lblAlgn val="ctr"/>
-        <c:lblOffset val="100"/>
-        <c:noMultiLvlLbl val="0"/>
-      </c:catAx>
-      <c:valAx>
-        <c:axId val="406265296"/>
-        <c:scaling>
-          <c:orientation val="minMax"/>
-        </c:scaling>
-        <c:delete val="0"/>
-        <c:axPos val="l"/>
-        <c:numFmt formatCode="General" sourceLinked="1"/>
-        <c:majorTickMark val="none"/>
-        <c:minorTickMark val="none"/>
-        <c:tickLblPos val="nextTo"/>
-        <c:spPr>
-          <a:noFill/>
-          <a:ln>
-            <a:noFill/>
-          </a:ln>
-          <a:effectLst/>
-        </c:spPr>
-        <c:txPr>
-          <a:bodyPr rot="-60000000" spcFirstLastPara="1" vertOverflow="ellipsis" vert="horz" wrap="square" anchor="ctr" anchorCtr="1"/>
-          <a:lstStyle/>
-          <a:p>
-            <a:pPr>
-              <a:defRPr sz="1197" b="0" i="0" u="none" strike="noStrike" kern="1200" baseline="0">
-                <a:solidFill>
-                  <a:schemeClr val="tx1">
-                    <a:lumMod val="65000"/>
-                    <a:lumOff val="35000"/>
-                  </a:schemeClr>
-                </a:solidFill>
-                <a:latin typeface="+mn-lt"/>
-                <a:ea typeface="+mn-ea"/>
-                <a:cs typeface="+mn-cs"/>
-              </a:defRPr>
-            </a:pPr>
-            <a:endParaRPr lang="fr-FR"/>
-          </a:p>
-        </c:txPr>
-        <c:crossAx val="406266472"/>
-        <c:crosses val="autoZero"/>
-        <c:crossBetween val="between"/>
-      </c:valAx>
-      <c:spPr>
-        <a:noFill/>
-        <a:ln>
-          <a:noFill/>
-        </a:ln>
-        <a:effectLst/>
-      </c:spPr>
-    </c:plotArea>
-    <c:legend>
-      <c:legendPos val="b"/>
-      <c:overlay val="0"/>
-      <c:spPr>
-        <a:noFill/>
-        <a:ln>
-          <a:noFill/>
-        </a:ln>
-        <a:effectLst/>
-      </c:spPr>
-      <c:txPr>
-        <a:bodyPr rot="0" spcFirstLastPara="1" vertOverflow="ellipsis" vert="horz" wrap="square" anchor="ctr" anchorCtr="1"/>
-        <a:lstStyle/>
-        <a:p>
-          <a:pPr>
-            <a:defRPr sz="1197" b="0" i="0" u="none" strike="noStrike" kern="1200" baseline="0">
-              <a:solidFill>
-                <a:schemeClr val="tx1">
-                  <a:lumMod val="65000"/>
-                  <a:lumOff val="35000"/>
-                </a:schemeClr>
-              </a:solidFill>
-              <a:latin typeface="+mn-lt"/>
-              <a:ea typeface="+mn-ea"/>
-              <a:cs typeface="+mn-cs"/>
-            </a:defRPr>
-          </a:pPr>
-          <a:endParaRPr lang="fr-FR"/>
-        </a:p>
-      </c:txPr>
-    </c:legend>
-    <c:plotVisOnly val="1"/>
-    <c:dispBlanksAs val="gap"/>
-    <c:showDLblsOverMax val="0"/>
-  </c:chart>
-  <c:spPr>
-    <a:noFill/>
-    <a:ln>
-      <a:noFill/>
-    </a:ln>
-    <a:effectLst/>
-  </c:spPr>
-  <c:txPr>
-    <a:bodyPr/>
-    <a:lstStyle/>
-    <a:p>
-      <a:pPr>
-        <a:defRPr/>
-      </a:pPr>
-      <a:endParaRPr lang="fr-FR"/>
-    </a:p>
-  </c:txPr>
-  <c:externalData r:id="rId3">
-    <c:autoUpdate val="0"/>
-  </c:externalData>
-</c:chartSpace>
-</file>
-
-<file path=ppt/charts/colors1.xml><?xml version="1.0" encoding="utf-8"?>
-<cs:colorStyle xmlns:cs="http://schemas.microsoft.com/office/drawing/2012/chartStyle" xmlns:a="http://schemas.openxmlformats.org/drawingml/2006/main" meth="cycle" id="10">
-  <a:schemeClr val="accent1"/>
-  <a:schemeClr val="accent2"/>
-  <a:schemeClr val="accent3"/>
-  <a:schemeClr val="accent4"/>
-  <a:schemeClr val="accent5"/>
-  <a:schemeClr val="accent6"/>
-  <cs:variation/>
-  <cs:variation>
-    <a:lumMod val="60000"/>
-  </cs:variation>
-  <cs:variation>
-    <a:lumMod val="80000"/>
-    <a:lumOff val="20000"/>
-  </cs:variation>
-  <cs:variation>
-    <a:lumMod val="80000"/>
-  </cs:variation>
-  <cs:variation>
-    <a:lumMod val="60000"/>
-    <a:lumOff val="40000"/>
-  </cs:variation>
-  <cs:variation>
-    <a:lumMod val="50000"/>
-  </cs:variation>
-  <cs:variation>
-    <a:lumMod val="70000"/>
-    <a:lumOff val="30000"/>
-  </cs:variation>
-  <cs:variation>
-    <a:lumMod val="70000"/>
-  </cs:variation>
-  <cs:variation>
-    <a:lumMod val="50000"/>
-    <a:lumOff val="50000"/>
-  </cs:variation>
-</cs:colorStyle>
-</file>
-
-<file path=ppt/charts/style1.xml><?xml version="1.0" encoding="utf-8"?>
-<cs:chartStyle xmlns:cs="http://schemas.microsoft.com/office/drawing/2012/chartStyle" xmlns:a="http://schemas.openxmlformats.org/drawingml/2006/main" id="201">
-  <cs:axisTitle>
-    <cs:lnRef idx="0"/>
-    <cs:fillRef idx="0"/>
-    <cs:effectRef idx="0"/>
-    <cs:fontRef idx="minor">
-      <a:schemeClr val="tx1">
-        <a:lumMod val="65000"/>
-        <a:lumOff val="35000"/>
-      </a:schemeClr>
-    </cs:fontRef>
-    <cs:defRPr sz="1330" kern="1200"/>
-  </cs:axisTitle>
-  <cs:categoryAxis>
-    <cs:lnRef idx="0"/>
-    <cs:fillRef idx="0"/>
-    <cs:effectRef idx="0"/>
-    <cs:fontRef idx="minor">
-      <a:schemeClr val="tx1">
-        <a:lumMod val="65000"/>
-        <a:lumOff val="35000"/>
-      </a:schemeClr>
-    </cs:fontRef>
-    <cs:spPr>
-      <a:ln w="9525" cap="flat" cmpd="sng" algn="ctr">
-        <a:solidFill>
-          <a:schemeClr val="tx1">
-            <a:lumMod val="15000"/>
-            <a:lumOff val="85000"/>
-          </a:schemeClr>
-        </a:solidFill>
-        <a:round/>
-      </a:ln>
-    </cs:spPr>
-    <cs:defRPr sz="1197" kern="1200"/>
-  </cs:categoryAxis>
-  <cs:chartArea mods="allowNoFillOverride allowNoLineOverride">
-    <cs:lnRef idx="0"/>
-    <cs:fillRef idx="0"/>
-    <cs:effectRef idx="0"/>
-    <cs:fontRef idx="minor">
-      <a:schemeClr val="tx1"/>
-    </cs:fontRef>
-    <cs:spPr>
-      <a:solidFill>
-        <a:schemeClr val="bg1"/>
-      </a:solidFill>
-      <a:ln w="9525" cap="flat" cmpd="sng" algn="ctr">
-        <a:solidFill>
-          <a:schemeClr val="tx1">
-            <a:lumMod val="15000"/>
-            <a:lumOff val="85000"/>
-          </a:schemeClr>
-        </a:solidFill>
-        <a:round/>
-      </a:ln>
-    </cs:spPr>
-    <cs:defRPr sz="1330" kern="1200"/>
-  </cs:chartArea>
-  <cs:dataLabel>
-    <cs:lnRef idx="0"/>
-    <cs:fillRef idx="0"/>
-    <cs:effectRef idx="0"/>
-    <cs:fontRef idx="minor">
-      <a:schemeClr val="tx1">
-        <a:lumMod val="75000"/>
-        <a:lumOff val="25000"/>
-      </a:schemeClr>
-    </cs:fontRef>
-    <cs:defRPr sz="1197" kern="1200"/>
-  </cs:dataLabel>
-  <cs:dataLabelCallout>
-    <cs:lnRef idx="0"/>
-    <cs:fillRef idx="0"/>
-    <cs:effectRef idx="0"/>
-    <cs:fontRef idx="minor">
-      <a:schemeClr val="dk1">
-        <a:lumMod val="65000"/>
-        <a:lumOff val="35000"/>
-      </a:schemeClr>
-    </cs:fontRef>
-    <cs:spPr>
-      <a:solidFill>
-        <a:schemeClr val="lt1"/>
-      </a:solidFill>
-      <a:ln>
-        <a:solidFill>
-          <a:schemeClr val="dk1">
-            <a:lumMod val="25000"/>
-            <a:lumOff val="75000"/>
-          </a:schemeClr>
-        </a:solidFill>
-      </a:ln>
-    </cs:spPr>
-    <cs:defRPr sz="1197" kern="1200"/>
-  </cs:dataLabelCallout>
-  <cs:dataPoint>
-    <cs:lnRef idx="0"/>
-    <cs:fillRef idx="1">
-      <cs:styleClr val="auto"/>
-    </cs:fillRef>
-    <cs:effectRef idx="0"/>
-    <cs:fontRef idx="minor">
-      <a:schemeClr val="tx1"/>
-    </cs:fontRef>
-  </cs:dataPoint>
-  <cs:dataPoint3D>
-    <cs:lnRef idx="0"/>
-    <cs:fillRef idx="1">
-      <cs:styleClr val="auto"/>
-    </cs:fillRef>
-    <cs:effectRef idx="0"/>
-    <cs:fontRef idx="minor">
-      <a:schemeClr val="tx1"/>
-    </cs:fontRef>
-  </cs:dataPoint3D>
-  <cs:dataPointLine>
-    <cs:lnRef idx="0">
-      <cs:styleClr val="auto"/>
-    </cs:lnRef>
-    <cs:fillRef idx="1"/>
-    <cs:effectRef idx="0"/>
-    <cs:fontRef idx="minor">
-      <a:schemeClr val="tx1"/>
-    </cs:fontRef>
-    <cs:spPr>
-      <a:ln w="28575" cap="rnd">
-        <a:solidFill>
-          <a:schemeClr val="phClr"/>
-        </a:solidFill>
-        <a:round/>
-      </a:ln>
-    </cs:spPr>
-  </cs:dataPointLine>
-  <cs:dataPointMarker>
-    <cs:lnRef idx="0">
-      <cs:styleClr val="auto"/>
-    </cs:lnRef>
-    <cs:fillRef idx="1">
-      <cs:styleClr val="auto"/>
-    </cs:fillRef>
-    <cs:effectRef idx="0"/>
-    <cs:fontRef idx="minor">
-      <a:schemeClr val="tx1"/>
-    </cs:fontRef>
-    <cs:spPr>
-      <a:ln w="9525">
-        <a:solidFill>
-          <a:schemeClr val="phClr"/>
-        </a:solidFill>
-      </a:ln>
-    </cs:spPr>
-  </cs:dataPointMarker>
-  <cs:dataPointMarkerLayout symbol="circle" size="5"/>
-  <cs:dataPointWireframe>
-    <cs:lnRef idx="0">
-      <cs:styleClr val="auto"/>
-    </cs:lnRef>
-    <cs:fillRef idx="1"/>
-    <cs:effectRef idx="0"/>
-    <cs:fontRef idx="minor">
-      <a:schemeClr val="tx1"/>
-    </cs:fontRef>
-    <cs:spPr>
-      <a:ln w="9525" cap="rnd">
-        <a:solidFill>
-          <a:schemeClr val="phClr"/>
-        </a:solidFill>
-        <a:round/>
-      </a:ln>
-    </cs:spPr>
-  </cs:dataPointWireframe>
-  <cs:dataTable>
-    <cs:lnRef idx="0"/>
-    <cs:fillRef idx="0"/>
-    <cs:effectRef idx="0"/>
-    <cs:fontRef idx="minor">
-      <a:schemeClr val="tx1">
-        <a:lumMod val="65000"/>
-        <a:lumOff val="35000"/>
-      </a:schemeClr>
-    </cs:fontRef>
-    <cs:spPr>
-      <a:noFill/>
-      <a:ln w="9525" cap="flat" cmpd="sng" algn="ctr">
-        <a:solidFill>
-          <a:schemeClr val="tx1">
-            <a:lumMod val="15000"/>
-            <a:lumOff val="85000"/>
-          </a:schemeClr>
-        </a:solidFill>
-        <a:round/>
-      </a:ln>
-    </cs:spPr>
-    <cs:defRPr sz="1197" kern="1200"/>
-  </cs:dataTable>
-  <cs:downBar>
-    <cs:lnRef idx="0"/>
-    <cs:fillRef idx="0"/>
-    <cs:effectRef idx="0"/>
-    <cs:fontRef idx="minor">
-      <a:schemeClr val="dk1"/>
-    </cs:fontRef>
-    <cs:spPr>
-      <a:solidFill>
-        <a:schemeClr val="dk1">
-          <a:lumMod val="65000"/>
-          <a:lumOff val="35000"/>
-        </a:schemeClr>
-      </a:solidFill>
-      <a:ln w="9525">
-        <a:solidFill>
-          <a:schemeClr val="tx1">
-            <a:lumMod val="65000"/>
-            <a:lumOff val="35000"/>
-          </a:schemeClr>
-        </a:solidFill>
-      </a:ln>
-    </cs:spPr>
-  </cs:downBar>
-  <cs:dropLine>
-    <cs:lnRef idx="0"/>
-    <cs:fillRef idx="0"/>
-    <cs:effectRef idx="0"/>
-    <cs:fontRef idx="minor">
-      <a:schemeClr val="tx1"/>
-    </cs:fontRef>
-    <cs:spPr>
-      <a:ln w="9525" cap="flat" cmpd="sng" algn="ctr">
-        <a:solidFill>
-          <a:schemeClr val="tx1">
-            <a:lumMod val="35000"/>
-            <a:lumOff val="65000"/>
-          </a:schemeClr>
-        </a:solidFill>
-        <a:round/>
-      </a:ln>
-    </cs:spPr>
-  </cs:dropLine>
-  <cs:errorBar>
-    <cs:lnRef idx="0"/>
-    <cs:fillRef idx="0"/>
-    <cs:effectRef idx="0"/>
-    <cs:fontRef idx="minor">
-      <a:schemeClr val="tx1"/>
-    </cs:fontRef>
-    <cs:spPr>
-      <a:ln w="9525" cap="flat" cmpd="sng" algn="ctr">
-        <a:solidFill>
-          <a:schemeClr val="tx1">
-            <a:lumMod val="65000"/>
-            <a:lumOff val="35000"/>
-          </a:schemeClr>
-        </a:solidFill>
-        <a:round/>
-      </a:ln>
-    </cs:spPr>
-  </cs:errorBar>
-  <cs:floor>
-    <cs:lnRef idx="0"/>
-    <cs:fillRef idx="0"/>
-    <cs:effectRef idx="0"/>
-    <cs:fontRef idx="minor">
-      <a:schemeClr val="tx1"/>
-    </cs:fontRef>
-    <cs:spPr>
-      <a:noFill/>
-      <a:ln>
-        <a:noFill/>
-      </a:ln>
-    </cs:spPr>
-  </cs:floor>
-  <cs:gridlineMajor>
-    <cs:lnRef idx="0"/>
-    <cs:fillRef idx="0"/>
-    <cs:effectRef idx="0"/>
-    <cs:fontRef idx="minor">
-      <a:schemeClr val="tx1"/>
-    </cs:fontRef>
-    <cs:spPr>
-      <a:ln w="9525" cap="flat" cmpd="sng" algn="ctr">
-        <a:solidFill>
-          <a:schemeClr val="tx1">
-            <a:lumMod val="15000"/>
-            <a:lumOff val="85000"/>
-          </a:schemeClr>
-        </a:solidFill>
-        <a:round/>
-      </a:ln>
-    </cs:spPr>
-  </cs:gridlineMajor>
-  <cs:gridlineMinor>
-    <cs:lnRef idx="0"/>
-    <cs:fillRef idx="0"/>
-    <cs:effectRef idx="0"/>
-    <cs:fontRef idx="minor">
-      <a:schemeClr val="tx1"/>
-    </cs:fontRef>
-    <cs:spPr>
-      <a:ln w="9525" cap="flat" cmpd="sng" algn="ctr">
-        <a:solidFill>
-          <a:schemeClr val="tx1">
-            <a:lumMod val="5000"/>
-            <a:lumOff val="95000"/>
-          </a:schemeClr>
-        </a:solidFill>
-        <a:round/>
-      </a:ln>
-    </cs:spPr>
-  </cs:gridlineMinor>
-  <cs:hiLoLine>
-    <cs:lnRef idx="0"/>
-    <cs:fillRef idx="0"/>
-    <cs:effectRef idx="0"/>
-    <cs:fontRef idx="minor">
-      <a:schemeClr val="tx1"/>
-    </cs:fontRef>
-    <cs:spPr>
-      <a:ln w="9525" cap="flat" cmpd="sng" algn="ctr">
-        <a:solidFill>
-          <a:schemeClr val="tx1">
-            <a:lumMod val="75000"/>
-            <a:lumOff val="25000"/>
-          </a:schemeClr>
-        </a:solidFill>
-        <a:round/>
-      </a:ln>
-    </cs:spPr>
-  </cs:hiLoLine>
-  <cs:leaderLine>
-    <cs:lnRef idx="0"/>
-    <cs:fillRef idx="0"/>
-    <cs:effectRef idx="0"/>
-    <cs:fontRef idx="minor">
-      <a:schemeClr val="tx1"/>
-    </cs:fontRef>
-    <cs:spPr>
-      <a:ln w="9525" cap="flat" cmpd="sng" algn="ctr">
-        <a:solidFill>
-          <a:schemeClr val="tx1">
-            <a:lumMod val="35000"/>
-            <a:lumOff val="65000"/>
-          </a:schemeClr>
-        </a:solidFill>
-        <a:round/>
-      </a:ln>
-    </cs:spPr>
-  </cs:leaderLine>
-  <cs:legend>
-    <cs:lnRef idx="0"/>
-    <cs:fillRef idx="0"/>
-    <cs:effectRef idx="0"/>
-    <cs:fontRef idx="minor">
-      <a:schemeClr val="tx1">
-        <a:lumMod val="65000"/>
-        <a:lumOff val="35000"/>
-      </a:schemeClr>
-    </cs:fontRef>
-    <cs:defRPr sz="1197" kern="1200"/>
-  </cs:legend>
-  <cs:plotArea mods="allowNoFillOverride allowNoLineOverride">
-    <cs:lnRef idx="0"/>
-    <cs:fillRef idx="0"/>
-    <cs:effectRef idx="0"/>
-    <cs:fontRef idx="minor">
-      <a:schemeClr val="tx1"/>
-    </cs:fontRef>
-  </cs:plotArea>
-  <cs:plotArea3D mods="allowNoFillOverride allowNoLineOverride">
-    <cs:lnRef idx="0"/>
-    <cs:fillRef idx="0"/>
-    <cs:effectRef idx="0"/>
-    <cs:fontRef idx="minor">
-      <a:schemeClr val="tx1"/>
-    </cs:fontRef>
-  </cs:plotArea3D>
-  <cs:seriesAxis>
-    <cs:lnRef idx="0"/>
-    <cs:fillRef idx="0"/>
-    <cs:effectRef idx="0"/>
-    <cs:fontRef idx="minor">
-      <a:schemeClr val="tx1">
-        <a:lumMod val="65000"/>
-        <a:lumOff val="35000"/>
-      </a:schemeClr>
-    </cs:fontRef>
-    <cs:defRPr sz="1197" kern="1200"/>
-  </cs:seriesAxis>
-  <cs:seriesLine>
-    <cs:lnRef idx="0"/>
-    <cs:fillRef idx="0"/>
-    <cs:effectRef idx="0"/>
-    <cs:fontRef idx="minor">
-      <a:schemeClr val="tx1"/>
-    </cs:fontRef>
-    <cs:spPr>
-      <a:ln w="9525" cap="flat" cmpd="sng" algn="ctr">
-        <a:solidFill>
-          <a:schemeClr val="tx1">
-            <a:lumMod val="35000"/>
-            <a:lumOff val="65000"/>
-          </a:schemeClr>
-        </a:solidFill>
-        <a:round/>
-      </a:ln>
-    </cs:spPr>
-  </cs:seriesLine>
-  <cs:title>
-    <cs:lnRef idx="0"/>
-    <cs:fillRef idx="0"/>
-    <cs:effectRef idx="0"/>
-    <cs:fontRef idx="minor">
-      <a:schemeClr val="tx1">
-        <a:lumMod val="65000"/>
-        <a:lumOff val="35000"/>
-      </a:schemeClr>
-    </cs:fontRef>
-    <cs:defRPr sz="1862" b="0" kern="1200" spc="0" baseline="0"/>
-  </cs:title>
-  <cs:trendline>
-    <cs:lnRef idx="0">
-      <cs:styleClr val="auto"/>
-    </cs:lnRef>
-    <cs:fillRef idx="0"/>
-    <cs:effectRef idx="0"/>
-    <cs:fontRef idx="minor">
-      <a:schemeClr val="tx1"/>
-    </cs:fontRef>
-    <cs:spPr>
-      <a:ln w="19050" cap="rnd">
-        <a:solidFill>
-          <a:schemeClr val="phClr"/>
-        </a:solidFill>
-        <a:prstDash val="sysDot"/>
-      </a:ln>
-    </cs:spPr>
-  </cs:trendline>
-  <cs:trendlineLabel>
-    <cs:lnRef idx="0"/>
-    <cs:fillRef idx="0"/>
-    <cs:effectRef idx="0"/>
-    <cs:fontRef idx="minor">
-      <a:schemeClr val="tx1">
-        <a:lumMod val="65000"/>
-        <a:lumOff val="35000"/>
-      </a:schemeClr>
-    </cs:fontRef>
-    <cs:defRPr sz="1197" kern="1200"/>
-  </cs:trendlineLabel>
-  <cs:upBar>
-    <cs:lnRef idx="0"/>
-    <cs:fillRef idx="0"/>
-    <cs:effectRef idx="0"/>
-    <cs:fontRef idx="minor">
-      <a:schemeClr val="dk1"/>
-    </cs:fontRef>
-    <cs:spPr>
-      <a:solidFill>
-        <a:schemeClr val="lt1"/>
-      </a:solidFill>
-      <a:ln w="9525">
-        <a:solidFill>
-          <a:schemeClr val="tx1">
-            <a:lumMod val="15000"/>
-            <a:lumOff val="85000"/>
-          </a:schemeClr>
-        </a:solidFill>
-      </a:ln>
-    </cs:spPr>
-  </cs:upBar>
-  <cs:valueAxis>
-    <cs:lnRef idx="0"/>
-    <cs:fillRef idx="0"/>
-    <cs:effectRef idx="0"/>
-    <cs:fontRef idx="minor">
-      <a:schemeClr val="tx1">
-        <a:lumMod val="65000"/>
-        <a:lumOff val="35000"/>
-      </a:schemeClr>
-    </cs:fontRef>
-    <cs:defRPr sz="1197" kern="1200"/>
-  </cs:valueAxis>
-  <cs:wall>
-    <cs:lnRef idx="0"/>
-    <cs:fillRef idx="0"/>
-    <cs:effectRef idx="0"/>
-    <cs:fontRef idx="minor">
-      <a:schemeClr val="tx1"/>
-    </cs:fontRef>
-    <cs:spPr>
-      <a:noFill/>
-      <a:ln>
-        <a:noFill/>
-      </a:ln>
-    </cs:spPr>
-  </cs:wall>
-</cs:chartStyle>
-</file>
-
-<file path=ppt/diagrams/colors1.xml><?xml version="1.0" encoding="utf-8"?>
-<dgm:colorsDef xmlns:dgm="http://schemas.openxmlformats.org/drawingml/2006/diagram" xmlns:a="http://schemas.openxmlformats.org/drawingml/2006/main" uniqueId="urn:microsoft.com/office/officeart/2005/8/colors/accent1_1">
-  <dgm:title val=""/>
-  <dgm:desc val=""/>
-  <dgm:catLst>
-    <dgm:cat type="accent1" pri="11100"/>
-  </dgm:catLst>
-  <dgm:styleLbl name="node0">
-    <dgm:fillClrLst meth="repeat">
-      <a:schemeClr val="lt1"/>
-    </dgm:fillClrLst>
-    <dgm:linClrLst meth="repeat">
-      <a:schemeClr val="accent1">
-        <a:shade val="80000"/>
-      </a:schemeClr>
-    </dgm:linClrLst>
-    <dgm:effectClrLst/>
-    <dgm:txLinClrLst/>
-    <dgm:txFillClrLst meth="repeat">
-      <a:schemeClr val="dk1"/>
-    </dgm:txFillClrLst>
-    <dgm:txEffectClrLst/>
-  </dgm:styleLbl>
-  <dgm:styleLbl name="alignNode1">
-    <dgm:fillClrLst meth="repeat">
-      <a:schemeClr val="lt1"/>
-    </dgm:fillClrLst>
-    <dgm:linClrLst meth="repeat">
-      <a:schemeClr val="accent1">
-        <a:shade val="80000"/>
-      </a:schemeClr>
-    </dgm:linClrLst>
-    <dgm:effectClrLst/>
-    <dgm:txLinClrLst/>
-    <dgm:txFillClrLst meth="repeat">
-      <a:schemeClr val="dk1"/>
-    </dgm:txFillClrLst>
-    <dgm:txEffectClrLst/>
-  </dgm:styleLbl>
-  <dgm:styleLbl name="node1">
-    <dgm:fillClrLst meth="repeat">
-      <a:schemeClr val="lt1"/>
-    </dgm:fillClrLst>
-    <dgm:linClrLst meth="repeat">
-      <a:schemeClr val="accent1">
-        <a:shade val="80000"/>
-      </a:schemeClr>
-    </dgm:linClrLst>
-    <dgm:effectClrLst/>
-    <dgm:txLinClrLst/>
-    <dgm:txFillClrLst meth="repeat">
-      <a:schemeClr val="dk1"/>
-    </dgm:txFillClrLst>
-    <dgm:txEffectClrLst/>
-  </dgm:styleLbl>
-  <dgm:styleLbl name="lnNode1">
-    <dgm:fillClrLst meth="repeat">
-      <a:schemeClr val="lt1"/>
-    </dgm:fillClrLst>
-    <dgm:linClrLst meth="repeat">
-      <a:schemeClr val="accent1">
-        <a:shade val="80000"/>
-      </a:schemeClr>
-    </dgm:linClrLst>
-    <dgm:effectClrLst/>
-    <dgm:txLinClrLst/>
-    <dgm:txFillClrLst meth="repeat">
-      <a:schemeClr val="dk1"/>
-    </dgm:txFillClrLst>
-    <dgm:txEffectClrLst/>
-  </dgm:styleLbl>
-  <dgm:styleLbl name="vennNode1">
-    <dgm:fillClrLst meth="repeat">
-      <a:schemeClr val="lt1">
-        <a:alpha val="50000"/>
-      </a:schemeClr>
-    </dgm:fillClrLst>
-    <dgm:linClrLst meth="repeat">
-      <a:schemeClr val="accent1">
-        <a:shade val="80000"/>
-      </a:schemeClr>
-    </dgm:linClrLst>
-    <dgm:effectClrLst/>
-    <dgm:txLinClrLst/>
-    <dgm:txFillClrLst/>
-    <dgm:txEffectClrLst/>
-  </dgm:styleLbl>
-  <dgm:styleLbl name="node2">
-    <dgm:fillClrLst meth="repeat">
-      <a:schemeClr val="lt1"/>
-    </dgm:fillClrLst>
-    <dgm:linClrLst meth="repeat">
-      <a:schemeClr val="accent1">
-        <a:shade val="80000"/>
-      </a:schemeClr>
-    </dgm:linClrLst>
-    <dgm:effectClrLst/>
-    <dgm:txLinClrLst/>
-    <dgm:txFillClrLst meth="repeat">
-      <a:schemeClr val="dk1"/>
-    </dgm:txFillClrLst>
-    <dgm:txEffectClrLst/>
-  </dgm:styleLbl>
-  <dgm:styleLbl name="node3">
-    <dgm:fillClrLst meth="repeat">
-      <a:schemeClr val="lt1"/>
-    </dgm:fillClrLst>
-    <dgm:linClrLst meth="repeat">
-      <a:schemeClr val="accent1">
-        <a:shade val="80000"/>
-      </a:schemeClr>
-    </dgm:linClrLst>
-    <dgm:effectClrLst/>
-    <dgm:txLinClrLst/>
-    <dgm:txFillClrLst meth="repeat">
-      <a:schemeClr val="dk1"/>
-    </dgm:txFillClrLst>
-    <dgm:txEffectClrLst/>
-  </dgm:styleLbl>
-  <dgm:styleLbl name="node4">
-    <dgm:fillClrLst meth="repeat">
-      <a:schemeClr val="lt1"/>
-    </dgm:fillClrLst>
-    <dgm:linClrLst meth="repeat">
-      <a:schemeClr val="accent1">
-        <a:shade val="80000"/>
-      </a:schemeClr>
-    </dgm:linClrLst>
-    <dgm:effectClrLst/>
-    <dgm:txLinClrLst/>
-    <dgm:txFillClrLst meth="repeat">
-      <a:schemeClr val="dk1"/>
-    </dgm:txFillClrLst>
-    <dgm:txEffectClrLst/>
-  </dgm:styleLbl>
-  <dgm:styleLbl name="fgImgPlace1">
-    <dgm:fillClrLst meth="repeat">
-      <a:schemeClr val="accent1">
-        <a:tint val="40000"/>
-      </a:schemeClr>
-    </dgm:fillClrLst>
-    <dgm:linClrLst meth="repeat">
-      <a:schemeClr val="accent1">
-        <a:shade val="80000"/>
-      </a:schemeClr>
-    </dgm:linClrLst>
-    <dgm:effectClrLst/>
-    <dgm:txLinClrLst/>
-    <dgm:txFillClrLst meth="repeat">
-      <a:schemeClr val="lt1"/>
-    </dgm:txFillClrLst>
-    <dgm:txEffectClrLst/>
-  </dgm:styleLbl>
-  <dgm:styleLbl name="alignImgPlace1">
-    <dgm:fillClrLst meth="repeat">
-      <a:schemeClr val="accent1">
-        <a:tint val="40000"/>
-      </a:schemeClr>
-    </dgm:fillClrLst>
-    <dgm:linClrLst meth="repeat">
-      <a:schemeClr val="accent1">
-        <a:shade val="80000"/>
-      </a:schemeClr>
-    </dgm:linClrLst>
-    <dgm:effectClrLst/>
-    <dgm:txLinClrLst/>
-    <dgm:txFillClrLst meth="repeat">
-      <a:schemeClr val="lt1"/>
-    </dgm:txFillClrLst>
-    <dgm:txEffectClrLst/>
-  </dgm:styleLbl>
-  <dgm:styleLbl name="bgImgPlace1">
-    <dgm:fillClrLst meth="repeat">
-      <a:schemeClr val="accent1">
-        <a:tint val="40000"/>
-      </a:schemeClr>
-    </dgm:fillClrLst>
-    <dgm:linClrLst meth="repeat">
-      <a:schemeClr val="accent1">
-        <a:shade val="80000"/>
-      </a:schemeClr>
-    </dgm:linClrLst>
-    <dgm:effectClrLst/>
-    <dgm:txLinClrLst/>
-    <dgm:txFillClrLst meth="repeat">
-      <a:schemeClr val="lt1"/>
-    </dgm:txFillClrLst>
-    <dgm:txEffectClrLst/>
-  </dgm:styleLbl>
-  <dgm:styleLbl name="sibTrans2D1">
-    <dgm:fillClrLst meth="repeat">
-      <a:schemeClr val="accent1">
-        <a:tint val="60000"/>
-      </a:schemeClr>
-    </dgm:fillClrLst>
-    <dgm:linClrLst meth="repeat">
-      <a:schemeClr val="accent1">
-        <a:tint val="60000"/>
-      </a:schemeClr>
-    </dgm:linClrLst>
-    <dgm:effectClrLst/>
-    <dgm:txLinClrLst/>
-    <dgm:txFillClrLst meth="repeat">
-      <a:schemeClr val="dk1"/>
-    </dgm:txFillClrLst>
-    <dgm:txEffectClrLst/>
-  </dgm:styleLbl>
-  <dgm:styleLbl name="fgSibTrans2D1">
-    <dgm:fillClrLst meth="repeat">
-      <a:schemeClr val="accent1">
-        <a:tint val="60000"/>
-      </a:schemeClr>
-    </dgm:fillClrLst>
-    <dgm:linClrLst meth="repeat">
-      <a:schemeClr val="accent1">
-        <a:tint val="60000"/>
-      </a:schemeClr>
-    </dgm:linClrLst>
-    <dgm:effectClrLst/>
-    <dgm:txLinClrLst/>
-    <dgm:txFillClrLst meth="repeat">
-      <a:schemeClr val="dk1"/>
-    </dgm:txFillClrLst>
-    <dgm:txEffectClrLst/>
-  </dgm:styleLbl>
-  <dgm:styleLbl name="bgSibTrans2D1">
-    <dgm:fillClrLst meth="repeat">
-      <a:schemeClr val="accent1">
-        <a:tint val="60000"/>
-      </a:schemeClr>
-    </dgm:fillClrLst>
-    <dgm:linClrLst meth="repeat">
-      <a:schemeClr val="accent1">
-        <a:tint val="60000"/>
-      </a:schemeClr>
-    </dgm:linClrLst>
-    <dgm:effectClrLst/>
-    <dgm:txLinClrLst/>
-    <dgm:txFillClrLst meth="repeat">
-      <a:schemeClr val="dk1"/>
-    </dgm:txFillClrLst>
-    <dgm:txEffectClrLst/>
-  </dgm:styleLbl>
-  <dgm:styleLbl name="sibTrans1D1">
-    <dgm:fillClrLst meth="repeat">
-      <a:schemeClr val="accent1"/>
-    </dgm:fillClrLst>
-    <dgm:linClrLst meth="repeat">
-      <a:schemeClr val="accent1"/>
-    </dgm:linClrLst>
-    <dgm:effectClrLst/>
-    <dgm:txLinClrLst/>
-    <dgm:txFillClrLst meth="repeat">
-      <a:schemeClr val="tx1"/>
-    </dgm:txFillClrLst>
-    <dgm:txEffectClrLst/>
-  </dgm:styleLbl>
-  <dgm:styleLbl name="callout">
-    <dgm:fillClrLst meth="repeat">
-      <a:schemeClr val="accent1"/>
-    </dgm:fillClrLst>
-    <dgm:linClrLst meth="repeat">
-      <a:schemeClr val="accent1"/>
-    </dgm:linClrLst>
-    <dgm:effectClrLst/>
-    <dgm:txLinClrLst/>
-    <dgm:txFillClrLst meth="repeat">
-      <a:schemeClr val="tx1"/>
-    </dgm:txFillClrLst>
-    <dgm:txEffectClrLst/>
-  </dgm:styleLbl>
-  <dgm:styleLbl name="asst0">
-    <dgm:fillClrLst meth="repeat">
-      <a:schemeClr val="lt1"/>
-    </dgm:fillClrLst>
-    <dgm:linClrLst meth="repeat">
-      <a:schemeClr val="accent1">
-        <a:shade val="80000"/>
-      </a:schemeClr>
-    </dgm:linClrLst>
-    <dgm:effectClrLst/>
-    <dgm:txLinClrLst/>
-    <dgm:txFillClrLst meth="repeat">
-      <a:schemeClr val="dk1"/>
-    </dgm:txFillClrLst>
-    <dgm:txEffectClrLst/>
-  </dgm:styleLbl>
-  <dgm:styleLbl name="asst1">
-    <dgm:fillClrLst meth="repeat">
-      <a:schemeClr val="lt1"/>
-    </dgm:fillClrLst>
-    <dgm:linClrLst meth="repeat">
-      <a:schemeClr val="accent1">
-        <a:shade val="80000"/>
-      </a:schemeClr>
-    </dgm:linClrLst>
-    <dgm:effectClrLst/>
-    <dgm:txLinClrLst/>
-    <dgm:txFillClrLst meth="repeat">
-      <a:schemeClr val="dk1"/>
-    </dgm:txFillClrLst>
-    <dgm:txEffectClrLst/>
-  </dgm:styleLbl>
-  <dgm:styleLbl name="asst2">
-    <dgm:fillClrLst meth="repeat">
-      <a:schemeClr val="lt1"/>
-    </dgm:fillClrLst>
-    <dgm:linClrLst meth="repeat">
-      <a:schemeClr val="accent1">
-        <a:shade val="80000"/>
-      </a:schemeClr>
-    </dgm:linClrLst>
-    <dgm:effectClrLst/>
-    <dgm:txLinClrLst/>
-    <dgm:txFillClrLst meth="repeat">
-      <a:schemeClr val="dk1"/>
-    </dgm:txFillClrLst>
-    <dgm:txEffectClrLst/>
-  </dgm:styleLbl>
-  <dgm:styleLbl name="asst3">
-    <dgm:fillClrLst meth="repeat">
-      <a:schemeClr val="lt1"/>
-    </dgm:fillClrLst>
-    <dgm:linClrLst meth="repeat">
-      <a:schemeClr val="accent1">
-        <a:shade val="80000"/>
-      </a:schemeClr>
-    </dgm:linClrLst>
-    <dgm:effectClrLst/>
-    <dgm:txLinClrLst/>
-    <dgm:txFillClrLst meth="repeat">
-      <a:schemeClr val="dk1"/>
-    </dgm:txFillClrLst>
-    <dgm:txEffectClrLst/>
-  </dgm:styleLbl>
-  <dgm:styleLbl name="asst4">
-    <dgm:fillClrLst meth="repeat">
-      <a:schemeClr val="lt1"/>
-    </dgm:fillClrLst>
-    <dgm:linClrLst meth="repeat">
-      <a:schemeClr val="accent1">
-        <a:shade val="80000"/>
-      </a:schemeClr>
-    </dgm:linClrLst>
-    <dgm:effectClrLst/>
-    <dgm:txLinClrLst/>
-    <dgm:txFillClrLst meth="repeat">
-      <a:schemeClr val="dk1"/>
-    </dgm:txFillClrLst>
-    <dgm:txEffectClrLst/>
-  </dgm:styleLbl>
-  <dgm:styleLbl name="parChTrans2D1">
-    <dgm:fillClrLst meth="repeat">
-      <a:schemeClr val="accent1">
-        <a:tint val="60000"/>
-      </a:schemeClr>
-    </dgm:fillClrLst>
-    <dgm:linClrLst meth="repeat">
-      <a:schemeClr val="accent1">
-        <a:tint val="60000"/>
-      </a:schemeClr>
-    </dgm:linClrLst>
-    <dgm:effectClrLst/>
-    <dgm:txLinClrLst/>
-    <dgm:txFillClrLst/>
-    <dgm:txEffectClrLst/>
-  </dgm:styleLbl>
-  <dgm:styleLbl name="parChTrans2D2">
-    <dgm:fillClrLst meth="repeat">
-      <a:schemeClr val="accent1"/>
-    </dgm:fillClrLst>
-    <dgm:linClrLst meth="repeat">
-      <a:schemeClr val="accent1"/>
-    </dgm:linClrLst>
-    <dgm:effectClrLst/>
-    <dgm:txLinClrLst/>
-    <dgm:txFillClrLst/>
-    <dgm:txEffectClrLst/>
-  </dgm:styleLbl>
-  <dgm:styleLbl name="parChTrans2D3">
-    <dgm:fillClrLst meth="repeat">
-      <a:schemeClr val="accent1"/>
-    </dgm:fillClrLst>
-    <dgm:linClrLst meth="repeat">
-      <a:schemeClr val="accent1"/>
-    </dgm:linClrLst>
-    <dgm:effectClrLst/>
-    <dgm:txLinClrLst/>
-    <dgm:txFillClrLst/>
-    <dgm:txEffectClrLst/>
-  </dgm:styleLbl>
-  <dgm:styleLbl name="parChTrans2D4">
-    <dgm:fillClrLst meth="repeat">
-      <a:schemeClr val="accent1"/>
-    </dgm:fillClrLst>
-    <dgm:linClrLst meth="repeat">
-      <a:schemeClr val="accent1"/>
-    </dgm:linClrLst>
-    <dgm:effectClrLst/>
-    <dgm:txLinClrLst/>
-    <dgm:txFillClrLst meth="repeat">
-      <a:schemeClr val="lt1"/>
-    </dgm:txFillClrLst>
-    <dgm:txEffectClrLst/>
-  </dgm:styleLbl>
-  <dgm:styleLbl name="parChTrans1D1">
-    <dgm:fillClrLst meth="repeat">
-      <a:schemeClr val="accent1"/>
-    </dgm:fillClrLst>
-    <dgm:linClrLst meth="repeat">
-      <a:schemeClr val="accent1">
-        <a:shade val="60000"/>
-      </a:schemeClr>
-    </dgm:linClrLst>
-    <dgm:effectClrLst/>
-    <dgm:txLinClrLst/>
-    <dgm:txFillClrLst meth="repeat">
-      <a:schemeClr val="tx1"/>
-    </dgm:txFillClrLst>
-    <dgm:txEffectClrLst/>
-  </dgm:styleLbl>
-  <dgm:styleLbl name="parChTrans1D2">
-    <dgm:fillClrLst meth="repeat">
-      <a:schemeClr val="accent1"/>
-    </dgm:fillClrLst>
-    <dgm:linClrLst meth="repeat">
-      <a:schemeClr val="accent1">
-        <a:shade val="60000"/>
-      </a:schemeClr>
-    </dgm:linClrLst>
-    <dgm:effectClrLst/>
-    <dgm:txLinClrLst/>
-    <dgm:txFillClrLst meth="repeat">
-      <a:schemeClr val="tx1"/>
-    </dgm:txFillClrLst>
-    <dgm:txEffectClrLst/>
-  </dgm:styleLbl>
-  <dgm:styleLbl name="parChTrans1D3">
-    <dgm:fillClrLst meth="repeat">
-      <a:schemeClr val="accent1"/>
-    </dgm:fillClrLst>
-    <dgm:linClrLst meth="repeat">
-      <a:schemeClr val="accent1">
-        <a:shade val="80000"/>
-      </a:schemeClr>
-    </dgm:linClrLst>
-    <dgm:effectClrLst/>
-    <dgm:txLinClrLst/>
-    <dgm:txFillClrLst meth="repeat">
-      <a:schemeClr val="tx1"/>
-    </dgm:txFillClrLst>
-    <dgm:txEffectClrLst/>
-  </dgm:styleLbl>
-  <dgm:styleLbl name="parChTrans1D4">
-    <dgm:fillClrLst meth="repeat">
-      <a:schemeClr val="accent1"/>
-    </dgm:fillClrLst>
-    <dgm:linClrLst meth="repeat">
-      <a:schemeClr val="accent1">
-        <a:shade val="80000"/>
-      </a:schemeClr>
-    </dgm:linClrLst>
-    <dgm:effectClrLst/>
-    <dgm:txLinClrLst/>
-    <dgm:txFillClrLst meth="repeat">
-      <a:schemeClr val="tx1"/>
-    </dgm:txFillClrLst>
-    <dgm:txEffectClrLst/>
-  </dgm:styleLbl>
-  <dgm:styleLbl name="fgAcc1">
-    <dgm:fillClrLst meth="repeat">
-      <a:schemeClr val="accent1">
-        <a:alpha val="90000"/>
-        <a:tint val="40000"/>
-      </a:schemeClr>
-    </dgm:fillClrLst>
-    <dgm:linClrLst meth="repeat">
-      <a:schemeClr val="accent1"/>
-    </dgm:linClrLst>
-    <dgm:effectClrLst/>
-    <dgm:txLinClrLst/>
-    <dgm:txFillClrLst meth="repeat">
-      <a:schemeClr val="dk1"/>
-    </dgm:txFillClrLst>
-    <dgm:txEffectClrLst/>
-  </dgm:styleLbl>
-  <dgm:styleLbl name="conFgAcc1">
-    <dgm:fillClrLst meth="repeat">
-      <a:schemeClr val="accent1">
-        <a:alpha val="90000"/>
-        <a:tint val="40000"/>
-      </a:schemeClr>
-    </dgm:fillClrLst>
-    <dgm:linClrLst meth="repeat">
-      <a:schemeClr val="accent1"/>
-    </dgm:linClrLst>
-    <dgm:effectClrLst/>
-    <dgm:txLinClrLst/>
-    <dgm:txFillClrLst meth="repeat">
-      <a:schemeClr val="dk1"/>
-    </dgm:txFillClrLst>
-    <dgm:txEffectClrLst/>
-  </dgm:styleLbl>
-  <dgm:styleLbl name="alignAcc1">
-    <dgm:fillClrLst meth="repeat">
-      <a:schemeClr val="accent1">
-        <a:alpha val="90000"/>
-        <a:tint val="40000"/>
-      </a:schemeClr>
-    </dgm:fillClrLst>
-    <dgm:linClrLst meth="repeat">
-      <a:schemeClr val="accent1"/>
-    </dgm:linClrLst>
-    <dgm:effectClrLst/>
-    <dgm:txLinClrLst/>
-    <dgm:txFillClrLst meth="repeat">
-      <a:schemeClr val="dk1"/>
-    </dgm:txFillClrLst>
-    <dgm:txEffectClrLst/>
-  </dgm:styleLbl>
-  <dgm:styleLbl name="trAlignAcc1">
-    <dgm:fillClrLst meth="repeat">
-      <a:schemeClr val="accent1">
-        <a:alpha val="40000"/>
-        <a:tint val="40000"/>
-      </a:schemeClr>
-    </dgm:fillClrLst>
-    <dgm:linClrLst meth="repeat">
-      <a:schemeClr val="accent1"/>
-    </dgm:linClrLst>
-    <dgm:effectClrLst/>
-    <dgm:txLinClrLst/>
-    <dgm:txFillClrLst meth="repeat">
-      <a:schemeClr val="dk1"/>
-    </dgm:txFillClrLst>
-    <dgm:txEffectClrLst/>
-  </dgm:styleLbl>
-  <dgm:styleLbl name="bgAcc1">
-    <dgm:fillClrLst meth="repeat">
-      <a:schemeClr val="accent1">
-        <a:alpha val="90000"/>
-        <a:tint val="40000"/>
-      </a:schemeClr>
-    </dgm:fillClrLst>
-    <dgm:linClrLst meth="repeat">
-      <a:schemeClr val="accent1"/>
-    </dgm:linClrLst>
-    <dgm:effectClrLst/>
-    <dgm:txLinClrLst/>
-    <dgm:txFillClrLst meth="repeat">
-      <a:schemeClr val="dk1"/>
-    </dgm:txFillClrLst>
-    <dgm:txEffectClrLst/>
-  </dgm:styleLbl>
-  <dgm:styleLbl name="solidFgAcc1">
-    <dgm:fillClrLst meth="repeat">
-      <a:schemeClr val="lt1"/>
-    </dgm:fillClrLst>
-    <dgm:linClrLst meth="repeat">
-      <a:schemeClr val="accent1"/>
-    </dgm:linClrLst>
-    <dgm:effectClrLst/>
-    <dgm:txLinClrLst/>
-    <dgm:txFillClrLst meth="repeat">
-      <a:schemeClr val="dk1"/>
-    </dgm:txFillClrLst>
-    <dgm:txEffectClrLst/>
-  </dgm:styleLbl>
-  <dgm:styleLbl name="solidAlignAcc1">
-    <dgm:fillClrLst meth="repeat">
-      <a:schemeClr val="lt1"/>
-    </dgm:fillClrLst>
-    <dgm:linClrLst meth="repeat">
-      <a:schemeClr val="accent1"/>
-    </dgm:linClrLst>
-    <dgm:effectClrLst/>
-    <dgm:txLinClrLst/>
-    <dgm:txFillClrLst meth="repeat">
-      <a:schemeClr val="dk1"/>
-    </dgm:txFillClrLst>
-    <dgm:txEffectClrLst/>
-  </dgm:styleLbl>
-  <dgm:styleLbl name="solidBgAcc1">
-    <dgm:fillClrLst meth="repeat">
-      <a:schemeClr val="lt1"/>
-    </dgm:fillClrLst>
-    <dgm:linClrLst meth="repeat">
-      <a:schemeClr val="accent1"/>
-    </dgm:linClrLst>
-    <dgm:effectClrLst/>
-    <dgm:txLinClrLst/>
-    <dgm:txFillClrLst meth="repeat">
-      <a:schemeClr val="dk1"/>
-    </dgm:txFillClrLst>
-    <dgm:txEffectClrLst/>
-  </dgm:styleLbl>
-  <dgm:styleLbl name="fgAccFollowNode1">
-    <dgm:fillClrLst meth="repeat">
-      <a:schemeClr val="lt1">
-        <a:alpha val="90000"/>
-        <a:tint val="40000"/>
-      </a:schemeClr>
-    </dgm:fillClrLst>
-    <dgm:linClrLst meth="repeat">
-      <a:schemeClr val="accent1">
-        <a:alpha val="90000"/>
-      </a:schemeClr>
-    </dgm:linClrLst>
-    <dgm:effectClrLst/>
-    <dgm:txLinClrLst/>
-    <dgm:txFillClrLst meth="repeat">
-      <a:schemeClr val="dk1"/>
-    </dgm:txFillClrLst>
-    <dgm:txEffectClrLst/>
-  </dgm:styleLbl>
-  <dgm:styleLbl name="alignAccFollowNode1">
-    <dgm:fillClrLst meth="repeat">
-      <a:schemeClr val="lt1">
-        <a:alpha val="90000"/>
-        <a:tint val="40000"/>
-      </a:schemeClr>
-    </dgm:fillClrLst>
-    <dgm:linClrLst meth="repeat">
-      <a:schemeClr val="accent1">
-        <a:alpha val="90000"/>
-      </a:schemeClr>
-    </dgm:linClrLst>
-    <dgm:effectClrLst/>
-    <dgm:txLinClrLst/>
-    <dgm:txFillClrLst meth="repeat">
-      <a:schemeClr val="dk1"/>
-    </dgm:txFillClrLst>
-    <dgm:txEffectClrLst/>
-  </dgm:styleLbl>
-  <dgm:styleLbl name="bgAccFollowNode1">
-    <dgm:fillClrLst meth="repeat">
-      <a:schemeClr val="lt1">
-        <a:alpha val="90000"/>
-        <a:tint val="40000"/>
-      </a:schemeClr>
-    </dgm:fillClrLst>
-    <dgm:linClrLst meth="repeat">
-      <a:schemeClr val="accent1">
-        <a:alpha val="90000"/>
-      </a:schemeClr>
-    </dgm:linClrLst>
-    <dgm:effectClrLst/>
-    <dgm:txLinClrLst/>
-    <dgm:txFillClrLst meth="repeat">
-      <a:schemeClr val="dk1"/>
-    </dgm:txFillClrLst>
-    <dgm:txEffectClrLst/>
-  </dgm:styleLbl>
-  <dgm:styleLbl name="fgAcc0">
-    <dgm:fillClrLst meth="repeat">
-      <a:schemeClr val="accent1">
-        <a:alpha val="90000"/>
-        <a:tint val="40000"/>
-      </a:schemeClr>
-    </dgm:fillClrLst>
-    <dgm:linClrLst meth="repeat">
-      <a:schemeClr val="accent1"/>
-    </dgm:linClrLst>
-    <dgm:effectClrLst/>
-    <dgm:txLinClrLst/>
-    <dgm:txFillClrLst meth="repeat">
-      <a:schemeClr val="dk1"/>
-    </dgm:txFillClrLst>
-    <dgm:txEffectClrLst/>
-  </dgm:styleLbl>
-  <dgm:styleLbl name="fgAcc2">
-    <dgm:fillClrLst meth="repeat">
-      <a:schemeClr val="accent1">
-        <a:alpha val="90000"/>
-        <a:tint val="40000"/>
-      </a:schemeClr>
-    </dgm:fillClrLst>
-    <dgm:linClrLst meth="repeat">
-      <a:schemeClr val="accent1"/>
-    </dgm:linClrLst>
-    <dgm:effectClrLst/>
-    <dgm:txLinClrLst/>
-    <dgm:txFillClrLst meth="repeat">
-      <a:schemeClr val="dk1"/>
-    </dgm:txFillClrLst>
-    <dgm:txEffectClrLst/>
-  </dgm:styleLbl>
-  <dgm:styleLbl name="fgAcc3">
-    <dgm:fillClrLst meth="repeat">
-      <a:schemeClr val="accent1">
-        <a:alpha val="90000"/>
-        <a:tint val="40000"/>
-      </a:schemeClr>
-    </dgm:fillClrLst>
-    <dgm:linClrLst meth="repeat">
-      <a:schemeClr val="accent1"/>
-    </dgm:linClrLst>
-    <dgm:effectClrLst/>
-    <dgm:txLinClrLst/>
-    <dgm:txFillClrLst meth="repeat">
-      <a:schemeClr val="dk1"/>
-    </dgm:txFillClrLst>
-    <dgm:txEffectClrLst/>
-  </dgm:styleLbl>
-  <dgm:styleLbl name="fgAcc4">
-    <dgm:fillClrLst meth="repeat">
-      <a:schemeClr val="accent1">
-        <a:alpha val="90000"/>
-        <a:tint val="40000"/>
-      </a:schemeClr>
-    </dgm:fillClrLst>
-    <dgm:linClrLst meth="repeat">
-      <a:schemeClr val="accent1"/>
-    </dgm:linClrLst>
-    <dgm:effectClrLst/>
-    <dgm:txLinClrLst/>
-    <dgm:txFillClrLst meth="repeat">
-      <a:schemeClr val="dk1"/>
-    </dgm:txFillClrLst>
-    <dgm:txEffectClrLst/>
-  </dgm:styleLbl>
-  <dgm:styleLbl name="bgShp">
-    <dgm:fillClrLst meth="repeat">
-      <a:schemeClr val="accent1">
-        <a:tint val="40000"/>
-      </a:schemeClr>
-    </dgm:fillClrLst>
-    <dgm:linClrLst meth="repeat">
-      <a:schemeClr val="accent1"/>
-    </dgm:linClrLst>
-    <dgm:effectClrLst/>
-    <dgm:txLinClrLst/>
-    <dgm:txFillClrLst meth="repeat">
-      <a:schemeClr val="dk1"/>
-    </dgm:txFillClrLst>
-    <dgm:txEffectClrLst/>
-  </dgm:styleLbl>
-  <dgm:styleLbl name="dkBgShp">
-    <dgm:fillClrLst meth="repeat">
-      <a:schemeClr val="accent1">
-        <a:shade val="80000"/>
-      </a:schemeClr>
-    </dgm:fillClrLst>
-    <dgm:linClrLst meth="repeat">
-      <a:schemeClr val="accent1"/>
-    </dgm:linClrLst>
-    <dgm:effectClrLst/>
-    <dgm:txLinClrLst/>
-    <dgm:txFillClrLst meth="repeat">
-      <a:schemeClr val="lt1"/>
-    </dgm:txFillClrLst>
-    <dgm:txEffectClrLst/>
-  </dgm:styleLbl>
-  <dgm:styleLbl name="trBgShp">
-    <dgm:fillClrLst meth="repeat">
-      <a:schemeClr val="accent1">
-        <a:tint val="50000"/>
-        <a:alpha val="40000"/>
-      </a:schemeClr>
-    </dgm:fillClrLst>
-    <dgm:linClrLst meth="repeat">
-      <a:schemeClr val="accent1"/>
-    </dgm:linClrLst>
-    <dgm:effectClrLst/>
-    <dgm:txLinClrLst/>
-    <dgm:txFillClrLst meth="repeat">
-      <a:schemeClr val="lt1"/>
-    </dgm:txFillClrLst>
-    <dgm:txEffectClrLst/>
-  </dgm:styleLbl>
-  <dgm:styleLbl name="fgShp">
-    <dgm:fillClrLst meth="repeat">
-      <a:schemeClr val="accent1">
-        <a:tint val="60000"/>
-      </a:schemeClr>
-    </dgm:fillClrLst>
-    <dgm:linClrLst meth="repeat">
-      <a:schemeClr val="lt1"/>
-    </dgm:linClrLst>
-    <dgm:effectClrLst/>
-    <dgm:txLinClrLst/>
-    <dgm:txFillClrLst meth="repeat">
-      <a:schemeClr val="dk1"/>
-    </dgm:txFillClrLst>
-    <dgm:txEffectClrLst/>
-  </dgm:styleLbl>
-  <dgm:styleLbl name="revTx">
-    <dgm:fillClrLst meth="repeat">
-      <a:schemeClr val="lt1">
-        <a:alpha val="0"/>
-      </a:schemeClr>
-    </dgm:fillClrLst>
-    <dgm:linClrLst meth="repeat">
-      <a:schemeClr val="dk1">
-        <a:alpha val="0"/>
-      </a:schemeClr>
-    </dgm:linClrLst>
-    <dgm:effectClrLst/>
-    <dgm:txLinClrLst/>
-    <dgm:txFillClrLst meth="repeat">
-      <a:schemeClr val="tx1"/>
-    </dgm:txFillClrLst>
-    <dgm:txEffectClrLst/>
-  </dgm:styleLbl>
-</dgm:colorsDef>
-</file>
-
-<file path=ppt/diagrams/data1.xml><?xml version="1.0" encoding="utf-8"?>
-<dgm:dataModel xmlns:dgm="http://schemas.openxmlformats.org/drawingml/2006/diagram" xmlns:a="http://schemas.openxmlformats.org/drawingml/2006/main">
-  <dgm:ptLst>
-    <dgm:pt modelId="{0E9DE493-19D7-4EC9-97C9-5F26233F1106}" type="doc">
-      <dgm:prSet loTypeId="urn:microsoft.com/office/officeart/2005/8/layout/hProcess4" loCatId="process" qsTypeId="urn:microsoft.com/office/officeart/2005/8/quickstyle/simple5" qsCatId="simple" csTypeId="urn:microsoft.com/office/officeart/2005/8/colors/accent1_1" csCatId="accent1" phldr="1"/>
-      <dgm:spPr/>
-      <dgm:t>
-        <a:bodyPr rtlCol="0"/>
-        <a:lstStyle/>
-        <a:p>
-          <a:pPr rtl="0"/>
-          <a:endParaRPr lang="en-US"/>
-        </a:p>
-      </dgm:t>
-    </dgm:pt>
-    <dgm:pt modelId="{FB986F71-3126-4196-BD30-74AEDC39A1CA}">
-      <dgm:prSet phldrT="[Text]"/>
-      <dgm:spPr/>
-      <dgm:t>
-        <a:bodyPr rtlCol="0"/>
-        <a:lstStyle/>
-        <a:p>
-          <a:pPr rtl="0"/>
-          <a:r>
-            <a:rPr lang="fr-FR" noProof="0" dirty="0"/>
-            <a:t>Titre de l’étape 1</a:t>
-          </a:r>
-        </a:p>
-      </dgm:t>
-      <dgm:extLst>
-        <a:ext uri="{E40237B7-FDA0-4F09-8148-C483321AD2D9}">
-          <dgm14:cNvPr xmlns:dgm14="http://schemas.microsoft.com/office/drawing/2010/diagram" id="0" name="" title="Step 1 title"/>
-        </a:ext>
-      </dgm:extLst>
-    </dgm:pt>
-    <dgm:pt modelId="{9B3CE34A-9B3E-4D5F-94E0-DFBB94FF5A03}" type="parTrans" cxnId="{1423FC72-83C7-4510-8021-28EAEA493E68}">
-      <dgm:prSet/>
-      <dgm:spPr/>
-      <dgm:t>
-        <a:bodyPr rtlCol="0"/>
-        <a:lstStyle/>
-        <a:p>
-          <a:pPr rtl="0"/>
-          <a:endParaRPr lang="fr-FR" noProof="0" dirty="0"/>
-        </a:p>
-      </dgm:t>
-    </dgm:pt>
-    <dgm:pt modelId="{D0B150DF-3AA4-454C-8652-25880449C422}" type="sibTrans" cxnId="{1423FC72-83C7-4510-8021-28EAEA493E68}">
-      <dgm:prSet/>
-      <dgm:spPr/>
-      <dgm:t>
-        <a:bodyPr rtlCol="0"/>
-        <a:lstStyle/>
-        <a:p>
-          <a:pPr rtl="0"/>
-          <a:endParaRPr lang="fr-FR" noProof="0" dirty="0"/>
-        </a:p>
-      </dgm:t>
-      <dgm:extLst>
-        <a:ext uri="{E40237B7-FDA0-4F09-8148-C483321AD2D9}">
-          <dgm14:cNvPr xmlns:dgm14="http://schemas.microsoft.com/office/drawing/2010/diagram" id="0" name="" title="Arrow pointing from Step 1 to Step 2"/>
-        </a:ext>
-      </dgm:extLst>
-    </dgm:pt>
-    <dgm:pt modelId="{AB2E8498-CC81-452F-A895-08F3845AA347}">
-      <dgm:prSet phldrT="[Text]"/>
-      <dgm:spPr/>
-      <dgm:t>
-        <a:bodyPr rtlCol="0"/>
-        <a:lstStyle/>
-        <a:p>
-          <a:pPr rtl="0"/>
-          <a:r>
-            <a:rPr lang="fr-FR" noProof="0" dirty="0"/>
-            <a:t>Description de la tâche</a:t>
-          </a:r>
-        </a:p>
-      </dgm:t>
-      <dgm:extLst>
-        <a:ext uri="{E40237B7-FDA0-4F09-8148-C483321AD2D9}">
-          <dgm14:cNvPr xmlns:dgm14="http://schemas.microsoft.com/office/drawing/2010/diagram" id="0" name="" title="Step 1 task description"/>
-        </a:ext>
-      </dgm:extLst>
-    </dgm:pt>
-    <dgm:pt modelId="{4C65E2C8-0CBB-4D8C-AD60-6B0105C62B84}" type="parTrans" cxnId="{2D5B3E3B-3EE5-4072-933E-27DF5400591C}">
-      <dgm:prSet/>
-      <dgm:spPr/>
-      <dgm:t>
-        <a:bodyPr rtlCol="0"/>
-        <a:lstStyle/>
-        <a:p>
-          <a:pPr rtl="0"/>
-          <a:endParaRPr lang="fr-FR" noProof="0" dirty="0"/>
-        </a:p>
-      </dgm:t>
-    </dgm:pt>
-    <dgm:pt modelId="{9A1F3304-AA9E-4FBC-89BA-9095C80E47C9}" type="sibTrans" cxnId="{2D5B3E3B-3EE5-4072-933E-27DF5400591C}">
-      <dgm:prSet/>
-      <dgm:spPr/>
-      <dgm:t>
-        <a:bodyPr rtlCol="0"/>
-        <a:lstStyle/>
-        <a:p>
-          <a:pPr rtl="0"/>
-          <a:endParaRPr lang="fr-FR" noProof="0" dirty="0"/>
-        </a:p>
-      </dgm:t>
-    </dgm:pt>
-    <dgm:pt modelId="{BF381BD4-48DC-48BF-8C18-C307CDD4D490}">
-      <dgm:prSet phldrT="[Text]"/>
-      <dgm:spPr/>
-      <dgm:t>
-        <a:bodyPr rtlCol="0"/>
-        <a:lstStyle/>
-        <a:p>
-          <a:pPr rtl="0"/>
-          <a:r>
-            <a:rPr lang="fr-FR" noProof="0" dirty="0"/>
-            <a:t>Description de la tâche</a:t>
-          </a:r>
-        </a:p>
-      </dgm:t>
-    </dgm:pt>
-    <dgm:pt modelId="{5D881325-883F-44A1-A5FB-E01856D07A5B}" type="parTrans" cxnId="{5F9EDECD-FB20-4615-B5EC-47255B2B532F}">
-      <dgm:prSet/>
-      <dgm:spPr/>
-      <dgm:t>
-        <a:bodyPr rtlCol="0"/>
-        <a:lstStyle/>
-        <a:p>
-          <a:pPr rtl="0"/>
-          <a:endParaRPr lang="fr-FR" noProof="0" dirty="0"/>
-        </a:p>
-      </dgm:t>
-    </dgm:pt>
-    <dgm:pt modelId="{2C645F98-BC4B-4797-BC42-0872EA7B0575}" type="sibTrans" cxnId="{5F9EDECD-FB20-4615-B5EC-47255B2B532F}">
-      <dgm:prSet/>
-      <dgm:spPr/>
-      <dgm:t>
-        <a:bodyPr rtlCol="0"/>
-        <a:lstStyle/>
-        <a:p>
-          <a:pPr rtl="0"/>
-          <a:endParaRPr lang="fr-FR" noProof="0" dirty="0"/>
-        </a:p>
-      </dgm:t>
-    </dgm:pt>
-    <dgm:pt modelId="{F6D27D1B-CDCB-481F-B8FA-AB31B2A119DE}">
-      <dgm:prSet phldrT="[Text]"/>
-      <dgm:spPr/>
-      <dgm:t>
-        <a:bodyPr rtlCol="0"/>
-        <a:lstStyle/>
-        <a:p>
-          <a:pPr rtl="0"/>
-          <a:r>
-            <a:rPr lang="fr-FR" noProof="0" dirty="0"/>
-            <a:t>Titre de l’étape 2</a:t>
-          </a:r>
-        </a:p>
-      </dgm:t>
-      <dgm:extLst>
-        <a:ext uri="{E40237B7-FDA0-4F09-8148-C483321AD2D9}">
-          <dgm14:cNvPr xmlns:dgm14="http://schemas.microsoft.com/office/drawing/2010/diagram" id="0" name="" title="Step 2 title"/>
-        </a:ext>
-      </dgm:extLst>
-    </dgm:pt>
-    <dgm:pt modelId="{8A7BF306-8E53-4B16-9E7E-A79AE3DF6BE2}" type="parTrans" cxnId="{A63D53AC-541A-4D09-9620-8B1C8D7B91DE}">
-      <dgm:prSet/>
-      <dgm:spPr/>
-      <dgm:t>
-        <a:bodyPr rtlCol="0"/>
-        <a:lstStyle/>
-        <a:p>
-          <a:pPr rtl="0"/>
-          <a:endParaRPr lang="fr-FR" noProof="0" dirty="0"/>
-        </a:p>
-      </dgm:t>
-    </dgm:pt>
-    <dgm:pt modelId="{7AEB6639-3258-49E8-8B1F-B4A9C61922BE}" type="sibTrans" cxnId="{A63D53AC-541A-4D09-9620-8B1C8D7B91DE}">
-      <dgm:prSet/>
-      <dgm:spPr/>
-      <dgm:t>
-        <a:bodyPr rtlCol="0"/>
-        <a:lstStyle/>
-        <a:p>
-          <a:pPr rtl="0"/>
-          <a:endParaRPr lang="fr-FR" noProof="0" dirty="0"/>
-        </a:p>
-      </dgm:t>
-      <dgm:extLst>
-        <a:ext uri="{E40237B7-FDA0-4F09-8148-C483321AD2D9}">
-          <dgm14:cNvPr xmlns:dgm14="http://schemas.microsoft.com/office/drawing/2010/diagram" id="0" name="" title="Arrow pointing from Step 2 to Step 3"/>
-        </a:ext>
-      </dgm:extLst>
-    </dgm:pt>
-    <dgm:pt modelId="{0B00F5A8-A0EF-4111-9D86-004317B4F49E}">
-      <dgm:prSet phldrT="[Text]"/>
-      <dgm:spPr/>
-      <dgm:t>
-        <a:bodyPr rtlCol="0"/>
-        <a:lstStyle/>
-        <a:p>
-          <a:pPr rtl="0"/>
-          <a:r>
-            <a:rPr lang="fr-FR" noProof="0" dirty="0"/>
-            <a:t>Description de la tâche</a:t>
-          </a:r>
-        </a:p>
-      </dgm:t>
-      <dgm:extLst>
-        <a:ext uri="{E40237B7-FDA0-4F09-8148-C483321AD2D9}">
-          <dgm14:cNvPr xmlns:dgm14="http://schemas.microsoft.com/office/drawing/2010/diagram" id="0" name="" title="Step 2 task description"/>
-        </a:ext>
-      </dgm:extLst>
-    </dgm:pt>
-    <dgm:pt modelId="{EC916B99-8D26-4265-B7BE-BB461C68DA5C}" type="parTrans" cxnId="{86F910E7-C9D0-48E5-A3A3-C70127E96FC1}">
-      <dgm:prSet/>
-      <dgm:spPr/>
-      <dgm:t>
-        <a:bodyPr rtlCol="0"/>
-        <a:lstStyle/>
-        <a:p>
-          <a:pPr rtl="0"/>
-          <a:endParaRPr lang="fr-FR" noProof="0" dirty="0"/>
-        </a:p>
-      </dgm:t>
-    </dgm:pt>
-    <dgm:pt modelId="{CE48C676-980A-4BAC-A3C8-9ABC315DAE51}" type="sibTrans" cxnId="{86F910E7-C9D0-48E5-A3A3-C70127E96FC1}">
-      <dgm:prSet/>
-      <dgm:spPr/>
-      <dgm:t>
-        <a:bodyPr rtlCol="0"/>
-        <a:lstStyle/>
-        <a:p>
-          <a:pPr rtl="0"/>
-          <a:endParaRPr lang="fr-FR" noProof="0" dirty="0"/>
-        </a:p>
-      </dgm:t>
-    </dgm:pt>
-    <dgm:pt modelId="{58828492-5CEF-4AFE-95CB-5D7E6A18158B}">
-      <dgm:prSet phldrT="[Text]"/>
-      <dgm:spPr/>
-      <dgm:t>
-        <a:bodyPr rtlCol="0"/>
-        <a:lstStyle/>
-        <a:p>
-          <a:pPr rtl="0"/>
-          <a:r>
-            <a:rPr lang="fr-FR" noProof="0" dirty="0"/>
-            <a:t>Titre de l’étape 3</a:t>
-          </a:r>
-        </a:p>
-      </dgm:t>
-      <dgm:extLst>
-        <a:ext uri="{E40237B7-FDA0-4F09-8148-C483321AD2D9}">
-          <dgm14:cNvPr xmlns:dgm14="http://schemas.microsoft.com/office/drawing/2010/diagram" id="0" name="" title="Step 3 title"/>
-        </a:ext>
-      </dgm:extLst>
-    </dgm:pt>
-    <dgm:pt modelId="{F664BA43-1B81-496F-A04E-CE4B4A525697}" type="parTrans" cxnId="{ECE9152A-59A8-4A3A-9D34-DB38A074F636}">
-      <dgm:prSet/>
-      <dgm:spPr/>
-      <dgm:t>
-        <a:bodyPr rtlCol="0"/>
-        <a:lstStyle/>
-        <a:p>
-          <a:pPr rtl="0"/>
-          <a:endParaRPr lang="fr-FR" noProof="0" dirty="0"/>
-        </a:p>
-      </dgm:t>
-    </dgm:pt>
-    <dgm:pt modelId="{2D386477-EC66-449A-8D41-5F8A212C3D8E}" type="sibTrans" cxnId="{ECE9152A-59A8-4A3A-9D34-DB38A074F636}">
-      <dgm:prSet/>
-      <dgm:spPr/>
-      <dgm:t>
-        <a:bodyPr rtlCol="0"/>
-        <a:lstStyle/>
-        <a:p>
-          <a:pPr rtl="0"/>
-          <a:endParaRPr lang="fr-FR" noProof="0" dirty="0"/>
-        </a:p>
-      </dgm:t>
-    </dgm:pt>
-    <dgm:pt modelId="{68838C34-4D02-49F8-ADD7-BFA90D87B7EA}">
-      <dgm:prSet phldrT="[Text]"/>
-      <dgm:spPr/>
-      <dgm:t>
-        <a:bodyPr rtlCol="0"/>
-        <a:lstStyle/>
-        <a:p>
-          <a:pPr rtl="0"/>
-          <a:r>
-            <a:rPr lang="fr-FR" noProof="0" dirty="0"/>
-            <a:t>Description de la tâche</a:t>
-          </a:r>
-        </a:p>
-      </dgm:t>
-      <dgm:extLst>
-        <a:ext uri="{E40237B7-FDA0-4F09-8148-C483321AD2D9}">
-          <dgm14:cNvPr xmlns:dgm14="http://schemas.microsoft.com/office/drawing/2010/diagram" id="0" name="" title="Step 3 task description"/>
-        </a:ext>
-      </dgm:extLst>
-    </dgm:pt>
-    <dgm:pt modelId="{F2AD00AD-6A23-4C89-A107-68EF5D1F0B94}" type="parTrans" cxnId="{4143D757-8617-4C89-8322-E3B29A1874AF}">
-      <dgm:prSet/>
-      <dgm:spPr/>
-      <dgm:t>
-        <a:bodyPr rtlCol="0"/>
-        <a:lstStyle/>
-        <a:p>
-          <a:pPr rtl="0"/>
-          <a:endParaRPr lang="fr-FR" noProof="0" dirty="0"/>
-        </a:p>
-      </dgm:t>
-    </dgm:pt>
-    <dgm:pt modelId="{FFC4FCE7-6F2F-4F91-A74A-7C4C32A81657}" type="sibTrans" cxnId="{4143D757-8617-4C89-8322-E3B29A1874AF}">
-      <dgm:prSet/>
-      <dgm:spPr/>
-      <dgm:t>
-        <a:bodyPr rtlCol="0"/>
-        <a:lstStyle/>
-        <a:p>
-          <a:pPr rtl="0"/>
-          <a:endParaRPr lang="fr-FR" noProof="0" dirty="0"/>
-        </a:p>
-      </dgm:t>
-    </dgm:pt>
-    <dgm:pt modelId="{65B6D8B9-E558-4264-B37F-7B4B2A8896DF}">
-      <dgm:prSet phldrT="[Text]"/>
-      <dgm:spPr/>
-      <dgm:t>
-        <a:bodyPr rtlCol="0"/>
-        <a:lstStyle/>
-        <a:p>
-          <a:pPr rtl="0"/>
-          <a:r>
-            <a:rPr lang="fr-FR" noProof="0" dirty="0"/>
-            <a:t>Description de la tâche</a:t>
-          </a:r>
-        </a:p>
-      </dgm:t>
-    </dgm:pt>
-    <dgm:pt modelId="{04F5A724-3AA7-4E78-B992-BCB3E916993F}" type="parTrans" cxnId="{CA96E113-7151-48C8-B4D5-7AA211772CC8}">
-      <dgm:prSet/>
-      <dgm:spPr/>
-      <dgm:t>
-        <a:bodyPr rtlCol="0"/>
-        <a:lstStyle/>
-        <a:p>
-          <a:pPr rtl="0"/>
-          <a:endParaRPr lang="fr-FR" noProof="0" dirty="0"/>
-        </a:p>
-      </dgm:t>
-    </dgm:pt>
-    <dgm:pt modelId="{370A79FF-9957-49E1-811F-78AB198DD9E0}" type="sibTrans" cxnId="{CA96E113-7151-48C8-B4D5-7AA211772CC8}">
-      <dgm:prSet/>
-      <dgm:spPr/>
-      <dgm:t>
-        <a:bodyPr rtlCol="0"/>
-        <a:lstStyle/>
-        <a:p>
-          <a:pPr rtl="0"/>
-          <a:endParaRPr lang="fr-FR" noProof="0" dirty="0"/>
-        </a:p>
-      </dgm:t>
-    </dgm:pt>
-    <dgm:pt modelId="{6E7DBE00-7E5B-46F8-BBA0-CF0079A58E82}">
-      <dgm:prSet phldrT="[Text]"/>
-      <dgm:spPr/>
-      <dgm:t>
-        <a:bodyPr rtlCol="0"/>
-        <a:lstStyle/>
-        <a:p>
-          <a:pPr rtl="0"/>
-          <a:r>
-            <a:rPr lang="fr-FR" noProof="0" dirty="0"/>
-            <a:t>Description de la tâche</a:t>
-          </a:r>
-        </a:p>
-      </dgm:t>
-    </dgm:pt>
-    <dgm:pt modelId="{6FAC7821-43C2-4A12-9638-E9B1BDE7C8D8}" type="parTrans" cxnId="{3D080EE7-BDF0-495B-A4FB-103A296CD73B}">
-      <dgm:prSet/>
-      <dgm:spPr/>
-      <dgm:t>
-        <a:bodyPr rtlCol="0"/>
-        <a:lstStyle/>
-        <a:p>
-          <a:pPr rtl="0"/>
-          <a:endParaRPr lang="fr-FR" noProof="0" dirty="0"/>
-        </a:p>
-      </dgm:t>
-    </dgm:pt>
-    <dgm:pt modelId="{65147ED7-18A4-49A5-9AEE-066FB0363316}" type="sibTrans" cxnId="{3D080EE7-BDF0-495B-A4FB-103A296CD73B}">
-      <dgm:prSet/>
-      <dgm:spPr/>
-      <dgm:t>
-        <a:bodyPr rtlCol="0"/>
-        <a:lstStyle/>
-        <a:p>
-          <a:pPr rtl="0"/>
-          <a:endParaRPr lang="fr-FR" noProof="0" dirty="0"/>
-        </a:p>
-      </dgm:t>
-    </dgm:pt>
-    <dgm:pt modelId="{3960CFF8-4383-4382-8D6D-F2A00F508E8D}" type="pres">
-      <dgm:prSet presAssocID="{0E9DE493-19D7-4EC9-97C9-5F26233F1106}" presName="Name0" presStyleCnt="0">
-        <dgm:presLayoutVars>
-          <dgm:dir/>
-          <dgm:animLvl val="lvl"/>
-          <dgm:resizeHandles val="exact"/>
-        </dgm:presLayoutVars>
-      </dgm:prSet>
-      <dgm:spPr/>
-      <dgm:t>
-        <a:bodyPr/>
-        <a:lstStyle/>
-        <a:p>
-          <a:endParaRPr lang="fr-FR"/>
-        </a:p>
-      </dgm:t>
-    </dgm:pt>
-    <dgm:pt modelId="{366CFF54-5C8F-47F9-BFD8-D9AF3EADDA3E}" type="pres">
-      <dgm:prSet presAssocID="{0E9DE493-19D7-4EC9-97C9-5F26233F1106}" presName="tSp" presStyleCnt="0"/>
-      <dgm:spPr/>
-    </dgm:pt>
-    <dgm:pt modelId="{13688FBD-4079-41FE-A6A2-B5B0F293E6BF}" type="pres">
-      <dgm:prSet presAssocID="{0E9DE493-19D7-4EC9-97C9-5F26233F1106}" presName="bSp" presStyleCnt="0"/>
-      <dgm:spPr/>
-    </dgm:pt>
-    <dgm:pt modelId="{224851B6-C14D-49DE-883B-A13003DA4601}" type="pres">
-      <dgm:prSet presAssocID="{0E9DE493-19D7-4EC9-97C9-5F26233F1106}" presName="process" presStyleCnt="0"/>
-      <dgm:spPr/>
-    </dgm:pt>
-    <dgm:pt modelId="{1439717B-283C-48FF-AF62-1990F52B6512}" type="pres">
-      <dgm:prSet presAssocID="{FB986F71-3126-4196-BD30-74AEDC39A1CA}" presName="composite1" presStyleCnt="0"/>
-      <dgm:spPr/>
-    </dgm:pt>
-    <dgm:pt modelId="{BCCE6711-D1D8-4B2C-917E-41AB5A6114A8}" type="pres">
-      <dgm:prSet presAssocID="{FB986F71-3126-4196-BD30-74AEDC39A1CA}" presName="dummyNode1" presStyleLbl="node1" presStyleIdx="0" presStyleCnt="3"/>
-      <dgm:spPr/>
-    </dgm:pt>
-    <dgm:pt modelId="{96015622-8A46-45CF-A72A-2856B699B374}" type="pres">
-      <dgm:prSet presAssocID="{FB986F71-3126-4196-BD30-74AEDC39A1CA}" presName="childNode1" presStyleLbl="bgAcc1" presStyleIdx="0" presStyleCnt="3">
-        <dgm:presLayoutVars>
-          <dgm:bulletEnabled val="1"/>
-        </dgm:presLayoutVars>
-      </dgm:prSet>
-      <dgm:spPr/>
-      <dgm:t>
-        <a:bodyPr/>
-        <a:lstStyle/>
-        <a:p>
-          <a:endParaRPr lang="fr-FR"/>
-        </a:p>
-      </dgm:t>
-    </dgm:pt>
-    <dgm:pt modelId="{BFE859F2-A9E8-4F95-9161-8EC68F2D30C4}" type="pres">
-      <dgm:prSet presAssocID="{FB986F71-3126-4196-BD30-74AEDC39A1CA}" presName="childNode1tx" presStyleLbl="bgAcc1" presStyleIdx="0" presStyleCnt="3">
-        <dgm:presLayoutVars>
-          <dgm:bulletEnabled val="1"/>
-        </dgm:presLayoutVars>
-      </dgm:prSet>
-      <dgm:spPr/>
-      <dgm:t>
-        <a:bodyPr/>
-        <a:lstStyle/>
-        <a:p>
-          <a:endParaRPr lang="fr-FR"/>
-        </a:p>
-      </dgm:t>
-    </dgm:pt>
-    <dgm:pt modelId="{E18C6CF4-EDEB-4539-A36D-E0355B626199}" type="pres">
-      <dgm:prSet presAssocID="{FB986F71-3126-4196-BD30-74AEDC39A1CA}" presName="parentNode1" presStyleLbl="node1" presStyleIdx="0" presStyleCnt="3">
-        <dgm:presLayoutVars>
-          <dgm:chMax val="1"/>
-          <dgm:bulletEnabled val="1"/>
-        </dgm:presLayoutVars>
-      </dgm:prSet>
-      <dgm:spPr/>
-      <dgm:t>
-        <a:bodyPr/>
-        <a:lstStyle/>
-        <a:p>
-          <a:endParaRPr lang="fr-FR"/>
-        </a:p>
-      </dgm:t>
-    </dgm:pt>
-    <dgm:pt modelId="{D9FCD5E9-9E94-4534-BAB4-3DB8EB44E7D0}" type="pres">
-      <dgm:prSet presAssocID="{FB986F71-3126-4196-BD30-74AEDC39A1CA}" presName="connSite1" presStyleCnt="0"/>
-      <dgm:spPr/>
-    </dgm:pt>
-    <dgm:pt modelId="{6A63D16E-EEE6-4267-97EA-5AD7D2BC4E84}" type="pres">
-      <dgm:prSet presAssocID="{D0B150DF-3AA4-454C-8652-25880449C422}" presName="Name9" presStyleLbl="sibTrans2D1" presStyleIdx="0" presStyleCnt="2"/>
-      <dgm:spPr/>
-      <dgm:t>
-        <a:bodyPr/>
-        <a:lstStyle/>
-        <a:p>
-          <a:endParaRPr lang="fr-FR"/>
-        </a:p>
-      </dgm:t>
-    </dgm:pt>
-    <dgm:pt modelId="{59BAED1E-A4FE-4FA3-8716-57917AF47F38}" type="pres">
-      <dgm:prSet presAssocID="{F6D27D1B-CDCB-481F-B8FA-AB31B2A119DE}" presName="composite2" presStyleCnt="0"/>
-      <dgm:spPr/>
-    </dgm:pt>
-    <dgm:pt modelId="{5C833856-7FAF-4B27-932C-67C7D08339F2}" type="pres">
-      <dgm:prSet presAssocID="{F6D27D1B-CDCB-481F-B8FA-AB31B2A119DE}" presName="dummyNode2" presStyleLbl="node1" presStyleIdx="0" presStyleCnt="3"/>
-      <dgm:spPr/>
-    </dgm:pt>
-    <dgm:pt modelId="{E83793B4-2C5C-4D90-82FA-E5EE4745664D}" type="pres">
-      <dgm:prSet presAssocID="{F6D27D1B-CDCB-481F-B8FA-AB31B2A119DE}" presName="childNode2" presStyleLbl="bgAcc1" presStyleIdx="1" presStyleCnt="3">
-        <dgm:presLayoutVars>
-          <dgm:bulletEnabled val="1"/>
-        </dgm:presLayoutVars>
-      </dgm:prSet>
-      <dgm:spPr/>
-      <dgm:t>
-        <a:bodyPr/>
-        <a:lstStyle/>
-        <a:p>
-          <a:endParaRPr lang="fr-FR"/>
-        </a:p>
-      </dgm:t>
-    </dgm:pt>
-    <dgm:pt modelId="{67FFE978-6FBE-4424-80BE-B9E4B4DD0695}" type="pres">
-      <dgm:prSet presAssocID="{F6D27D1B-CDCB-481F-B8FA-AB31B2A119DE}" presName="childNode2tx" presStyleLbl="bgAcc1" presStyleIdx="1" presStyleCnt="3">
-        <dgm:presLayoutVars>
-          <dgm:bulletEnabled val="1"/>
-        </dgm:presLayoutVars>
-      </dgm:prSet>
-      <dgm:spPr/>
-      <dgm:t>
-        <a:bodyPr/>
-        <a:lstStyle/>
-        <a:p>
-          <a:endParaRPr lang="fr-FR"/>
-        </a:p>
-      </dgm:t>
-    </dgm:pt>
-    <dgm:pt modelId="{029D1FDE-4DD7-4FA5-8C70-0C747477B66C}" type="pres">
-      <dgm:prSet presAssocID="{F6D27D1B-CDCB-481F-B8FA-AB31B2A119DE}" presName="parentNode2" presStyleLbl="node1" presStyleIdx="1" presStyleCnt="3">
-        <dgm:presLayoutVars>
-          <dgm:chMax val="0"/>
-          <dgm:bulletEnabled val="1"/>
-        </dgm:presLayoutVars>
-      </dgm:prSet>
-      <dgm:spPr/>
-      <dgm:t>
-        <a:bodyPr/>
-        <a:lstStyle/>
-        <a:p>
-          <a:endParaRPr lang="fr-FR"/>
-        </a:p>
-      </dgm:t>
-    </dgm:pt>
-    <dgm:pt modelId="{C2556EF6-41FF-46C6-8829-911BFA533FFE}" type="pres">
-      <dgm:prSet presAssocID="{F6D27D1B-CDCB-481F-B8FA-AB31B2A119DE}" presName="connSite2" presStyleCnt="0"/>
-      <dgm:spPr/>
-    </dgm:pt>
-    <dgm:pt modelId="{DC2A0ADB-DCE3-4BF4-9952-0394865777AC}" type="pres">
-      <dgm:prSet presAssocID="{7AEB6639-3258-49E8-8B1F-B4A9C61922BE}" presName="Name18" presStyleLbl="sibTrans2D1" presStyleIdx="1" presStyleCnt="2"/>
-      <dgm:spPr/>
-      <dgm:t>
-        <a:bodyPr/>
-        <a:lstStyle/>
-        <a:p>
-          <a:endParaRPr lang="fr-FR"/>
-        </a:p>
-      </dgm:t>
-    </dgm:pt>
-    <dgm:pt modelId="{A874A3A3-A340-4ABC-99B5-7529D4415335}" type="pres">
-      <dgm:prSet presAssocID="{58828492-5CEF-4AFE-95CB-5D7E6A18158B}" presName="composite1" presStyleCnt="0"/>
-      <dgm:spPr/>
-    </dgm:pt>
-    <dgm:pt modelId="{14032C0B-60AE-432B-A713-F993D1C4BA8F}" type="pres">
-      <dgm:prSet presAssocID="{58828492-5CEF-4AFE-95CB-5D7E6A18158B}" presName="dummyNode1" presStyleLbl="node1" presStyleIdx="1" presStyleCnt="3"/>
-      <dgm:spPr/>
-    </dgm:pt>
-    <dgm:pt modelId="{69C28D3B-E083-42DF-9EA0-916CA12125A9}" type="pres">
-      <dgm:prSet presAssocID="{58828492-5CEF-4AFE-95CB-5D7E6A18158B}" presName="childNode1" presStyleLbl="bgAcc1" presStyleIdx="2" presStyleCnt="3">
-        <dgm:presLayoutVars>
-          <dgm:bulletEnabled val="1"/>
-        </dgm:presLayoutVars>
-      </dgm:prSet>
-      <dgm:spPr/>
-      <dgm:t>
-        <a:bodyPr/>
-        <a:lstStyle/>
-        <a:p>
-          <a:endParaRPr lang="fr-FR"/>
-        </a:p>
-      </dgm:t>
-    </dgm:pt>
-    <dgm:pt modelId="{843715D2-C2C2-41EB-BDA3-21230FBA46DB}" type="pres">
-      <dgm:prSet presAssocID="{58828492-5CEF-4AFE-95CB-5D7E6A18158B}" presName="childNode1tx" presStyleLbl="bgAcc1" presStyleIdx="2" presStyleCnt="3">
-        <dgm:presLayoutVars>
-          <dgm:bulletEnabled val="1"/>
-        </dgm:presLayoutVars>
-      </dgm:prSet>
-      <dgm:spPr/>
-      <dgm:t>
-        <a:bodyPr/>
-        <a:lstStyle/>
-        <a:p>
-          <a:endParaRPr lang="fr-FR"/>
-        </a:p>
-      </dgm:t>
-    </dgm:pt>
-    <dgm:pt modelId="{047F5837-10E2-4FFC-A492-DB8A19EF48CA}" type="pres">
-      <dgm:prSet presAssocID="{58828492-5CEF-4AFE-95CB-5D7E6A18158B}" presName="parentNode1" presStyleLbl="node1" presStyleIdx="2" presStyleCnt="3">
-        <dgm:presLayoutVars>
-          <dgm:chMax val="1"/>
-          <dgm:bulletEnabled val="1"/>
-        </dgm:presLayoutVars>
-      </dgm:prSet>
-      <dgm:spPr/>
-      <dgm:t>
-        <a:bodyPr/>
-        <a:lstStyle/>
-        <a:p>
-          <a:endParaRPr lang="fr-FR"/>
-        </a:p>
-      </dgm:t>
-    </dgm:pt>
-    <dgm:pt modelId="{7D6A154D-27BB-4CCE-9250-BCDD2CD5C383}" type="pres">
-      <dgm:prSet presAssocID="{58828492-5CEF-4AFE-95CB-5D7E6A18158B}" presName="connSite1" presStyleCnt="0"/>
-      <dgm:spPr/>
-    </dgm:pt>
-  </dgm:ptLst>
-  <dgm:cxnLst>
-    <dgm:cxn modelId="{0C68F2E9-D20E-4DD0-B6CB-F7DB9484C868}" type="presOf" srcId="{BF381BD4-48DC-48BF-8C18-C307CDD4D490}" destId="{BFE859F2-A9E8-4F95-9161-8EC68F2D30C4}" srcOrd="1" destOrd="1" presId="urn:microsoft.com/office/officeart/2005/8/layout/hProcess4"/>
-    <dgm:cxn modelId="{1423FC72-83C7-4510-8021-28EAEA493E68}" srcId="{0E9DE493-19D7-4EC9-97C9-5F26233F1106}" destId="{FB986F71-3126-4196-BD30-74AEDC39A1CA}" srcOrd="0" destOrd="0" parTransId="{9B3CE34A-9B3E-4D5F-94E0-DFBB94FF5A03}" sibTransId="{D0B150DF-3AA4-454C-8652-25880449C422}"/>
-    <dgm:cxn modelId="{3B2CD89C-CF67-43E3-9293-C53C72995678}" type="presOf" srcId="{BF381BD4-48DC-48BF-8C18-C307CDD4D490}" destId="{96015622-8A46-45CF-A72A-2856B699B374}" srcOrd="0" destOrd="1" presId="urn:microsoft.com/office/officeart/2005/8/layout/hProcess4"/>
-    <dgm:cxn modelId="{A106624A-0005-41D4-B64A-901644325FEA}" type="presOf" srcId="{6E7DBE00-7E5B-46F8-BBA0-CF0079A58E82}" destId="{843715D2-C2C2-41EB-BDA3-21230FBA46DB}" srcOrd="1" destOrd="1" presId="urn:microsoft.com/office/officeart/2005/8/layout/hProcess4"/>
-    <dgm:cxn modelId="{4143D757-8617-4C89-8322-E3B29A1874AF}" srcId="{58828492-5CEF-4AFE-95CB-5D7E6A18158B}" destId="{68838C34-4D02-49F8-ADD7-BFA90D87B7EA}" srcOrd="0" destOrd="0" parTransId="{F2AD00AD-6A23-4C89-A107-68EF5D1F0B94}" sibTransId="{FFC4FCE7-6F2F-4F91-A74A-7C4C32A81657}"/>
-    <dgm:cxn modelId="{0C99A0E7-7B5A-462A-BC31-41CB3B1D1005}" type="presOf" srcId="{0E9DE493-19D7-4EC9-97C9-5F26233F1106}" destId="{3960CFF8-4383-4382-8D6D-F2A00F508E8D}" srcOrd="0" destOrd="0" presId="urn:microsoft.com/office/officeart/2005/8/layout/hProcess4"/>
-    <dgm:cxn modelId="{300E722A-937B-4681-BF9C-7933B3C6956A}" type="presOf" srcId="{F6D27D1B-CDCB-481F-B8FA-AB31B2A119DE}" destId="{029D1FDE-4DD7-4FA5-8C70-0C747477B66C}" srcOrd="0" destOrd="0" presId="urn:microsoft.com/office/officeart/2005/8/layout/hProcess4"/>
-    <dgm:cxn modelId="{0DE04CA7-8D0A-42E1-B07A-0D64581626CA}" type="presOf" srcId="{7AEB6639-3258-49E8-8B1F-B4A9C61922BE}" destId="{DC2A0ADB-DCE3-4BF4-9952-0394865777AC}" srcOrd="0" destOrd="0" presId="urn:microsoft.com/office/officeart/2005/8/layout/hProcess4"/>
-    <dgm:cxn modelId="{878AE697-35FC-403D-92A3-0B92F7B7EB7A}" type="presOf" srcId="{0B00F5A8-A0EF-4111-9D86-004317B4F49E}" destId="{E83793B4-2C5C-4D90-82FA-E5EE4745664D}" srcOrd="0" destOrd="0" presId="urn:microsoft.com/office/officeart/2005/8/layout/hProcess4"/>
-    <dgm:cxn modelId="{E9730C94-0A42-4F8E-B45A-02CE25449719}" type="presOf" srcId="{AB2E8498-CC81-452F-A895-08F3845AA347}" destId="{BFE859F2-A9E8-4F95-9161-8EC68F2D30C4}" srcOrd="1" destOrd="0" presId="urn:microsoft.com/office/officeart/2005/8/layout/hProcess4"/>
-    <dgm:cxn modelId="{0731A115-58A3-481B-8A1D-4C0F1D56F785}" type="presOf" srcId="{FB986F71-3126-4196-BD30-74AEDC39A1CA}" destId="{E18C6CF4-EDEB-4539-A36D-E0355B626199}" srcOrd="0" destOrd="0" presId="urn:microsoft.com/office/officeart/2005/8/layout/hProcess4"/>
-    <dgm:cxn modelId="{C875BEE4-598B-4FE7-9AAC-474318887EB0}" type="presOf" srcId="{D0B150DF-3AA4-454C-8652-25880449C422}" destId="{6A63D16E-EEE6-4267-97EA-5AD7D2BC4E84}" srcOrd="0" destOrd="0" presId="urn:microsoft.com/office/officeart/2005/8/layout/hProcess4"/>
-    <dgm:cxn modelId="{5F9EDECD-FB20-4615-B5EC-47255B2B532F}" srcId="{FB986F71-3126-4196-BD30-74AEDC39A1CA}" destId="{BF381BD4-48DC-48BF-8C18-C307CDD4D490}" srcOrd="1" destOrd="0" parTransId="{5D881325-883F-44A1-A5FB-E01856D07A5B}" sibTransId="{2C645F98-BC4B-4797-BC42-0872EA7B0575}"/>
-    <dgm:cxn modelId="{8593019D-C207-4E1B-B1C1-18E0CC95AA04}" type="presOf" srcId="{65B6D8B9-E558-4264-B37F-7B4B2A8896DF}" destId="{67FFE978-6FBE-4424-80BE-B9E4B4DD0695}" srcOrd="1" destOrd="1" presId="urn:microsoft.com/office/officeart/2005/8/layout/hProcess4"/>
-    <dgm:cxn modelId="{F3D001C7-FD84-41F5-B497-6421DAD4965E}" type="presOf" srcId="{65B6D8B9-E558-4264-B37F-7B4B2A8896DF}" destId="{E83793B4-2C5C-4D90-82FA-E5EE4745664D}" srcOrd="0" destOrd="1" presId="urn:microsoft.com/office/officeart/2005/8/layout/hProcess4"/>
-    <dgm:cxn modelId="{DC0556BF-DB8E-4C8C-A27B-FEA575AE48F1}" type="presOf" srcId="{68838C34-4D02-49F8-ADD7-BFA90D87B7EA}" destId="{843715D2-C2C2-41EB-BDA3-21230FBA46DB}" srcOrd="1" destOrd="0" presId="urn:microsoft.com/office/officeart/2005/8/layout/hProcess4"/>
-    <dgm:cxn modelId="{004946A5-CBD1-4C7F-A823-A85DAC245DF7}" type="presOf" srcId="{6E7DBE00-7E5B-46F8-BBA0-CF0079A58E82}" destId="{69C28D3B-E083-42DF-9EA0-916CA12125A9}" srcOrd="0" destOrd="1" presId="urn:microsoft.com/office/officeart/2005/8/layout/hProcess4"/>
-    <dgm:cxn modelId="{56878CDA-253E-4C45-8745-6F7C37074EAE}" type="presOf" srcId="{58828492-5CEF-4AFE-95CB-5D7E6A18158B}" destId="{047F5837-10E2-4FFC-A492-DB8A19EF48CA}" srcOrd="0" destOrd="0" presId="urn:microsoft.com/office/officeart/2005/8/layout/hProcess4"/>
-    <dgm:cxn modelId="{E113FEAA-1F7F-443C-BD88-38A807CEBD28}" type="presOf" srcId="{0B00F5A8-A0EF-4111-9D86-004317B4F49E}" destId="{67FFE978-6FBE-4424-80BE-B9E4B4DD0695}" srcOrd="1" destOrd="0" presId="urn:microsoft.com/office/officeart/2005/8/layout/hProcess4"/>
-    <dgm:cxn modelId="{A63D53AC-541A-4D09-9620-8B1C8D7B91DE}" srcId="{0E9DE493-19D7-4EC9-97C9-5F26233F1106}" destId="{F6D27D1B-CDCB-481F-B8FA-AB31B2A119DE}" srcOrd="1" destOrd="0" parTransId="{8A7BF306-8E53-4B16-9E7E-A79AE3DF6BE2}" sibTransId="{7AEB6639-3258-49E8-8B1F-B4A9C61922BE}"/>
-    <dgm:cxn modelId="{CA96E113-7151-48C8-B4D5-7AA211772CC8}" srcId="{F6D27D1B-CDCB-481F-B8FA-AB31B2A119DE}" destId="{65B6D8B9-E558-4264-B37F-7B4B2A8896DF}" srcOrd="1" destOrd="0" parTransId="{04F5A724-3AA7-4E78-B992-BCB3E916993F}" sibTransId="{370A79FF-9957-49E1-811F-78AB198DD9E0}"/>
-    <dgm:cxn modelId="{3D080EE7-BDF0-495B-A4FB-103A296CD73B}" srcId="{58828492-5CEF-4AFE-95CB-5D7E6A18158B}" destId="{6E7DBE00-7E5B-46F8-BBA0-CF0079A58E82}" srcOrd="1" destOrd="0" parTransId="{6FAC7821-43C2-4A12-9638-E9B1BDE7C8D8}" sibTransId="{65147ED7-18A4-49A5-9AEE-066FB0363316}"/>
-    <dgm:cxn modelId="{1BE66046-E00C-4ECF-A4C7-64A3E9346530}" type="presOf" srcId="{68838C34-4D02-49F8-ADD7-BFA90D87B7EA}" destId="{69C28D3B-E083-42DF-9EA0-916CA12125A9}" srcOrd="0" destOrd="0" presId="urn:microsoft.com/office/officeart/2005/8/layout/hProcess4"/>
-    <dgm:cxn modelId="{86F910E7-C9D0-48E5-A3A3-C70127E96FC1}" srcId="{F6D27D1B-CDCB-481F-B8FA-AB31B2A119DE}" destId="{0B00F5A8-A0EF-4111-9D86-004317B4F49E}" srcOrd="0" destOrd="0" parTransId="{EC916B99-8D26-4265-B7BE-BB461C68DA5C}" sibTransId="{CE48C676-980A-4BAC-A3C8-9ABC315DAE51}"/>
-    <dgm:cxn modelId="{ECE9152A-59A8-4A3A-9D34-DB38A074F636}" srcId="{0E9DE493-19D7-4EC9-97C9-5F26233F1106}" destId="{58828492-5CEF-4AFE-95CB-5D7E6A18158B}" srcOrd="2" destOrd="0" parTransId="{F664BA43-1B81-496F-A04E-CE4B4A525697}" sibTransId="{2D386477-EC66-449A-8D41-5F8A212C3D8E}"/>
-    <dgm:cxn modelId="{792CF8D9-766B-49FE-B851-31297691E0C7}" type="presOf" srcId="{AB2E8498-CC81-452F-A895-08F3845AA347}" destId="{96015622-8A46-45CF-A72A-2856B699B374}" srcOrd="0" destOrd="0" presId="urn:microsoft.com/office/officeart/2005/8/layout/hProcess4"/>
-    <dgm:cxn modelId="{2D5B3E3B-3EE5-4072-933E-27DF5400591C}" srcId="{FB986F71-3126-4196-BD30-74AEDC39A1CA}" destId="{AB2E8498-CC81-452F-A895-08F3845AA347}" srcOrd="0" destOrd="0" parTransId="{4C65E2C8-0CBB-4D8C-AD60-6B0105C62B84}" sibTransId="{9A1F3304-AA9E-4FBC-89BA-9095C80E47C9}"/>
-    <dgm:cxn modelId="{7BE7AED0-385C-460E-A868-06962FF7BF4D}" type="presParOf" srcId="{3960CFF8-4383-4382-8D6D-F2A00F508E8D}" destId="{366CFF54-5C8F-47F9-BFD8-D9AF3EADDA3E}" srcOrd="0" destOrd="0" presId="urn:microsoft.com/office/officeart/2005/8/layout/hProcess4"/>
-    <dgm:cxn modelId="{7C708C67-6B57-4F62-BFC8-44484A4BB8C4}" type="presParOf" srcId="{3960CFF8-4383-4382-8D6D-F2A00F508E8D}" destId="{13688FBD-4079-41FE-A6A2-B5B0F293E6BF}" srcOrd="1" destOrd="0" presId="urn:microsoft.com/office/officeart/2005/8/layout/hProcess4"/>
-    <dgm:cxn modelId="{697CCE2B-9683-4DC0-A208-89C15D73093F}" type="presParOf" srcId="{3960CFF8-4383-4382-8D6D-F2A00F508E8D}" destId="{224851B6-C14D-49DE-883B-A13003DA4601}" srcOrd="2" destOrd="0" presId="urn:microsoft.com/office/officeart/2005/8/layout/hProcess4"/>
-    <dgm:cxn modelId="{FB980B6C-7B77-4691-82C5-788FE8D96E48}" type="presParOf" srcId="{224851B6-C14D-49DE-883B-A13003DA4601}" destId="{1439717B-283C-48FF-AF62-1990F52B6512}" srcOrd="0" destOrd="0" presId="urn:microsoft.com/office/officeart/2005/8/layout/hProcess4"/>
-    <dgm:cxn modelId="{77B1C0E7-D435-456C-A00F-39975DCDAA0B}" type="presParOf" srcId="{1439717B-283C-48FF-AF62-1990F52B6512}" destId="{BCCE6711-D1D8-4B2C-917E-41AB5A6114A8}" srcOrd="0" destOrd="0" presId="urn:microsoft.com/office/officeart/2005/8/layout/hProcess4"/>
-    <dgm:cxn modelId="{983A13E1-DBFA-4048-8932-72A07B33F957}" type="presParOf" srcId="{1439717B-283C-48FF-AF62-1990F52B6512}" destId="{96015622-8A46-45CF-A72A-2856B699B374}" srcOrd="1" destOrd="0" presId="urn:microsoft.com/office/officeart/2005/8/layout/hProcess4"/>
-    <dgm:cxn modelId="{9E4D9DC2-5878-4DF4-8197-C19BA06D0937}" type="presParOf" srcId="{1439717B-283C-48FF-AF62-1990F52B6512}" destId="{BFE859F2-A9E8-4F95-9161-8EC68F2D30C4}" srcOrd="2" destOrd="0" presId="urn:microsoft.com/office/officeart/2005/8/layout/hProcess4"/>
-    <dgm:cxn modelId="{5175F6D1-9CB0-4593-BAC3-692D80EF050C}" type="presParOf" srcId="{1439717B-283C-48FF-AF62-1990F52B6512}" destId="{E18C6CF4-EDEB-4539-A36D-E0355B626199}" srcOrd="3" destOrd="0" presId="urn:microsoft.com/office/officeart/2005/8/layout/hProcess4"/>
-    <dgm:cxn modelId="{43BDCF09-31AC-43B0-805E-DD1025F260DD}" type="presParOf" srcId="{1439717B-283C-48FF-AF62-1990F52B6512}" destId="{D9FCD5E9-9E94-4534-BAB4-3DB8EB44E7D0}" srcOrd="4" destOrd="0" presId="urn:microsoft.com/office/officeart/2005/8/layout/hProcess4"/>
-    <dgm:cxn modelId="{6A5928FD-0A79-4F7E-879C-5F088F4602E9}" type="presParOf" srcId="{224851B6-C14D-49DE-883B-A13003DA4601}" destId="{6A63D16E-EEE6-4267-97EA-5AD7D2BC4E84}" srcOrd="1" destOrd="0" presId="urn:microsoft.com/office/officeart/2005/8/layout/hProcess4"/>
-    <dgm:cxn modelId="{1C0B2966-A4D5-49CC-B7F2-A121C5C9817C}" type="presParOf" srcId="{224851B6-C14D-49DE-883B-A13003DA4601}" destId="{59BAED1E-A4FE-4FA3-8716-57917AF47F38}" srcOrd="2" destOrd="0" presId="urn:microsoft.com/office/officeart/2005/8/layout/hProcess4"/>
-    <dgm:cxn modelId="{FE2DC098-A539-4BB8-8D74-C108718A6D23}" type="presParOf" srcId="{59BAED1E-A4FE-4FA3-8716-57917AF47F38}" destId="{5C833856-7FAF-4B27-932C-67C7D08339F2}" srcOrd="0" destOrd="0" presId="urn:microsoft.com/office/officeart/2005/8/layout/hProcess4"/>
-    <dgm:cxn modelId="{16AAA183-E1A3-4ECF-997A-81333DC4EFCA}" type="presParOf" srcId="{59BAED1E-A4FE-4FA3-8716-57917AF47F38}" destId="{E83793B4-2C5C-4D90-82FA-E5EE4745664D}" srcOrd="1" destOrd="0" presId="urn:microsoft.com/office/officeart/2005/8/layout/hProcess4"/>
-    <dgm:cxn modelId="{A310F834-0A95-4F4E-9CFF-8ED098D6F853}" type="presParOf" srcId="{59BAED1E-A4FE-4FA3-8716-57917AF47F38}" destId="{67FFE978-6FBE-4424-80BE-B9E4B4DD0695}" srcOrd="2" destOrd="0" presId="urn:microsoft.com/office/officeart/2005/8/layout/hProcess4"/>
-    <dgm:cxn modelId="{FC3C9877-F1AB-4630-B09D-E2422D71C1B2}" type="presParOf" srcId="{59BAED1E-A4FE-4FA3-8716-57917AF47F38}" destId="{029D1FDE-4DD7-4FA5-8C70-0C747477B66C}" srcOrd="3" destOrd="0" presId="urn:microsoft.com/office/officeart/2005/8/layout/hProcess4"/>
-    <dgm:cxn modelId="{0C23CC14-2827-4D42-B3F2-24A9658D4CA9}" type="presParOf" srcId="{59BAED1E-A4FE-4FA3-8716-57917AF47F38}" destId="{C2556EF6-41FF-46C6-8829-911BFA533FFE}" srcOrd="4" destOrd="0" presId="urn:microsoft.com/office/officeart/2005/8/layout/hProcess4"/>
-    <dgm:cxn modelId="{03B78875-546F-4B9E-B138-1C0FF132346D}" type="presParOf" srcId="{224851B6-C14D-49DE-883B-A13003DA4601}" destId="{DC2A0ADB-DCE3-4BF4-9952-0394865777AC}" srcOrd="3" destOrd="0" presId="urn:microsoft.com/office/officeart/2005/8/layout/hProcess4"/>
-    <dgm:cxn modelId="{470A6CA6-A9CE-464F-84DB-5DC13565A2C8}" type="presParOf" srcId="{224851B6-C14D-49DE-883B-A13003DA4601}" destId="{A874A3A3-A340-4ABC-99B5-7529D4415335}" srcOrd="4" destOrd="0" presId="urn:microsoft.com/office/officeart/2005/8/layout/hProcess4"/>
-    <dgm:cxn modelId="{F6B1C4DA-988E-4055-9765-306F5A98CD06}" type="presParOf" srcId="{A874A3A3-A340-4ABC-99B5-7529D4415335}" destId="{14032C0B-60AE-432B-A713-F993D1C4BA8F}" srcOrd="0" destOrd="0" presId="urn:microsoft.com/office/officeart/2005/8/layout/hProcess4"/>
-    <dgm:cxn modelId="{F9FB30AF-82A1-4872-8383-99625B6C2D69}" type="presParOf" srcId="{A874A3A3-A340-4ABC-99B5-7529D4415335}" destId="{69C28D3B-E083-42DF-9EA0-916CA12125A9}" srcOrd="1" destOrd="0" presId="urn:microsoft.com/office/officeart/2005/8/layout/hProcess4"/>
-    <dgm:cxn modelId="{16665CFF-3E48-4ABD-A683-4C6BF569EDAE}" type="presParOf" srcId="{A874A3A3-A340-4ABC-99B5-7529D4415335}" destId="{843715D2-C2C2-41EB-BDA3-21230FBA46DB}" srcOrd="2" destOrd="0" presId="urn:microsoft.com/office/officeart/2005/8/layout/hProcess4"/>
-    <dgm:cxn modelId="{A27E2538-F421-4EB9-A2F6-3C451A831951}" type="presParOf" srcId="{A874A3A3-A340-4ABC-99B5-7529D4415335}" destId="{047F5837-10E2-4FFC-A492-DB8A19EF48CA}" srcOrd="3" destOrd="0" presId="urn:microsoft.com/office/officeart/2005/8/layout/hProcess4"/>
-    <dgm:cxn modelId="{043CCFDB-C988-4DED-8C9A-2A3B586895E5}" type="presParOf" srcId="{A874A3A3-A340-4ABC-99B5-7529D4415335}" destId="{7D6A154D-27BB-4CCE-9250-BCDD2CD5C383}" srcOrd="4" destOrd="0" presId="urn:microsoft.com/office/officeart/2005/8/layout/hProcess4"/>
-  </dgm:cxnLst>
-  <dgm:bg/>
-  <dgm:whole/>
-  <dgm:extLst>
-    <a:ext uri="http://schemas.microsoft.com/office/drawing/2008/diagram">
-      <dsp:dataModelExt xmlns:dsp="http://schemas.microsoft.com/office/drawing/2008/diagram" relId="rId7" minVer="http://schemas.openxmlformats.org/drawingml/2006/diagram"/>
-    </a:ext>
-  </dgm:extLst>
-</dgm:dataModel>
-</file>
-
-<file path=ppt/diagrams/drawing1.xml><?xml version="1.0" encoding="utf-8"?>
-<dsp:drawing xmlns:dgm="http://schemas.openxmlformats.org/drawingml/2006/diagram" xmlns:dsp="http://schemas.microsoft.com/office/drawing/2008/diagram" xmlns:a="http://schemas.openxmlformats.org/drawingml/2006/main">
-  <dsp:spTree>
-    <dsp:nvGrpSpPr>
-      <dsp:cNvPr id="0" name=""/>
-      <dsp:cNvGrpSpPr/>
-    </dsp:nvGrpSpPr>
-    <dsp:grpSpPr/>
-    <dsp:sp modelId="{96015622-8A46-45CF-A72A-2856B699B374}">
-      <dsp:nvSpPr>
-        <dsp:cNvPr id="0" name=""/>
-        <dsp:cNvSpPr/>
-      </dsp:nvSpPr>
-      <dsp:spPr>
-        <a:xfrm>
-          <a:off x="36244" y="1049273"/>
-          <a:ext cx="2444561" cy="2016252"/>
-        </a:xfrm>
-        <a:prstGeom prst="roundRect">
-          <a:avLst>
-            <a:gd name="adj" fmla="val 10000"/>
-          </a:avLst>
-        </a:prstGeom>
-        <a:solidFill>
-          <a:schemeClr val="accent1">
-            <a:alpha val="90000"/>
-            <a:tint val="40000"/>
-            <a:hueOff val="0"/>
-            <a:satOff val="0"/>
-            <a:lumOff val="0"/>
-            <a:alphaOff val="0"/>
-          </a:schemeClr>
-        </a:solidFill>
-        <a:ln w="6350" cap="flat" cmpd="sng" algn="ctr">
-          <a:solidFill>
-            <a:schemeClr val="accent1">
-              <a:hueOff val="0"/>
-              <a:satOff val="0"/>
-              <a:lumOff val="0"/>
-              <a:alphaOff val="0"/>
-            </a:schemeClr>
-          </a:solidFill>
-          <a:prstDash val="solid"/>
-          <a:miter lim="800000"/>
-        </a:ln>
-        <a:effectLst/>
-      </dsp:spPr>
-      <dsp:style>
-        <a:lnRef idx="1">
-          <a:scrgbClr r="0" g="0" b="0"/>
-        </a:lnRef>
-        <a:fillRef idx="1">
-          <a:scrgbClr r="0" g="0" b="0"/>
-        </a:fillRef>
-        <a:effectRef idx="2">
-          <a:scrgbClr r="0" g="0" b="0"/>
-        </a:effectRef>
-        <a:fontRef idx="minor"/>
-      </dsp:style>
-      <dsp:txBody>
-        <a:bodyPr spcFirstLastPara="0" vert="horz" wrap="square" lIns="43815" tIns="43815" rIns="43815" bIns="43815" numCol="1" spcCol="1270" rtlCol="0" anchor="t" anchorCtr="0">
-          <a:noAutofit/>
-        </a:bodyPr>
-        <a:lstStyle/>
-        <a:p>
-          <a:pPr marL="228600" lvl="1" indent="-228600" algn="l" defTabSz="1022350" rtl="0">
-            <a:lnSpc>
-              <a:spcPct val="90000"/>
-            </a:lnSpc>
-            <a:spcBef>
-              <a:spcPct val="0"/>
-            </a:spcBef>
-            <a:spcAft>
-              <a:spcPct val="15000"/>
-            </a:spcAft>
-            <a:buChar char="••"/>
-          </a:pPr>
-          <a:r>
-            <a:rPr lang="fr-FR" sz="2300" kern="1200" noProof="0" dirty="0"/>
-            <a:t>Description de la tâche</a:t>
-          </a:r>
-        </a:p>
-        <a:p>
-          <a:pPr marL="228600" lvl="1" indent="-228600" algn="l" defTabSz="1022350" rtl="0">
-            <a:lnSpc>
-              <a:spcPct val="90000"/>
-            </a:lnSpc>
-            <a:spcBef>
-              <a:spcPct val="0"/>
-            </a:spcBef>
-            <a:spcAft>
-              <a:spcPct val="15000"/>
-            </a:spcAft>
-            <a:buChar char="••"/>
-          </a:pPr>
-          <a:r>
-            <a:rPr lang="fr-FR" sz="2300" kern="1200" noProof="0" dirty="0"/>
-            <a:t>Description de la tâche</a:t>
-          </a:r>
-        </a:p>
-      </dsp:txBody>
-      <dsp:txXfrm>
-        <a:off x="82644" y="1095673"/>
-        <a:ext cx="2351761" cy="1491398"/>
-      </dsp:txXfrm>
-    </dsp:sp>
-    <dsp:sp modelId="{6A63D16E-EEE6-4267-97EA-5AD7D2BC4E84}">
-      <dsp:nvSpPr>
-        <dsp:cNvPr id="0" name=""/>
-        <dsp:cNvSpPr/>
-      </dsp:nvSpPr>
-      <dsp:spPr>
-        <a:xfrm>
-          <a:off x="1394360" y="1473226"/>
-          <a:ext cx="2779003" cy="2779003"/>
-        </a:xfrm>
-        <a:prstGeom prst="leftCircularArrow">
-          <a:avLst>
-            <a:gd name="adj1" fmla="val 3451"/>
-            <a:gd name="adj2" fmla="val 427731"/>
-            <a:gd name="adj3" fmla="val 2203242"/>
-            <a:gd name="adj4" fmla="val 9024489"/>
-            <a:gd name="adj5" fmla="val 4027"/>
-          </a:avLst>
-        </a:prstGeom>
-        <a:gradFill rotWithShape="0">
-          <a:gsLst>
-            <a:gs pos="0">
-              <a:schemeClr val="accent1">
-                <a:tint val="60000"/>
-                <a:hueOff val="0"/>
-                <a:satOff val="0"/>
-                <a:lumOff val="0"/>
-                <a:alphaOff val="0"/>
-                <a:satMod val="103000"/>
-                <a:lumMod val="102000"/>
-                <a:tint val="94000"/>
-              </a:schemeClr>
-            </a:gs>
-            <a:gs pos="50000">
-              <a:schemeClr val="accent1">
-                <a:tint val="60000"/>
-                <a:hueOff val="0"/>
-                <a:satOff val="0"/>
-                <a:lumOff val="0"/>
-                <a:alphaOff val="0"/>
-                <a:satMod val="110000"/>
-                <a:lumMod val="100000"/>
-                <a:shade val="100000"/>
-              </a:schemeClr>
-            </a:gs>
-            <a:gs pos="100000">
-              <a:schemeClr val="accent1">
-                <a:tint val="60000"/>
-                <a:hueOff val="0"/>
-                <a:satOff val="0"/>
-                <a:lumOff val="0"/>
-                <a:alphaOff val="0"/>
-                <a:lumMod val="99000"/>
-                <a:satMod val="120000"/>
-                <a:shade val="78000"/>
-              </a:schemeClr>
-            </a:gs>
-          </a:gsLst>
-          <a:lin ang="5400000" scaled="0"/>
-        </a:gradFill>
-        <a:ln>
-          <a:noFill/>
-        </a:ln>
-        <a:effectLst>
-          <a:outerShdw blurRad="57150" dist="19050" dir="5400000" algn="ctr" rotWithShape="0">
-            <a:srgbClr val="000000">
-              <a:alpha val="63000"/>
-            </a:srgbClr>
-          </a:outerShdw>
-        </a:effectLst>
-      </dsp:spPr>
-      <dsp:style>
-        <a:lnRef idx="0">
-          <a:scrgbClr r="0" g="0" b="0"/>
-        </a:lnRef>
-        <a:fillRef idx="3">
-          <a:scrgbClr r="0" g="0" b="0"/>
-        </a:fillRef>
-        <a:effectRef idx="3">
-          <a:scrgbClr r="0" g="0" b="0"/>
-        </a:effectRef>
-        <a:fontRef idx="minor">
-          <a:schemeClr val="lt1"/>
-        </a:fontRef>
-      </dsp:style>
-    </dsp:sp>
-    <dsp:sp modelId="{E18C6CF4-EDEB-4539-A36D-E0355B626199}">
-      <dsp:nvSpPr>
-        <dsp:cNvPr id="0" name=""/>
-        <dsp:cNvSpPr/>
-      </dsp:nvSpPr>
-      <dsp:spPr>
-        <a:xfrm>
-          <a:off x="579480" y="2633472"/>
-          <a:ext cx="2172943" cy="864108"/>
-        </a:xfrm>
-        <a:prstGeom prst="roundRect">
-          <a:avLst>
-            <a:gd name="adj" fmla="val 10000"/>
-          </a:avLst>
-        </a:prstGeom>
-        <a:gradFill rotWithShape="0">
-          <a:gsLst>
-            <a:gs pos="0">
-              <a:schemeClr val="lt1">
-                <a:hueOff val="0"/>
-                <a:satOff val="0"/>
-                <a:lumOff val="0"/>
-                <a:alphaOff val="0"/>
-                <a:satMod val="103000"/>
-                <a:lumMod val="102000"/>
-                <a:tint val="94000"/>
-              </a:schemeClr>
-            </a:gs>
-            <a:gs pos="50000">
-              <a:schemeClr val="lt1">
-                <a:hueOff val="0"/>
-                <a:satOff val="0"/>
-                <a:lumOff val="0"/>
-                <a:alphaOff val="0"/>
-                <a:satMod val="110000"/>
-                <a:lumMod val="100000"/>
-                <a:shade val="100000"/>
-              </a:schemeClr>
-            </a:gs>
-            <a:gs pos="100000">
-              <a:schemeClr val="lt1">
-                <a:hueOff val="0"/>
-                <a:satOff val="0"/>
-                <a:lumOff val="0"/>
-                <a:alphaOff val="0"/>
-                <a:lumMod val="99000"/>
-                <a:satMod val="120000"/>
-                <a:shade val="78000"/>
-              </a:schemeClr>
-            </a:gs>
-          </a:gsLst>
-          <a:lin ang="5400000" scaled="0"/>
-        </a:gradFill>
-        <a:ln>
-          <a:noFill/>
-        </a:ln>
-        <a:effectLst>
-          <a:outerShdw blurRad="57150" dist="19050" dir="5400000" algn="ctr" rotWithShape="0">
-            <a:srgbClr val="000000">
-              <a:alpha val="63000"/>
-            </a:srgbClr>
-          </a:outerShdw>
-        </a:effectLst>
-      </dsp:spPr>
-      <dsp:style>
-        <a:lnRef idx="0">
-          <a:scrgbClr r="0" g="0" b="0"/>
-        </a:lnRef>
-        <a:fillRef idx="3">
-          <a:scrgbClr r="0" g="0" b="0"/>
-        </a:fillRef>
-        <a:effectRef idx="3">
-          <a:scrgbClr r="0" g="0" b="0"/>
-        </a:effectRef>
-        <a:fontRef idx="minor">
-          <a:schemeClr val="lt1"/>
-        </a:fontRef>
-      </dsp:style>
-      <dsp:txBody>
-        <a:bodyPr spcFirstLastPara="0" vert="horz" wrap="square" lIns="49530" tIns="33020" rIns="49530" bIns="33020" numCol="1" spcCol="1270" rtlCol="0" anchor="ctr" anchorCtr="0">
-          <a:noAutofit/>
-        </a:bodyPr>
-        <a:lstStyle/>
-        <a:p>
-          <a:pPr lvl="0" algn="ctr" defTabSz="1155700" rtl="0">
-            <a:lnSpc>
-              <a:spcPct val="90000"/>
-            </a:lnSpc>
-            <a:spcBef>
-              <a:spcPct val="0"/>
-            </a:spcBef>
-            <a:spcAft>
-              <a:spcPct val="35000"/>
-            </a:spcAft>
-          </a:pPr>
-          <a:r>
-            <a:rPr lang="fr-FR" sz="2600" kern="1200" noProof="0" dirty="0"/>
-            <a:t>Titre de l’étape 1</a:t>
-          </a:r>
-        </a:p>
-      </dsp:txBody>
-      <dsp:txXfrm>
-        <a:off x="604789" y="2658781"/>
-        <a:ext cx="2122325" cy="813490"/>
-      </dsp:txXfrm>
-    </dsp:sp>
-    <dsp:sp modelId="{E83793B4-2C5C-4D90-82FA-E5EE4745664D}">
-      <dsp:nvSpPr>
-        <dsp:cNvPr id="0" name=""/>
-        <dsp:cNvSpPr/>
-      </dsp:nvSpPr>
-      <dsp:spPr>
-        <a:xfrm>
-          <a:off x="3209147" y="1049274"/>
-          <a:ext cx="2444561" cy="2016252"/>
-        </a:xfrm>
-        <a:prstGeom prst="roundRect">
-          <a:avLst>
-            <a:gd name="adj" fmla="val 10000"/>
-          </a:avLst>
-        </a:prstGeom>
-        <a:solidFill>
-          <a:schemeClr val="accent1">
-            <a:alpha val="90000"/>
-            <a:tint val="40000"/>
-            <a:hueOff val="0"/>
-            <a:satOff val="0"/>
-            <a:lumOff val="0"/>
-            <a:alphaOff val="0"/>
-          </a:schemeClr>
-        </a:solidFill>
-        <a:ln w="6350" cap="flat" cmpd="sng" algn="ctr">
-          <a:solidFill>
-            <a:schemeClr val="accent1">
-              <a:hueOff val="0"/>
-              <a:satOff val="0"/>
-              <a:lumOff val="0"/>
-              <a:alphaOff val="0"/>
-            </a:schemeClr>
-          </a:solidFill>
-          <a:prstDash val="solid"/>
-          <a:miter lim="800000"/>
-        </a:ln>
-        <a:effectLst/>
-      </dsp:spPr>
-      <dsp:style>
-        <a:lnRef idx="1">
-          <a:scrgbClr r="0" g="0" b="0"/>
-        </a:lnRef>
-        <a:fillRef idx="1">
-          <a:scrgbClr r="0" g="0" b="0"/>
-        </a:fillRef>
-        <a:effectRef idx="2">
-          <a:scrgbClr r="0" g="0" b="0"/>
-        </a:effectRef>
-        <a:fontRef idx="minor"/>
-      </dsp:style>
-      <dsp:txBody>
-        <a:bodyPr spcFirstLastPara="0" vert="horz" wrap="square" lIns="43815" tIns="43815" rIns="43815" bIns="43815" numCol="1" spcCol="1270" rtlCol="0" anchor="t" anchorCtr="0">
-          <a:noAutofit/>
-        </a:bodyPr>
-        <a:lstStyle/>
-        <a:p>
-          <a:pPr marL="228600" lvl="1" indent="-228600" algn="l" defTabSz="1022350" rtl="0">
-            <a:lnSpc>
-              <a:spcPct val="90000"/>
-            </a:lnSpc>
-            <a:spcBef>
-              <a:spcPct val="0"/>
-            </a:spcBef>
-            <a:spcAft>
-              <a:spcPct val="15000"/>
-            </a:spcAft>
-            <a:buChar char="••"/>
-          </a:pPr>
-          <a:r>
-            <a:rPr lang="fr-FR" sz="2300" kern="1200" noProof="0" dirty="0"/>
-            <a:t>Description de la tâche</a:t>
-          </a:r>
-        </a:p>
-        <a:p>
-          <a:pPr marL="228600" lvl="1" indent="-228600" algn="l" defTabSz="1022350" rtl="0">
-            <a:lnSpc>
-              <a:spcPct val="90000"/>
-            </a:lnSpc>
-            <a:spcBef>
-              <a:spcPct val="0"/>
-            </a:spcBef>
-            <a:spcAft>
-              <a:spcPct val="15000"/>
-            </a:spcAft>
-            <a:buChar char="••"/>
-          </a:pPr>
-          <a:r>
-            <a:rPr lang="fr-FR" sz="2300" kern="1200" noProof="0" dirty="0"/>
-            <a:t>Description de la tâche</a:t>
-          </a:r>
-        </a:p>
-      </dsp:txBody>
-      <dsp:txXfrm>
-        <a:off x="3255547" y="1527728"/>
-        <a:ext cx="2351761" cy="1491398"/>
-      </dsp:txXfrm>
-    </dsp:sp>
-    <dsp:sp modelId="{DC2A0ADB-DCE3-4BF4-9952-0394865777AC}">
-      <dsp:nvSpPr>
-        <dsp:cNvPr id="0" name=""/>
-        <dsp:cNvSpPr/>
-      </dsp:nvSpPr>
-      <dsp:spPr>
-        <a:xfrm>
-          <a:off x="4546892" y="-216486"/>
-          <a:ext cx="3091364" cy="3091364"/>
-        </a:xfrm>
-        <a:prstGeom prst="circularArrow">
-          <a:avLst>
-            <a:gd name="adj1" fmla="val 3103"/>
-            <a:gd name="adj2" fmla="val 381347"/>
-            <a:gd name="adj3" fmla="val 19443143"/>
-            <a:gd name="adj4" fmla="val 12575511"/>
-            <a:gd name="adj5" fmla="val 3620"/>
-          </a:avLst>
-        </a:prstGeom>
-        <a:gradFill rotWithShape="0">
-          <a:gsLst>
-            <a:gs pos="0">
-              <a:schemeClr val="accent1">
-                <a:tint val="60000"/>
-                <a:hueOff val="0"/>
-                <a:satOff val="0"/>
-                <a:lumOff val="0"/>
-                <a:alphaOff val="0"/>
-                <a:satMod val="103000"/>
-                <a:lumMod val="102000"/>
-                <a:tint val="94000"/>
-              </a:schemeClr>
-            </a:gs>
-            <a:gs pos="50000">
-              <a:schemeClr val="accent1">
-                <a:tint val="60000"/>
-                <a:hueOff val="0"/>
-                <a:satOff val="0"/>
-                <a:lumOff val="0"/>
-                <a:alphaOff val="0"/>
-                <a:satMod val="110000"/>
-                <a:lumMod val="100000"/>
-                <a:shade val="100000"/>
-              </a:schemeClr>
-            </a:gs>
-            <a:gs pos="100000">
-              <a:schemeClr val="accent1">
-                <a:tint val="60000"/>
-                <a:hueOff val="0"/>
-                <a:satOff val="0"/>
-                <a:lumOff val="0"/>
-                <a:alphaOff val="0"/>
-                <a:lumMod val="99000"/>
-                <a:satMod val="120000"/>
-                <a:shade val="78000"/>
-              </a:schemeClr>
-            </a:gs>
-          </a:gsLst>
-          <a:lin ang="5400000" scaled="0"/>
-        </a:gradFill>
-        <a:ln>
-          <a:noFill/>
-        </a:ln>
-        <a:effectLst>
-          <a:outerShdw blurRad="57150" dist="19050" dir="5400000" algn="ctr" rotWithShape="0">
-            <a:srgbClr val="000000">
-              <a:alpha val="63000"/>
-            </a:srgbClr>
-          </a:outerShdw>
-        </a:effectLst>
-      </dsp:spPr>
-      <dsp:style>
-        <a:lnRef idx="0">
-          <a:scrgbClr r="0" g="0" b="0"/>
-        </a:lnRef>
-        <a:fillRef idx="3">
-          <a:scrgbClr r="0" g="0" b="0"/>
-        </a:fillRef>
-        <a:effectRef idx="3">
-          <a:scrgbClr r="0" g="0" b="0"/>
-        </a:effectRef>
-        <a:fontRef idx="minor">
-          <a:schemeClr val="lt1"/>
-        </a:fontRef>
-      </dsp:style>
-    </dsp:sp>
-    <dsp:sp modelId="{029D1FDE-4DD7-4FA5-8C70-0C747477B66C}">
-      <dsp:nvSpPr>
-        <dsp:cNvPr id="0" name=""/>
-        <dsp:cNvSpPr/>
-      </dsp:nvSpPr>
-      <dsp:spPr>
-        <a:xfrm>
-          <a:off x="3752383" y="617220"/>
-          <a:ext cx="2172943" cy="864108"/>
-        </a:xfrm>
-        <a:prstGeom prst="roundRect">
-          <a:avLst>
-            <a:gd name="adj" fmla="val 10000"/>
-          </a:avLst>
-        </a:prstGeom>
-        <a:gradFill rotWithShape="0">
-          <a:gsLst>
-            <a:gs pos="0">
-              <a:schemeClr val="lt1">
-                <a:hueOff val="0"/>
-                <a:satOff val="0"/>
-                <a:lumOff val="0"/>
-                <a:alphaOff val="0"/>
-                <a:satMod val="103000"/>
-                <a:lumMod val="102000"/>
-                <a:tint val="94000"/>
-              </a:schemeClr>
-            </a:gs>
-            <a:gs pos="50000">
-              <a:schemeClr val="lt1">
-                <a:hueOff val="0"/>
-                <a:satOff val="0"/>
-                <a:lumOff val="0"/>
-                <a:alphaOff val="0"/>
-                <a:satMod val="110000"/>
-                <a:lumMod val="100000"/>
-                <a:shade val="100000"/>
-              </a:schemeClr>
-            </a:gs>
-            <a:gs pos="100000">
-              <a:schemeClr val="lt1">
-                <a:hueOff val="0"/>
-                <a:satOff val="0"/>
-                <a:lumOff val="0"/>
-                <a:alphaOff val="0"/>
-                <a:lumMod val="99000"/>
-                <a:satMod val="120000"/>
-                <a:shade val="78000"/>
-              </a:schemeClr>
-            </a:gs>
-          </a:gsLst>
-          <a:lin ang="5400000" scaled="0"/>
-        </a:gradFill>
-        <a:ln>
-          <a:noFill/>
-        </a:ln>
-        <a:effectLst>
-          <a:outerShdw blurRad="57150" dist="19050" dir="5400000" algn="ctr" rotWithShape="0">
-            <a:srgbClr val="000000">
-              <a:alpha val="63000"/>
-            </a:srgbClr>
-          </a:outerShdw>
-        </a:effectLst>
-      </dsp:spPr>
-      <dsp:style>
-        <a:lnRef idx="0">
-          <a:scrgbClr r="0" g="0" b="0"/>
-        </a:lnRef>
-        <a:fillRef idx="3">
-          <a:scrgbClr r="0" g="0" b="0"/>
-        </a:fillRef>
-        <a:effectRef idx="3">
-          <a:scrgbClr r="0" g="0" b="0"/>
-        </a:effectRef>
-        <a:fontRef idx="minor">
-          <a:schemeClr val="lt1"/>
-        </a:fontRef>
-      </dsp:style>
-      <dsp:txBody>
-        <a:bodyPr spcFirstLastPara="0" vert="horz" wrap="square" lIns="49530" tIns="33020" rIns="49530" bIns="33020" numCol="1" spcCol="1270" rtlCol="0" anchor="ctr" anchorCtr="0">
-          <a:noAutofit/>
-        </a:bodyPr>
-        <a:lstStyle/>
-        <a:p>
-          <a:pPr lvl="0" algn="ctr" defTabSz="1155700" rtl="0">
-            <a:lnSpc>
-              <a:spcPct val="90000"/>
-            </a:lnSpc>
-            <a:spcBef>
-              <a:spcPct val="0"/>
-            </a:spcBef>
-            <a:spcAft>
-              <a:spcPct val="35000"/>
-            </a:spcAft>
-          </a:pPr>
-          <a:r>
-            <a:rPr lang="fr-FR" sz="2600" kern="1200" noProof="0" dirty="0"/>
-            <a:t>Titre de l’étape 2</a:t>
-          </a:r>
-        </a:p>
-      </dsp:txBody>
-      <dsp:txXfrm>
-        <a:off x="3777692" y="642529"/>
-        <a:ext cx="2122325" cy="813490"/>
-      </dsp:txXfrm>
-    </dsp:sp>
-    <dsp:sp modelId="{69C28D3B-E083-42DF-9EA0-916CA12125A9}">
-      <dsp:nvSpPr>
-        <dsp:cNvPr id="0" name=""/>
-        <dsp:cNvSpPr/>
-      </dsp:nvSpPr>
-      <dsp:spPr>
-        <a:xfrm>
-          <a:off x="6382050" y="1049273"/>
-          <a:ext cx="2444561" cy="2016252"/>
-        </a:xfrm>
-        <a:prstGeom prst="roundRect">
-          <a:avLst>
-            <a:gd name="adj" fmla="val 10000"/>
-          </a:avLst>
-        </a:prstGeom>
-        <a:solidFill>
-          <a:schemeClr val="accent1">
-            <a:alpha val="90000"/>
-            <a:tint val="40000"/>
-            <a:hueOff val="0"/>
-            <a:satOff val="0"/>
-            <a:lumOff val="0"/>
-            <a:alphaOff val="0"/>
-          </a:schemeClr>
-        </a:solidFill>
-        <a:ln w="6350" cap="flat" cmpd="sng" algn="ctr">
-          <a:solidFill>
-            <a:schemeClr val="accent1">
-              <a:hueOff val="0"/>
-              <a:satOff val="0"/>
-              <a:lumOff val="0"/>
-              <a:alphaOff val="0"/>
-            </a:schemeClr>
-          </a:solidFill>
-          <a:prstDash val="solid"/>
-          <a:miter lim="800000"/>
-        </a:ln>
-        <a:effectLst/>
-      </dsp:spPr>
-      <dsp:style>
-        <a:lnRef idx="1">
-          <a:scrgbClr r="0" g="0" b="0"/>
-        </a:lnRef>
-        <a:fillRef idx="1">
-          <a:scrgbClr r="0" g="0" b="0"/>
-        </a:fillRef>
-        <a:effectRef idx="2">
-          <a:scrgbClr r="0" g="0" b="0"/>
-        </a:effectRef>
-        <a:fontRef idx="minor"/>
-      </dsp:style>
-      <dsp:txBody>
-        <a:bodyPr spcFirstLastPara="0" vert="horz" wrap="square" lIns="43815" tIns="43815" rIns="43815" bIns="43815" numCol="1" spcCol="1270" rtlCol="0" anchor="t" anchorCtr="0">
-          <a:noAutofit/>
-        </a:bodyPr>
-        <a:lstStyle/>
-        <a:p>
-          <a:pPr marL="228600" lvl="1" indent="-228600" algn="l" defTabSz="1022350" rtl="0">
-            <a:lnSpc>
-              <a:spcPct val="90000"/>
-            </a:lnSpc>
-            <a:spcBef>
-              <a:spcPct val="0"/>
-            </a:spcBef>
-            <a:spcAft>
-              <a:spcPct val="15000"/>
-            </a:spcAft>
-            <a:buChar char="••"/>
-          </a:pPr>
-          <a:r>
-            <a:rPr lang="fr-FR" sz="2300" kern="1200" noProof="0" dirty="0"/>
-            <a:t>Description de la tâche</a:t>
-          </a:r>
-        </a:p>
-        <a:p>
-          <a:pPr marL="228600" lvl="1" indent="-228600" algn="l" defTabSz="1022350" rtl="0">
-            <a:lnSpc>
-              <a:spcPct val="90000"/>
-            </a:lnSpc>
-            <a:spcBef>
-              <a:spcPct val="0"/>
-            </a:spcBef>
-            <a:spcAft>
-              <a:spcPct val="15000"/>
-            </a:spcAft>
-            <a:buChar char="••"/>
-          </a:pPr>
-          <a:r>
-            <a:rPr lang="fr-FR" sz="2300" kern="1200" noProof="0" dirty="0"/>
-            <a:t>Description de la tâche</a:t>
-          </a:r>
-        </a:p>
-      </dsp:txBody>
-      <dsp:txXfrm>
-        <a:off x="6428450" y="1095673"/>
-        <a:ext cx="2351761" cy="1491398"/>
-      </dsp:txXfrm>
-    </dsp:sp>
-    <dsp:sp modelId="{047F5837-10E2-4FFC-A492-DB8A19EF48CA}">
-      <dsp:nvSpPr>
-        <dsp:cNvPr id="0" name=""/>
-        <dsp:cNvSpPr/>
-      </dsp:nvSpPr>
-      <dsp:spPr>
-        <a:xfrm>
-          <a:off x="6925286" y="2633472"/>
-          <a:ext cx="2172943" cy="864108"/>
-        </a:xfrm>
-        <a:prstGeom prst="roundRect">
-          <a:avLst>
-            <a:gd name="adj" fmla="val 10000"/>
-          </a:avLst>
-        </a:prstGeom>
-        <a:gradFill rotWithShape="0">
-          <a:gsLst>
-            <a:gs pos="0">
-              <a:schemeClr val="lt1">
-                <a:hueOff val="0"/>
-                <a:satOff val="0"/>
-                <a:lumOff val="0"/>
-                <a:alphaOff val="0"/>
-                <a:satMod val="103000"/>
-                <a:lumMod val="102000"/>
-                <a:tint val="94000"/>
-              </a:schemeClr>
-            </a:gs>
-            <a:gs pos="50000">
-              <a:schemeClr val="lt1">
-                <a:hueOff val="0"/>
-                <a:satOff val="0"/>
-                <a:lumOff val="0"/>
-                <a:alphaOff val="0"/>
-                <a:satMod val="110000"/>
-                <a:lumMod val="100000"/>
-                <a:shade val="100000"/>
-              </a:schemeClr>
-            </a:gs>
-            <a:gs pos="100000">
-              <a:schemeClr val="lt1">
-                <a:hueOff val="0"/>
-                <a:satOff val="0"/>
-                <a:lumOff val="0"/>
-                <a:alphaOff val="0"/>
-                <a:lumMod val="99000"/>
-                <a:satMod val="120000"/>
-                <a:shade val="78000"/>
-              </a:schemeClr>
-            </a:gs>
-          </a:gsLst>
-          <a:lin ang="5400000" scaled="0"/>
-        </a:gradFill>
-        <a:ln>
-          <a:noFill/>
-        </a:ln>
-        <a:effectLst>
-          <a:outerShdw blurRad="57150" dist="19050" dir="5400000" algn="ctr" rotWithShape="0">
-            <a:srgbClr val="000000">
-              <a:alpha val="63000"/>
-            </a:srgbClr>
-          </a:outerShdw>
-        </a:effectLst>
-      </dsp:spPr>
-      <dsp:style>
-        <a:lnRef idx="0">
-          <a:scrgbClr r="0" g="0" b="0"/>
-        </a:lnRef>
-        <a:fillRef idx="3">
-          <a:scrgbClr r="0" g="0" b="0"/>
-        </a:fillRef>
-        <a:effectRef idx="3">
-          <a:scrgbClr r="0" g="0" b="0"/>
-        </a:effectRef>
-        <a:fontRef idx="minor">
-          <a:schemeClr val="lt1"/>
-        </a:fontRef>
-      </dsp:style>
-      <dsp:txBody>
-        <a:bodyPr spcFirstLastPara="0" vert="horz" wrap="square" lIns="49530" tIns="33020" rIns="49530" bIns="33020" numCol="1" spcCol="1270" rtlCol="0" anchor="ctr" anchorCtr="0">
-          <a:noAutofit/>
-        </a:bodyPr>
-        <a:lstStyle/>
-        <a:p>
-          <a:pPr lvl="0" algn="ctr" defTabSz="1155700" rtl="0">
-            <a:lnSpc>
-              <a:spcPct val="90000"/>
-            </a:lnSpc>
-            <a:spcBef>
-              <a:spcPct val="0"/>
-            </a:spcBef>
-            <a:spcAft>
-              <a:spcPct val="35000"/>
-            </a:spcAft>
-          </a:pPr>
-          <a:r>
-            <a:rPr lang="fr-FR" sz="2600" kern="1200" noProof="0" dirty="0"/>
-            <a:t>Titre de l’étape 3</a:t>
-          </a:r>
-        </a:p>
-      </dsp:txBody>
-      <dsp:txXfrm>
-        <a:off x="6950595" y="2658781"/>
-        <a:ext cx="2122325" cy="813490"/>
-      </dsp:txXfrm>
-    </dsp:sp>
-  </dsp:spTree>
-</dsp:drawing>
-</file>
-
-<file path=ppt/diagrams/layout1.xml><?xml version="1.0" encoding="utf-8"?>
-<dgm:layoutDef xmlns:dgm="http://schemas.openxmlformats.org/drawingml/2006/diagram" xmlns:a="http://schemas.openxmlformats.org/drawingml/2006/main" uniqueId="urn:microsoft.com/office/officeart/2005/8/layout/hProcess4">
-  <dgm:title val=""/>
-  <dgm:desc val=""/>
-  <dgm:catLst>
-    <dgm:cat type="process" pri="4000"/>
-  </dgm:catLst>
-  <dgm:sampData>
-    <dgm:dataModel>
-      <dgm:ptLst>
-        <dgm:pt modelId="0" type="doc"/>
-        <dgm:pt modelId="1">
-          <dgm:prSet phldr="1"/>
-        </dgm:pt>
-        <dgm:pt modelId="11">
-          <dgm:prSet phldr="1"/>
-        </dgm:pt>
-        <dgm:pt modelId="12">
-          <dgm:prSet phldr="1"/>
-        </dgm:pt>
-        <dgm:pt modelId="2">
-          <dgm:prSet phldr="1"/>
-        </dgm:pt>
-        <dgm:pt modelId="21">
-          <dgm:prSet phldr="1"/>
-        </dgm:pt>
-        <dgm:pt modelId="22">
-          <dgm:prSet phldr="1"/>
-        </dgm:pt>
-        <dgm:pt modelId="3">
-          <dgm:prSet phldr="1"/>
-        </dgm:pt>
-        <dgm:pt modelId="31">
-          <dgm:prSet phldr="1"/>
-        </dgm:pt>
-        <dgm:pt modelId="32">
-          <dgm:prSet phldr="1"/>
-        </dgm:pt>
-      </dgm:ptLst>
-      <dgm:cxnLst>
-        <dgm:cxn modelId="4" srcId="0" destId="1" srcOrd="0" destOrd="0"/>
-        <dgm:cxn modelId="5" srcId="0" destId="2" srcOrd="1" destOrd="0"/>
-        <dgm:cxn modelId="6" srcId="0" destId="3" srcOrd="2" destOrd="0"/>
-        <dgm:cxn modelId="13" srcId="1" destId="11" srcOrd="0" destOrd="0"/>
-        <dgm:cxn modelId="14" srcId="1" destId="12" srcOrd="1" destOrd="0"/>
-        <dgm:cxn modelId="23" srcId="2" destId="21" srcOrd="0" destOrd="0"/>
-        <dgm:cxn modelId="24" srcId="2" destId="22" srcOrd="1" destOrd="0"/>
-        <dgm:cxn modelId="33" srcId="3" destId="31" srcOrd="0" destOrd="0"/>
-        <dgm:cxn modelId="34" srcId="3" destId="32" srcOrd="1" destOrd="0"/>
-      </dgm:cxnLst>
-      <dgm:bg/>
-      <dgm:whole/>
-    </dgm:dataModel>
-  </dgm:sampData>
-  <dgm:styleData>
-    <dgm:dataModel>
-      <dgm:ptLst>
-        <dgm:pt modelId="0" type="doc"/>
-        <dgm:pt modelId="1"/>
-        <dgm:pt modelId="11"/>
-        <dgm:pt modelId="2"/>
-        <dgm:pt modelId="21"/>
-      </dgm:ptLst>
-      <dgm:cxnLst>
-        <dgm:cxn modelId="4" srcId="0" destId="1" srcOrd="0" destOrd="0"/>
-        <dgm:cxn modelId="5" srcId="0" destId="2" srcOrd="1" destOrd="0"/>
-        <dgm:cxn modelId="13" srcId="1" destId="11" srcOrd="0" destOrd="0"/>
-        <dgm:cxn modelId="23" srcId="2" destId="21" srcOrd="0" destOrd="0"/>
-      </dgm:cxnLst>
-      <dgm:bg/>
-      <dgm:whole/>
-    </dgm:dataModel>
-  </dgm:styleData>
-  <dgm:clrData>
-    <dgm:dataModel>
-      <dgm:ptLst>
-        <dgm:pt modelId="0" type="doc"/>
-        <dgm:pt modelId="1"/>
-        <dgm:pt modelId="11"/>
-        <dgm:pt modelId="2"/>
-        <dgm:pt modelId="21"/>
-        <dgm:pt modelId="3"/>
-        <dgm:pt modelId="31"/>
-        <dgm:pt modelId="4"/>
-        <dgm:pt modelId="41"/>
-      </dgm:ptLst>
-      <dgm:cxnLst>
-        <dgm:cxn modelId="5" srcId="0" destId="1" srcOrd="0" destOrd="0"/>
-        <dgm:cxn modelId="6" srcId="0" destId="2" srcOrd="1" destOrd="0"/>
-        <dgm:cxn modelId="7" srcId="0" destId="3" srcOrd="2" destOrd="0"/>
-        <dgm:cxn modelId="8" srcId="0" destId="4" srcOrd="3" destOrd="0"/>
-        <dgm:cxn modelId="13" srcId="1" destId="11" srcOrd="0" destOrd="0"/>
-        <dgm:cxn modelId="23" srcId="2" destId="21" srcOrd="0" destOrd="0"/>
-        <dgm:cxn modelId="33" srcId="3" destId="31" srcOrd="0" destOrd="0"/>
-        <dgm:cxn modelId="43" srcId="4" destId="41" srcOrd="0" destOrd="0"/>
-      </dgm:cxnLst>
-      <dgm:bg/>
-      <dgm:whole/>
-    </dgm:dataModel>
-  </dgm:clrData>
-  <dgm:layoutNode name="Name0">
-    <dgm:varLst>
-      <dgm:dir/>
-      <dgm:animLvl val="lvl"/>
-      <dgm:resizeHandles val="exact"/>
-    </dgm:varLst>
-    <dgm:alg type="composite"/>
-    <dgm:shape xmlns:r="http://schemas.openxmlformats.org/officeDocument/2006/relationships" r:blip="">
-      <dgm:adjLst/>
-    </dgm:shape>
-    <dgm:presOf/>
-    <dgm:constrLst>
-      <dgm:constr type="w" for="ch" forName="tSp" refType="w"/>
-      <dgm:constr type="h" for="ch" forName="tSp" refType="h" fact="0.15"/>
-      <dgm:constr type="l" for="ch" forName="tSp"/>
-      <dgm:constr type="t" for="ch" forName="tSp"/>
-      <dgm:constr type="w" for="ch" forName="bSp" refType="w"/>
-      <dgm:constr type="h" for="ch" forName="bSp" refType="h" fact="0.15"/>
-      <dgm:constr type="l" for="ch" forName="bSp"/>
-      <dgm:constr type="t" for="ch" forName="bSp" refType="h" fact="0.85"/>
-      <dgm:constr type="w" for="ch" forName="process" refType="w"/>
-      <dgm:constr type="h" for="ch" forName="process" refType="h" fact="0.7"/>
-      <dgm:constr type="l" for="ch" forName="process"/>
-      <dgm:constr type="t" for="ch" forName="process" refType="h" fact="0.15"/>
-    </dgm:constrLst>
-    <dgm:ruleLst/>
-    <dgm:layoutNode name="tSp">
-      <dgm:alg type="sp"/>
-      <dgm:shape xmlns:r="http://schemas.openxmlformats.org/officeDocument/2006/relationships" r:blip="">
-        <dgm:adjLst/>
-      </dgm:shape>
-      <dgm:presOf/>
-      <dgm:constrLst/>
-      <dgm:ruleLst/>
-    </dgm:layoutNode>
-    <dgm:layoutNode name="bSp">
-      <dgm:alg type="sp"/>
-      <dgm:shape xmlns:r="http://schemas.openxmlformats.org/officeDocument/2006/relationships" r:blip="">
-        <dgm:adjLst/>
-      </dgm:shape>
-      <dgm:presOf/>
-      <dgm:constrLst/>
-      <dgm:ruleLst/>
-    </dgm:layoutNode>
-    <dgm:layoutNode name="process">
-      <dgm:choose name="Name1">
-        <dgm:if name="Name2" func="var" arg="dir" op="equ" val="norm">
-          <dgm:alg type="lin">
-            <dgm:param type="linDir" val="fromL"/>
-          </dgm:alg>
-        </dgm:if>
-        <dgm:else name="Name3">
-          <dgm:alg type="lin">
-            <dgm:param type="linDir" val="fromR"/>
-          </dgm:alg>
-        </dgm:else>
-      </dgm:choose>
-      <dgm:shape xmlns:r="http://schemas.openxmlformats.org/officeDocument/2006/relationships" r:blip="">
-        <dgm:adjLst/>
-      </dgm:shape>
-      <dgm:presOf/>
-      <dgm:constrLst>
-        <dgm:constr type="w" for="ch" forName="composite1" refType="w"/>
-        <dgm:constr type="w" for="ch" forName="composite2" refType="w" refFor="ch" refForName="composite1" op="equ"/>
-        <dgm:constr type="h" for="ch" forName="composite1" refType="h"/>
-        <dgm:constr type="h" for="ch" forName="composite2" refType="h" refFor="ch" refForName="composite1" op="equ"/>
-        <dgm:constr type="primFontSz" for="des" forName="parentNode1" val="65"/>
-        <dgm:constr type="primFontSz" for="des" forName="parentNode2" refType="primFontSz" refFor="des" refForName="parentNode1" op="equ"/>
-        <dgm:constr type="secFontSz" for="des" forName="childNode1tx" val="65"/>
-        <dgm:constr type="secFontSz" for="des" forName="childNode2tx" refType="secFontSz" refFor="des" refForName="childNode1tx" op="equ"/>
-        <dgm:constr type="w" for="des" ptType="sibTrans" refType="w" refFor="ch" refForName="composite1" op="equ" fact="0.05"/>
-      </dgm:constrLst>
-      <dgm:ruleLst/>
-      <dgm:forEach name="Name4" axis="ch" ptType="node" step="2">
-        <dgm:layoutNode name="composite1">
-          <dgm:alg type="composite">
-            <dgm:param type="ar" val="0.943"/>
-          </dgm:alg>
-          <dgm:shape xmlns:r="http://schemas.openxmlformats.org/officeDocument/2006/relationships" r:blip="">
-            <dgm:adjLst/>
-          </dgm:shape>
-          <dgm:presOf/>
-          <dgm:choose name="Name5">
-            <dgm:if name="Name6" func="var" arg="dir" op="equ" val="norm">
-              <dgm:constrLst>
-                <dgm:constr type="h" refType="w" fact="1.06"/>
-                <dgm:constr type="w" for="ch" forName="dummyNode1" refType="w"/>
-                <dgm:constr type="h" for="ch" forName="dummyNode1" refType="h"/>
-                <dgm:constr type="t" for="ch" forName="dummyNode1"/>
-                <dgm:constr type="l" for="ch" forName="dummyNode1"/>
-                <dgm:constr type="w" for="ch" forName="childNode1" refType="w" fact="0.9"/>
-                <dgm:constr type="h" for="ch" forName="childNode1" refType="h" fact="0.7"/>
-                <dgm:constr type="t" for="ch" forName="childNode1" refType="h" fact="0.15"/>
-                <dgm:constr type="l" for="ch" forName="childNode1"/>
-                <dgm:constr type="w" for="ch" forName="childNode1tx" refType="w" fact="0.9"/>
-                <dgm:constr type="h" for="ch" forName="childNode1tx" refType="h" fact="0.55"/>
-                <dgm:constr type="t" for="ch" forName="childNode1tx" refType="h" fact="0.15"/>
-                <dgm:constr type="l" for="ch" forName="childNode1tx"/>
-                <dgm:constr type="w" for="ch" forName="parentNode1" refType="w" fact="0.8"/>
-                <dgm:constr type="h" for="ch" forName="parentNode1" refType="h" fact="0.3"/>
-                <dgm:constr type="t" for="ch" forName="parentNode1" refType="h" fact="0.7"/>
-                <dgm:constr type="l" for="ch" forName="parentNode1" refType="w" fact="0.2"/>
-                <dgm:constr type="w" for="ch" forName="connSite1" refType="w" fact="0.01"/>
-                <dgm:constr type="h" for="ch" forName="connSite1" refType="h" fact="0.01"/>
-                <dgm:constr type="t" for="ch" forName="connSite1"/>
-                <dgm:constr type="l" for="ch" forName="connSite1" refType="w" fact="0.35"/>
-              </dgm:constrLst>
-            </dgm:if>
-            <dgm:else name="Name7">
-              <dgm:constrLst>
-                <dgm:constr type="h" refType="w" fact="1.06"/>
-                <dgm:constr type="w" for="ch" forName="dummyNode1" refType="w"/>
-                <dgm:constr type="h" for="ch" forName="dummyNode1" refType="h"/>
-                <dgm:constr type="t" for="ch" forName="dummyNode1"/>
-                <dgm:constr type="l" for="ch" forName="dummyNode1"/>
-                <dgm:constr type="w" for="ch" forName="childNode1" refType="w" fact="0.9"/>
-                <dgm:constr type="h" for="ch" forName="childNode1" refType="h" fact="0.7"/>
-                <dgm:constr type="t" for="ch" forName="childNode1" refType="h" fact="0.15"/>
-                <dgm:constr type="l" for="ch" forName="childNode1" refType="w" fact="0.1"/>
-                <dgm:constr type="w" for="ch" forName="childNode1tx" refType="w" fact="0.9"/>
-                <dgm:constr type="h" for="ch" forName="childNode1tx" refType="h" fact="0.55"/>
-                <dgm:constr type="t" for="ch" forName="childNode1tx" refType="h" fact="0.15"/>
-                <dgm:constr type="l" for="ch" forName="childNode1tx" refType="w" fact="0.1"/>
-                <dgm:constr type="w" for="ch" forName="parentNode1" refType="w" fact="0.8"/>
-                <dgm:constr type="h" for="ch" forName="parentNode1" refType="h" fact="0.3"/>
-                <dgm:constr type="t" for="ch" forName="parentNode1" refType="h" fact="0.7"/>
-                <dgm:constr type="l" for="ch" forName="parentNode1"/>
-                <dgm:constr type="w" for="ch" forName="connSite1" refType="w" fact="0.01"/>
-                <dgm:constr type="h" for="ch" forName="connSite1" refType="h" fact="0.01"/>
-                <dgm:constr type="t" for="ch" forName="connSite1"/>
-                <dgm:constr type="l" for="ch" forName="connSite1" refType="w" fact="0.65"/>
-              </dgm:constrLst>
-            </dgm:else>
-          </dgm:choose>
-          <dgm:ruleLst/>
-          <dgm:layoutNode name="dummyNode1">
-            <dgm:alg type="sp"/>
-            <dgm:shape xmlns:r="http://schemas.openxmlformats.org/officeDocument/2006/relationships" type="rect" r:blip="" hideGeom="1">
-              <dgm:adjLst/>
-            </dgm:shape>
-            <dgm:presOf/>
-            <dgm:constrLst/>
-            <dgm:ruleLst/>
-          </dgm:layoutNode>
-          <dgm:layoutNode name="childNode1" styleLbl="bgAcc1">
-            <dgm:varLst>
-              <dgm:bulletEnabled val="1"/>
-            </dgm:varLst>
-            <dgm:alg type="sp"/>
-            <dgm:shape xmlns:r="http://schemas.openxmlformats.org/officeDocument/2006/relationships" type="roundRect" r:blip="">
-              <dgm:adjLst>
-                <dgm:adj idx="1" val="0.1"/>
-              </dgm:adjLst>
-            </dgm:shape>
-            <dgm:presOf axis="des" ptType="node"/>
-            <dgm:constrLst/>
-            <dgm:ruleLst/>
-          </dgm:layoutNode>
-          <dgm:layoutNode name="childNode1tx" styleLbl="bgAcc1">
-            <dgm:varLst>
-              <dgm:bulletEnabled val="1"/>
-            </dgm:varLst>
-            <dgm:alg type="tx">
-              <dgm:param type="stBulletLvl" val="1"/>
-            </dgm:alg>
-            <dgm:shape xmlns:r="http://schemas.openxmlformats.org/officeDocument/2006/relationships" type="roundRect" r:blip="" hideGeom="1">
-              <dgm:adjLst>
-                <dgm:adj idx="1" val="0.1"/>
-              </dgm:adjLst>
-            </dgm:shape>
-            <dgm:presOf axis="des" ptType="node"/>
-            <dgm:constrLst>
-              <dgm:constr type="secFontSz" val="65"/>
-              <dgm:constr type="primFontSz" refType="secFontSz"/>
-              <dgm:constr type="tMarg" refType="secFontSz" fact="0.15"/>
-              <dgm:constr type="bMarg" refType="secFontSz" fact="0.15"/>
-              <dgm:constr type="lMarg" refType="secFontSz" fact="0.15"/>
-              <dgm:constr type="rMarg" refType="secFontSz" fact="0.15"/>
-            </dgm:constrLst>
-            <dgm:ruleLst>
-              <dgm:rule type="secFontSz" val="5" fact="NaN" max="NaN"/>
-            </dgm:ruleLst>
-          </dgm:layoutNode>
-          <dgm:layoutNode name="parentNode1" styleLbl="node1">
-            <dgm:varLst>
-              <dgm:chMax val="1"/>
-              <dgm:bulletEnabled val="1"/>
-            </dgm:varLst>
-            <dgm:alg type="tx"/>
-            <dgm:shape xmlns:r="http://schemas.openxmlformats.org/officeDocument/2006/relationships" type="roundRect" r:blip="">
-              <dgm:adjLst>
-                <dgm:adj idx="1" val="0.1"/>
-              </dgm:adjLst>
-            </dgm:shape>
-            <dgm:presOf axis="self"/>
-            <dgm:constrLst>
-              <dgm:constr type="tMarg" refType="primFontSz" fact="0.1"/>
-              <dgm:constr type="bMarg" refType="primFontSz" fact="0.1"/>
-              <dgm:constr type="lMarg" refType="primFontSz" fact="0.15"/>
-              <dgm:constr type="rMarg" refType="primFontSz" fact="0.15"/>
-            </dgm:constrLst>
-            <dgm:ruleLst>
-              <dgm:rule type="primFontSz" val="5" fact="NaN" max="NaN"/>
-            </dgm:ruleLst>
-          </dgm:layoutNode>
-          <dgm:layoutNode name="connSite1" moveWith="childNode1">
-            <dgm:alg type="sp"/>
-            <dgm:shape xmlns:r="http://schemas.openxmlformats.org/officeDocument/2006/relationships" r:blip="">
-              <dgm:adjLst/>
-            </dgm:shape>
-            <dgm:presOf/>
-            <dgm:constrLst/>
-            <dgm:ruleLst/>
-          </dgm:layoutNode>
-        </dgm:layoutNode>
-        <dgm:forEach name="Name8" axis="followSib" ptType="sibTrans" cnt="1">
-          <dgm:layoutNode name="Name9">
-            <dgm:alg type="conn">
-              <dgm:param type="connRout" val="curve"/>
-              <dgm:param type="srcNode" val="parentNode1"/>
-              <dgm:param type="dstNode" val="connSite2"/>
-              <dgm:param type="begPts" val="bCtr"/>
-              <dgm:param type="endPts" val="bCtr"/>
-            </dgm:alg>
-            <dgm:shape xmlns:r="http://schemas.openxmlformats.org/officeDocument/2006/relationships" type="conn" r:blip="" zOrderOff="-2">
-              <dgm:adjLst/>
-            </dgm:shape>
-            <dgm:presOf axis="self"/>
-            <dgm:choose name="Name10">
-              <dgm:if name="Name11" func="var" arg="dir" op="equ" val="norm">
-                <dgm:constrLst>
-                  <dgm:constr type="h" refType="w" fact="0.35"/>
-                  <dgm:constr type="wArH" refType="h"/>
-                  <dgm:constr type="hArH" refType="h"/>
-                  <dgm:constr type="connDist"/>
-                  <dgm:constr type="diam" refType="connDist" fact="-1.15"/>
-                  <dgm:constr type="begPad"/>
-                  <dgm:constr type="endPad"/>
-                </dgm:constrLst>
-              </dgm:if>
-              <dgm:else name="Name12">
-                <dgm:constrLst>
-                  <dgm:constr type="h" refType="w" fact="0.35"/>
-                  <dgm:constr type="wArH" refType="h"/>
-                  <dgm:constr type="hArH" refType="h"/>
-                  <dgm:constr type="connDist"/>
-                  <dgm:constr type="diam" refType="connDist" fact="1.15"/>
-                  <dgm:constr type="begPad"/>
-                  <dgm:constr type="endPad"/>
-                </dgm:constrLst>
-              </dgm:else>
-            </dgm:choose>
-            <dgm:ruleLst/>
-          </dgm:layoutNode>
-        </dgm:forEach>
-        <dgm:forEach name="Name13" axis="followSib" ptType="node" cnt="1">
-          <dgm:layoutNode name="composite2">
-            <dgm:alg type="composite">
-              <dgm:param type="ar" val="0.943"/>
-            </dgm:alg>
-            <dgm:shape xmlns:r="http://schemas.openxmlformats.org/officeDocument/2006/relationships" r:blip="">
-              <dgm:adjLst/>
-            </dgm:shape>
-            <dgm:presOf/>
-            <dgm:choose name="Name14">
-              <dgm:if name="Name15" func="var" arg="dir" op="equ" val="norm">
-                <dgm:constrLst>
-                  <dgm:constr type="h" refType="w" fact="1.06"/>
-                  <dgm:constr type="w" for="ch" forName="dummyNode2" refType="w"/>
-                  <dgm:constr type="h" for="ch" forName="dummyNode2" refType="h"/>
-                  <dgm:constr type="t" for="ch" forName="dummyNode2"/>
-                  <dgm:constr type="l" for="ch" forName="dummyNode2"/>
-                  <dgm:constr type="w" for="ch" forName="childNode2" refType="w" fact="0.9"/>
-                  <dgm:constr type="h" for="ch" forName="childNode2" refType="h" fact="0.7"/>
-                  <dgm:constr type="t" for="ch" forName="childNode2" refType="h" fact="0.15"/>
-                  <dgm:constr type="l" for="ch" forName="childNode2"/>
-                  <dgm:constr type="w" for="ch" forName="childNode2tx" refType="w" fact="0.9"/>
-                  <dgm:constr type="h" for="ch" forName="childNode2tx" refType="h" fact="0.55"/>
-                  <dgm:constr type="t" for="ch" forName="childNode2tx" refType="h" fact="0.3"/>
-                  <dgm:constr type="l" for="ch" forName="childNode2tx"/>
-                  <dgm:constr type="w" for="ch" forName="parentNode2" refType="w" fact="0.8"/>
-                  <dgm:constr type="h" for="ch" forName="parentNode2" refType="h" fact="0.3"/>
-                  <dgm:constr type="t" for="ch" forName="parentNode2"/>
-                  <dgm:constr type="l" for="ch" forName="parentNode2" refType="w" fact="0.2"/>
-                  <dgm:constr type="w" for="ch" forName="connSite2" refType="w" fact="0.01"/>
-                  <dgm:constr type="h" for="ch" forName="connSite2" refType="h" fact="0.01"/>
-                  <dgm:constr type="t" for="ch" forName="connSite2" refType="h" fact="0.99"/>
-                  <dgm:constr type="l" for="ch" forName="connSite2" refType="w" fact="0.25"/>
-                </dgm:constrLst>
-              </dgm:if>
-              <dgm:else name="Name16">
-                <dgm:constrLst>
-                  <dgm:constr type="h" refType="w" fact="1.06"/>
-                  <dgm:constr type="w" for="ch" forName="dummyNode2" refType="w"/>
-                  <dgm:constr type="h" for="ch" forName="dummyNode2" refType="h"/>
-                  <dgm:constr type="t" for="ch" forName="dummyNode2"/>
-                  <dgm:constr type="l" for="ch" forName="dummyNode2"/>
-                  <dgm:constr type="w" for="ch" forName="childNode2" refType="w" fact="0.9"/>
-                  <dgm:constr type="h" for="ch" forName="childNode2" refType="h" fact="0.7"/>
-                  <dgm:constr type="t" for="ch" forName="childNode2" refType="h" fact="0.15"/>
-                  <dgm:constr type="l" for="ch" forName="childNode2" refType="w" fact="0.1"/>
-                  <dgm:constr type="w" for="ch" forName="childNode2tx" refType="w" fact="0.9"/>
-                  <dgm:constr type="h" for="ch" forName="childNode2tx" refType="h" fact="0.55"/>
-                  <dgm:constr type="t" for="ch" forName="childNode2tx" refType="h" fact="0.3"/>
-                  <dgm:constr type="l" for="ch" forName="childNode2tx" refType="w" fact="0.1"/>
-                  <dgm:constr type="w" for="ch" forName="parentNode2" refType="w" fact="0.8"/>
-                  <dgm:constr type="h" for="ch" forName="parentNode2" refType="h" fact="0.3"/>
-                  <dgm:constr type="t" for="ch" forName="parentNode2"/>
-                  <dgm:constr type="l" for="ch" forName="parentNode2"/>
-                  <dgm:constr type="w" for="ch" forName="connSite2" refType="w" fact="0.01"/>
-                  <dgm:constr type="h" for="ch" forName="connSite2" refType="h" fact="0.01"/>
-                  <dgm:constr type="t" for="ch" forName="connSite2" refType="h" fact="0.99"/>
-                  <dgm:constr type="l" for="ch" forName="connSite2" refType="w" fact="0.85"/>
-                </dgm:constrLst>
-              </dgm:else>
-            </dgm:choose>
-            <dgm:ruleLst/>
-            <dgm:layoutNode name="dummyNode2">
-              <dgm:alg type="sp"/>
-              <dgm:shape xmlns:r="http://schemas.openxmlformats.org/officeDocument/2006/relationships" type="rect" r:blip="" hideGeom="1">
-                <dgm:adjLst/>
-              </dgm:shape>
-              <dgm:presOf/>
-              <dgm:constrLst/>
-              <dgm:ruleLst/>
-            </dgm:layoutNode>
-            <dgm:layoutNode name="childNode2" styleLbl="bgAcc1">
-              <dgm:varLst>
-                <dgm:bulletEnabled val="1"/>
-              </dgm:varLst>
-              <dgm:alg type="sp"/>
-              <dgm:shape xmlns:r="http://schemas.openxmlformats.org/officeDocument/2006/relationships" type="roundRect" r:blip="">
-                <dgm:adjLst>
-                  <dgm:adj idx="1" val="0.1"/>
-                </dgm:adjLst>
-              </dgm:shape>
-              <dgm:presOf axis="des" ptType="node"/>
-              <dgm:constrLst/>
-              <dgm:ruleLst/>
-            </dgm:layoutNode>
-            <dgm:layoutNode name="childNode2tx" styleLbl="bgAcc1">
-              <dgm:varLst>
-                <dgm:bulletEnabled val="1"/>
-              </dgm:varLst>
-              <dgm:alg type="tx">
-                <dgm:param type="stBulletLvl" val="1"/>
-              </dgm:alg>
-              <dgm:shape xmlns:r="http://schemas.openxmlformats.org/officeDocument/2006/relationships" type="roundRect" r:blip="" hideGeom="1">
-                <dgm:adjLst>
-                  <dgm:adj idx="1" val="0.1"/>
-                </dgm:adjLst>
-              </dgm:shape>
-              <dgm:presOf axis="des" ptType="node"/>
-              <dgm:constrLst>
-                <dgm:constr type="secFontSz" val="65"/>
-                <dgm:constr type="primFontSz" refType="secFontSz"/>
-                <dgm:constr type="tMarg" refType="secFontSz" fact="0.15"/>
-                <dgm:constr type="bMarg" refType="secFontSz" fact="0.15"/>
-                <dgm:constr type="lMarg" refType="secFontSz" fact="0.15"/>
-                <dgm:constr type="rMarg" refType="secFontSz" fact="0.15"/>
-              </dgm:constrLst>
-              <dgm:ruleLst>
-                <dgm:rule type="secFontSz" val="5" fact="NaN" max="NaN"/>
-              </dgm:ruleLst>
-            </dgm:layoutNode>
-            <dgm:layoutNode name="parentNode2" styleLbl="node1">
-              <dgm:varLst>
-                <dgm:chMax val="0"/>
-                <dgm:bulletEnabled val="1"/>
-              </dgm:varLst>
-              <dgm:alg type="tx"/>
-              <dgm:shape xmlns:r="http://schemas.openxmlformats.org/officeDocument/2006/relationships" type="roundRect" r:blip="">
-                <dgm:adjLst>
-                  <dgm:adj idx="1" val="0.1"/>
-                </dgm:adjLst>
-              </dgm:shape>
-              <dgm:presOf axis="self"/>
-              <dgm:constrLst>
-                <dgm:constr type="tMarg" refType="primFontSz" fact="0.1"/>
-                <dgm:constr type="bMarg" refType="primFontSz" fact="0.1"/>
-                <dgm:constr type="lMarg" refType="primFontSz" fact="0.15"/>
-                <dgm:constr type="rMarg" refType="primFontSz" fact="0.15"/>
-              </dgm:constrLst>
-              <dgm:ruleLst>
-                <dgm:rule type="primFontSz" val="5" fact="NaN" max="NaN"/>
-              </dgm:ruleLst>
-            </dgm:layoutNode>
-            <dgm:layoutNode name="connSite2" moveWith="childNode2">
-              <dgm:alg type="sp"/>
-              <dgm:shape xmlns:r="http://schemas.openxmlformats.org/officeDocument/2006/relationships" r:blip="">
-                <dgm:adjLst/>
-              </dgm:shape>
-              <dgm:presOf/>
-              <dgm:constrLst/>
-              <dgm:ruleLst/>
-            </dgm:layoutNode>
-          </dgm:layoutNode>
-          <dgm:forEach name="Name17" axis="followSib" ptType="sibTrans" cnt="1">
-            <dgm:layoutNode name="Name18">
-              <dgm:alg type="conn">
-                <dgm:param type="connRout" val="curve"/>
-                <dgm:param type="srcNode" val="parentNode2"/>
-                <dgm:param type="dstNode" val="connSite1"/>
-                <dgm:param type="begPts" val="tCtr"/>
-                <dgm:param type="endPts" val="tCtr"/>
-              </dgm:alg>
-              <dgm:shape xmlns:r="http://schemas.openxmlformats.org/officeDocument/2006/relationships" type="conn" r:blip="" zOrderOff="-2">
-                <dgm:adjLst/>
-              </dgm:shape>
-              <dgm:presOf axis="self"/>
-              <dgm:choose name="Name19">
-                <dgm:if name="Name20" func="var" arg="dir" op="equ" val="norm">
-                  <dgm:constrLst>
-                    <dgm:constr type="h" refType="w" fact="0.35"/>
-                    <dgm:constr type="wArH" refType="h"/>
-                    <dgm:constr type="hArH" refType="h"/>
-                    <dgm:constr type="connDist"/>
-                    <dgm:constr type="diam" refType="connDist" fact="1.15"/>
-                    <dgm:constr type="begPad"/>
-                    <dgm:constr type="endPad"/>
-                  </dgm:constrLst>
-                </dgm:if>
-                <dgm:else name="Name21">
-                  <dgm:constrLst>
-                    <dgm:constr type="h" refType="w" fact="0.35"/>
-                    <dgm:constr type="wArH" refType="h"/>
-                    <dgm:constr type="hArH" refType="h"/>
-                    <dgm:constr type="connDist"/>
-                    <dgm:constr type="diam" refType="connDist" fact="-1.15"/>
-                    <dgm:constr type="begPad"/>
-                    <dgm:constr type="endPad"/>
-                  </dgm:constrLst>
-                </dgm:else>
-              </dgm:choose>
-              <dgm:ruleLst/>
-            </dgm:layoutNode>
-          </dgm:forEach>
-        </dgm:forEach>
-      </dgm:forEach>
-    </dgm:layoutNode>
-  </dgm:layoutNode>
-</dgm:layoutDef>
-</file>
-
-<file path=ppt/diagrams/quickStyle1.xml><?xml version="1.0" encoding="utf-8"?>
-<dgm:styleDef xmlns:dgm="http://schemas.openxmlformats.org/drawingml/2006/diagram" xmlns:a="http://schemas.openxmlformats.org/drawingml/2006/main" uniqueId="urn:microsoft.com/office/officeart/2005/8/quickstyle/simple5">
-  <dgm:title val=""/>
-  <dgm:desc val=""/>
-  <dgm:catLst>
-    <dgm:cat type="simple" pri="10500"/>
-  </dgm:catLst>
-  <dgm:scene3d>
-    <a:camera prst="orthographicFront"/>
-    <a:lightRig rig="threePt" dir="t"/>
-  </dgm:scene3d>
-  <dgm:styleLbl name="node0">
-    <dgm:scene3d>
-      <a:camera prst="orthographicFront"/>
-      <a:lightRig rig="threePt" dir="t"/>
-    </dgm:scene3d>
-    <dgm:sp3d/>
-    <dgm:txPr/>
-    <dgm:style>
-      <a:lnRef idx="0">
-        <a:scrgbClr r="0" g="0" b="0"/>
-      </a:lnRef>
-      <a:fillRef idx="3">
-        <a:scrgbClr r="0" g="0" b="0"/>
-      </a:fillRef>
-      <a:effectRef idx="3">
-        <a:scrgbClr r="0" g="0" b="0"/>
-      </a:effectRef>
-      <a:fontRef idx="minor">
-        <a:schemeClr val="lt1"/>
-      </a:fontRef>
-    </dgm:style>
-  </dgm:styleLbl>
-  <dgm:styleLbl name="lnNode1">
-    <dgm:scene3d>
-      <a:camera prst="orthographicFront"/>
-      <a:lightRig rig="threePt" dir="t"/>
-    </dgm:scene3d>
-    <dgm:sp3d/>
-    <dgm:txPr/>
-    <dgm:style>
-      <a:lnRef idx="0">
-        <a:scrgbClr r="0" g="0" b="0"/>
-      </a:lnRef>
-      <a:fillRef idx="3">
-        <a:scrgbClr r="0" g="0" b="0"/>
-      </a:fillRef>
-      <a:effectRef idx="3">
-        <a:scrgbClr r="0" g="0" b="0"/>
-      </a:effectRef>
-      <a:fontRef idx="minor">
-        <a:schemeClr val="lt1"/>
-      </a:fontRef>
-    </dgm:style>
-  </dgm:styleLbl>
-  <dgm:styleLbl name="vennNode1">
-    <dgm:scene3d>
-      <a:camera prst="orthographicFront"/>
-      <a:lightRig rig="threePt" dir="t"/>
-    </dgm:scene3d>
-    <dgm:sp3d/>
-    <dgm:txPr/>
-    <dgm:style>
-      <a:lnRef idx="0">
-        <a:scrgbClr r="0" g="0" b="0"/>
-      </a:lnRef>
-      <a:fillRef idx="3">
-        <a:scrgbClr r="0" g="0" b="0"/>
-      </a:fillRef>
-      <a:effectRef idx="3">
-        <a:scrgbClr r="0" g="0" b="0"/>
-      </a:effectRef>
-      <a:fontRef idx="minor">
-        <a:schemeClr val="tx1"/>
-      </a:fontRef>
-    </dgm:style>
-  </dgm:styleLbl>
-  <dgm:styleLbl name="alignNode1">
-    <dgm:scene3d>
-      <a:camera prst="orthographicFront"/>
-      <a:lightRig rig="threePt" dir="t"/>
-    </dgm:scene3d>
-    <dgm:sp3d/>
-    <dgm:txPr/>
-    <dgm:style>
-      <a:lnRef idx="1">
-        <a:scrgbClr r="0" g="0" b="0"/>
-      </a:lnRef>
-      <a:fillRef idx="3">
-        <a:scrgbClr r="0" g="0" b="0"/>
-      </a:fillRef>
-      <a:effectRef idx="3">
-        <a:scrgbClr r="0" g="0" b="0"/>
-      </a:effectRef>
-      <a:fontRef idx="minor">
-        <a:schemeClr val="lt1"/>
-      </a:fontRef>
-    </dgm:style>
-  </dgm:styleLbl>
-  <dgm:styleLbl name="node1">
-    <dgm:scene3d>
-      <a:camera prst="orthographicFront"/>
-      <a:lightRig rig="threePt" dir="t"/>
-    </dgm:scene3d>
-    <dgm:sp3d/>
-    <dgm:txPr/>
-    <dgm:style>
-      <a:lnRef idx="0">
-        <a:scrgbClr r="0" g="0" b="0"/>
-      </a:lnRef>
-      <a:fillRef idx="3">
-        <a:scrgbClr r="0" g="0" b="0"/>
-      </a:fillRef>
-      <a:effectRef idx="3">
-        <a:scrgbClr r="0" g="0" b="0"/>
-      </a:effectRef>
-      <a:fontRef idx="minor">
-        <a:schemeClr val="lt1"/>
-      </a:fontRef>
-    </dgm:style>
-  </dgm:styleLbl>
-  <dgm:styleLbl name="node2">
-    <dgm:scene3d>
-      <a:camera prst="orthographicFront"/>
-      <a:lightRig rig="threePt" dir="t"/>
-    </dgm:scene3d>
-    <dgm:sp3d/>
-    <dgm:txPr/>
-    <dgm:style>
-      <a:lnRef idx="0">
-        <a:scrgbClr r="0" g="0" b="0"/>
-      </a:lnRef>
-      <a:fillRef idx="3">
-        <a:scrgbClr r="0" g="0" b="0"/>
-      </a:fillRef>
-      <a:effectRef idx="3">
-        <a:scrgbClr r="0" g="0" b="0"/>
-      </a:effectRef>
-      <a:fontRef idx="minor">
-        <a:schemeClr val="lt1"/>
-      </a:fontRef>
-    </dgm:style>
-  </dgm:styleLbl>
-  <dgm:styleLbl name="node3">
-    <dgm:scene3d>
-      <a:camera prst="orthographicFront"/>
-      <a:lightRig rig="threePt" dir="t"/>
-    </dgm:scene3d>
-    <dgm:sp3d/>
-    <dgm:txPr/>
-    <dgm:style>
-      <a:lnRef idx="0">
-        <a:scrgbClr r="0" g="0" b="0"/>
-      </a:lnRef>
-      <a:fillRef idx="3">
-        <a:scrgbClr r="0" g="0" b="0"/>
-      </a:fillRef>
-      <a:effectRef idx="3">
-        <a:scrgbClr r="0" g="0" b="0"/>
-      </a:effectRef>
-      <a:fontRef idx="minor">
-        <a:schemeClr val="lt1"/>
-      </a:fontRef>
-    </dgm:style>
-  </dgm:styleLbl>
-  <dgm:styleLbl name="node4">
-    <dgm:scene3d>
-      <a:camera prst="orthographicFront"/>
-      <a:lightRig rig="threePt" dir="t"/>
-    </dgm:scene3d>
-    <dgm:sp3d/>
-    <dgm:txPr/>
-    <dgm:style>
-      <a:lnRef idx="0">
-        <a:scrgbClr r="0" g="0" b="0"/>
-      </a:lnRef>
-      <a:fillRef idx="3">
-        <a:scrgbClr r="0" g="0" b="0"/>
-      </a:fillRef>
-      <a:effectRef idx="3">
-        <a:scrgbClr r="0" g="0" b="0"/>
-      </a:effectRef>
-      <a:fontRef idx="minor">
-        <a:schemeClr val="lt1"/>
-      </a:fontRef>
-    </dgm:style>
-  </dgm:styleLbl>
-  <dgm:styleLbl name="fgImgPlace1">
-    <dgm:scene3d>
-      <a:camera prst="orthographicFront"/>
-      <a:lightRig rig="threePt" dir="t"/>
-    </dgm:scene3d>
-    <dgm:sp3d/>
-    <dgm:txPr/>
-    <dgm:style>
-      <a:lnRef idx="0">
-        <a:scrgbClr r="0" g="0" b="0"/>
-      </a:lnRef>
-      <a:fillRef idx="1">
-        <a:scrgbClr r="0" g="0" b="0"/>
-      </a:fillRef>
-      <a:effectRef idx="3">
-        <a:scrgbClr r="0" g="0" b="0"/>
-      </a:effectRef>
-      <a:fontRef idx="minor"/>
-    </dgm:style>
-  </dgm:styleLbl>
-  <dgm:styleLbl name="alignImgPlace1">
-    <dgm:scene3d>
-      <a:camera prst="orthographicFront"/>
-      <a:lightRig rig="threePt" dir="t"/>
-    </dgm:scene3d>
-    <dgm:sp3d/>
-    <dgm:txPr/>
-    <dgm:style>
-      <a:lnRef idx="0">
-        <a:scrgbClr r="0" g="0" b="0"/>
-      </a:lnRef>
-      <a:fillRef idx="1">
-        <a:scrgbClr r="0" g="0" b="0"/>
-      </a:fillRef>
-      <a:effectRef idx="3">
-        <a:scrgbClr r="0" g="0" b="0"/>
-      </a:effectRef>
-      <a:fontRef idx="minor"/>
-    </dgm:style>
-  </dgm:styleLbl>
-  <dgm:styleLbl name="bgImgPlace1">
-    <dgm:scene3d>
-      <a:camera prst="orthographicFront"/>
-      <a:lightRig rig="threePt" dir="t"/>
-    </dgm:scene3d>
-    <dgm:sp3d/>
-    <dgm:txPr/>
-    <dgm:style>
-      <a:lnRef idx="0">
-        <a:scrgbClr r="0" g="0" b="0"/>
-      </a:lnRef>
-      <a:fillRef idx="1">
-        <a:scrgbClr r="0" g="0" b="0"/>
-      </a:fillRef>
-      <a:effectRef idx="3">
-        <a:scrgbClr r="0" g="0" b="0"/>
-      </a:effectRef>
-      <a:fontRef idx="minor"/>
-    </dgm:style>
-  </dgm:styleLbl>
-  <dgm:styleLbl name="sibTrans2D1">
-    <dgm:scene3d>
-      <a:camera prst="orthographicFront"/>
-      <a:lightRig rig="threePt" dir="t"/>
-    </dgm:scene3d>
-    <dgm:sp3d/>
-    <dgm:txPr/>
-    <dgm:style>
-      <a:lnRef idx="0">
-        <a:scrgbClr r="0" g="0" b="0"/>
-      </a:lnRef>
-      <a:fillRef idx="3">
-        <a:scrgbClr r="0" g="0" b="0"/>
-      </a:fillRef>
-      <a:effectRef idx="3">
-        <a:scrgbClr r="0" g="0" b="0"/>
-      </a:effectRef>
-      <a:fontRef idx="minor">
-        <a:schemeClr val="lt1"/>
-      </a:fontRef>
-    </dgm:style>
-  </dgm:styleLbl>
-  <dgm:styleLbl name="fgSibTrans2D1">
-    <dgm:scene3d>
-      <a:camera prst="orthographicFront"/>
-      <a:lightRig rig="threePt" dir="t"/>
-    </dgm:scene3d>
-    <dgm:sp3d/>
-    <dgm:txPr/>
-    <dgm:style>
-      <a:lnRef idx="0">
-        <a:scrgbClr r="0" g="0" b="0"/>
-      </a:lnRef>
-      <a:fillRef idx="3">
-        <a:scrgbClr r="0" g="0" b="0"/>
-      </a:fillRef>
-      <a:effectRef idx="3">
-        <a:scrgbClr r="0" g="0" b="0"/>
-      </a:effectRef>
-      <a:fontRef idx="minor">
-        <a:schemeClr val="lt1"/>
-      </a:fontRef>
-    </dgm:style>
-  </dgm:styleLbl>
-  <dgm:styleLbl name="bgSibTrans2D1">
-    <dgm:scene3d>
-      <a:camera prst="orthographicFront"/>
-      <a:lightRig rig="threePt" dir="t"/>
-    </dgm:scene3d>
-    <dgm:sp3d/>
-    <dgm:txPr/>
-    <dgm:style>
-      <a:lnRef idx="0">
-        <a:scrgbClr r="0" g="0" b="0"/>
-      </a:lnRef>
-      <a:fillRef idx="3">
-        <a:scrgbClr r="0" g="0" b="0"/>
-      </a:fillRef>
-      <a:effectRef idx="3">
-        <a:scrgbClr r="0" g="0" b="0"/>
-      </a:effectRef>
-      <a:fontRef idx="minor">
-        <a:schemeClr val="lt1"/>
-      </a:fontRef>
-    </dgm:style>
-  </dgm:styleLbl>
-  <dgm:styleLbl name="sibTrans1D1">
-    <dgm:scene3d>
-      <a:camera prst="orthographicFront"/>
-      <a:lightRig rig="threePt" dir="t"/>
-    </dgm:scene3d>
-    <dgm:sp3d/>
-    <dgm:txPr/>
-    <dgm:style>
-      <a:lnRef idx="1">
-        <a:scrgbClr r="0" g="0" b="0"/>
-      </a:lnRef>
-      <a:fillRef idx="0">
-        <a:scrgbClr r="0" g="0" b="0"/>
-      </a:fillRef>
-      <a:effectRef idx="0">
-        <a:scrgbClr r="0" g="0" b="0"/>
-      </a:effectRef>
-      <a:fontRef idx="minor"/>
-    </dgm:style>
-  </dgm:styleLbl>
-  <dgm:styleLbl name="callout">
-    <dgm:scene3d>
-      <a:camera prst="orthographicFront"/>
-      <a:lightRig rig="threePt" dir="t"/>
-    </dgm:scene3d>
-    <dgm:sp3d/>
-    <dgm:txPr/>
-    <dgm:style>
-      <a:lnRef idx="1">
-        <a:scrgbClr r="0" g="0" b="0"/>
-      </a:lnRef>
-      <a:fillRef idx="0">
-        <a:scrgbClr r="0" g="0" b="0"/>
-      </a:fillRef>
-      <a:effectRef idx="1">
-        <a:scrgbClr r="0" g="0" b="0"/>
-      </a:effectRef>
-      <a:fontRef idx="minor"/>
-    </dgm:style>
-  </dgm:styleLbl>
-  <dgm:styleLbl name="asst0">
-    <dgm:scene3d>
-      <a:camera prst="orthographicFront"/>
-      <a:lightRig rig="threePt" dir="t"/>
-    </dgm:scene3d>
-    <dgm:sp3d/>
-    <dgm:txPr/>
-    <dgm:style>
-      <a:lnRef idx="0">
-        <a:scrgbClr r="0" g="0" b="0"/>
-      </a:lnRef>
-      <a:fillRef idx="3">
-        <a:scrgbClr r="0" g="0" b="0"/>
-      </a:fillRef>
-      <a:effectRef idx="3">
-        <a:scrgbClr r="0" g="0" b="0"/>
-      </a:effectRef>
-      <a:fontRef idx="minor">
-        <a:schemeClr val="lt1"/>
-      </a:fontRef>
-    </dgm:style>
-  </dgm:styleLbl>
-  <dgm:styleLbl name="asst1">
-    <dgm:scene3d>
-      <a:camera prst="orthographicFront"/>
-      <a:lightRig rig="threePt" dir="t"/>
-    </dgm:scene3d>
-    <dgm:sp3d/>
-    <dgm:txPr/>
-    <dgm:style>
-      <a:lnRef idx="0">
-        <a:scrgbClr r="0" g="0" b="0"/>
-      </a:lnRef>
-      <a:fillRef idx="3">
-        <a:scrgbClr r="0" g="0" b="0"/>
-      </a:fillRef>
-      <a:effectRef idx="3">
-        <a:scrgbClr r="0" g="0" b="0"/>
-      </a:effectRef>
-      <a:fontRef idx="minor">
-        <a:schemeClr val="lt1"/>
-      </a:fontRef>
-    </dgm:style>
-  </dgm:styleLbl>
-  <dgm:styleLbl name="asst2">
-    <dgm:scene3d>
-      <a:camera prst="orthographicFront"/>
-      <a:lightRig rig="threePt" dir="t"/>
-    </dgm:scene3d>
-    <dgm:sp3d/>
-    <dgm:txPr/>
-    <dgm:style>
-      <a:lnRef idx="0">
-        <a:scrgbClr r="0" g="0" b="0"/>
-      </a:lnRef>
-      <a:fillRef idx="3">
-        <a:scrgbClr r="0" g="0" b="0"/>
-      </a:fillRef>
-      <a:effectRef idx="3">
-        <a:scrgbClr r="0" g="0" b="0"/>
-      </a:effectRef>
-      <a:fontRef idx="minor">
-        <a:schemeClr val="lt1"/>
-      </a:fontRef>
-    </dgm:style>
-  </dgm:styleLbl>
-  <dgm:styleLbl name="asst3">
-    <dgm:scene3d>
-      <a:camera prst="orthographicFront"/>
-      <a:lightRig rig="threePt" dir="t"/>
-    </dgm:scene3d>
-    <dgm:sp3d/>
-    <dgm:txPr/>
-    <dgm:style>
-      <a:lnRef idx="0">
-        <a:scrgbClr r="0" g="0" b="0"/>
-      </a:lnRef>
-      <a:fillRef idx="3">
-        <a:scrgbClr r="0" g="0" b="0"/>
-      </a:fillRef>
-      <a:effectRef idx="3">
-        <a:scrgbClr r="0" g="0" b="0"/>
-      </a:effectRef>
-      <a:fontRef idx="minor">
-        <a:schemeClr val="lt1"/>
-      </a:fontRef>
-    </dgm:style>
-  </dgm:styleLbl>
-  <dgm:styleLbl name="asst4">
-    <dgm:scene3d>
-      <a:camera prst="orthographicFront"/>
-      <a:lightRig rig="threePt" dir="t"/>
-    </dgm:scene3d>
-    <dgm:sp3d/>
-    <dgm:txPr/>
-    <dgm:style>
-      <a:lnRef idx="0">
-        <a:scrgbClr r="0" g="0" b="0"/>
-      </a:lnRef>
-      <a:fillRef idx="3">
-        <a:scrgbClr r="0" g="0" b="0"/>
-      </a:fillRef>
-      <a:effectRef idx="3">
-        <a:scrgbClr r="0" g="0" b="0"/>
-      </a:effectRef>
-      <a:fontRef idx="minor">
-        <a:schemeClr val="lt1"/>
-      </a:fontRef>
-    </dgm:style>
-  </dgm:styleLbl>
-  <dgm:styleLbl name="parChTrans2D1">
-    <dgm:scene3d>
-      <a:camera prst="orthographicFront"/>
-      <a:lightRig rig="threePt" dir="t"/>
-    </dgm:scene3d>
-    <dgm:sp3d/>
-    <dgm:txPr/>
-    <dgm:style>
-      <a:lnRef idx="0">
-        <a:scrgbClr r="0" g="0" b="0"/>
-      </a:lnRef>
-      <a:fillRef idx="3">
-        <a:scrgbClr r="0" g="0" b="0"/>
-      </a:fillRef>
-      <a:effectRef idx="3">
-        <a:scrgbClr r="0" g="0" b="0"/>
-      </a:effectRef>
-      <a:fontRef idx="minor">
-        <a:schemeClr val="lt1"/>
-      </a:fontRef>
-    </dgm:style>
-  </dgm:styleLbl>
-  <dgm:styleLbl name="parChTrans2D2">
-    <dgm:scene3d>
-      <a:camera prst="orthographicFront"/>
-      <a:lightRig rig="threePt" dir="t"/>
-    </dgm:scene3d>
-    <dgm:sp3d/>
-    <dgm:txPr/>
-    <dgm:style>
-      <a:lnRef idx="0">
-        <a:scrgbClr r="0" g="0" b="0"/>
-      </a:lnRef>
-      <a:fillRef idx="3">
-        <a:scrgbClr r="0" g="0" b="0"/>
-      </a:fillRef>
-      <a:effectRef idx="3">
-        <a:scrgbClr r="0" g="0" b="0"/>
-      </a:effectRef>
-      <a:fontRef idx="minor">
-        <a:schemeClr val="lt1"/>
-      </a:fontRef>
-    </dgm:style>
-  </dgm:styleLbl>
-  <dgm:styleLbl name="parChTrans2D3">
-    <dgm:scene3d>
-      <a:camera prst="orthographicFront"/>
-      <a:lightRig rig="threePt" dir="t"/>
-    </dgm:scene3d>
-    <dgm:sp3d/>
-    <dgm:txPr/>
-    <dgm:style>
-      <a:lnRef idx="0">
-        <a:scrgbClr r="0" g="0" b="0"/>
-      </a:lnRef>
-      <a:fillRef idx="3">
-        <a:scrgbClr r="0" g="0" b="0"/>
-      </a:fillRef>
-      <a:effectRef idx="3">
-        <a:scrgbClr r="0" g="0" b="0"/>
-      </a:effectRef>
-      <a:fontRef idx="minor">
-        <a:schemeClr val="lt1"/>
-      </a:fontRef>
-    </dgm:style>
-  </dgm:styleLbl>
-  <dgm:styleLbl name="parChTrans2D4">
-    <dgm:scene3d>
-      <a:camera prst="orthographicFront"/>
-      <a:lightRig rig="threePt" dir="t"/>
-    </dgm:scene3d>
-    <dgm:sp3d/>
-    <dgm:txPr/>
-    <dgm:style>
-      <a:lnRef idx="0">
-        <a:scrgbClr r="0" g="0" b="0"/>
-      </a:lnRef>
-      <a:fillRef idx="3">
-        <a:scrgbClr r="0" g="0" b="0"/>
-      </a:fillRef>
-      <a:effectRef idx="3">
-        <a:scrgbClr r="0" g="0" b="0"/>
-      </a:effectRef>
-      <a:fontRef idx="minor">
-        <a:schemeClr val="lt1"/>
-      </a:fontRef>
-    </dgm:style>
-  </dgm:styleLbl>
-  <dgm:styleLbl name="parChTrans1D1">
-    <dgm:scene3d>
-      <a:camera prst="orthographicFront"/>
-      <a:lightRig rig="threePt" dir="t"/>
-    </dgm:scene3d>
-    <dgm:sp3d/>
-    <dgm:txPr/>
-    <dgm:style>
-      <a:lnRef idx="2">
-        <a:scrgbClr r="0" g="0" b="0"/>
-      </a:lnRef>
-      <a:fillRef idx="0">
-        <a:scrgbClr r="0" g="0" b="0"/>
-      </a:fillRef>
-      <a:effectRef idx="0">
-        <a:scrgbClr r="0" g="0" b="0"/>
-      </a:effectRef>
-      <a:fontRef idx="minor"/>
-    </dgm:style>
-  </dgm:styleLbl>
-  <dgm:styleLbl name="parChTrans1D2">
-    <dgm:scene3d>
-      <a:camera prst="orthographicFront"/>
-      <a:lightRig rig="threePt" dir="t"/>
-    </dgm:scene3d>
-    <dgm:sp3d/>
-    <dgm:txPr/>
-    <dgm:style>
-      <a:lnRef idx="2">
-        <a:scrgbClr r="0" g="0" b="0"/>
-      </a:lnRef>
-      <a:fillRef idx="0">
-        <a:scrgbClr r="0" g="0" b="0"/>
-      </a:fillRef>
-      <a:effectRef idx="0">
-        <a:scrgbClr r="0" g="0" b="0"/>
-      </a:effectRef>
-      <a:fontRef idx="minor"/>
-    </dgm:style>
-  </dgm:styleLbl>
-  <dgm:styleLbl name="parChTrans1D3">
-    <dgm:scene3d>
-      <a:camera prst="orthographicFront"/>
-      <a:lightRig rig="threePt" dir="t"/>
-    </dgm:scene3d>
-    <dgm:sp3d/>
-    <dgm:txPr/>
-    <dgm:style>
-      <a:lnRef idx="2">
-        <a:scrgbClr r="0" g="0" b="0"/>
-      </a:lnRef>
-      <a:fillRef idx="0">
-        <a:scrgbClr r="0" g="0" b="0"/>
-      </a:fillRef>
-      <a:effectRef idx="0">
-        <a:scrgbClr r="0" g="0" b="0"/>
-      </a:effectRef>
-      <a:fontRef idx="minor"/>
-    </dgm:style>
-  </dgm:styleLbl>
-  <dgm:styleLbl name="parChTrans1D4">
-    <dgm:scene3d>
-      <a:camera prst="orthographicFront"/>
-      <a:lightRig rig="threePt" dir="t"/>
-    </dgm:scene3d>
-    <dgm:sp3d/>
-    <dgm:txPr/>
-    <dgm:style>
-      <a:lnRef idx="2">
-        <a:scrgbClr r="0" g="0" b="0"/>
-      </a:lnRef>
-      <a:fillRef idx="0">
-        <a:scrgbClr r="0" g="0" b="0"/>
-      </a:fillRef>
-      <a:effectRef idx="0">
-        <a:scrgbClr r="0" g="0" b="0"/>
-      </a:effectRef>
-      <a:fontRef idx="minor"/>
-    </dgm:style>
-  </dgm:styleLbl>
-  <dgm:styleLbl name="fgAcc1">
-    <dgm:scene3d>
-      <a:camera prst="orthographicFront"/>
-      <a:lightRig rig="threePt" dir="t"/>
-    </dgm:scene3d>
-    <dgm:sp3d/>
-    <dgm:txPr/>
-    <dgm:style>
-      <a:lnRef idx="1">
-        <a:scrgbClr r="0" g="0" b="0"/>
-      </a:lnRef>
-      <a:fillRef idx="1">
-        <a:scrgbClr r="0" g="0" b="0"/>
-      </a:fillRef>
-      <a:effectRef idx="2">
-        <a:scrgbClr r="0" g="0" b="0"/>
-      </a:effectRef>
-      <a:fontRef idx="minor"/>
-    </dgm:style>
-  </dgm:styleLbl>
-  <dgm:styleLbl name="conFgAcc1">
-    <dgm:scene3d>
-      <a:camera prst="orthographicFront"/>
-      <a:lightRig rig="threePt" dir="t"/>
-    </dgm:scene3d>
-    <dgm:sp3d/>
-    <dgm:txPr/>
-    <dgm:style>
-      <a:lnRef idx="1">
-        <a:scrgbClr r="0" g="0" b="0"/>
-      </a:lnRef>
-      <a:fillRef idx="1">
-        <a:scrgbClr r="0" g="0" b="0"/>
-      </a:fillRef>
-      <a:effectRef idx="2">
-        <a:scrgbClr r="0" g="0" b="0"/>
-      </a:effectRef>
-      <a:fontRef idx="minor"/>
-    </dgm:style>
-  </dgm:styleLbl>
-  <dgm:styleLbl name="alignAcc1">
-    <dgm:scene3d>
-      <a:camera prst="orthographicFront"/>
-      <a:lightRig rig="threePt" dir="t"/>
-    </dgm:scene3d>
-    <dgm:sp3d/>
-    <dgm:txPr/>
-    <dgm:style>
-      <a:lnRef idx="1">
-        <a:scrgbClr r="0" g="0" b="0"/>
-      </a:lnRef>
-      <a:fillRef idx="1">
-        <a:scrgbClr r="0" g="0" b="0"/>
-      </a:fillRef>
-      <a:effectRef idx="2">
-        <a:scrgbClr r="0" g="0" b="0"/>
-      </a:effectRef>
-      <a:fontRef idx="minor"/>
-    </dgm:style>
-  </dgm:styleLbl>
-  <dgm:styleLbl name="trAlignAcc1">
-    <dgm:scene3d>
-      <a:camera prst="orthographicFront"/>
-      <a:lightRig rig="threePt" dir="t"/>
-    </dgm:scene3d>
-    <dgm:sp3d/>
-    <dgm:txPr/>
-    <dgm:style>
-      <a:lnRef idx="1">
-        <a:scrgbClr r="0" g="0" b="0"/>
-      </a:lnRef>
-      <a:fillRef idx="1">
-        <a:scrgbClr r="0" g="0" b="0"/>
-      </a:fillRef>
-      <a:effectRef idx="0">
-        <a:scrgbClr r="0" g="0" b="0"/>
-      </a:effectRef>
-      <a:fontRef idx="minor"/>
-    </dgm:style>
-  </dgm:styleLbl>
-  <dgm:styleLbl name="bgAcc1">
-    <dgm:scene3d>
-      <a:camera prst="orthographicFront"/>
-      <a:lightRig rig="threePt" dir="t"/>
-    </dgm:scene3d>
-    <dgm:sp3d/>
-    <dgm:txPr/>
-    <dgm:style>
-      <a:lnRef idx="1">
-        <a:scrgbClr r="0" g="0" b="0"/>
-      </a:lnRef>
-      <a:fillRef idx="1">
-        <a:scrgbClr r="0" g="0" b="0"/>
-      </a:fillRef>
-      <a:effectRef idx="2">
-        <a:scrgbClr r="0" g="0" b="0"/>
-      </a:effectRef>
-      <a:fontRef idx="minor"/>
-    </dgm:style>
-  </dgm:styleLbl>
-  <dgm:styleLbl name="solidFgAcc1">
-    <dgm:scene3d>
-      <a:camera prst="orthographicFront"/>
-      <a:lightRig rig="threePt" dir="t"/>
-    </dgm:scene3d>
-    <dgm:sp3d/>
-    <dgm:txPr/>
-    <dgm:style>
-      <a:lnRef idx="1">
-        <a:scrgbClr r="0" g="0" b="0"/>
-      </a:lnRef>
-      <a:fillRef idx="1">
-        <a:scrgbClr r="0" g="0" b="0"/>
-      </a:fillRef>
-      <a:effectRef idx="2">
-        <a:scrgbClr r="0" g="0" b="0"/>
-      </a:effectRef>
-      <a:fontRef idx="minor"/>
-    </dgm:style>
-  </dgm:styleLbl>
-  <dgm:styleLbl name="solidAlignAcc1">
-    <dgm:scene3d>
-      <a:camera prst="orthographicFront"/>
-      <a:lightRig rig="threePt" dir="t"/>
-    </dgm:scene3d>
-    <dgm:sp3d/>
-    <dgm:txPr/>
-    <dgm:style>
-      <a:lnRef idx="1">
-        <a:scrgbClr r="0" g="0" b="0"/>
-      </a:lnRef>
-      <a:fillRef idx="1">
-        <a:scrgbClr r="0" g="0" b="0"/>
-      </a:fillRef>
-      <a:effectRef idx="3">
-        <a:scrgbClr r="0" g="0" b="0"/>
-      </a:effectRef>
-      <a:fontRef idx="minor"/>
-    </dgm:style>
-  </dgm:styleLbl>
-  <dgm:styleLbl name="solidBgAcc1">
-    <dgm:scene3d>
-      <a:camera prst="orthographicFront"/>
-      <a:lightRig rig="threePt" dir="t"/>
-    </dgm:scene3d>
-    <dgm:sp3d/>
-    <dgm:txPr/>
-    <dgm:style>
-      <a:lnRef idx="1">
-        <a:scrgbClr r="0" g="0" b="0"/>
-      </a:lnRef>
-      <a:fillRef idx="1">
-        <a:scrgbClr r="0" g="0" b="0"/>
-      </a:fillRef>
-      <a:effectRef idx="3">
-        <a:scrgbClr r="0" g="0" b="0"/>
-      </a:effectRef>
-      <a:fontRef idx="minor"/>
-    </dgm:style>
-  </dgm:styleLbl>
-  <dgm:styleLbl name="fgAccFollowNode1">
-    <dgm:scene3d>
-      <a:camera prst="orthographicFront"/>
-      <a:lightRig rig="threePt" dir="t"/>
-    </dgm:scene3d>
-    <dgm:sp3d/>
-    <dgm:txPr/>
-    <dgm:style>
-      <a:lnRef idx="1">
-        <a:scrgbClr r="0" g="0" b="0"/>
-      </a:lnRef>
-      <a:fillRef idx="1">
-        <a:scrgbClr r="0" g="0" b="0"/>
-      </a:fillRef>
-      <a:effectRef idx="2">
-        <a:scrgbClr r="0" g="0" b="0"/>
-      </a:effectRef>
-      <a:fontRef idx="minor"/>
-    </dgm:style>
-  </dgm:styleLbl>
-  <dgm:styleLbl name="alignAccFollowNode1">
-    <dgm:scene3d>
-      <a:camera prst="orthographicFront"/>
-      <a:lightRig rig="threePt" dir="t"/>
-    </dgm:scene3d>
-    <dgm:sp3d/>
-    <dgm:txPr/>
-    <dgm:style>
-      <a:lnRef idx="1">
-        <a:scrgbClr r="0" g="0" b="0"/>
-      </a:lnRef>
-      <a:fillRef idx="1">
-        <a:scrgbClr r="0" g="0" b="0"/>
-      </a:fillRef>
-      <a:effectRef idx="2">
-        <a:scrgbClr r="0" g="0" b="0"/>
-      </a:effectRef>
-      <a:fontRef idx="minor"/>
-    </dgm:style>
-  </dgm:styleLbl>
-  <dgm:styleLbl name="bgAccFollowNode1">
-    <dgm:scene3d>
-      <a:camera prst="orthographicFront"/>
-      <a:lightRig rig="threePt" dir="t"/>
-    </dgm:scene3d>
-    <dgm:sp3d/>
-    <dgm:txPr/>
-    <dgm:style>
-      <a:lnRef idx="1">
-        <a:scrgbClr r="0" g="0" b="0"/>
-      </a:lnRef>
-      <a:fillRef idx="1">
-        <a:scrgbClr r="0" g="0" b="0"/>
-      </a:fillRef>
-      <a:effectRef idx="2">
-        <a:scrgbClr r="0" g="0" b="0"/>
-      </a:effectRef>
-      <a:fontRef idx="minor"/>
-    </dgm:style>
-  </dgm:styleLbl>
-  <dgm:styleLbl name="fgAcc0">
-    <dgm:scene3d>
-      <a:camera prst="orthographicFront"/>
-      <a:lightRig rig="threePt" dir="t"/>
-    </dgm:scene3d>
-    <dgm:sp3d/>
-    <dgm:txPr/>
-    <dgm:style>
-      <a:lnRef idx="1">
-        <a:scrgbClr r="0" g="0" b="0"/>
-      </a:lnRef>
-      <a:fillRef idx="1">
-        <a:scrgbClr r="0" g="0" b="0"/>
-      </a:fillRef>
-      <a:effectRef idx="2">
-        <a:scrgbClr r="0" g="0" b="0"/>
-      </a:effectRef>
-      <a:fontRef idx="minor"/>
-    </dgm:style>
-  </dgm:styleLbl>
-  <dgm:styleLbl name="fgAcc2">
-    <dgm:scene3d>
-      <a:camera prst="orthographicFront"/>
-      <a:lightRig rig="threePt" dir="t"/>
-    </dgm:scene3d>
-    <dgm:sp3d/>
-    <dgm:txPr/>
-    <dgm:style>
-      <a:lnRef idx="1">
-        <a:scrgbClr r="0" g="0" b="0"/>
-      </a:lnRef>
-      <a:fillRef idx="1">
-        <a:scrgbClr r="0" g="0" b="0"/>
-      </a:fillRef>
-      <a:effectRef idx="2">
-        <a:scrgbClr r="0" g="0" b="0"/>
-      </a:effectRef>
-      <a:fontRef idx="minor"/>
-    </dgm:style>
-  </dgm:styleLbl>
-  <dgm:styleLbl name="fgAcc3">
-    <dgm:scene3d>
-      <a:camera prst="orthographicFront"/>
-      <a:lightRig rig="threePt" dir="t"/>
-    </dgm:scene3d>
-    <dgm:sp3d/>
-    <dgm:txPr/>
-    <dgm:style>
-      <a:lnRef idx="1">
-        <a:scrgbClr r="0" g="0" b="0"/>
-      </a:lnRef>
-      <a:fillRef idx="1">
-        <a:scrgbClr r="0" g="0" b="0"/>
-      </a:fillRef>
-      <a:effectRef idx="2">
-        <a:scrgbClr r="0" g="0" b="0"/>
-      </a:effectRef>
-      <a:fontRef idx="minor"/>
-    </dgm:style>
-  </dgm:styleLbl>
-  <dgm:styleLbl name="fgAcc4">
-    <dgm:scene3d>
-      <a:camera prst="orthographicFront"/>
-      <a:lightRig rig="threePt" dir="t"/>
-    </dgm:scene3d>
-    <dgm:sp3d/>
-    <dgm:txPr/>
-    <dgm:style>
-      <a:lnRef idx="1">
-        <a:scrgbClr r="0" g="0" b="0"/>
-      </a:lnRef>
-      <a:fillRef idx="1">
-        <a:scrgbClr r="0" g="0" b="0"/>
-      </a:fillRef>
-      <a:effectRef idx="2">
-        <a:scrgbClr r="0" g="0" b="0"/>
-      </a:effectRef>
-      <a:fontRef idx="minor"/>
-    </dgm:style>
-  </dgm:styleLbl>
-  <dgm:styleLbl name="bgShp">
-    <dgm:scene3d>
-      <a:camera prst="orthographicFront"/>
-      <a:lightRig rig="threePt" dir="t"/>
-    </dgm:scene3d>
-    <dgm:sp3d/>
-    <dgm:txPr/>
-    <dgm:style>
-      <a:lnRef idx="0">
-        <a:scrgbClr r="0" g="0" b="0"/>
-      </a:lnRef>
-      <a:fillRef idx="1">
-        <a:scrgbClr r="0" g="0" b="0"/>
-      </a:fillRef>
-      <a:effectRef idx="2">
-        <a:scrgbClr r="0" g="0" b="0"/>
-      </a:effectRef>
-      <a:fontRef idx="minor"/>
-    </dgm:style>
-  </dgm:styleLbl>
-  <dgm:styleLbl name="dkBgShp">
-    <dgm:scene3d>
-      <a:camera prst="orthographicFront"/>
-      <a:lightRig rig="threePt" dir="t"/>
-    </dgm:scene3d>
-    <dgm:sp3d/>
-    <dgm:txPr/>
-    <dgm:style>
-      <a:lnRef idx="0">
-        <a:scrgbClr r="0" g="0" b="0"/>
-      </a:lnRef>
-      <a:fillRef idx="1">
-        <a:scrgbClr r="0" g="0" b="0"/>
-      </a:fillRef>
-      <a:effectRef idx="3">
-        <a:scrgbClr r="0" g="0" b="0"/>
-      </a:effectRef>
-      <a:fontRef idx="minor"/>
-    </dgm:style>
-  </dgm:styleLbl>
-  <dgm:styleLbl name="trBgShp">
-    <dgm:scene3d>
-      <a:camera prst="orthographicFront"/>
-      <a:lightRig rig="threePt" dir="t"/>
-    </dgm:scene3d>
-    <dgm:sp3d/>
-    <dgm:txPr/>
-    <dgm:style>
-      <a:lnRef idx="0">
-        <a:scrgbClr r="0" g="0" b="0"/>
-      </a:lnRef>
-      <a:fillRef idx="1">
-        <a:scrgbClr r="0" g="0" b="0"/>
-      </a:fillRef>
-      <a:effectRef idx="0">
-        <a:scrgbClr r="0" g="0" b="0"/>
-      </a:effectRef>
-      <a:fontRef idx="minor"/>
-    </dgm:style>
-  </dgm:styleLbl>
-  <dgm:styleLbl name="fgShp">
-    <dgm:scene3d>
-      <a:camera prst="orthographicFront"/>
-      <a:lightRig rig="threePt" dir="t"/>
-    </dgm:scene3d>
-    <dgm:sp3d/>
-    <dgm:txPr/>
-    <dgm:style>
-      <a:lnRef idx="0">
-        <a:scrgbClr r="0" g="0" b="0"/>
-      </a:lnRef>
-      <a:fillRef idx="3">
-        <a:scrgbClr r="0" g="0" b="0"/>
-      </a:fillRef>
-      <a:effectRef idx="3">
-        <a:scrgbClr r="0" g="0" b="0"/>
-      </a:effectRef>
-      <a:fontRef idx="minor"/>
-    </dgm:style>
-  </dgm:styleLbl>
-  <dgm:styleLbl name="revTx">
-    <dgm:scene3d>
-      <a:camera prst="orthographicFront"/>
-      <a:lightRig rig="threePt" dir="t"/>
-    </dgm:scene3d>
-    <dgm:sp3d/>
-    <dgm:txPr/>
-    <dgm:style>
-      <a:lnRef idx="0">
-        <a:scrgbClr r="0" g="0" b="0"/>
-      </a:lnRef>
-      <a:fillRef idx="0">
-        <a:scrgbClr r="0" g="0" b="0"/>
-      </a:fillRef>
-      <a:effectRef idx="0">
-        <a:scrgbClr r="0" g="0" b="0"/>
-      </a:effectRef>
-      <a:fontRef idx="minor"/>
-    </dgm:style>
-  </dgm:styleLbl>
-</dgm:styleDef>
 </file>
 
 <file path=ppt/handoutMasters/handoutMaster1.xml><?xml version="1.0" encoding="utf-8"?>
@@ -6014,7 +1189,262 @@
     </p:spTree>
     <p:extLst>
       <p:ext uri="{BB962C8B-B14F-4D97-AF65-F5344CB8AC3E}">
-        <p14:creationId xmlns:p14="http://schemas.microsoft.com/office/powerpoint/2010/main" val="2431355431"/>
+        <p14:creationId xmlns:p14="http://schemas.microsoft.com/office/powerpoint/2010/main" val="3097980518"/>
+      </p:ext>
+    </p:extLst>
+  </p:cSld>
+  <p:clrMapOvr>
+    <a:masterClrMapping/>
+  </p:clrMapOvr>
+</p:notes>
+</file>
+
+<file path=ppt/notesSlides/notesSlide6.xml><?xml version="1.0" encoding="utf-8"?>
+<p:notes xmlns:a="http://schemas.openxmlformats.org/drawingml/2006/main" xmlns:r="http://schemas.openxmlformats.org/officeDocument/2006/relationships" xmlns:p="http://schemas.openxmlformats.org/presentationml/2006/main">
+  <p:cSld>
+    <p:spTree>
+      <p:nvGrpSpPr>
+        <p:cNvPr id="1" name=""/>
+        <p:cNvGrpSpPr/>
+        <p:nvPr/>
+      </p:nvGrpSpPr>
+      <p:grpSpPr>
+        <a:xfrm>
+          <a:off x="0" y="0"/>
+          <a:ext cx="0" cy="0"/>
+          <a:chOff x="0" y="0"/>
+          <a:chExt cx="0" cy="0"/>
+        </a:xfrm>
+      </p:grpSpPr>
+      <p:sp>
+        <p:nvSpPr>
+          <p:cNvPr id="2" name="Espace réservé d’image de diapositive 1"/>
+          <p:cNvSpPr>
+            <a:spLocks noGrp="1" noRot="1" noChangeAspect="1"/>
+          </p:cNvSpPr>
+          <p:nvPr>
+            <p:ph type="sldImg"/>
+          </p:nvPr>
+        </p:nvSpPr>
+        <p:spPr/>
+      </p:sp>
+      <p:sp>
+        <p:nvSpPr>
+          <p:cNvPr id="3" name="Espace réservé des notes 2"/>
+          <p:cNvSpPr>
+            <a:spLocks noGrp="1"/>
+          </p:cNvSpPr>
+          <p:nvPr>
+            <p:ph type="body" idx="1"/>
+          </p:nvPr>
+        </p:nvSpPr>
+        <p:spPr/>
+        <p:txBody>
+          <a:bodyPr/>
+          <a:lstStyle/>
+          <a:p>
+            <a:endParaRPr lang="fr-FR" dirty="0"/>
+          </a:p>
+        </p:txBody>
+      </p:sp>
+      <p:sp>
+        <p:nvSpPr>
+          <p:cNvPr id="4" name="Espace réservé du numéro de diapositive 3"/>
+          <p:cNvSpPr>
+            <a:spLocks noGrp="1"/>
+          </p:cNvSpPr>
+          <p:nvPr>
+            <p:ph type="sldNum" sz="quarter" idx="10"/>
+          </p:nvPr>
+        </p:nvSpPr>
+        <p:spPr/>
+        <p:txBody>
+          <a:bodyPr/>
+          <a:lstStyle/>
+          <a:p>
+            <a:pPr rtl="0"/>
+            <a:fld id="{F93199CD-3E1B-4AE6-990F-76F925F5EA9F}" type="slidenum">
+              <a:rPr lang="fr-FR" smtClean="0"/>
+              <a:t>6</a:t>
+            </a:fld>
+            <a:endParaRPr lang="fr-FR" dirty="0"/>
+          </a:p>
+        </p:txBody>
+      </p:sp>
+    </p:spTree>
+    <p:extLst>
+      <p:ext uri="{BB962C8B-B14F-4D97-AF65-F5344CB8AC3E}">
+        <p14:creationId xmlns:p14="http://schemas.microsoft.com/office/powerpoint/2010/main" val="2545620953"/>
+      </p:ext>
+    </p:extLst>
+  </p:cSld>
+  <p:clrMapOvr>
+    <a:masterClrMapping/>
+  </p:clrMapOvr>
+</p:notes>
+</file>
+
+<file path=ppt/notesSlides/notesSlide7.xml><?xml version="1.0" encoding="utf-8"?>
+<p:notes xmlns:a="http://schemas.openxmlformats.org/drawingml/2006/main" xmlns:r="http://schemas.openxmlformats.org/officeDocument/2006/relationships" xmlns:p="http://schemas.openxmlformats.org/presentationml/2006/main">
+  <p:cSld>
+    <p:spTree>
+      <p:nvGrpSpPr>
+        <p:cNvPr id="1" name=""/>
+        <p:cNvGrpSpPr/>
+        <p:nvPr/>
+      </p:nvGrpSpPr>
+      <p:grpSpPr>
+        <a:xfrm>
+          <a:off x="0" y="0"/>
+          <a:ext cx="0" cy="0"/>
+          <a:chOff x="0" y="0"/>
+          <a:chExt cx="0" cy="0"/>
+        </a:xfrm>
+      </p:grpSpPr>
+      <p:sp>
+        <p:nvSpPr>
+          <p:cNvPr id="2" name="Espace réservé d’image de diapositive 1"/>
+          <p:cNvSpPr>
+            <a:spLocks noGrp="1" noRot="1" noChangeAspect="1"/>
+          </p:cNvSpPr>
+          <p:nvPr>
+            <p:ph type="sldImg"/>
+          </p:nvPr>
+        </p:nvSpPr>
+        <p:spPr/>
+      </p:sp>
+      <p:sp>
+        <p:nvSpPr>
+          <p:cNvPr id="3" name="Espace réservé des notes 2"/>
+          <p:cNvSpPr>
+            <a:spLocks noGrp="1"/>
+          </p:cNvSpPr>
+          <p:nvPr>
+            <p:ph type="body" idx="1"/>
+          </p:nvPr>
+        </p:nvSpPr>
+        <p:spPr/>
+        <p:txBody>
+          <a:bodyPr/>
+          <a:lstStyle/>
+          <a:p>
+            <a:endParaRPr lang="fr-FR" dirty="0"/>
+          </a:p>
+        </p:txBody>
+      </p:sp>
+      <p:sp>
+        <p:nvSpPr>
+          <p:cNvPr id="4" name="Espace réservé du numéro de diapositive 3"/>
+          <p:cNvSpPr>
+            <a:spLocks noGrp="1"/>
+          </p:cNvSpPr>
+          <p:nvPr>
+            <p:ph type="sldNum" sz="quarter" idx="10"/>
+          </p:nvPr>
+        </p:nvSpPr>
+        <p:spPr/>
+        <p:txBody>
+          <a:bodyPr/>
+          <a:lstStyle/>
+          <a:p>
+            <a:pPr rtl="0"/>
+            <a:fld id="{F93199CD-3E1B-4AE6-990F-76F925F5EA9F}" type="slidenum">
+              <a:rPr lang="fr-FR" smtClean="0"/>
+              <a:t>7</a:t>
+            </a:fld>
+            <a:endParaRPr lang="fr-FR" dirty="0"/>
+          </a:p>
+        </p:txBody>
+      </p:sp>
+    </p:spTree>
+    <p:extLst>
+      <p:ext uri="{BB962C8B-B14F-4D97-AF65-F5344CB8AC3E}">
+        <p14:creationId xmlns:p14="http://schemas.microsoft.com/office/powerpoint/2010/main" val="3382611344"/>
+      </p:ext>
+    </p:extLst>
+  </p:cSld>
+  <p:clrMapOvr>
+    <a:masterClrMapping/>
+  </p:clrMapOvr>
+</p:notes>
+</file>
+
+<file path=ppt/notesSlides/notesSlide8.xml><?xml version="1.0" encoding="utf-8"?>
+<p:notes xmlns:a="http://schemas.openxmlformats.org/drawingml/2006/main" xmlns:r="http://schemas.openxmlformats.org/officeDocument/2006/relationships" xmlns:p="http://schemas.openxmlformats.org/presentationml/2006/main">
+  <p:cSld>
+    <p:spTree>
+      <p:nvGrpSpPr>
+        <p:cNvPr id="1" name=""/>
+        <p:cNvGrpSpPr/>
+        <p:nvPr/>
+      </p:nvGrpSpPr>
+      <p:grpSpPr>
+        <a:xfrm>
+          <a:off x="0" y="0"/>
+          <a:ext cx="0" cy="0"/>
+          <a:chOff x="0" y="0"/>
+          <a:chExt cx="0" cy="0"/>
+        </a:xfrm>
+      </p:grpSpPr>
+      <p:sp>
+        <p:nvSpPr>
+          <p:cNvPr id="2" name="Espace réservé d’image de diapositive 1"/>
+          <p:cNvSpPr>
+            <a:spLocks noGrp="1" noRot="1" noChangeAspect="1"/>
+          </p:cNvSpPr>
+          <p:nvPr>
+            <p:ph type="sldImg"/>
+          </p:nvPr>
+        </p:nvSpPr>
+        <p:spPr/>
+      </p:sp>
+      <p:sp>
+        <p:nvSpPr>
+          <p:cNvPr id="3" name="Espace réservé des notes 2"/>
+          <p:cNvSpPr>
+            <a:spLocks noGrp="1"/>
+          </p:cNvSpPr>
+          <p:nvPr>
+            <p:ph type="body" idx="1"/>
+          </p:nvPr>
+        </p:nvSpPr>
+        <p:spPr/>
+        <p:txBody>
+          <a:bodyPr/>
+          <a:lstStyle/>
+          <a:p>
+            <a:endParaRPr lang="fr-FR" dirty="0"/>
+          </a:p>
+        </p:txBody>
+      </p:sp>
+      <p:sp>
+        <p:nvSpPr>
+          <p:cNvPr id="4" name="Espace réservé du numéro de diapositive 3"/>
+          <p:cNvSpPr>
+            <a:spLocks noGrp="1"/>
+          </p:cNvSpPr>
+          <p:nvPr>
+            <p:ph type="sldNum" sz="quarter" idx="10"/>
+          </p:nvPr>
+        </p:nvSpPr>
+        <p:spPr/>
+        <p:txBody>
+          <a:bodyPr/>
+          <a:lstStyle/>
+          <a:p>
+            <a:pPr rtl="0"/>
+            <a:fld id="{F93199CD-3E1B-4AE6-990F-76F925F5EA9F}" type="slidenum">
+              <a:rPr lang="fr-FR" smtClean="0"/>
+              <a:t>8</a:t>
+            </a:fld>
+            <a:endParaRPr lang="fr-FR" dirty="0"/>
+          </a:p>
+        </p:txBody>
+      </p:sp>
+    </p:spTree>
+    <p:extLst>
+      <p:ext uri="{BB962C8B-B14F-4D97-AF65-F5344CB8AC3E}">
+        <p14:creationId xmlns:p14="http://schemas.microsoft.com/office/powerpoint/2010/main" val="2824073808"/>
       </p:ext>
     </p:extLst>
   </p:cSld>
@@ -9888,17 +5318,9 @@
   <p:cSld>
     <p:bg>
       <p:bgPr>
-        <a:pattFill prst="zigZag">
-          <a:fgClr>
-            <a:schemeClr val="bg1"/>
-          </a:fgClr>
-          <a:bgClr>
-            <a:schemeClr val="bg1">
-              <a:lumMod val="65000"/>
-              <a:lumOff val="35000"/>
-            </a:schemeClr>
-          </a:bgClr>
-        </a:pattFill>
+        <a:solidFill>
+          <a:srgbClr val="34473D"/>
+        </a:solidFill>
         <a:effectLst/>
       </p:bgPr>
     </p:bg>
@@ -10038,16 +5460,9 @@
   <p:cSld>
     <p:bg>
       <p:bgPr>
-        <a:blipFill dpi="0" rotWithShape="1">
-          <a:blip r:embed="rId3">
-            <a:alphaModFix amt="66000"/>
-            <a:lum/>
-          </a:blip>
-          <a:srcRect/>
-          <a:stretch>
-            <a:fillRect l="-30000" r="-30000"/>
-          </a:stretch>
-        </a:blipFill>
+        <a:solidFill>
+          <a:srgbClr val="34473D"/>
+        </a:solidFill>
         <a:effectLst/>
       </p:bgPr>
     </p:bg>
@@ -10091,14 +5506,14 @@
             <a:r>
               <a:rPr lang="fr-FR" sz="4400" dirty="0" smtClean="0">
                 <a:solidFill>
-                  <a:schemeClr val="tx1"/>
+                  <a:srgbClr val="87A896"/>
                 </a:solidFill>
               </a:rPr>
               <a:t>TABLES DES MATIÈRES</a:t>
             </a:r>
             <a:endParaRPr lang="fr-FR" sz="4400" dirty="0">
               <a:solidFill>
-                <a:schemeClr val="tx1"/>
+                <a:srgbClr val="87A896"/>
               </a:solidFill>
             </a:endParaRPr>
           </a:p>
@@ -10128,81 +5543,137 @@
           <a:lstStyle/>
           <a:p>
             <a:r>
-              <a:rPr lang="fr-CH" b="1" dirty="0"/>
+              <a:rPr lang="fr-CH" b="1" dirty="0">
+                <a:solidFill>
+                  <a:srgbClr val="87A896"/>
+                </a:solidFill>
+              </a:rPr>
               <a:t>Serveur de fichiers </a:t>
             </a:r>
             <a:r>
-              <a:rPr lang="fr-CH" b="1" dirty="0" smtClean="0"/>
+              <a:rPr lang="fr-CH" b="1" dirty="0" smtClean="0">
+                <a:solidFill>
+                  <a:srgbClr val="87A896"/>
+                </a:solidFill>
+              </a:rPr>
               <a:t>:</a:t>
             </a:r>
-            <a:endParaRPr lang="fr-CH" b="1" dirty="0"/>
+            <a:endParaRPr lang="fr-CH" b="1" dirty="0">
+              <a:solidFill>
+                <a:srgbClr val="87A896"/>
+              </a:solidFill>
+            </a:endParaRPr>
           </a:p>
           <a:p>
             <a:pPr lvl="1"/>
             <a:r>
-              <a:rPr lang="fr-CH" b="1" dirty="0"/>
+              <a:rPr lang="fr-CH" b="1" dirty="0">
+                <a:solidFill>
+                  <a:srgbClr val="87A896"/>
+                </a:solidFill>
+              </a:rPr>
               <a:t>Arborescences</a:t>
             </a:r>
           </a:p>
           <a:p>
             <a:pPr lvl="1"/>
             <a:r>
-              <a:rPr lang="fr-CH" b="1" dirty="0"/>
+              <a:rPr lang="fr-CH" b="1" dirty="0">
+                <a:solidFill>
+                  <a:srgbClr val="87A896"/>
+                </a:solidFill>
+              </a:rPr>
               <a:t>Explication des partages</a:t>
             </a:r>
           </a:p>
           <a:p>
             <a:pPr lvl="2"/>
             <a:r>
-              <a:rPr lang="fr-CH" b="1" dirty="0"/>
+              <a:rPr lang="fr-CH" b="1" dirty="0">
+                <a:solidFill>
+                  <a:srgbClr val="87A896"/>
+                </a:solidFill>
+              </a:rPr>
               <a:t>Type de droit</a:t>
             </a:r>
           </a:p>
           <a:p>
             <a:pPr lvl="2"/>
             <a:r>
-              <a:rPr lang="fr-CH" b="1" dirty="0"/>
+              <a:rPr lang="fr-CH" b="1" dirty="0">
+                <a:solidFill>
+                  <a:srgbClr val="87A896"/>
+                </a:solidFill>
+              </a:rPr>
               <a:t>Partage avancé</a:t>
             </a:r>
           </a:p>
           <a:p>
             <a:pPr lvl="1"/>
             <a:r>
-              <a:rPr lang="fr-CH" b="1" dirty="0"/>
+              <a:rPr lang="fr-CH" b="1" dirty="0">
+                <a:solidFill>
+                  <a:srgbClr val="87A896"/>
+                </a:solidFill>
+              </a:rPr>
               <a:t>Explication des droits NTFS</a:t>
             </a:r>
           </a:p>
           <a:p>
             <a:pPr lvl="2"/>
             <a:r>
-              <a:rPr lang="fr-CH" b="1" dirty="0"/>
+              <a:rPr lang="fr-CH" b="1" dirty="0">
+                <a:solidFill>
+                  <a:srgbClr val="87A896"/>
+                </a:solidFill>
+              </a:rPr>
               <a:t>Type de droit</a:t>
             </a:r>
           </a:p>
           <a:p>
             <a:r>
-              <a:rPr lang="fr-CH" b="1" dirty="0"/>
+              <a:rPr lang="fr-CH" b="1" dirty="0">
+                <a:solidFill>
+                  <a:srgbClr val="87A896"/>
+                </a:solidFill>
+              </a:rPr>
               <a:t>Serveur d'impression :</a:t>
             </a:r>
           </a:p>
           <a:p>
             <a:pPr lvl="1"/>
             <a:r>
-              <a:rPr lang="fr-CH" b="1" dirty="0"/>
+              <a:rPr lang="fr-CH" b="1" dirty="0">
+                <a:solidFill>
+                  <a:srgbClr val="87A896"/>
+                </a:solidFill>
+              </a:rPr>
               <a:t>Différence entre serveur d'impression et imprimante réseau standard</a:t>
             </a:r>
           </a:p>
           <a:p>
             <a:pPr lvl="1"/>
             <a:r>
-              <a:rPr lang="fr-CH" b="1" dirty="0"/>
+              <a:rPr lang="fr-CH" b="1" dirty="0">
+                <a:solidFill>
+                  <a:srgbClr val="87A896"/>
+                </a:solidFill>
+              </a:rPr>
               <a:t>Files </a:t>
             </a:r>
             <a:r>
-              <a:rPr lang="fr-CH" b="1" dirty="0" smtClean="0"/>
+              <a:rPr lang="fr-CH" b="1" dirty="0" smtClean="0">
+                <a:solidFill>
+                  <a:srgbClr val="87A896"/>
+                </a:solidFill>
+              </a:rPr>
               <a:t>d'impression</a:t>
             </a:r>
-            <a:endParaRPr lang="fr-CH" b="1" dirty="0"/>
+            <a:endParaRPr lang="fr-CH" b="1" dirty="0">
+              <a:solidFill>
+                <a:srgbClr val="87A896"/>
+              </a:solidFill>
+            </a:endParaRPr>
           </a:p>
         </p:txBody>
       </p:sp>
@@ -10237,6 +5708,14 @@
 <file path=ppt/slides/slide3.xml><?xml version="1.0" encoding="utf-8"?>
 <p:sld xmlns:a="http://schemas.openxmlformats.org/drawingml/2006/main" xmlns:r="http://schemas.openxmlformats.org/officeDocument/2006/relationships" xmlns:p="http://schemas.openxmlformats.org/presentationml/2006/main">
   <p:cSld>
+    <p:bg>
+      <p:bgPr>
+        <a:solidFill>
+          <a:srgbClr val="34473D"/>
+        </a:solidFill>
+        <a:effectLst/>
+      </p:bgPr>
+    </p:bg>
     <p:spTree>
       <p:nvGrpSpPr>
         <p:cNvPr id="1" name=""/>
@@ -10261,44 +5740,35 @@
             <p:ph type="title"/>
           </p:nvPr>
         </p:nvSpPr>
-        <p:spPr/>
-        <p:txBody>
-          <a:bodyPr rtlCol="0"/>
+        <p:spPr>
+          <a:xfrm>
+            <a:off x="1485900" y="1988840"/>
+            <a:ext cx="9601201" cy="2514600"/>
+          </a:xfrm>
+        </p:spPr>
+        <p:txBody>
+          <a:bodyPr rtlCol="0" anchor="ctr">
+            <a:noAutofit/>
+          </a:bodyPr>
           <a:lstStyle/>
           <a:p>
-            <a:pPr rtl="0"/>
-            <a:r>
-              <a:rPr lang="fr-FR" dirty="0"/>
-              <a:t>Disposition Titre et contenu avec graphique</a:t>
-            </a:r>
-          </a:p>
-        </p:txBody>
-      </p:sp>
-      <p:graphicFrame>
-        <p:nvGraphicFramePr>
-          <p:cNvPr id="6" name="Espace réservé du contenu 5" descr="Histogramme groupé représentant&#10;un graphique combiné de 2 séries et 1 ligne pour 4 catégories"/>
-          <p:cNvGraphicFramePr>
-            <a:graphicFrameLocks noGrp="1"/>
-          </p:cNvGraphicFramePr>
-          <p:nvPr>
-            <p:ph idx="1"/>
-            <p:extLst>
-              <p:ext uri="{D42A27DB-BD31-4B8C-83A1-F6EECF244321}">
-                <p14:modId xmlns:p14="http://schemas.microsoft.com/office/powerpoint/2010/main" val="3056983164"/>
-              </p:ext>
-            </p:extLst>
-          </p:nvPr>
-        </p:nvGraphicFramePr>
-        <p:xfrm>
-          <a:off x="1522413" y="1905000"/>
-          <a:ext cx="9134475" cy="4114800"/>
-        </p:xfrm>
-        <a:graphic>
-          <a:graphicData uri="http://schemas.openxmlformats.org/drawingml/2006/chart">
-            <c:chart xmlns:c="http://schemas.openxmlformats.org/drawingml/2006/chart" xmlns:r="http://schemas.openxmlformats.org/officeDocument/2006/relationships" r:id="rId3"/>
-          </a:graphicData>
-        </a:graphic>
-      </p:graphicFrame>
+            <a:pPr algn="ctr" rtl="0"/>
+            <a:r>
+              <a:rPr lang="fr-FR" sz="6600" dirty="0" smtClean="0">
+                <a:solidFill>
+                  <a:srgbClr val="87A896"/>
+                </a:solidFill>
+              </a:rPr>
+              <a:t>SERVEURS DE FICHIERS</a:t>
+            </a:r>
+            <a:endParaRPr lang="fr-FR" sz="6600" dirty="0">
+              <a:solidFill>
+                <a:srgbClr val="87A896"/>
+              </a:solidFill>
+            </a:endParaRPr>
+          </a:p>
+        </p:txBody>
+      </p:sp>
     </p:spTree>
     <p:extLst>
       <p:ext uri="{BB962C8B-B14F-4D97-AF65-F5344CB8AC3E}">
@@ -10334,6 +5804,16 @@
 <file path=ppt/slides/slide4.xml><?xml version="1.0" encoding="utf-8"?>
 <p:sld xmlns:a="http://schemas.openxmlformats.org/drawingml/2006/main" xmlns:r="http://schemas.openxmlformats.org/officeDocument/2006/relationships" xmlns:p="http://schemas.openxmlformats.org/presentationml/2006/main">
   <p:cSld>
+    <p:bg>
+      <p:bgPr>
+        <a:solidFill>
+          <a:schemeClr val="bg2">
+            <a:lumMod val="75000"/>
+          </a:schemeClr>
+        </a:solidFill>
+        <a:effectLst/>
+      </p:bgPr>
+    </p:bg>
     <p:spTree>
       <p:nvGrpSpPr>
         <p:cNvPr id="1" name=""/>
@@ -10350,7 +5830,78 @@
       </p:grpSpPr>
       <p:sp>
         <p:nvSpPr>
-          <p:cNvPr id="2" name="Titre 1"/>
+          <p:cNvPr id="5" name="Titre 12"/>
+          <p:cNvSpPr txBox="1">
+            <a:spLocks/>
+          </p:cNvSpPr>
+          <p:nvPr/>
+        </p:nvSpPr>
+        <p:spPr>
+          <a:xfrm>
+            <a:off x="2208212" y="685800"/>
+            <a:ext cx="7772401" cy="875928"/>
+          </a:xfrm>
+          <a:prstGeom prst="rect">
+            <a:avLst/>
+          </a:prstGeom>
+          <a:solidFill>
+            <a:schemeClr val="bg2">
+              <a:lumMod val="75000"/>
+            </a:schemeClr>
+          </a:solidFill>
+          <a:ln>
+            <a:noFill/>
+          </a:ln>
+        </p:spPr>
+        <p:txBody>
+          <a:bodyPr vert="horz" lIns="91440" tIns="45720" rIns="91440" bIns="45720" rtlCol="0" anchor="ctr">
+            <a:noAutofit/>
+          </a:bodyPr>
+          <a:lstStyle>
+            <a:lvl1pPr algn="l" defTabSz="914400" rtl="0" eaLnBrk="1" latinLnBrk="0" hangingPunct="1">
+              <a:lnSpc>
+                <a:spcPct val="90000"/>
+              </a:lnSpc>
+              <a:spcBef>
+                <a:spcPct val="0"/>
+              </a:spcBef>
+              <a:buNone/>
+              <a:defRPr sz="3600" b="1" kern="1200" cap="none" spc="0" baseline="0">
+                <a:ln w="9525">
+                  <a:noFill/>
+                  <a:prstDash val="solid"/>
+                </a:ln>
+                <a:solidFill>
+                  <a:schemeClr val="accent5"/>
+                </a:solidFill>
+                <a:effectLst/>
+                <a:latin typeface="+mj-lt"/>
+                <a:ea typeface="+mj-ea"/>
+                <a:cs typeface="+mj-cs"/>
+              </a:defRPr>
+            </a:lvl1pPr>
+          </a:lstStyle>
+          <a:p>
+            <a:pPr algn="ctr"/>
+            <a:r>
+              <a:rPr lang="fr-FR" sz="6600" dirty="0" smtClean="0">
+                <a:solidFill>
+                  <a:srgbClr val="87A896"/>
+                </a:solidFill>
+              </a:rPr>
+              <a:t>ARBORESCENCES</a:t>
+            </a:r>
+            <a:endParaRPr lang="fr-FR" sz="6600" dirty="0">
+              <a:solidFill>
+                <a:srgbClr val="87A896"/>
+              </a:solidFill>
+            </a:endParaRPr>
+          </a:p>
+        </p:txBody>
+      </p:sp>
+      <p:sp>
+        <p:nvSpPr>
+          <p:cNvPr id="8" name="Titre 12"/>
           <p:cNvSpPr>
             <a:spLocks noGrp="1"/>
           </p:cNvSpPr>
@@ -10358,304 +5909,104 @@
             <p:ph type="title"/>
           </p:nvPr>
         </p:nvSpPr>
-        <p:spPr/>
-        <p:txBody>
-          <a:bodyPr rtlCol="0"/>
+        <p:spPr>
+          <a:xfrm>
+            <a:off x="9118748" y="6453336"/>
+            <a:ext cx="2904457" cy="216024"/>
+          </a:xfrm>
+          <a:solidFill>
+            <a:srgbClr val="B6CABF"/>
+          </a:solidFill>
+        </p:spPr>
+        <p:txBody>
+          <a:bodyPr rtlCol="0" anchor="ctr">
+            <a:noAutofit/>
+          </a:bodyPr>
           <a:lstStyle/>
           <a:p>
-            <a:pPr rtl="0"/>
-            <a:r>
-              <a:rPr lang="fr-FR" dirty="0"/>
-              <a:t>Disposition Deux contenus avec tableau</a:t>
-            </a:r>
-          </a:p>
-        </p:txBody>
-      </p:sp>
-      <p:sp>
-        <p:nvSpPr>
-          <p:cNvPr id="3" name="Espace réservé du contenu 2"/>
-          <p:cNvSpPr>
-            <a:spLocks noGrp="1"/>
-          </p:cNvSpPr>
-          <p:nvPr>
-            <p:ph sz="half" idx="1"/>
-          </p:nvPr>
-        </p:nvSpPr>
-        <p:spPr/>
-        <p:txBody>
-          <a:bodyPr rtlCol="0"/>
+            <a:pPr algn="ctr" rtl="0"/>
+            <a:r>
+              <a:rPr lang="fr-FR" sz="1800" dirty="0" smtClean="0">
+                <a:solidFill>
+                  <a:srgbClr val="87A896"/>
+                </a:solidFill>
+              </a:rPr>
+              <a:t>SERVEURS DE FICHIERS</a:t>
+            </a:r>
+            <a:endParaRPr lang="fr-FR" sz="1800" dirty="0">
+              <a:solidFill>
+                <a:srgbClr val="87A896"/>
+              </a:solidFill>
+            </a:endParaRPr>
+          </a:p>
+        </p:txBody>
+      </p:sp>
+      <p:pic>
+        <p:nvPicPr>
+          <p:cNvPr id="7" name="Image 6"/>
+          <p:cNvPicPr>
+            <a:picLocks noChangeAspect="1"/>
+          </p:cNvPicPr>
+          <p:nvPr/>
+        </p:nvPicPr>
+        <p:blipFill>
+          <a:blip r:embed="rId3">
+            <a:extLst>
+              <a:ext uri="{28A0092B-C50C-407E-A947-70E740481C1C}">
+                <a14:useLocalDpi xmlns:a14="http://schemas.microsoft.com/office/drawing/2010/main" val="0"/>
+              </a:ext>
+            </a:extLst>
+          </a:blip>
+          <a:stretch>
+            <a:fillRect/>
+          </a:stretch>
+        </p:blipFill>
+        <p:spPr>
+          <a:xfrm>
+            <a:off x="549796" y="2204864"/>
+            <a:ext cx="3312368" cy="3960440"/>
+          </a:xfrm>
+          <a:prstGeom prst="rect">
+            <a:avLst/>
+          </a:prstGeom>
+        </p:spPr>
+      </p:pic>
+      <p:sp>
+        <p:nvSpPr>
+          <p:cNvPr id="10" name="ZoneTexte 9"/>
+          <p:cNvSpPr txBox="1"/>
+          <p:nvPr/>
+        </p:nvSpPr>
+        <p:spPr>
+          <a:xfrm>
+            <a:off x="4582244" y="3645024"/>
+            <a:ext cx="6552728" cy="369332"/>
+          </a:xfrm>
+          <a:prstGeom prst="rect">
+            <a:avLst/>
+          </a:prstGeom>
+          <a:noFill/>
+          <a:ln>
+            <a:solidFill>
+              <a:schemeClr val="bg2"/>
+            </a:solidFill>
+          </a:ln>
+        </p:spPr>
+        <p:txBody>
+          <a:bodyPr wrap="square" rtlCol="0" anchor="ctr" anchorCtr="1">
+            <a:spAutoFit/>
+          </a:bodyPr>
           <a:lstStyle/>
           <a:p>
-            <a:pPr rtl="0"/>
-            <a:r>
-              <a:rPr lang="fr-FR" dirty="0"/>
-              <a:t>Premier point ici</a:t>
-            </a:r>
-          </a:p>
-          <a:p>
-            <a:pPr rtl="0"/>
-            <a:r>
-              <a:rPr lang="fr-FR" dirty="0"/>
-              <a:t>Deuxième point ici</a:t>
-            </a:r>
-          </a:p>
-          <a:p>
-            <a:pPr rtl="0"/>
-            <a:r>
-              <a:rPr lang="fr-FR" dirty="0"/>
-              <a:t>Troisième point ici</a:t>
-            </a:r>
-          </a:p>
-        </p:txBody>
-      </p:sp>
-      <p:graphicFrame>
-        <p:nvGraphicFramePr>
-          <p:cNvPr id="9" name="Espace réservé du contenu 8"/>
-          <p:cNvGraphicFramePr>
-            <a:graphicFrameLocks noGrp="1"/>
-          </p:cNvGraphicFramePr>
-          <p:nvPr>
-            <p:ph sz="half" idx="2"/>
-            <p:extLst>
-              <p:ext uri="{D42A27DB-BD31-4B8C-83A1-F6EECF244321}">
-                <p14:modId xmlns:p14="http://schemas.microsoft.com/office/powerpoint/2010/main" val="880433575"/>
-              </p:ext>
-            </p:extLst>
-          </p:nvPr>
-        </p:nvGraphicFramePr>
-        <p:xfrm>
-          <a:off x="6229350" y="1905000"/>
-          <a:ext cx="4419600" cy="2057400"/>
-        </p:xfrm>
-        <a:graphic>
-          <a:graphicData uri="http://schemas.openxmlformats.org/drawingml/2006/table">
-            <a:tbl>
-              <a:tblPr firstRow="1" bandRow="1">
-                <a:tableStyleId>{8A107856-5554-42FB-B03E-39F5DBC370BA}</a:tableStyleId>
-              </a:tblPr>
-              <a:tblGrid>
-                <a:gridCol w="1473200">
-                  <a:extLst>
-                    <a:ext uri="{9D8B030D-6E8A-4147-A177-3AD203B41FA5}">
-                      <a16:colId xmlns:a16="http://schemas.microsoft.com/office/drawing/2014/main" val="20000"/>
-                    </a:ext>
-                  </a:extLst>
-                </a:gridCol>
-                <a:gridCol w="1473200">
-                  <a:extLst>
-                    <a:ext uri="{9D8B030D-6E8A-4147-A177-3AD203B41FA5}">
-                      <a16:colId xmlns:a16="http://schemas.microsoft.com/office/drawing/2014/main" val="20001"/>
-                    </a:ext>
-                  </a:extLst>
-                </a:gridCol>
-                <a:gridCol w="1473200">
-                  <a:extLst>
-                    <a:ext uri="{9D8B030D-6E8A-4147-A177-3AD203B41FA5}">
-                      <a16:colId xmlns:a16="http://schemas.microsoft.com/office/drawing/2014/main" val="20002"/>
-                    </a:ext>
-                  </a:extLst>
-                </a:gridCol>
-              </a:tblGrid>
-              <a:tr h="514350">
-                <a:tc>
-                  <a:txBody>
-                    <a:bodyPr/>
-                    <a:lstStyle/>
-                    <a:p>
-                      <a:pPr rtl="0"/>
-                      <a:r>
-                        <a:rPr lang="fr-FR" noProof="0" dirty="0"/>
-                        <a:t>Cours</a:t>
-                      </a:r>
-                    </a:p>
-                  </a:txBody>
-                  <a:tcPr anchor="ctr"/>
-                </a:tc>
-                <a:tc>
-                  <a:txBody>
-                    <a:bodyPr/>
-                    <a:lstStyle/>
-                    <a:p>
-                      <a:pPr algn="ctr" rtl="0"/>
-                      <a:r>
-                        <a:rPr lang="fr-FR" noProof="0" dirty="0"/>
-                        <a:t>Groupe 1</a:t>
-                      </a:r>
-                    </a:p>
-                  </a:txBody>
-                  <a:tcPr anchor="ctr"/>
-                </a:tc>
-                <a:tc>
-                  <a:txBody>
-                    <a:bodyPr/>
-                    <a:lstStyle/>
-                    <a:p>
-                      <a:pPr algn="ctr" rtl="0"/>
-                      <a:r>
-                        <a:rPr lang="fr-FR" noProof="0" dirty="0"/>
-                        <a:t>Groupe 2</a:t>
-                      </a:r>
-                    </a:p>
-                  </a:txBody>
-                  <a:tcPr anchor="ctr"/>
-                </a:tc>
-                <a:extLst>
-                  <a:ext uri="{0D108BD9-81ED-4DB2-BD59-A6C34878D82A}">
-                    <a16:rowId xmlns:a16="http://schemas.microsoft.com/office/drawing/2014/main" val="10000"/>
-                  </a:ext>
-                </a:extLst>
-              </a:tr>
-              <a:tr h="514350">
-                <a:tc>
-                  <a:txBody>
-                    <a:bodyPr/>
-                    <a:lstStyle/>
-                    <a:p>
-                      <a:pPr rtl="0"/>
-                      <a:r>
-                        <a:rPr lang="fr-FR" noProof="0" dirty="0"/>
-                        <a:t>Cours 1</a:t>
-                      </a:r>
-                    </a:p>
-                  </a:txBody>
-                  <a:tcPr anchor="ctr"/>
-                </a:tc>
-                <a:tc>
-                  <a:txBody>
-                    <a:bodyPr/>
-                    <a:lstStyle/>
-                    <a:p>
-                      <a:pPr algn="ctr" rtl="0"/>
-                      <a:r>
-                        <a:rPr lang="fr-FR" noProof="0" dirty="0"/>
-                        <a:t>82</a:t>
-                      </a:r>
-                    </a:p>
-                  </a:txBody>
-                  <a:tcPr anchor="ctr"/>
-                </a:tc>
-                <a:tc>
-                  <a:txBody>
-                    <a:bodyPr/>
-                    <a:lstStyle/>
-                    <a:p>
-                      <a:pPr algn="ctr" rtl="0"/>
-                      <a:r>
-                        <a:rPr lang="fr-FR" noProof="0" dirty="0"/>
-                        <a:t>95</a:t>
-                      </a:r>
-                    </a:p>
-                  </a:txBody>
-                  <a:tcPr anchor="ctr"/>
-                </a:tc>
-                <a:extLst>
-                  <a:ext uri="{0D108BD9-81ED-4DB2-BD59-A6C34878D82A}">
-                    <a16:rowId xmlns:a16="http://schemas.microsoft.com/office/drawing/2014/main" val="10001"/>
-                  </a:ext>
-                </a:extLst>
-              </a:tr>
-              <a:tr h="514350">
-                <a:tc>
-                  <a:txBody>
-                    <a:bodyPr/>
-                    <a:lstStyle/>
-                    <a:p>
-                      <a:pPr rtl="0"/>
-                      <a:r>
-                        <a:rPr lang="fr-FR" noProof="0" dirty="0"/>
-                        <a:t>Cours 2</a:t>
-                      </a:r>
-                    </a:p>
-                  </a:txBody>
-                  <a:tcPr anchor="ctr"/>
-                </a:tc>
-                <a:tc>
-                  <a:txBody>
-                    <a:bodyPr/>
-                    <a:lstStyle/>
-                    <a:p>
-                      <a:pPr algn="ctr" rtl="0"/>
-                      <a:r>
-                        <a:rPr lang="fr-FR" noProof="0" dirty="0"/>
-                        <a:t>76</a:t>
-                      </a:r>
-                    </a:p>
-                  </a:txBody>
-                  <a:tcPr anchor="ctr"/>
-                </a:tc>
-                <a:tc>
-                  <a:txBody>
-                    <a:bodyPr/>
-                    <a:lstStyle/>
-                    <a:p>
-                      <a:pPr algn="ctr" rtl="0"/>
-                      <a:r>
-                        <a:rPr lang="fr-FR" noProof="0" dirty="0"/>
-                        <a:t>88</a:t>
-                      </a:r>
-                    </a:p>
-                  </a:txBody>
-                  <a:tcPr anchor="ctr"/>
-                </a:tc>
-                <a:extLst>
-                  <a:ext uri="{0D108BD9-81ED-4DB2-BD59-A6C34878D82A}">
-                    <a16:rowId xmlns:a16="http://schemas.microsoft.com/office/drawing/2014/main" val="10002"/>
-                  </a:ext>
-                </a:extLst>
-              </a:tr>
-              <a:tr h="514350">
-                <a:tc>
-                  <a:txBody>
-                    <a:bodyPr/>
-                    <a:lstStyle/>
-                    <a:p>
-                      <a:pPr rtl="0"/>
-                      <a:r>
-                        <a:rPr lang="fr-FR" noProof="0" dirty="0"/>
-                        <a:t>Cours 3</a:t>
-                      </a:r>
-                    </a:p>
-                  </a:txBody>
-                  <a:tcPr anchor="ctr"/>
-                </a:tc>
-                <a:tc>
-                  <a:txBody>
-                    <a:bodyPr/>
-                    <a:lstStyle/>
-                    <a:p>
-                      <a:pPr algn="ctr" rtl="0"/>
-                      <a:r>
-                        <a:rPr lang="fr-FR" noProof="0" dirty="0"/>
-                        <a:t>84</a:t>
-                      </a:r>
-                    </a:p>
-                  </a:txBody>
-                  <a:tcPr anchor="ctr"/>
-                </a:tc>
-                <a:tc>
-                  <a:txBody>
-                    <a:bodyPr/>
-                    <a:lstStyle/>
-                    <a:p>
-                      <a:pPr algn="ctr" rtl="0"/>
-                      <a:r>
-                        <a:rPr lang="fr-FR" noProof="0" dirty="0"/>
-                        <a:t>90</a:t>
-                      </a:r>
-                    </a:p>
-                  </a:txBody>
-                  <a:tcPr anchor="ctr"/>
-                </a:tc>
-                <a:extLst>
-                  <a:ext uri="{0D108BD9-81ED-4DB2-BD59-A6C34878D82A}">
-                    <a16:rowId xmlns:a16="http://schemas.microsoft.com/office/drawing/2014/main" val="10003"/>
-                  </a:ext>
-                </a:extLst>
-              </a:tr>
-            </a:tbl>
-          </a:graphicData>
-        </a:graphic>
-      </p:graphicFrame>
+            <a:pPr algn="ctr"/>
+            <a:r>
+              <a:rPr lang="fr-CH" dirty="0" smtClean="0"/>
+              <a:t>BLABLA INSERER ICI </a:t>
+            </a:r>
+            <a:endParaRPr lang="fr-CH" dirty="0" smtClean="0"/>
+          </a:p>
+        </p:txBody>
+      </p:sp>
     </p:spTree>
     <p:extLst>
       <p:ext uri="{BB962C8B-B14F-4D97-AF65-F5344CB8AC3E}">
@@ -10691,6 +6042,16 @@
 <file path=ppt/slides/slide5.xml><?xml version="1.0" encoding="utf-8"?>
 <p:sld xmlns:a="http://schemas.openxmlformats.org/drawingml/2006/main" xmlns:r="http://schemas.openxmlformats.org/officeDocument/2006/relationships" xmlns:p="http://schemas.openxmlformats.org/presentationml/2006/main">
   <p:cSld>
+    <p:bg>
+      <p:bgPr>
+        <a:solidFill>
+          <a:schemeClr val="bg2">
+            <a:lumMod val="75000"/>
+          </a:schemeClr>
+        </a:solidFill>
+        <a:effectLst/>
+      </p:bgPr>
+    </p:bg>
     <p:spTree>
       <p:nvGrpSpPr>
         <p:cNvPr id="1" name=""/>
@@ -10707,7 +6068,73 @@
       </p:grpSpPr>
       <p:sp>
         <p:nvSpPr>
-          <p:cNvPr id="13" name="Titre 12"/>
+          <p:cNvPr id="5" name="Titre 12"/>
+          <p:cNvSpPr txBox="1">
+            <a:spLocks/>
+          </p:cNvSpPr>
+          <p:nvPr/>
+        </p:nvSpPr>
+        <p:spPr>
+          <a:xfrm>
+            <a:off x="2205980" y="836712"/>
+            <a:ext cx="7772401" cy="875928"/>
+          </a:xfrm>
+          <a:prstGeom prst="rect">
+            <a:avLst/>
+          </a:prstGeom>
+          <a:ln>
+            <a:noFill/>
+          </a:ln>
+        </p:spPr>
+        <p:txBody>
+          <a:bodyPr vert="horz" lIns="91440" tIns="45720" rIns="91440" bIns="45720" rtlCol="0" anchor="ctr">
+            <a:noAutofit/>
+          </a:bodyPr>
+          <a:lstStyle>
+            <a:lvl1pPr algn="l" defTabSz="914400" rtl="0" eaLnBrk="1" latinLnBrk="0" hangingPunct="1">
+              <a:lnSpc>
+                <a:spcPct val="90000"/>
+              </a:lnSpc>
+              <a:spcBef>
+                <a:spcPct val="0"/>
+              </a:spcBef>
+              <a:buNone/>
+              <a:defRPr sz="3600" b="1" kern="1200" cap="none" spc="0" baseline="0">
+                <a:ln w="9525">
+                  <a:noFill/>
+                  <a:prstDash val="solid"/>
+                </a:ln>
+                <a:solidFill>
+                  <a:schemeClr val="accent5"/>
+                </a:solidFill>
+                <a:effectLst/>
+                <a:latin typeface="+mj-lt"/>
+                <a:ea typeface="+mj-ea"/>
+                <a:cs typeface="+mj-cs"/>
+              </a:defRPr>
+            </a:lvl1pPr>
+          </a:lstStyle>
+          <a:p>
+            <a:pPr algn="ctr"/>
+            <a:r>
+              <a:rPr lang="fr-FR" sz="6600" dirty="0" smtClean="0">
+                <a:solidFill>
+                  <a:srgbClr val="87A896"/>
+                </a:solidFill>
+              </a:rPr>
+              <a:t>EXPLICATIONS DES PARTAGES</a:t>
+            </a:r>
+            <a:endParaRPr lang="fr-FR" sz="6600" dirty="0">
+              <a:solidFill>
+                <a:srgbClr val="87A896"/>
+              </a:solidFill>
+            </a:endParaRPr>
+          </a:p>
+        </p:txBody>
+      </p:sp>
+      <p:sp>
+        <p:nvSpPr>
+          <p:cNvPr id="8" name="Titre 12"/>
           <p:cNvSpPr>
             <a:spLocks noGrp="1"/>
           </p:cNvSpPr>
@@ -10715,48 +6142,731 @@
             <p:ph type="title"/>
           </p:nvPr>
         </p:nvSpPr>
-        <p:spPr/>
-        <p:txBody>
-          <a:bodyPr rtlCol="0"/>
+        <p:spPr>
+          <a:xfrm>
+            <a:off x="9118748" y="6453336"/>
+            <a:ext cx="2904457" cy="216024"/>
+          </a:xfrm>
+          <a:solidFill>
+            <a:srgbClr val="B6CABF"/>
+          </a:solidFill>
+        </p:spPr>
+        <p:txBody>
+          <a:bodyPr rtlCol="0" anchor="ctr">
+            <a:noAutofit/>
+          </a:bodyPr>
           <a:lstStyle/>
           <a:p>
-            <a:pPr rtl="0"/>
-            <a:r>
-              <a:rPr lang="fr-FR" dirty="0"/>
-              <a:t>Disposition Titre et contenu avec graphique SmartArt</a:t>
-            </a:r>
-          </a:p>
-        </p:txBody>
-      </p:sp>
-      <p:graphicFrame>
-        <p:nvGraphicFramePr>
-          <p:cNvPr id="3" name="Espace réservé du contenu 2" descr="Flux interactif présentant une séquence de 3 étapes dans un processus et les descriptions des tâches associées"/>
-          <p:cNvGraphicFramePr>
-            <a:graphicFrameLocks noGrp="1"/>
-          </p:cNvGraphicFramePr>
-          <p:nvPr>
-            <p:ph idx="1"/>
-            <p:extLst>
-              <p:ext uri="{D42A27DB-BD31-4B8C-83A1-F6EECF244321}">
-                <p14:modId xmlns:p14="http://schemas.microsoft.com/office/powerpoint/2010/main" val="934106437"/>
-              </p:ext>
-            </p:extLst>
-          </p:nvPr>
-        </p:nvGraphicFramePr>
-        <p:xfrm>
-          <a:off x="1522413" y="1905000"/>
-          <a:ext cx="9134475" cy="4114800"/>
-        </p:xfrm>
-        <a:graphic>
-          <a:graphicData uri="http://schemas.openxmlformats.org/drawingml/2006/diagram">
-            <dgm:relIds xmlns:dgm="http://schemas.openxmlformats.org/drawingml/2006/diagram" xmlns:r="http://schemas.openxmlformats.org/officeDocument/2006/relationships" r:dm="rId3" r:lo="rId4" r:qs="rId5" r:cs="rId6"/>
-          </a:graphicData>
-        </a:graphic>
-      </p:graphicFrame>
+            <a:pPr algn="ctr" rtl="0"/>
+            <a:r>
+              <a:rPr lang="fr-FR" sz="1800" dirty="0" smtClean="0">
+                <a:solidFill>
+                  <a:srgbClr val="87A896"/>
+                </a:solidFill>
+              </a:rPr>
+              <a:t>SERVEURS DE FICHIERS</a:t>
+            </a:r>
+            <a:endParaRPr lang="fr-FR" sz="1800" dirty="0">
+              <a:solidFill>
+                <a:srgbClr val="87A896"/>
+              </a:solidFill>
+            </a:endParaRPr>
+          </a:p>
+        </p:txBody>
+      </p:sp>
+      <p:sp>
+        <p:nvSpPr>
+          <p:cNvPr id="10" name="ZoneTexte 9"/>
+          <p:cNvSpPr txBox="1"/>
+          <p:nvPr/>
+        </p:nvSpPr>
+        <p:spPr>
+          <a:xfrm>
+            <a:off x="477788" y="2132856"/>
+            <a:ext cx="2448272" cy="954107"/>
+          </a:xfrm>
+          <a:prstGeom prst="rect">
+            <a:avLst/>
+          </a:prstGeom>
+          <a:noFill/>
+          <a:ln>
+            <a:solidFill>
+              <a:schemeClr val="bg2"/>
+            </a:solidFill>
+          </a:ln>
+        </p:spPr>
+        <p:txBody>
+          <a:bodyPr wrap="square" rtlCol="0" anchor="ctr" anchorCtr="1">
+            <a:spAutoFit/>
+          </a:bodyPr>
+          <a:lstStyle/>
+          <a:p>
+            <a:pPr algn="ctr"/>
+            <a:r>
+              <a:rPr lang="fr-CH" sz="2800" dirty="0" smtClean="0"/>
+              <a:t>TYPE DE DROIT</a:t>
+            </a:r>
+            <a:endParaRPr lang="fr-CH" sz="2800" dirty="0" smtClean="0"/>
+          </a:p>
+        </p:txBody>
+      </p:sp>
+      <p:sp>
+        <p:nvSpPr>
+          <p:cNvPr id="6" name="ZoneTexte 5"/>
+          <p:cNvSpPr txBox="1"/>
+          <p:nvPr/>
+        </p:nvSpPr>
+        <p:spPr>
+          <a:xfrm>
+            <a:off x="8902724" y="2132856"/>
+            <a:ext cx="2448272" cy="954107"/>
+          </a:xfrm>
+          <a:prstGeom prst="rect">
+            <a:avLst/>
+          </a:prstGeom>
+          <a:noFill/>
+          <a:ln>
+            <a:solidFill>
+              <a:schemeClr val="bg2"/>
+            </a:solidFill>
+          </a:ln>
+        </p:spPr>
+        <p:txBody>
+          <a:bodyPr wrap="square" rtlCol="0" anchor="ctr" anchorCtr="1">
+            <a:spAutoFit/>
+          </a:bodyPr>
+          <a:lstStyle/>
+          <a:p>
+            <a:pPr algn="ctr"/>
+            <a:r>
+              <a:rPr lang="fr-CH" sz="2800" dirty="0" smtClean="0"/>
+              <a:t>PARTAGE AVANCÉ</a:t>
+            </a:r>
+            <a:endParaRPr lang="fr-CH" sz="2800" dirty="0" smtClean="0"/>
+          </a:p>
+        </p:txBody>
+      </p:sp>
     </p:spTree>
     <p:extLst>
       <p:ext uri="{BB962C8B-B14F-4D97-AF65-F5344CB8AC3E}">
-        <p14:creationId xmlns:p14="http://schemas.microsoft.com/office/powerpoint/2010/main" val="462238070"/>
+        <p14:creationId xmlns:p14="http://schemas.microsoft.com/office/powerpoint/2010/main" val="678170047"/>
+      </p:ext>
+    </p:extLst>
+  </p:cSld>
+  <p:clrMapOvr>
+    <a:masterClrMapping/>
+  </p:clrMapOvr>
+  <mc:AlternateContent xmlns:mc="http://schemas.openxmlformats.org/markup-compatibility/2006" xmlns:p14="http://schemas.microsoft.com/office/powerpoint/2010/main">
+    <mc:Choice Requires="p14">
+      <p:transition spd="med" p14:dur="700">
+        <p:fade/>
+      </p:transition>
+    </mc:Choice>
+    <mc:Fallback xmlns="">
+      <p:transition spd="med">
+        <p:fade/>
+      </p:transition>
+    </mc:Fallback>
+  </mc:AlternateContent>
+  <p:timing>
+    <p:tnLst>
+      <p:par>
+        <p:cTn id="1" dur="indefinite" restart="never" nodeType="tmRoot"/>
+      </p:par>
+    </p:tnLst>
+  </p:timing>
+</p:sld>
+</file>
+
+<file path=ppt/slides/slide6.xml><?xml version="1.0" encoding="utf-8"?>
+<p:sld xmlns:a="http://schemas.openxmlformats.org/drawingml/2006/main" xmlns:r="http://schemas.openxmlformats.org/officeDocument/2006/relationships" xmlns:p="http://schemas.openxmlformats.org/presentationml/2006/main">
+  <p:cSld>
+    <p:bg>
+      <p:bgPr>
+        <a:solidFill>
+          <a:srgbClr val="34473D"/>
+        </a:solidFill>
+        <a:effectLst/>
+      </p:bgPr>
+    </p:bg>
+    <p:spTree>
+      <p:nvGrpSpPr>
+        <p:cNvPr id="1" name=""/>
+        <p:cNvGrpSpPr/>
+        <p:nvPr/>
+      </p:nvGrpSpPr>
+      <p:grpSpPr>
+        <a:xfrm>
+          <a:off x="0" y="0"/>
+          <a:ext cx="0" cy="0"/>
+          <a:chOff x="0" y="0"/>
+          <a:chExt cx="0" cy="0"/>
+        </a:xfrm>
+      </p:grpSpPr>
+      <p:sp>
+        <p:nvSpPr>
+          <p:cNvPr id="5" name="Titre 12"/>
+          <p:cNvSpPr txBox="1">
+            <a:spLocks/>
+          </p:cNvSpPr>
+          <p:nvPr/>
+        </p:nvSpPr>
+        <p:spPr>
+          <a:xfrm>
+            <a:off x="2205980" y="764704"/>
+            <a:ext cx="7772401" cy="875928"/>
+          </a:xfrm>
+          <a:prstGeom prst="rect">
+            <a:avLst/>
+          </a:prstGeom>
+          <a:ln>
+            <a:noFill/>
+          </a:ln>
+        </p:spPr>
+        <p:txBody>
+          <a:bodyPr vert="horz" lIns="91440" tIns="45720" rIns="91440" bIns="45720" rtlCol="0" anchor="ctr">
+            <a:noAutofit/>
+          </a:bodyPr>
+          <a:lstStyle>
+            <a:lvl1pPr algn="l" defTabSz="914400" rtl="0" eaLnBrk="1" latinLnBrk="0" hangingPunct="1">
+              <a:lnSpc>
+                <a:spcPct val="90000"/>
+              </a:lnSpc>
+              <a:spcBef>
+                <a:spcPct val="0"/>
+              </a:spcBef>
+              <a:buNone/>
+              <a:defRPr sz="3600" b="1" kern="1200" cap="none" spc="0" baseline="0">
+                <a:ln w="9525">
+                  <a:noFill/>
+                  <a:prstDash val="solid"/>
+                </a:ln>
+                <a:solidFill>
+                  <a:schemeClr val="accent5"/>
+                </a:solidFill>
+                <a:effectLst/>
+                <a:latin typeface="+mj-lt"/>
+                <a:ea typeface="+mj-ea"/>
+                <a:cs typeface="+mj-cs"/>
+              </a:defRPr>
+            </a:lvl1pPr>
+          </a:lstStyle>
+          <a:p>
+            <a:pPr algn="ctr"/>
+            <a:r>
+              <a:rPr lang="fr-FR" sz="6600" dirty="0" smtClean="0">
+                <a:solidFill>
+                  <a:srgbClr val="87A896"/>
+                </a:solidFill>
+              </a:rPr>
+              <a:t>EXPLICATIONS DES DROITS NTFS</a:t>
+            </a:r>
+            <a:endParaRPr lang="fr-FR" sz="6600" dirty="0">
+              <a:solidFill>
+                <a:srgbClr val="87A896"/>
+              </a:solidFill>
+            </a:endParaRPr>
+          </a:p>
+        </p:txBody>
+      </p:sp>
+      <p:sp>
+        <p:nvSpPr>
+          <p:cNvPr id="8" name="Titre 12"/>
+          <p:cNvSpPr>
+            <a:spLocks noGrp="1"/>
+          </p:cNvSpPr>
+          <p:nvPr>
+            <p:ph type="title"/>
+          </p:nvPr>
+        </p:nvSpPr>
+        <p:spPr>
+          <a:xfrm>
+            <a:off x="9118748" y="6453336"/>
+            <a:ext cx="2904457" cy="216024"/>
+          </a:xfrm>
+          <a:solidFill>
+            <a:srgbClr val="B6CABF"/>
+          </a:solidFill>
+        </p:spPr>
+        <p:txBody>
+          <a:bodyPr rtlCol="0" anchor="ctr">
+            <a:noAutofit/>
+          </a:bodyPr>
+          <a:lstStyle/>
+          <a:p>
+            <a:pPr algn="ctr" rtl="0"/>
+            <a:r>
+              <a:rPr lang="fr-FR" sz="1800" dirty="0" smtClean="0">
+                <a:solidFill>
+                  <a:srgbClr val="87A896"/>
+                </a:solidFill>
+              </a:rPr>
+              <a:t>SERVEURS DE FICHIERS</a:t>
+            </a:r>
+            <a:endParaRPr lang="fr-FR" sz="1800" dirty="0">
+              <a:solidFill>
+                <a:srgbClr val="87A896"/>
+              </a:solidFill>
+            </a:endParaRPr>
+          </a:p>
+        </p:txBody>
+      </p:sp>
+      <p:sp>
+        <p:nvSpPr>
+          <p:cNvPr id="10" name="ZoneTexte 9"/>
+          <p:cNvSpPr txBox="1"/>
+          <p:nvPr/>
+        </p:nvSpPr>
+        <p:spPr>
+          <a:xfrm>
+            <a:off x="477788" y="2132856"/>
+            <a:ext cx="2448272" cy="954107"/>
+          </a:xfrm>
+          <a:prstGeom prst="rect">
+            <a:avLst/>
+          </a:prstGeom>
+          <a:noFill/>
+          <a:ln>
+            <a:solidFill>
+              <a:schemeClr val="bg2"/>
+            </a:solidFill>
+          </a:ln>
+        </p:spPr>
+        <p:txBody>
+          <a:bodyPr wrap="square" rtlCol="0" anchor="ctr" anchorCtr="1">
+            <a:spAutoFit/>
+          </a:bodyPr>
+          <a:lstStyle/>
+          <a:p>
+            <a:pPr algn="ctr"/>
+            <a:r>
+              <a:rPr lang="fr-CH" sz="2800" dirty="0" smtClean="0"/>
+              <a:t>TYPE DE DROIT</a:t>
+            </a:r>
+            <a:endParaRPr lang="fr-CH" sz="2800" dirty="0" smtClean="0"/>
+          </a:p>
+        </p:txBody>
+      </p:sp>
+      <p:sp>
+        <p:nvSpPr>
+          <p:cNvPr id="7" name="ZoneTexte 6"/>
+          <p:cNvSpPr txBox="1"/>
+          <p:nvPr/>
+        </p:nvSpPr>
+        <p:spPr>
+          <a:xfrm>
+            <a:off x="1413892" y="3932475"/>
+            <a:ext cx="2448272" cy="523220"/>
+          </a:xfrm>
+          <a:prstGeom prst="rect">
+            <a:avLst/>
+          </a:prstGeom>
+          <a:noFill/>
+          <a:ln>
+            <a:solidFill>
+              <a:schemeClr val="bg2"/>
+            </a:solidFill>
+          </a:ln>
+        </p:spPr>
+        <p:txBody>
+          <a:bodyPr wrap="square" rtlCol="0" anchor="ctr" anchorCtr="1">
+            <a:spAutoFit/>
+          </a:bodyPr>
+          <a:lstStyle/>
+          <a:p>
+            <a:pPr algn="ctr"/>
+            <a:r>
+              <a:rPr lang="fr-CH" sz="2800" dirty="0" smtClean="0"/>
+              <a:t>BLABLA</a:t>
+            </a:r>
+            <a:endParaRPr lang="fr-CH" sz="2800" dirty="0" smtClean="0"/>
+          </a:p>
+        </p:txBody>
+      </p:sp>
+      <p:sp>
+        <p:nvSpPr>
+          <p:cNvPr id="9" name="ZoneTexte 8"/>
+          <p:cNvSpPr txBox="1"/>
+          <p:nvPr/>
+        </p:nvSpPr>
+        <p:spPr>
+          <a:xfrm>
+            <a:off x="7606580" y="3140968"/>
+            <a:ext cx="2448272" cy="954107"/>
+          </a:xfrm>
+          <a:prstGeom prst="rect">
+            <a:avLst/>
+          </a:prstGeom>
+          <a:noFill/>
+          <a:ln>
+            <a:solidFill>
+              <a:schemeClr val="bg2"/>
+            </a:solidFill>
+          </a:ln>
+        </p:spPr>
+        <p:txBody>
+          <a:bodyPr wrap="square" rtlCol="0" anchor="ctr" anchorCtr="1">
+            <a:spAutoFit/>
+          </a:bodyPr>
+          <a:lstStyle/>
+          <a:p>
+            <a:pPr algn="ctr"/>
+            <a:r>
+              <a:rPr lang="fr-CH" sz="2800" dirty="0" smtClean="0"/>
+              <a:t>IMAGES OU EXEMPLES</a:t>
+            </a:r>
+            <a:endParaRPr lang="fr-CH" sz="2800" dirty="0" smtClean="0"/>
+          </a:p>
+        </p:txBody>
+      </p:sp>
+    </p:spTree>
+    <p:extLst>
+      <p:ext uri="{BB962C8B-B14F-4D97-AF65-F5344CB8AC3E}">
+        <p14:creationId xmlns:p14="http://schemas.microsoft.com/office/powerpoint/2010/main" val="1039850424"/>
+      </p:ext>
+    </p:extLst>
+  </p:cSld>
+  <p:clrMapOvr>
+    <a:masterClrMapping/>
+  </p:clrMapOvr>
+  <mc:AlternateContent xmlns:mc="http://schemas.openxmlformats.org/markup-compatibility/2006" xmlns:p14="http://schemas.microsoft.com/office/powerpoint/2010/main">
+    <mc:Choice Requires="p14">
+      <p:transition spd="med" p14:dur="700">
+        <p:fade/>
+      </p:transition>
+    </mc:Choice>
+    <mc:Fallback xmlns="">
+      <p:transition spd="med">
+        <p:fade/>
+      </p:transition>
+    </mc:Fallback>
+  </mc:AlternateContent>
+  <p:timing>
+    <p:tnLst>
+      <p:par>
+        <p:cTn id="1" dur="indefinite" restart="never" nodeType="tmRoot"/>
+      </p:par>
+    </p:tnLst>
+  </p:timing>
+</p:sld>
+</file>
+
+<file path=ppt/slides/slide7.xml><?xml version="1.0" encoding="utf-8"?>
+<p:sld xmlns:a="http://schemas.openxmlformats.org/drawingml/2006/main" xmlns:r="http://schemas.openxmlformats.org/officeDocument/2006/relationships" xmlns:p="http://schemas.openxmlformats.org/presentationml/2006/main">
+  <p:cSld>
+    <p:bg>
+      <p:bgPr>
+        <a:solidFill>
+          <a:srgbClr val="34473D"/>
+        </a:solidFill>
+        <a:effectLst/>
+      </p:bgPr>
+    </p:bg>
+    <p:spTree>
+      <p:nvGrpSpPr>
+        <p:cNvPr id="1" name=""/>
+        <p:cNvGrpSpPr/>
+        <p:nvPr/>
+      </p:nvGrpSpPr>
+      <p:grpSpPr>
+        <a:xfrm>
+          <a:off x="0" y="0"/>
+          <a:ext cx="0" cy="0"/>
+          <a:chOff x="0" y="0"/>
+          <a:chExt cx="0" cy="0"/>
+        </a:xfrm>
+      </p:grpSpPr>
+      <p:sp>
+        <p:nvSpPr>
+          <p:cNvPr id="13" name="Titre 12"/>
+          <p:cNvSpPr>
+            <a:spLocks noGrp="1"/>
+          </p:cNvSpPr>
+          <p:nvPr>
+            <p:ph type="title"/>
+          </p:nvPr>
+        </p:nvSpPr>
+        <p:spPr>
+          <a:xfrm>
+            <a:off x="1485900" y="1988840"/>
+            <a:ext cx="9601201" cy="2514600"/>
+          </a:xfrm>
+        </p:spPr>
+        <p:txBody>
+          <a:bodyPr rtlCol="0" anchor="ctr">
+            <a:noAutofit/>
+          </a:bodyPr>
+          <a:lstStyle/>
+          <a:p>
+            <a:pPr algn="ctr" rtl="0"/>
+            <a:r>
+              <a:rPr lang="fr-FR" sz="6600" dirty="0" smtClean="0">
+                <a:solidFill>
+                  <a:srgbClr val="87A896"/>
+                </a:solidFill>
+              </a:rPr>
+              <a:t>SERVEURS D’IMPRESSION</a:t>
+            </a:r>
+            <a:endParaRPr lang="fr-FR" sz="6600" dirty="0">
+              <a:solidFill>
+                <a:srgbClr val="87A896"/>
+              </a:solidFill>
+            </a:endParaRPr>
+          </a:p>
+        </p:txBody>
+      </p:sp>
+    </p:spTree>
+    <p:extLst>
+      <p:ext uri="{BB962C8B-B14F-4D97-AF65-F5344CB8AC3E}">
+        <p14:creationId xmlns:p14="http://schemas.microsoft.com/office/powerpoint/2010/main" val="2589682945"/>
+      </p:ext>
+    </p:extLst>
+  </p:cSld>
+  <p:clrMapOvr>
+    <a:masterClrMapping/>
+  </p:clrMapOvr>
+  <mc:AlternateContent xmlns:mc="http://schemas.openxmlformats.org/markup-compatibility/2006" xmlns:p14="http://schemas.microsoft.com/office/powerpoint/2010/main">
+    <mc:Choice Requires="p14">
+      <p:transition spd="med" p14:dur="700">
+        <p:fade/>
+      </p:transition>
+    </mc:Choice>
+    <mc:Fallback xmlns="">
+      <p:transition spd="med">
+        <p:fade/>
+      </p:transition>
+    </mc:Fallback>
+  </mc:AlternateContent>
+  <p:timing>
+    <p:tnLst>
+      <p:par>
+        <p:cTn id="1" dur="indefinite" restart="never" nodeType="tmRoot"/>
+      </p:par>
+    </p:tnLst>
+  </p:timing>
+</p:sld>
+</file>
+
+<file path=ppt/slides/slide8.xml><?xml version="1.0" encoding="utf-8"?>
+<p:sld xmlns:a="http://schemas.openxmlformats.org/drawingml/2006/main" xmlns:r="http://schemas.openxmlformats.org/officeDocument/2006/relationships" xmlns:p="http://schemas.openxmlformats.org/presentationml/2006/main">
+  <p:cSld>
+    <p:bg>
+      <p:bgPr>
+        <a:solidFill>
+          <a:srgbClr val="34473D"/>
+        </a:solidFill>
+        <a:effectLst/>
+      </p:bgPr>
+    </p:bg>
+    <p:spTree>
+      <p:nvGrpSpPr>
+        <p:cNvPr id="1" name=""/>
+        <p:cNvGrpSpPr/>
+        <p:nvPr/>
+      </p:nvGrpSpPr>
+      <p:grpSpPr>
+        <a:xfrm>
+          <a:off x="0" y="0"/>
+          <a:ext cx="0" cy="0"/>
+          <a:chOff x="0" y="0"/>
+          <a:chExt cx="0" cy="0"/>
+        </a:xfrm>
+      </p:grpSpPr>
+      <p:sp>
+        <p:nvSpPr>
+          <p:cNvPr id="5" name="Titre 12"/>
+          <p:cNvSpPr txBox="1">
+            <a:spLocks/>
+          </p:cNvSpPr>
+          <p:nvPr/>
+        </p:nvSpPr>
+        <p:spPr>
+          <a:xfrm>
+            <a:off x="549796" y="1124744"/>
+            <a:ext cx="11159008" cy="875928"/>
+          </a:xfrm>
+          <a:prstGeom prst="rect">
+            <a:avLst/>
+          </a:prstGeom>
+          <a:ln>
+            <a:noFill/>
+          </a:ln>
+        </p:spPr>
+        <p:txBody>
+          <a:bodyPr vert="horz" lIns="91440" tIns="45720" rIns="91440" bIns="45720" rtlCol="0" anchor="ctr">
+            <a:noAutofit/>
+          </a:bodyPr>
+          <a:lstStyle>
+            <a:lvl1pPr algn="l" defTabSz="914400" rtl="0" eaLnBrk="1" latinLnBrk="0" hangingPunct="1">
+              <a:lnSpc>
+                <a:spcPct val="90000"/>
+              </a:lnSpc>
+              <a:spcBef>
+                <a:spcPct val="0"/>
+              </a:spcBef>
+              <a:buNone/>
+              <a:defRPr sz="3600" b="1" kern="1200" cap="none" spc="0" baseline="0">
+                <a:ln w="9525">
+                  <a:noFill/>
+                  <a:prstDash val="solid"/>
+                </a:ln>
+                <a:solidFill>
+                  <a:schemeClr val="accent5"/>
+                </a:solidFill>
+                <a:effectLst/>
+                <a:latin typeface="+mj-lt"/>
+                <a:ea typeface="+mj-ea"/>
+                <a:cs typeface="+mj-cs"/>
+              </a:defRPr>
+            </a:lvl1pPr>
+          </a:lstStyle>
+          <a:p>
+            <a:pPr algn="ctr"/>
+            <a:r>
+              <a:rPr lang="fr-CH" sz="4800" cap="all" dirty="0" smtClean="0">
+                <a:solidFill>
+                  <a:srgbClr val="87A896"/>
+                </a:solidFill>
+              </a:rPr>
+              <a:t>Différence serveur impression </a:t>
+            </a:r>
+            <a:r>
+              <a:rPr lang="fr-CH" sz="4800" cap="all" dirty="0">
+                <a:solidFill>
+                  <a:srgbClr val="87A896"/>
+                </a:solidFill>
+              </a:rPr>
+              <a:t>et imprimante réseau standard</a:t>
+            </a:r>
+          </a:p>
+          <a:p>
+            <a:pPr algn="ctr"/>
+            <a:endParaRPr lang="fr-FR" sz="4800" cap="all" dirty="0">
+              <a:solidFill>
+                <a:srgbClr val="87A896"/>
+              </a:solidFill>
+            </a:endParaRPr>
+          </a:p>
+        </p:txBody>
+      </p:sp>
+      <p:sp>
+        <p:nvSpPr>
+          <p:cNvPr id="8" name="Titre 12"/>
+          <p:cNvSpPr>
+            <a:spLocks noGrp="1"/>
+          </p:cNvSpPr>
+          <p:nvPr>
+            <p:ph type="title"/>
+          </p:nvPr>
+        </p:nvSpPr>
+        <p:spPr>
+          <a:xfrm>
+            <a:off x="9118748" y="6453336"/>
+            <a:ext cx="2904457" cy="216024"/>
+          </a:xfrm>
+          <a:solidFill>
+            <a:srgbClr val="B6CABF"/>
+          </a:solidFill>
+        </p:spPr>
+        <p:txBody>
+          <a:bodyPr rtlCol="0" anchor="ctr">
+            <a:noAutofit/>
+          </a:bodyPr>
+          <a:lstStyle/>
+          <a:p>
+            <a:pPr algn="ctr" rtl="0"/>
+            <a:r>
+              <a:rPr lang="fr-FR" sz="1800" dirty="0" smtClean="0">
+                <a:solidFill>
+                  <a:srgbClr val="87A896"/>
+                </a:solidFill>
+              </a:rPr>
+              <a:t>SERVEURS D’IMPRESSION</a:t>
+            </a:r>
+            <a:endParaRPr lang="fr-FR" sz="1800" dirty="0">
+              <a:solidFill>
+                <a:srgbClr val="87A896"/>
+              </a:solidFill>
+            </a:endParaRPr>
+          </a:p>
+        </p:txBody>
+      </p:sp>
+      <p:sp>
+        <p:nvSpPr>
+          <p:cNvPr id="10" name="ZoneTexte 9"/>
+          <p:cNvSpPr txBox="1"/>
+          <p:nvPr/>
+        </p:nvSpPr>
+        <p:spPr>
+          <a:xfrm>
+            <a:off x="5086300" y="3068960"/>
+            <a:ext cx="6552728" cy="369332"/>
+          </a:xfrm>
+          <a:prstGeom prst="rect">
+            <a:avLst/>
+          </a:prstGeom>
+          <a:noFill/>
+          <a:ln>
+            <a:solidFill>
+              <a:schemeClr val="bg2"/>
+            </a:solidFill>
+          </a:ln>
+        </p:spPr>
+        <p:txBody>
+          <a:bodyPr wrap="square" rtlCol="0" anchor="ctr" anchorCtr="1">
+            <a:spAutoFit/>
+          </a:bodyPr>
+          <a:lstStyle/>
+          <a:p>
+            <a:pPr algn="ctr"/>
+            <a:r>
+              <a:rPr lang="fr-CH" dirty="0" smtClean="0"/>
+              <a:t>SERVEUR IMPRESSION</a:t>
+            </a:r>
+            <a:endParaRPr lang="fr-CH" dirty="0" smtClean="0"/>
+          </a:p>
+        </p:txBody>
+      </p:sp>
+      <p:sp>
+        <p:nvSpPr>
+          <p:cNvPr id="6" name="ZoneTexte 5"/>
+          <p:cNvSpPr txBox="1"/>
+          <p:nvPr/>
+        </p:nvSpPr>
+        <p:spPr>
+          <a:xfrm>
+            <a:off x="981844" y="2492896"/>
+            <a:ext cx="6552728" cy="369332"/>
+          </a:xfrm>
+          <a:prstGeom prst="rect">
+            <a:avLst/>
+          </a:prstGeom>
+          <a:noFill/>
+          <a:ln>
+            <a:solidFill>
+              <a:schemeClr val="bg2"/>
+            </a:solidFill>
+          </a:ln>
+        </p:spPr>
+        <p:txBody>
+          <a:bodyPr wrap="square" rtlCol="0" anchor="ctr" anchorCtr="1">
+            <a:spAutoFit/>
+          </a:bodyPr>
+          <a:lstStyle/>
+          <a:p>
+            <a:pPr algn="ctr"/>
+            <a:r>
+              <a:rPr lang="fr-CH" dirty="0" smtClean="0"/>
+              <a:t>IMPRIMANTE RÉSEAU STANDARD</a:t>
+            </a:r>
+            <a:endParaRPr lang="fr-CH" dirty="0" smtClean="0"/>
+          </a:p>
+        </p:txBody>
+      </p:sp>
+    </p:spTree>
+    <p:extLst>
+      <p:ext uri="{BB962C8B-B14F-4D97-AF65-F5344CB8AC3E}">
+        <p14:creationId xmlns:p14="http://schemas.microsoft.com/office/powerpoint/2010/main" val="3290548540"/>
       </p:ext>
     </p:extLst>
   </p:cSld>
@@ -11636,6 +7746,26 @@
 </file>
 
 <file path=customXml/item1.xml><?xml version="1.0" encoding="utf-8"?>
+<p:properties xmlns:p="http://schemas.microsoft.com/office/2006/metadata/properties" xmlns:xsi="http://www.w3.org/2001/XMLSchema-instance" xmlns:pc="http://schemas.microsoft.com/office/infopath/2007/PartnerControls">
+  <documentManagement>
+    <VSO_x0020_item_x0020_id xmlns="40262f94-9f35-4ac3-9a90-690165a166b7" xsi:nil="true"/>
+    <Assetid_x0020_ xmlns="40262f94-9f35-4ac3-9a90-690165a166b7" xsi:nil="true"/>
+    <Item_x0020_Details xmlns="40262f94-9f35-4ac3-9a90-690165a166b7" xsi:nil="true"/>
+    <Template_x0020_details xmlns="40262f94-9f35-4ac3-9a90-690165a166b7" xsi:nil="true"/>
+  </documentManagement>
+</p:properties>
+</file>
+
+<file path=customXml/item2.xml><?xml version="1.0" encoding="utf-8"?>
+<?mso-contentType ?>
+<FormTemplates xmlns="http://schemas.microsoft.com/sharepoint/v3/contenttype/forms">
+  <Display>DocumentLibraryForm</Display>
+  <Edit>DocumentLibraryForm</Edit>
+  <New>DocumentLibraryForm</New>
+</FormTemplates>
+</file>
+
+<file path=customXml/item3.xml><?xml version="1.0" encoding="utf-8"?>
 <ct:contentTypeSchema xmlns:ct="http://schemas.microsoft.com/office/2006/metadata/contentType" xmlns:ma="http://schemas.microsoft.com/office/2006/metadata/properties/metaAttributes" ct:_="" ma:_="" ma:contentTypeName="Document" ma:contentTypeID="0x010100AA3F7D94069FF64A86F7DFF56D60E3BE" ma:contentTypeVersion="6" ma:contentTypeDescription="Create a new document." ma:contentTypeScope="" ma:versionID="c32302c77d4085ecf495bdddb7f5e889">
   <xsd:schema xmlns:xsd="http://www.w3.org/2001/XMLSchema" xmlns:xs="http://www.w3.org/2001/XMLSchema" xmlns:p="http://schemas.microsoft.com/office/2006/metadata/properties" xmlns:ns2="a4f35948-e619-41b3-aa29-22878b09cfd2" xmlns:ns3="40262f94-9f35-4ac3-9a90-690165a166b7" targetNamespace="http://schemas.microsoft.com/office/2006/metadata/properties" ma:root="true" ma:fieldsID="4ab5ae46be95f9d0be6107e8200be7a2" ns2:_="" ns3:_="">
     <xsd:import namespace="a4f35948-e619-41b3-aa29-22878b09cfd2"/>
@@ -11816,27 +7946,32 @@
 </ct:contentTypeSchema>
 </file>
 
-<file path=customXml/item2.xml><?xml version="1.0" encoding="utf-8"?>
-<?mso-contentType ?>
-<FormTemplates xmlns="http://schemas.microsoft.com/sharepoint/v3/contenttype/forms">
-  <Display>DocumentLibraryForm</Display>
-  <Edit>DocumentLibraryForm</Edit>
-  <New>DocumentLibraryForm</New>
-</FormTemplates>
+<file path=customXml/itemProps1.xml><?xml version="1.0" encoding="utf-8"?>
+<ds:datastoreItem xmlns:ds="http://schemas.openxmlformats.org/officeDocument/2006/customXml" ds:itemID="{3049C11C-71DC-49B6-ACD8-27E3AE088D14}">
+  <ds:schemaRefs>
+    <ds:schemaRef ds:uri="http://purl.org/dc/terms/"/>
+    <ds:schemaRef ds:uri="http://schemas.openxmlformats.org/package/2006/metadata/core-properties"/>
+    <ds:schemaRef ds:uri="http://purl.org/dc/dcmitype/"/>
+    <ds:schemaRef ds:uri="http://schemas.microsoft.com/office/infopath/2007/PartnerControls"/>
+    <ds:schemaRef ds:uri="http://purl.org/dc/elements/1.1/"/>
+    <ds:schemaRef ds:uri="http://schemas.microsoft.com/office/2006/metadata/properties"/>
+    <ds:schemaRef ds:uri="http://schemas.microsoft.com/office/2006/documentManagement/types"/>
+    <ds:schemaRef ds:uri="40262f94-9f35-4ac3-9a90-690165a166b7"/>
+    <ds:schemaRef ds:uri="a4f35948-e619-41b3-aa29-22878b09cfd2"/>
+    <ds:schemaRef ds:uri="http://www.w3.org/XML/1998/namespace"/>
+  </ds:schemaRefs>
+</ds:datastoreItem>
 </file>
 
-<file path=customXml/item3.xml><?xml version="1.0" encoding="utf-8"?>
-<p:properties xmlns:p="http://schemas.microsoft.com/office/2006/metadata/properties" xmlns:xsi="http://www.w3.org/2001/XMLSchema-instance" xmlns:pc="http://schemas.microsoft.com/office/infopath/2007/PartnerControls">
-  <documentManagement>
-    <VSO_x0020_item_x0020_id xmlns="40262f94-9f35-4ac3-9a90-690165a166b7" xsi:nil="true"/>
-    <Assetid_x0020_ xmlns="40262f94-9f35-4ac3-9a90-690165a166b7" xsi:nil="true"/>
-    <Item_x0020_Details xmlns="40262f94-9f35-4ac3-9a90-690165a166b7" xsi:nil="true"/>
-    <Template_x0020_details xmlns="40262f94-9f35-4ac3-9a90-690165a166b7" xsi:nil="true"/>
-  </documentManagement>
-</p:properties>
+<file path=customXml/itemProps2.xml><?xml version="1.0" encoding="utf-8"?>
+<ds:datastoreItem xmlns:ds="http://schemas.openxmlformats.org/officeDocument/2006/customXml" ds:itemID="{0875BD71-4A33-4FB7-88CA-777C4D9E6EE5}">
+  <ds:schemaRefs>
+    <ds:schemaRef ds:uri="http://schemas.microsoft.com/sharepoint/v3/contenttype/forms"/>
+  </ds:schemaRefs>
+</ds:datastoreItem>
 </file>
 
-<file path=customXml/itemProps1.xml><?xml version="1.0" encoding="utf-8"?>
+<file path=customXml/itemProps3.xml><?xml version="1.0" encoding="utf-8"?>
 <ds:datastoreItem xmlns:ds="http://schemas.openxmlformats.org/officeDocument/2006/customXml" ds:itemID="{51F78577-2839-4BFF-9EC7-673BD8FEBD87}">
   <ds:schemaRefs>
     <ds:schemaRef ds:uri="http://schemas.microsoft.com/office/2006/metadata/contentType"/>
@@ -11853,29 +7988,4 @@
     <ds:schemaRef ds:uri="http://schemas.microsoft.com/internal/obd"/>
   </ds:schemaRefs>
 </ds:datastoreItem>
-</file>
-
-<file path=customXml/itemProps2.xml><?xml version="1.0" encoding="utf-8"?>
-<ds:datastoreItem xmlns:ds="http://schemas.openxmlformats.org/officeDocument/2006/customXml" ds:itemID="{0875BD71-4A33-4FB7-88CA-777C4D9E6EE5}">
-  <ds:schemaRefs>
-    <ds:schemaRef ds:uri="http://schemas.microsoft.com/sharepoint/v3/contenttype/forms"/>
-  </ds:schemaRefs>
-</ds:datastoreItem>
-</file>
-
-<file path=customXml/itemProps3.xml><?xml version="1.0" encoding="utf-8"?>
-<ds:datastoreItem xmlns:ds="http://schemas.openxmlformats.org/officeDocument/2006/customXml" ds:itemID="{3049C11C-71DC-49B6-ACD8-27E3AE088D14}">
-  <ds:schemaRefs>
-    <ds:schemaRef ds:uri="http://purl.org/dc/terms/"/>
-    <ds:schemaRef ds:uri="http://schemas.openxmlformats.org/package/2006/metadata/core-properties"/>
-    <ds:schemaRef ds:uri="http://purl.org/dc/dcmitype/"/>
-    <ds:schemaRef ds:uri="http://schemas.microsoft.com/office/infopath/2007/PartnerControls"/>
-    <ds:schemaRef ds:uri="http://purl.org/dc/elements/1.1/"/>
-    <ds:schemaRef ds:uri="http://schemas.microsoft.com/office/2006/metadata/properties"/>
-    <ds:schemaRef ds:uri="http://schemas.microsoft.com/office/2006/documentManagement/types"/>
-    <ds:schemaRef ds:uri="40262f94-9f35-4ac3-9a90-690165a166b7"/>
-    <ds:schemaRef ds:uri="a4f35948-e619-41b3-aa29-22878b09cfd2"/>
-    <ds:schemaRef ds:uri="http://www.w3.org/XML/1998/namespace"/>
-  </ds:schemaRefs>
-</ds:datastoreItem>
 </file>
--- a/SERVEUR ET FICHIERS D’IMPRESSION.pptx
+++ b/SERVEUR ET FICHIERS D’IMPRESSION.pptx
@@ -5979,8 +5979,8 @@
         </p:nvSpPr>
         <p:spPr>
           <a:xfrm>
-            <a:off x="4582244" y="3645024"/>
-            <a:ext cx="6552728" cy="369332"/>
+            <a:off x="4582244" y="2780928"/>
+            <a:ext cx="6552728" cy="2585323"/>
           </a:xfrm>
           <a:prstGeom prst="rect">
             <a:avLst/>
@@ -6001,9 +6001,39 @@
             <a:pPr algn="ctr"/>
             <a:r>
               <a:rPr lang="fr-CH" dirty="0" smtClean="0"/>
-              <a:t>BLABLA INSERER ICI </a:t>
-            </a:r>
-            <a:endParaRPr lang="fr-CH" dirty="0" smtClean="0"/>
+              <a:t>C’EST UNE DÉVELOPPEMENT DE HI</a:t>
+            </a:r>
+            <a:r>
+              <a:rPr lang="fr-CH" sz="1600" dirty="0" smtClean="0"/>
+              <a:t>ÉRARCHIE DE FICHIERS ER DE DOSSIERS DANS LE BUT DE TRANSMETTRE DE MANIÈRE SYNCHRONISÉE DES DONNÉES DE DIFFÉRENTS TYPES. </a:t>
+            </a:r>
+          </a:p>
+          <a:p>
+            <a:pPr algn="ctr"/>
+            <a:endParaRPr lang="fr-CH" sz="1600" dirty="0"/>
+          </a:p>
+          <a:p>
+            <a:pPr algn="ctr"/>
+            <a:r>
+              <a:rPr lang="fr-CH" sz="1600" dirty="0" smtClean="0"/>
+              <a:t>LES UTILISATEUR AYANT ACCÈS AU SERVEUR, SONT SOUVENT SOUMIS À DES CONTRAINTES ÉMISES SUR CELUI-CI AU DÉTRIMENT DE L’HÔTE.</a:t>
+            </a:r>
+          </a:p>
+          <a:p>
+            <a:pPr algn="ctr"/>
+            <a:endParaRPr lang="fr-CH" sz="1600" dirty="0"/>
+          </a:p>
+          <a:p>
+            <a:pPr algn="ctr"/>
+            <a:r>
+              <a:rPr lang="fr-CH" sz="1600" dirty="0" smtClean="0"/>
+              <a:t>CES RESTRICTIONS SONT INFRANCHISSABLE ET DOIVENT ÊTRE RESPECTÉES. ELLES SONT REPRÉSENTÉES PAR DES DROITS </a:t>
+            </a:r>
+            <a:r>
+              <a:rPr lang="fr-CH" sz="1600" b="1" dirty="0" smtClean="0"/>
+              <a:t>NTFS</a:t>
+            </a:r>
+            <a:endParaRPr lang="fr-CH" b="1" dirty="0" smtClean="0"/>
           </a:p>
         </p:txBody>
       </p:sp>
@@ -6206,7 +6236,6 @@
               <a:rPr lang="fr-CH" sz="2800" dirty="0" smtClean="0"/>
               <a:t>TYPE DE DROIT</a:t>
             </a:r>
-            <a:endParaRPr lang="fr-CH" sz="2800" dirty="0" smtClean="0"/>
           </a:p>
         </p:txBody>
       </p:sp>
@@ -6242,7 +6271,6 @@
               <a:rPr lang="fr-CH" sz="2800" dirty="0" smtClean="0"/>
               <a:t>PARTAGE AVANCÉ</a:t>
             </a:r>
-            <a:endParaRPr lang="fr-CH" sz="2800" dirty="0" smtClean="0"/>
           </a:p>
         </p:txBody>
       </p:sp>
@@ -6443,7 +6471,6 @@
               <a:rPr lang="fr-CH" sz="2800" dirty="0" smtClean="0"/>
               <a:t>TYPE DE DROIT</a:t>
             </a:r>
-            <a:endParaRPr lang="fr-CH" sz="2800" dirty="0" smtClean="0"/>
           </a:p>
         </p:txBody>
       </p:sp>
@@ -6479,7 +6506,6 @@
               <a:rPr lang="fr-CH" sz="2800" dirty="0" smtClean="0"/>
               <a:t>BLABLA</a:t>
             </a:r>
-            <a:endParaRPr lang="fr-CH" sz="2800" dirty="0" smtClean="0"/>
           </a:p>
         </p:txBody>
       </p:sp>
@@ -6515,7 +6541,6 @@
               <a:rPr lang="fr-CH" sz="2800" dirty="0" smtClean="0"/>
               <a:t>IMAGES OU EXEMPLES</a:t>
             </a:r>
-            <a:endParaRPr lang="fr-CH" sz="2800" dirty="0" smtClean="0"/>
           </a:p>
         </p:txBody>
       </p:sp>
@@ -6823,7 +6848,6 @@
               <a:rPr lang="fr-CH" dirty="0" smtClean="0"/>
               <a:t>SERVEUR IMPRESSION</a:t>
             </a:r>
-            <a:endParaRPr lang="fr-CH" dirty="0" smtClean="0"/>
           </a:p>
         </p:txBody>
       </p:sp>
@@ -6859,7 +6883,6 @@
               <a:rPr lang="fr-CH" dirty="0" smtClean="0"/>
               <a:t>IMPRIMANTE RÉSEAU STANDARD</a:t>
             </a:r>
-            <a:endParaRPr lang="fr-CH" dirty="0" smtClean="0"/>
           </a:p>
         </p:txBody>
       </p:sp>
@@ -7757,15 +7780,6 @@
 </file>
 
 <file path=customXml/item2.xml><?xml version="1.0" encoding="utf-8"?>
-<?mso-contentType ?>
-<FormTemplates xmlns="http://schemas.microsoft.com/sharepoint/v3/contenttype/forms">
-  <Display>DocumentLibraryForm</Display>
-  <Edit>DocumentLibraryForm</Edit>
-  <New>DocumentLibraryForm</New>
-</FormTemplates>
-</file>
-
-<file path=customXml/item3.xml><?xml version="1.0" encoding="utf-8"?>
 <ct:contentTypeSchema xmlns:ct="http://schemas.microsoft.com/office/2006/metadata/contentType" xmlns:ma="http://schemas.microsoft.com/office/2006/metadata/properties/metaAttributes" ct:_="" ma:_="" ma:contentTypeName="Document" ma:contentTypeID="0x010100AA3F7D94069FF64A86F7DFF56D60E3BE" ma:contentTypeVersion="6" ma:contentTypeDescription="Create a new document." ma:contentTypeScope="" ma:versionID="c32302c77d4085ecf495bdddb7f5e889">
   <xsd:schema xmlns:xsd="http://www.w3.org/2001/XMLSchema" xmlns:xs="http://www.w3.org/2001/XMLSchema" xmlns:p="http://schemas.microsoft.com/office/2006/metadata/properties" xmlns:ns2="a4f35948-e619-41b3-aa29-22878b09cfd2" xmlns:ns3="40262f94-9f35-4ac3-9a90-690165a166b7" targetNamespace="http://schemas.microsoft.com/office/2006/metadata/properties" ma:root="true" ma:fieldsID="4ab5ae46be95f9d0be6107e8200be7a2" ns2:_="" ns3:_="">
     <xsd:import namespace="a4f35948-e619-41b3-aa29-22878b09cfd2"/>
@@ -7946,6 +7960,15 @@
 </ct:contentTypeSchema>
 </file>
 
+<file path=customXml/item3.xml><?xml version="1.0" encoding="utf-8"?>
+<?mso-contentType ?>
+<FormTemplates xmlns="http://schemas.microsoft.com/sharepoint/v3/contenttype/forms">
+  <Display>DocumentLibraryForm</Display>
+  <Edit>DocumentLibraryForm</Edit>
+  <New>DocumentLibraryForm</New>
+</FormTemplates>
+</file>
+
 <file path=customXml/itemProps1.xml><?xml version="1.0" encoding="utf-8"?>
 <ds:datastoreItem xmlns:ds="http://schemas.openxmlformats.org/officeDocument/2006/customXml" ds:itemID="{3049C11C-71DC-49B6-ACD8-27E3AE088D14}">
   <ds:schemaRefs>
@@ -7964,14 +7987,6 @@
 </file>
 
 <file path=customXml/itemProps2.xml><?xml version="1.0" encoding="utf-8"?>
-<ds:datastoreItem xmlns:ds="http://schemas.openxmlformats.org/officeDocument/2006/customXml" ds:itemID="{0875BD71-4A33-4FB7-88CA-777C4D9E6EE5}">
-  <ds:schemaRefs>
-    <ds:schemaRef ds:uri="http://schemas.microsoft.com/sharepoint/v3/contenttype/forms"/>
-  </ds:schemaRefs>
-</ds:datastoreItem>
-</file>
-
-<file path=customXml/itemProps3.xml><?xml version="1.0" encoding="utf-8"?>
 <ds:datastoreItem xmlns:ds="http://schemas.openxmlformats.org/officeDocument/2006/customXml" ds:itemID="{51F78577-2839-4BFF-9EC7-673BD8FEBD87}">
   <ds:schemaRefs>
     <ds:schemaRef ds:uri="http://schemas.microsoft.com/office/2006/metadata/contentType"/>
@@ -7988,4 +8003,12 @@
     <ds:schemaRef ds:uri="http://schemas.microsoft.com/internal/obd"/>
   </ds:schemaRefs>
 </ds:datastoreItem>
+</file>
+
+<file path=customXml/itemProps3.xml><?xml version="1.0" encoding="utf-8"?>
+<ds:datastoreItem xmlns:ds="http://schemas.openxmlformats.org/officeDocument/2006/customXml" ds:itemID="{0875BD71-4A33-4FB7-88CA-777C4D9E6EE5}">
+  <ds:schemaRefs>
+    <ds:schemaRef ds:uri="http://schemas.microsoft.com/sharepoint/v3/contenttype/forms"/>
+  </ds:schemaRefs>
+</ds:datastoreItem>
 </file>
--- a/SERVEUR ET FICHIERS D’IMPRESSION.pptx
+++ b/SERVEUR ET FICHIERS D’IMPRESSION.pptx
@@ -5350,12 +5350,14 @@
         </p:nvSpPr>
         <p:spPr>
           <a:xfrm>
-            <a:off x="3142084" y="1772816"/>
-            <a:ext cx="5936706" cy="2895600"/>
+            <a:off x="2926060" y="2276872"/>
+            <a:ext cx="6264696" cy="2247528"/>
           </a:xfrm>
         </p:spPr>
         <p:txBody>
-          <a:bodyPr rtlCol="0"/>
+          <a:bodyPr rtlCol="0">
+            <a:normAutofit fontScale="90000"/>
+          </a:bodyPr>
           <a:lstStyle/>
           <a:p>
             <a:pPr algn="ctr" rtl="0"/>
@@ -5367,6 +5369,9 @@
                     <a:lumOff val="40000"/>
                   </a:schemeClr>
                 </a:solidFill>
+                <a:latin typeface="Tahoma" panose="020B0604030504040204" pitchFamily="34" charset="0"/>
+                <a:ea typeface="Tahoma" panose="020B0604030504040204" pitchFamily="34" charset="0"/>
+                <a:cs typeface="Tahoma" panose="020B0604030504040204" pitchFamily="34" charset="0"/>
               </a:rPr>
               <a:t>SERVEURS ET FICHIERS D’IMPRESSION</a:t>
             </a:r>
@@ -5377,6 +5382,9 @@
                   <a:lumOff val="40000"/>
                 </a:schemeClr>
               </a:solidFill>
+              <a:latin typeface="Tahoma" panose="020B0604030504040204" pitchFamily="34" charset="0"/>
+              <a:ea typeface="Tahoma" panose="020B0604030504040204" pitchFamily="34" charset="0"/>
+              <a:cs typeface="Tahoma" panose="020B0604030504040204" pitchFamily="34" charset="0"/>
             </a:endParaRPr>
           </a:p>
         </p:txBody>
@@ -5413,6 +5421,9 @@
                     <a:lumOff val="40000"/>
                   </a:schemeClr>
                 </a:solidFill>
+                <a:latin typeface="Tahoma" panose="020B0604030504040204" pitchFamily="34" charset="0"/>
+                <a:ea typeface="Tahoma" panose="020B0604030504040204" pitchFamily="34" charset="0"/>
+                <a:cs typeface="Tahoma" panose="020B0604030504040204" pitchFamily="34" charset="0"/>
               </a:rPr>
               <a:t>ALESSIA, JORGE, PHILIPPE, ROMAIN</a:t>
             </a:r>
@@ -5423,6 +5434,9 @@
                   <a:lumOff val="40000"/>
                 </a:schemeClr>
               </a:solidFill>
+              <a:latin typeface="Tahoma" panose="020B0604030504040204" pitchFamily="34" charset="0"/>
+              <a:ea typeface="Tahoma" panose="020B0604030504040204" pitchFamily="34" charset="0"/>
+              <a:cs typeface="Tahoma" panose="020B0604030504040204" pitchFamily="34" charset="0"/>
             </a:endParaRPr>
           </a:p>
         </p:txBody>
@@ -5508,6 +5522,9 @@
                 <a:solidFill>
                   <a:srgbClr val="87A896"/>
                 </a:solidFill>
+                <a:latin typeface="Tahoma" panose="020B0604030504040204" pitchFamily="34" charset="0"/>
+                <a:ea typeface="Tahoma" panose="020B0604030504040204" pitchFamily="34" charset="0"/>
+                <a:cs typeface="Tahoma" panose="020B0604030504040204" pitchFamily="34" charset="0"/>
               </a:rPr>
               <a:t>TABLES DES MATIÈRES</a:t>
             </a:r>
@@ -5515,6 +5532,9 @@
               <a:solidFill>
                 <a:srgbClr val="87A896"/>
               </a:solidFill>
+              <a:latin typeface="Tahoma" panose="020B0604030504040204" pitchFamily="34" charset="0"/>
+              <a:ea typeface="Tahoma" panose="020B0604030504040204" pitchFamily="34" charset="0"/>
+              <a:cs typeface="Tahoma" panose="020B0604030504040204" pitchFamily="34" charset="0"/>
             </a:endParaRPr>
           </a:p>
         </p:txBody>
@@ -5531,14 +5551,14 @@
         </p:nvSpPr>
         <p:spPr>
           <a:xfrm>
-            <a:off x="333772" y="1690463"/>
+            <a:off x="333772" y="1844824"/>
             <a:ext cx="9134391" cy="4114801"/>
           </a:xfrm>
           <a:noFill/>
         </p:spPr>
         <p:txBody>
           <a:bodyPr rtlCol="0">
-            <a:normAutofit/>
+            <a:normAutofit lnSpcReduction="10000"/>
           </a:bodyPr>
           <a:lstStyle/>
           <a:p>
@@ -5547,6 +5567,9 @@
                 <a:solidFill>
                   <a:srgbClr val="87A896"/>
                 </a:solidFill>
+                <a:latin typeface="Tahoma" panose="020B0604030504040204" pitchFamily="34" charset="0"/>
+                <a:ea typeface="Tahoma" panose="020B0604030504040204" pitchFamily="34" charset="0"/>
+                <a:cs typeface="Tahoma" panose="020B0604030504040204" pitchFamily="34" charset="0"/>
               </a:rPr>
               <a:t>Serveur de fichiers </a:t>
             </a:r>
@@ -5555,6 +5578,9 @@
                 <a:solidFill>
                   <a:srgbClr val="87A896"/>
                 </a:solidFill>
+                <a:latin typeface="Tahoma" panose="020B0604030504040204" pitchFamily="34" charset="0"/>
+                <a:ea typeface="Tahoma" panose="020B0604030504040204" pitchFamily="34" charset="0"/>
+                <a:cs typeface="Tahoma" panose="020B0604030504040204" pitchFamily="34" charset="0"/>
               </a:rPr>
               <a:t>:</a:t>
             </a:r>
@@ -5562,6 +5588,9 @@
               <a:solidFill>
                 <a:srgbClr val="87A896"/>
               </a:solidFill>
+              <a:latin typeface="Tahoma" panose="020B0604030504040204" pitchFamily="34" charset="0"/>
+              <a:ea typeface="Tahoma" panose="020B0604030504040204" pitchFamily="34" charset="0"/>
+              <a:cs typeface="Tahoma" panose="020B0604030504040204" pitchFamily="34" charset="0"/>
             </a:endParaRPr>
           </a:p>
           <a:p>
@@ -5571,6 +5600,9 @@
                 <a:solidFill>
                   <a:srgbClr val="87A896"/>
                 </a:solidFill>
+                <a:latin typeface="Tahoma" panose="020B0604030504040204" pitchFamily="34" charset="0"/>
+                <a:ea typeface="Tahoma" panose="020B0604030504040204" pitchFamily="34" charset="0"/>
+                <a:cs typeface="Tahoma" panose="020B0604030504040204" pitchFamily="34" charset="0"/>
               </a:rPr>
               <a:t>Arborescences</a:t>
             </a:r>
@@ -5582,6 +5614,9 @@
                 <a:solidFill>
                   <a:srgbClr val="87A896"/>
                 </a:solidFill>
+                <a:latin typeface="Tahoma" panose="020B0604030504040204" pitchFamily="34" charset="0"/>
+                <a:ea typeface="Tahoma" panose="020B0604030504040204" pitchFamily="34" charset="0"/>
+                <a:cs typeface="Tahoma" panose="020B0604030504040204" pitchFamily="34" charset="0"/>
               </a:rPr>
               <a:t>Explication des partages</a:t>
             </a:r>
@@ -5593,6 +5628,9 @@
                 <a:solidFill>
                   <a:srgbClr val="87A896"/>
                 </a:solidFill>
+                <a:latin typeface="Tahoma" panose="020B0604030504040204" pitchFamily="34" charset="0"/>
+                <a:ea typeface="Tahoma" panose="020B0604030504040204" pitchFamily="34" charset="0"/>
+                <a:cs typeface="Tahoma" panose="020B0604030504040204" pitchFamily="34" charset="0"/>
               </a:rPr>
               <a:t>Type de droit</a:t>
             </a:r>
@@ -5604,6 +5642,9 @@
                 <a:solidFill>
                   <a:srgbClr val="87A896"/>
                 </a:solidFill>
+                <a:latin typeface="Tahoma" panose="020B0604030504040204" pitchFamily="34" charset="0"/>
+                <a:ea typeface="Tahoma" panose="020B0604030504040204" pitchFamily="34" charset="0"/>
+                <a:cs typeface="Tahoma" panose="020B0604030504040204" pitchFamily="34" charset="0"/>
               </a:rPr>
               <a:t>Partage avancé</a:t>
             </a:r>
@@ -5615,6 +5656,9 @@
                 <a:solidFill>
                   <a:srgbClr val="87A896"/>
                 </a:solidFill>
+                <a:latin typeface="Tahoma" panose="020B0604030504040204" pitchFamily="34" charset="0"/>
+                <a:ea typeface="Tahoma" panose="020B0604030504040204" pitchFamily="34" charset="0"/>
+                <a:cs typeface="Tahoma" panose="020B0604030504040204" pitchFamily="34" charset="0"/>
               </a:rPr>
               <a:t>Explication des droits NTFS</a:t>
             </a:r>
@@ -5626,6 +5670,9 @@
                 <a:solidFill>
                   <a:srgbClr val="87A896"/>
                 </a:solidFill>
+                <a:latin typeface="Tahoma" panose="020B0604030504040204" pitchFamily="34" charset="0"/>
+                <a:ea typeface="Tahoma" panose="020B0604030504040204" pitchFamily="34" charset="0"/>
+                <a:cs typeface="Tahoma" panose="020B0604030504040204" pitchFamily="34" charset="0"/>
               </a:rPr>
               <a:t>Type de droit</a:t>
             </a:r>
@@ -5636,6 +5683,9 @@
                 <a:solidFill>
                   <a:srgbClr val="87A896"/>
                 </a:solidFill>
+                <a:latin typeface="Tahoma" panose="020B0604030504040204" pitchFamily="34" charset="0"/>
+                <a:ea typeface="Tahoma" panose="020B0604030504040204" pitchFamily="34" charset="0"/>
+                <a:cs typeface="Tahoma" panose="020B0604030504040204" pitchFamily="34" charset="0"/>
               </a:rPr>
               <a:t>Serveur d'impression :</a:t>
             </a:r>
@@ -5647,6 +5697,9 @@
                 <a:solidFill>
                   <a:srgbClr val="87A896"/>
                 </a:solidFill>
+                <a:latin typeface="Tahoma" panose="020B0604030504040204" pitchFamily="34" charset="0"/>
+                <a:ea typeface="Tahoma" panose="020B0604030504040204" pitchFamily="34" charset="0"/>
+                <a:cs typeface="Tahoma" panose="020B0604030504040204" pitchFamily="34" charset="0"/>
               </a:rPr>
               <a:t>Différence entre serveur d'impression et imprimante réseau standard</a:t>
             </a:r>
@@ -5658,6 +5711,9 @@
                 <a:solidFill>
                   <a:srgbClr val="87A896"/>
                 </a:solidFill>
+                <a:latin typeface="Tahoma" panose="020B0604030504040204" pitchFamily="34" charset="0"/>
+                <a:ea typeface="Tahoma" panose="020B0604030504040204" pitchFamily="34" charset="0"/>
+                <a:cs typeface="Tahoma" panose="020B0604030504040204" pitchFamily="34" charset="0"/>
               </a:rPr>
               <a:t>Files </a:t>
             </a:r>
@@ -5666,6 +5722,9 @@
                 <a:solidFill>
                   <a:srgbClr val="87A896"/>
                 </a:solidFill>
+                <a:latin typeface="Tahoma" panose="020B0604030504040204" pitchFamily="34" charset="0"/>
+                <a:ea typeface="Tahoma" panose="020B0604030504040204" pitchFamily="34" charset="0"/>
+                <a:cs typeface="Tahoma" panose="020B0604030504040204" pitchFamily="34" charset="0"/>
               </a:rPr>
               <a:t>d'impression</a:t>
             </a:r>
@@ -5673,6 +5732,9 @@
               <a:solidFill>
                 <a:srgbClr val="87A896"/>
               </a:solidFill>
+              <a:latin typeface="Tahoma" panose="020B0604030504040204" pitchFamily="34" charset="0"/>
+              <a:ea typeface="Tahoma" panose="020B0604030504040204" pitchFamily="34" charset="0"/>
+              <a:cs typeface="Tahoma" panose="020B0604030504040204" pitchFamily="34" charset="0"/>
             </a:endParaRPr>
           </a:p>
         </p:txBody>
@@ -6212,8 +6274,8 @@
         </p:nvSpPr>
         <p:spPr>
           <a:xfrm>
-            <a:off x="477788" y="2132856"/>
-            <a:ext cx="2448272" cy="954107"/>
+            <a:off x="189756" y="2204864"/>
+            <a:ext cx="4968552" cy="523220"/>
           </a:xfrm>
           <a:prstGeom prst="rect">
             <a:avLst/>
@@ -6341,7 +6403,7 @@
         </p:nvSpPr>
         <p:spPr>
           <a:xfrm>
-            <a:off x="2205980" y="764704"/>
+            <a:off x="2205980" y="548680"/>
             <a:ext cx="7772401" cy="875928"/>
           </a:xfrm>
           <a:prstGeom prst="rect">
@@ -6382,14 +6444,38 @@
           <a:p>
             <a:pPr algn="ctr"/>
             <a:r>
-              <a:rPr lang="fr-FR" sz="6600" dirty="0" smtClean="0">
+              <a:rPr lang="fr-FR" sz="4800" dirty="0" smtClean="0">
                 <a:solidFill>
                   <a:srgbClr val="87A896"/>
                 </a:solidFill>
               </a:rPr>
-              <a:t>EXPLICATIONS DES DROITS NTFS</a:t>
-            </a:r>
-            <a:endParaRPr lang="fr-FR" sz="6600" dirty="0">
+              <a:t>EXPLICATIONS DES </a:t>
+            </a:r>
+            <a:r>
+              <a:rPr lang="fr-FR" sz="4800" dirty="0" smtClean="0">
+                <a:solidFill>
+                  <a:srgbClr val="87A896"/>
+                </a:solidFill>
+              </a:rPr>
+              <a:t>AUTORISATIONS</a:t>
+            </a:r>
+            <a:r>
+              <a:rPr lang="fr-FR" sz="4800" dirty="0" smtClean="0">
+                <a:solidFill>
+                  <a:srgbClr val="87A896"/>
+                </a:solidFill>
+              </a:rPr>
+              <a:t> </a:t>
+            </a:r>
+            <a:r>
+              <a:rPr lang="fr-FR" sz="4800" dirty="0" smtClean="0">
+                <a:solidFill>
+                  <a:srgbClr val="87A896"/>
+                </a:solidFill>
+              </a:rPr>
+              <a:t>NTFS</a:t>
+            </a:r>
+            <a:endParaRPr lang="fr-FR" sz="4800" dirty="0">
               <a:solidFill>
                 <a:srgbClr val="87A896"/>
               </a:solidFill>
@@ -6441,14 +6527,14 @@
       </p:sp>
       <p:sp>
         <p:nvSpPr>
-          <p:cNvPr id="10" name="ZoneTexte 9"/>
+          <p:cNvPr id="7" name="ZoneTexte 6"/>
           <p:cNvSpPr txBox="1"/>
           <p:nvPr/>
         </p:nvSpPr>
         <p:spPr>
           <a:xfrm>
-            <a:off x="477788" y="2132856"/>
-            <a:ext cx="2448272" cy="954107"/>
+            <a:off x="549796" y="3140968"/>
+            <a:ext cx="4968552" cy="1754326"/>
           </a:xfrm>
           <a:prstGeom prst="rect">
             <a:avLst/>
@@ -6468,44 +6554,10 @@
           <a:p>
             <a:pPr algn="ctr"/>
             <a:r>
-              <a:rPr lang="fr-CH" sz="2800" dirty="0" smtClean="0"/>
-              <a:t>TYPE DE DROIT</a:t>
-            </a:r>
-          </a:p>
-        </p:txBody>
-      </p:sp>
-      <p:sp>
-        <p:nvSpPr>
-          <p:cNvPr id="7" name="ZoneTexte 6"/>
-          <p:cNvSpPr txBox="1"/>
-          <p:nvPr/>
-        </p:nvSpPr>
-        <p:spPr>
-          <a:xfrm>
-            <a:off x="1413892" y="3932475"/>
-            <a:ext cx="2448272" cy="523220"/>
-          </a:xfrm>
-          <a:prstGeom prst="rect">
-            <a:avLst/>
-          </a:prstGeom>
-          <a:noFill/>
-          <a:ln>
-            <a:solidFill>
-              <a:schemeClr val="bg2"/>
-            </a:solidFill>
-          </a:ln>
-        </p:spPr>
-        <p:txBody>
-          <a:bodyPr wrap="square" rtlCol="0" anchor="ctr" anchorCtr="1">
-            <a:spAutoFit/>
-          </a:bodyPr>
-          <a:lstStyle/>
-          <a:p>
-            <a:pPr algn="ctr"/>
-            <a:r>
-              <a:rPr lang="fr-CH" sz="2800" dirty="0" smtClean="0"/>
-              <a:t>BLABLA</a:t>
-            </a:r>
+              <a:rPr lang="fr-CH" dirty="0" smtClean="0"/>
+              <a:t>NTFS ( OU NEW TECHNOLOGIE FILE SYSTEM), PROCÈDUREQUE WINDOWS NT SYSTÈME UTILISÉ POUR STOCKER, ORGANISER ET TROUVER FICHIERS DANS DISQUE DUR. NTFS EXISTE DEPUIS 1993 ET EST SYSTÈME LE PLUS EFFICACE DE NOTRE GÉNÉRATION</a:t>
+            </a:r>
+            <a:endParaRPr lang="fr-CH" dirty="0" smtClean="0"/>
           </a:p>
         </p:txBody>
       </p:sp>
@@ -6541,6 +6593,46 @@
               <a:rPr lang="fr-CH" sz="2800" dirty="0" smtClean="0"/>
               <a:t>IMAGES OU EXEMPLES</a:t>
             </a:r>
+          </a:p>
+        </p:txBody>
+      </p:sp>
+      <p:sp>
+        <p:nvSpPr>
+          <p:cNvPr id="11" name="ZoneTexte 10"/>
+          <p:cNvSpPr txBox="1"/>
+          <p:nvPr/>
+        </p:nvSpPr>
+        <p:spPr>
+          <a:xfrm>
+            <a:off x="549796" y="2348880"/>
+            <a:ext cx="4968552" cy="523220"/>
+          </a:xfrm>
+          <a:prstGeom prst="rect">
+            <a:avLst/>
+          </a:prstGeom>
+          <a:noFill/>
+          <a:ln>
+            <a:solidFill>
+              <a:schemeClr val="bg2"/>
+            </a:solidFill>
+          </a:ln>
+        </p:spPr>
+        <p:txBody>
+          <a:bodyPr wrap="square" rtlCol="0" anchor="ctr" anchorCtr="1">
+            <a:spAutoFit/>
+          </a:bodyPr>
+          <a:lstStyle/>
+          <a:p>
+            <a:pPr algn="ctr"/>
+            <a:r>
+              <a:rPr lang="fr-CH" sz="2800" dirty="0" smtClean="0"/>
+              <a:t>TYPE </a:t>
+            </a:r>
+            <a:r>
+              <a:rPr lang="fr-CH" sz="2800" dirty="0" smtClean="0"/>
+              <a:t>D’AUTORISATIONS</a:t>
+            </a:r>
+            <a:endParaRPr lang="fr-CH" sz="2800" dirty="0" smtClean="0"/>
           </a:p>
         </p:txBody>
       </p:sp>
@@ -7780,6 +7872,15 @@
 </file>
 
 <file path=customXml/item2.xml><?xml version="1.0" encoding="utf-8"?>
+<?mso-contentType ?>
+<FormTemplates xmlns="http://schemas.microsoft.com/sharepoint/v3/contenttype/forms">
+  <Display>DocumentLibraryForm</Display>
+  <Edit>DocumentLibraryForm</Edit>
+  <New>DocumentLibraryForm</New>
+</FormTemplates>
+</file>
+
+<file path=customXml/item3.xml><?xml version="1.0" encoding="utf-8"?>
 <ct:contentTypeSchema xmlns:ct="http://schemas.microsoft.com/office/2006/metadata/contentType" xmlns:ma="http://schemas.microsoft.com/office/2006/metadata/properties/metaAttributes" ct:_="" ma:_="" ma:contentTypeName="Document" ma:contentTypeID="0x010100AA3F7D94069FF64A86F7DFF56D60E3BE" ma:contentTypeVersion="6" ma:contentTypeDescription="Create a new document." ma:contentTypeScope="" ma:versionID="c32302c77d4085ecf495bdddb7f5e889">
   <xsd:schema xmlns:xsd="http://www.w3.org/2001/XMLSchema" xmlns:xs="http://www.w3.org/2001/XMLSchema" xmlns:p="http://schemas.microsoft.com/office/2006/metadata/properties" xmlns:ns2="a4f35948-e619-41b3-aa29-22878b09cfd2" xmlns:ns3="40262f94-9f35-4ac3-9a90-690165a166b7" targetNamespace="http://schemas.microsoft.com/office/2006/metadata/properties" ma:root="true" ma:fieldsID="4ab5ae46be95f9d0be6107e8200be7a2" ns2:_="" ns3:_="">
     <xsd:import namespace="a4f35948-e619-41b3-aa29-22878b09cfd2"/>
@@ -7960,15 +8061,6 @@
 </ct:contentTypeSchema>
 </file>
 
-<file path=customXml/item3.xml><?xml version="1.0" encoding="utf-8"?>
-<?mso-contentType ?>
-<FormTemplates xmlns="http://schemas.microsoft.com/sharepoint/v3/contenttype/forms">
-  <Display>DocumentLibraryForm</Display>
-  <Edit>DocumentLibraryForm</Edit>
-  <New>DocumentLibraryForm</New>
-</FormTemplates>
-</file>
-
 <file path=customXml/itemProps1.xml><?xml version="1.0" encoding="utf-8"?>
 <ds:datastoreItem xmlns:ds="http://schemas.openxmlformats.org/officeDocument/2006/customXml" ds:itemID="{3049C11C-71DC-49B6-ACD8-27E3AE088D14}">
   <ds:schemaRefs>
@@ -7987,6 +8079,14 @@
 </file>
 
 <file path=customXml/itemProps2.xml><?xml version="1.0" encoding="utf-8"?>
+<ds:datastoreItem xmlns:ds="http://schemas.openxmlformats.org/officeDocument/2006/customXml" ds:itemID="{0875BD71-4A33-4FB7-88CA-777C4D9E6EE5}">
+  <ds:schemaRefs>
+    <ds:schemaRef ds:uri="http://schemas.microsoft.com/sharepoint/v3/contenttype/forms"/>
+  </ds:schemaRefs>
+</ds:datastoreItem>
+</file>
+
+<file path=customXml/itemProps3.xml><?xml version="1.0" encoding="utf-8"?>
 <ds:datastoreItem xmlns:ds="http://schemas.openxmlformats.org/officeDocument/2006/customXml" ds:itemID="{51F78577-2839-4BFF-9EC7-673BD8FEBD87}">
   <ds:schemaRefs>
     <ds:schemaRef ds:uri="http://schemas.microsoft.com/office/2006/metadata/contentType"/>
@@ -8003,12 +8103,4 @@
     <ds:schemaRef ds:uri="http://schemas.microsoft.com/internal/obd"/>
   </ds:schemaRefs>
 </ds:datastoreItem>
-</file>
-
-<file path=customXml/itemProps3.xml><?xml version="1.0" encoding="utf-8"?>
-<ds:datastoreItem xmlns:ds="http://schemas.openxmlformats.org/officeDocument/2006/customXml" ds:itemID="{0875BD71-4A33-4FB7-88CA-777C4D9E6EE5}">
-  <ds:schemaRefs>
-    <ds:schemaRef ds:uri="http://schemas.microsoft.com/sharepoint/v3/contenttype/forms"/>
-  </ds:schemaRefs>
-</ds:datastoreItem>
 </file>
--- a/SERVEUR ET FICHIERS D’IMPRESSION.pptx
+++ b/SERVEUR ET FICHIERS D’IMPRESSION.pptx
@@ -5350,8 +5350,8 @@
         </p:nvSpPr>
         <p:spPr>
           <a:xfrm>
-            <a:off x="2926060" y="2276872"/>
-            <a:ext cx="6264696" cy="2247528"/>
+            <a:off x="2782044" y="2132856"/>
+            <a:ext cx="6408712" cy="2247528"/>
           </a:xfrm>
         </p:spPr>
         <p:txBody>
@@ -5441,6 +5441,51 @@
           </a:p>
         </p:txBody>
       </p:sp>
+      <p:pic>
+        <p:nvPicPr>
+          <p:cNvPr id="6" name="Image 5"/>
+          <p:cNvPicPr>
+            <a:picLocks noChangeAspect="1"/>
+          </p:cNvPicPr>
+          <p:nvPr/>
+        </p:nvPicPr>
+        <p:blipFill>
+          <a:blip r:embed="rId3">
+            <a:extLst>
+              <a:ext uri="{BEBA8EAE-BF5A-486C-A8C5-ECC9F3942E4B}">
+                <a14:imgProps xmlns:a14="http://schemas.microsoft.com/office/drawing/2010/main">
+                  <a14:imgLayer r:embed="rId4">
+                    <a14:imgEffect>
+                      <a14:sharpenSoften amount="50000"/>
+                    </a14:imgEffect>
+                  </a14:imgLayer>
+                </a14:imgProps>
+              </a:ext>
+              <a:ext uri="{28A0092B-C50C-407E-A947-70E740481C1C}">
+                <a14:useLocalDpi xmlns:a14="http://schemas.microsoft.com/office/drawing/2010/main" val="0"/>
+              </a:ext>
+            </a:extLst>
+          </a:blip>
+          <a:stretch>
+            <a:fillRect/>
+          </a:stretch>
+        </p:blipFill>
+        <p:spPr>
+          <a:xfrm>
+            <a:off x="8470676" y="4653136"/>
+            <a:ext cx="3600400" cy="2016224"/>
+          </a:xfrm>
+          <a:prstGeom prst="rect">
+            <a:avLst/>
+          </a:prstGeom>
+          <a:ln>
+            <a:noFill/>
+          </a:ln>
+          <a:effectLst>
+            <a:softEdge rad="112500"/>
+          </a:effectLst>
+        </p:spPr>
+      </p:pic>
     </p:spTree>
     <p:extLst>
       <p:ext uri="{BB962C8B-B14F-4D97-AF65-F5344CB8AC3E}">
@@ -5820,6 +5865,9 @@
                 <a:solidFill>
                   <a:srgbClr val="87A896"/>
                 </a:solidFill>
+                <a:latin typeface="Tahoma" panose="020B0604030504040204" pitchFamily="34" charset="0"/>
+                <a:ea typeface="Tahoma" panose="020B0604030504040204" pitchFamily="34" charset="0"/>
+                <a:cs typeface="Tahoma" panose="020B0604030504040204" pitchFamily="34" charset="0"/>
               </a:rPr>
               <a:t>SERVEURS DE FICHIERS</a:t>
             </a:r>
@@ -5827,6 +5875,9 @@
               <a:solidFill>
                 <a:srgbClr val="87A896"/>
               </a:solidFill>
+              <a:latin typeface="Tahoma" panose="020B0604030504040204" pitchFamily="34" charset="0"/>
+              <a:ea typeface="Tahoma" panose="020B0604030504040204" pitchFamily="34" charset="0"/>
+              <a:cs typeface="Tahoma" panose="020B0604030504040204" pitchFamily="34" charset="0"/>
             </a:endParaRPr>
           </a:p>
         </p:txBody>
@@ -5950,6 +6001,9 @@
                 <a:solidFill>
                   <a:srgbClr val="87A896"/>
                 </a:solidFill>
+                <a:latin typeface="Tahoma" panose="020B0604030504040204" pitchFamily="34" charset="0"/>
+                <a:ea typeface="Tahoma" panose="020B0604030504040204" pitchFamily="34" charset="0"/>
+                <a:cs typeface="Tahoma" panose="020B0604030504040204" pitchFamily="34" charset="0"/>
               </a:rPr>
               <a:t>ARBORESCENCES</a:t>
             </a:r>
@@ -5957,6 +6011,9 @@
               <a:solidFill>
                 <a:srgbClr val="87A896"/>
               </a:solidFill>
+              <a:latin typeface="Tahoma" panose="020B0604030504040204" pitchFamily="34" charset="0"/>
+              <a:ea typeface="Tahoma" panose="020B0604030504040204" pitchFamily="34" charset="0"/>
+              <a:cs typeface="Tahoma" panose="020B0604030504040204" pitchFamily="34" charset="0"/>
             </a:endParaRPr>
           </a:p>
         </p:txBody>
@@ -5992,6 +6049,9 @@
                 <a:solidFill>
                   <a:srgbClr val="87A896"/>
                 </a:solidFill>
+                <a:latin typeface="Tahoma" panose="020B0604030504040204" pitchFamily="34" charset="0"/>
+                <a:ea typeface="Tahoma" panose="020B0604030504040204" pitchFamily="34" charset="0"/>
+                <a:cs typeface="Tahoma" panose="020B0604030504040204" pitchFamily="34" charset="0"/>
               </a:rPr>
               <a:t>SERVEURS DE FICHIERS</a:t>
             </a:r>
@@ -5999,6 +6059,9 @@
               <a:solidFill>
                 <a:srgbClr val="87A896"/>
               </a:solidFill>
+              <a:latin typeface="Tahoma" panose="020B0604030504040204" pitchFamily="34" charset="0"/>
+              <a:ea typeface="Tahoma" panose="020B0604030504040204" pitchFamily="34" charset="0"/>
+              <a:cs typeface="Tahoma" panose="020B0604030504040204" pitchFamily="34" charset="0"/>
             </a:endParaRPr>
           </a:p>
         </p:txBody>
@@ -6062,40 +6125,72 @@
           <a:p>
             <a:pPr algn="ctr"/>
             <a:r>
-              <a:rPr lang="fr-CH" dirty="0" smtClean="0"/>
+              <a:rPr lang="fr-CH" dirty="0" smtClean="0">
+                <a:latin typeface="Tahoma" panose="020B0604030504040204" pitchFamily="34" charset="0"/>
+                <a:ea typeface="Tahoma" panose="020B0604030504040204" pitchFamily="34" charset="0"/>
+                <a:cs typeface="Tahoma" panose="020B0604030504040204" pitchFamily="34" charset="0"/>
+              </a:rPr>
               <a:t>C’EST UNE DÉVELOPPEMENT DE HI</a:t>
             </a:r>
             <a:r>
-              <a:rPr lang="fr-CH" sz="1600" dirty="0" smtClean="0"/>
+              <a:rPr lang="fr-CH" sz="1600" dirty="0" smtClean="0">
+                <a:latin typeface="Tahoma" panose="020B0604030504040204" pitchFamily="34" charset="0"/>
+                <a:ea typeface="Tahoma" panose="020B0604030504040204" pitchFamily="34" charset="0"/>
+                <a:cs typeface="Tahoma" panose="020B0604030504040204" pitchFamily="34" charset="0"/>
+              </a:rPr>
               <a:t>ÉRARCHIE DE FICHIERS ER DE DOSSIERS DANS LE BUT DE TRANSMETTRE DE MANIÈRE SYNCHRONISÉE DES DONNÉES DE DIFFÉRENTS TYPES. </a:t>
             </a:r>
           </a:p>
           <a:p>
             <a:pPr algn="ctr"/>
-            <a:endParaRPr lang="fr-CH" sz="1600" dirty="0"/>
+            <a:endParaRPr lang="fr-CH" sz="1600" dirty="0">
+              <a:latin typeface="Tahoma" panose="020B0604030504040204" pitchFamily="34" charset="0"/>
+              <a:ea typeface="Tahoma" panose="020B0604030504040204" pitchFamily="34" charset="0"/>
+              <a:cs typeface="Tahoma" panose="020B0604030504040204" pitchFamily="34" charset="0"/>
+            </a:endParaRPr>
           </a:p>
           <a:p>
             <a:pPr algn="ctr"/>
             <a:r>
-              <a:rPr lang="fr-CH" sz="1600" dirty="0" smtClean="0"/>
+              <a:rPr lang="fr-CH" sz="1600" dirty="0" smtClean="0">
+                <a:latin typeface="Tahoma" panose="020B0604030504040204" pitchFamily="34" charset="0"/>
+                <a:ea typeface="Tahoma" panose="020B0604030504040204" pitchFamily="34" charset="0"/>
+                <a:cs typeface="Tahoma" panose="020B0604030504040204" pitchFamily="34" charset="0"/>
+              </a:rPr>
               <a:t>LES UTILISATEUR AYANT ACCÈS AU SERVEUR, SONT SOUVENT SOUMIS À DES CONTRAINTES ÉMISES SUR CELUI-CI AU DÉTRIMENT DE L’HÔTE.</a:t>
             </a:r>
           </a:p>
           <a:p>
             <a:pPr algn="ctr"/>
-            <a:endParaRPr lang="fr-CH" sz="1600" dirty="0"/>
+            <a:endParaRPr lang="fr-CH" sz="1600" dirty="0">
+              <a:latin typeface="Tahoma" panose="020B0604030504040204" pitchFamily="34" charset="0"/>
+              <a:ea typeface="Tahoma" panose="020B0604030504040204" pitchFamily="34" charset="0"/>
+              <a:cs typeface="Tahoma" panose="020B0604030504040204" pitchFamily="34" charset="0"/>
+            </a:endParaRPr>
           </a:p>
           <a:p>
             <a:pPr algn="ctr"/>
             <a:r>
-              <a:rPr lang="fr-CH" sz="1600" dirty="0" smtClean="0"/>
+              <a:rPr lang="fr-CH" sz="1600" dirty="0" smtClean="0">
+                <a:latin typeface="Tahoma" panose="020B0604030504040204" pitchFamily="34" charset="0"/>
+                <a:ea typeface="Tahoma" panose="020B0604030504040204" pitchFamily="34" charset="0"/>
+                <a:cs typeface="Tahoma" panose="020B0604030504040204" pitchFamily="34" charset="0"/>
+              </a:rPr>
               <a:t>CES RESTRICTIONS SONT INFRANCHISSABLE ET DOIVENT ÊTRE RESPECTÉES. ELLES SONT REPRÉSENTÉES PAR DES DROITS </a:t>
             </a:r>
             <a:r>
-              <a:rPr lang="fr-CH" sz="1600" b="1" dirty="0" smtClean="0"/>
+              <a:rPr lang="fr-CH" sz="1600" b="1" dirty="0" smtClean="0">
+                <a:latin typeface="Tahoma" panose="020B0604030504040204" pitchFamily="34" charset="0"/>
+                <a:ea typeface="Tahoma" panose="020B0604030504040204" pitchFamily="34" charset="0"/>
+                <a:cs typeface="Tahoma" panose="020B0604030504040204" pitchFamily="34" charset="0"/>
+              </a:rPr>
               <a:t>NTFS</a:t>
             </a:r>
-            <a:endParaRPr lang="fr-CH" b="1" dirty="0" smtClean="0"/>
+            <a:endParaRPr lang="fr-CH" b="1" dirty="0" smtClean="0">
+              <a:latin typeface="Tahoma" panose="020B0604030504040204" pitchFamily="34" charset="0"/>
+              <a:ea typeface="Tahoma" panose="020B0604030504040204" pitchFamily="34" charset="0"/>
+              <a:cs typeface="Tahoma" panose="020B0604030504040204" pitchFamily="34" charset="0"/>
+            </a:endParaRPr>
           </a:p>
         </p:txBody>
       </p:sp>
@@ -6213,6 +6308,9 @@
                 <a:solidFill>
                   <a:srgbClr val="87A896"/>
                 </a:solidFill>
+                <a:latin typeface="Tahoma" panose="020B0604030504040204" pitchFamily="34" charset="0"/>
+                <a:ea typeface="Tahoma" panose="020B0604030504040204" pitchFamily="34" charset="0"/>
+                <a:cs typeface="Tahoma" panose="020B0604030504040204" pitchFamily="34" charset="0"/>
               </a:rPr>
               <a:t>EXPLICATIONS DES PARTAGES</a:t>
             </a:r>
@@ -6220,6 +6318,9 @@
               <a:solidFill>
                 <a:srgbClr val="87A896"/>
               </a:solidFill>
+              <a:latin typeface="Tahoma" panose="020B0604030504040204" pitchFamily="34" charset="0"/>
+              <a:ea typeface="Tahoma" panose="020B0604030504040204" pitchFamily="34" charset="0"/>
+              <a:cs typeface="Tahoma" panose="020B0604030504040204" pitchFamily="34" charset="0"/>
             </a:endParaRPr>
           </a:p>
         </p:txBody>
@@ -6255,6 +6356,9 @@
                 <a:solidFill>
                   <a:srgbClr val="87A896"/>
                 </a:solidFill>
+                <a:latin typeface="Tahoma" panose="020B0604030504040204" pitchFamily="34" charset="0"/>
+                <a:ea typeface="Tahoma" panose="020B0604030504040204" pitchFamily="34" charset="0"/>
+                <a:cs typeface="Tahoma" panose="020B0604030504040204" pitchFamily="34" charset="0"/>
               </a:rPr>
               <a:t>SERVEURS DE FICHIERS</a:t>
             </a:r>
@@ -6262,6 +6366,9 @@
               <a:solidFill>
                 <a:srgbClr val="87A896"/>
               </a:solidFill>
+              <a:latin typeface="Tahoma" panose="020B0604030504040204" pitchFamily="34" charset="0"/>
+              <a:ea typeface="Tahoma" panose="020B0604030504040204" pitchFamily="34" charset="0"/>
+              <a:cs typeface="Tahoma" panose="020B0604030504040204" pitchFamily="34" charset="0"/>
             </a:endParaRPr>
           </a:p>
         </p:txBody>
@@ -6295,7 +6402,11 @@
           <a:p>
             <a:pPr algn="ctr"/>
             <a:r>
-              <a:rPr lang="fr-CH" sz="2800" dirty="0" smtClean="0"/>
+              <a:rPr lang="fr-CH" sz="2800" dirty="0" smtClean="0">
+                <a:latin typeface="Tahoma" panose="020B0604030504040204" pitchFamily="34" charset="0"/>
+                <a:ea typeface="Tahoma" panose="020B0604030504040204" pitchFamily="34" charset="0"/>
+                <a:cs typeface="Tahoma" panose="020B0604030504040204" pitchFamily="34" charset="0"/>
+              </a:rPr>
               <a:t>TYPE DE DROIT</a:t>
             </a:r>
           </a:p>
@@ -6330,7 +6441,11 @@
           <a:p>
             <a:pPr algn="ctr"/>
             <a:r>
-              <a:rPr lang="fr-CH" sz="2800" dirty="0" smtClean="0"/>
+              <a:rPr lang="fr-CH" sz="2800" dirty="0" smtClean="0">
+                <a:latin typeface="Tahoma" panose="020B0604030504040204" pitchFamily="34" charset="0"/>
+                <a:ea typeface="Tahoma" panose="020B0604030504040204" pitchFamily="34" charset="0"/>
+                <a:cs typeface="Tahoma" panose="020B0604030504040204" pitchFamily="34" charset="0"/>
+              </a:rPr>
               <a:t>PARTAGE AVANCÉ</a:t>
             </a:r>
           </a:p>
@@ -6448,37 +6563,19 @@
                 <a:solidFill>
                   <a:srgbClr val="87A896"/>
                 </a:solidFill>
+                <a:latin typeface="Tahoma" panose="020B0604030504040204" pitchFamily="34" charset="0"/>
+                <a:ea typeface="Tahoma" panose="020B0604030504040204" pitchFamily="34" charset="0"/>
+                <a:cs typeface="Tahoma" panose="020B0604030504040204" pitchFamily="34" charset="0"/>
               </a:rPr>
-              <a:t>EXPLICATIONS DES </a:t>
-            </a:r>
-            <a:r>
-              <a:rPr lang="fr-FR" sz="4800" dirty="0" smtClean="0">
-                <a:solidFill>
-                  <a:srgbClr val="87A896"/>
-                </a:solidFill>
-              </a:rPr>
-              <a:t>AUTORISATIONS</a:t>
-            </a:r>
-            <a:r>
-              <a:rPr lang="fr-FR" sz="4800" dirty="0" smtClean="0">
-                <a:solidFill>
-                  <a:srgbClr val="87A896"/>
-                </a:solidFill>
-              </a:rPr>
-              <a:t> </a:t>
-            </a:r>
-            <a:r>
-              <a:rPr lang="fr-FR" sz="4800" dirty="0" smtClean="0">
-                <a:solidFill>
-                  <a:srgbClr val="87A896"/>
-                </a:solidFill>
-              </a:rPr>
-              <a:t>NTFS</a:t>
+              <a:t>EXPLICATIONS DES AUTORISATIONS NTFS</a:t>
             </a:r>
             <a:endParaRPr lang="fr-FR" sz="4800" dirty="0">
               <a:solidFill>
                 <a:srgbClr val="87A896"/>
               </a:solidFill>
+              <a:latin typeface="Tahoma" panose="020B0604030504040204" pitchFamily="34" charset="0"/>
+              <a:ea typeface="Tahoma" panose="020B0604030504040204" pitchFamily="34" charset="0"/>
+              <a:cs typeface="Tahoma" panose="020B0604030504040204" pitchFamily="34" charset="0"/>
             </a:endParaRPr>
           </a:p>
         </p:txBody>
@@ -6514,6 +6611,9 @@
                 <a:solidFill>
                   <a:srgbClr val="87A896"/>
                 </a:solidFill>
+                <a:latin typeface="Tahoma" panose="020B0604030504040204" pitchFamily="34" charset="0"/>
+                <a:ea typeface="Tahoma" panose="020B0604030504040204" pitchFamily="34" charset="0"/>
+                <a:cs typeface="Tahoma" panose="020B0604030504040204" pitchFamily="34" charset="0"/>
               </a:rPr>
               <a:t>SERVEURS DE FICHIERS</a:t>
             </a:r>
@@ -6521,6 +6621,9 @@
               <a:solidFill>
                 <a:srgbClr val="87A896"/>
               </a:solidFill>
+              <a:latin typeface="Tahoma" panose="020B0604030504040204" pitchFamily="34" charset="0"/>
+              <a:ea typeface="Tahoma" panose="020B0604030504040204" pitchFamily="34" charset="0"/>
+              <a:cs typeface="Tahoma" panose="020B0604030504040204" pitchFamily="34" charset="0"/>
             </a:endParaRPr>
           </a:p>
         </p:txBody>
@@ -6554,10 +6657,13 @@
           <a:p>
             <a:pPr algn="ctr"/>
             <a:r>
-              <a:rPr lang="fr-CH" dirty="0" smtClean="0"/>
+              <a:rPr lang="fr-CH" dirty="0" smtClean="0">
+                <a:latin typeface="Tahoma" panose="020B0604030504040204" pitchFamily="34" charset="0"/>
+                <a:ea typeface="Tahoma" panose="020B0604030504040204" pitchFamily="34" charset="0"/>
+                <a:cs typeface="Tahoma" panose="020B0604030504040204" pitchFamily="34" charset="0"/>
+              </a:rPr>
               <a:t>NTFS ( OU NEW TECHNOLOGIE FILE SYSTEM), PROCÈDUREQUE WINDOWS NT SYSTÈME UTILISÉ POUR STOCKER, ORGANISER ET TROUVER FICHIERS DANS DISQUE DUR. NTFS EXISTE DEPUIS 1993 ET EST SYSTÈME LE PLUS EFFICACE DE NOTRE GÉNÉRATION</a:t>
             </a:r>
-            <a:endParaRPr lang="fr-CH" dirty="0" smtClean="0"/>
           </a:p>
         </p:txBody>
       </p:sp>
@@ -6590,7 +6696,11 @@
           <a:p>
             <a:pPr algn="ctr"/>
             <a:r>
-              <a:rPr lang="fr-CH" sz="2800" dirty="0" smtClean="0"/>
+              <a:rPr lang="fr-CH" sz="2800" dirty="0" smtClean="0">
+                <a:latin typeface="Tahoma" panose="020B0604030504040204" pitchFamily="34" charset="0"/>
+                <a:ea typeface="Tahoma" panose="020B0604030504040204" pitchFamily="34" charset="0"/>
+                <a:cs typeface="Tahoma" panose="020B0604030504040204" pitchFamily="34" charset="0"/>
+              </a:rPr>
               <a:t>IMAGES OU EXEMPLES</a:t>
             </a:r>
           </a:p>
@@ -6625,14 +6735,13 @@
           <a:p>
             <a:pPr algn="ctr"/>
             <a:r>
-              <a:rPr lang="fr-CH" sz="2800" dirty="0" smtClean="0"/>
-              <a:t>TYPE </a:t>
-            </a:r>
-            <a:r>
-              <a:rPr lang="fr-CH" sz="2800" dirty="0" smtClean="0"/>
-              <a:t>D’AUTORISATIONS</a:t>
-            </a:r>
-            <a:endParaRPr lang="fr-CH" sz="2800" dirty="0" smtClean="0"/>
+              <a:rPr lang="fr-CH" sz="2800" dirty="0" smtClean="0">
+                <a:latin typeface="Tahoma" panose="020B0604030504040204" pitchFamily="34" charset="0"/>
+                <a:ea typeface="Tahoma" panose="020B0604030504040204" pitchFamily="34" charset="0"/>
+                <a:cs typeface="Tahoma" panose="020B0604030504040204" pitchFamily="34" charset="0"/>
+              </a:rPr>
+              <a:t>TYPE D’AUTORISATIONS</a:t>
+            </a:r>
           </a:p>
         </p:txBody>
       </p:sp>
@@ -6721,6 +6830,9 @@
                 <a:solidFill>
                   <a:srgbClr val="87A896"/>
                 </a:solidFill>
+                <a:latin typeface="Tahoma" panose="020B0604030504040204" pitchFamily="34" charset="0"/>
+                <a:ea typeface="Tahoma" panose="020B0604030504040204" pitchFamily="34" charset="0"/>
+                <a:cs typeface="Tahoma" panose="020B0604030504040204" pitchFamily="34" charset="0"/>
               </a:rPr>
               <a:t>SERVEURS D’IMPRESSION</a:t>
             </a:r>
@@ -6728,6 +6840,9 @@
               <a:solidFill>
                 <a:srgbClr val="87A896"/>
               </a:solidFill>
+              <a:latin typeface="Tahoma" panose="020B0604030504040204" pitchFamily="34" charset="0"/>
+              <a:ea typeface="Tahoma" panose="020B0604030504040204" pitchFamily="34" charset="0"/>
+              <a:cs typeface="Tahoma" panose="020B0604030504040204" pitchFamily="34" charset="0"/>
             </a:endParaRPr>
           </a:p>
         </p:txBody>
@@ -6844,6 +6959,9 @@
                 <a:solidFill>
                   <a:srgbClr val="87A896"/>
                 </a:solidFill>
+                <a:latin typeface="Tahoma" panose="020B0604030504040204" pitchFamily="34" charset="0"/>
+                <a:ea typeface="Tahoma" panose="020B0604030504040204" pitchFamily="34" charset="0"/>
+                <a:cs typeface="Tahoma" panose="020B0604030504040204" pitchFamily="34" charset="0"/>
               </a:rPr>
               <a:t>Différence serveur impression </a:t>
             </a:r>
@@ -6852,6 +6970,9 @@
                 <a:solidFill>
                   <a:srgbClr val="87A896"/>
                 </a:solidFill>
+                <a:latin typeface="Tahoma" panose="020B0604030504040204" pitchFamily="34" charset="0"/>
+                <a:ea typeface="Tahoma" panose="020B0604030504040204" pitchFamily="34" charset="0"/>
+                <a:cs typeface="Tahoma" panose="020B0604030504040204" pitchFamily="34" charset="0"/>
               </a:rPr>
               <a:t>et imprimante réseau standard</a:t>
             </a:r>
@@ -6862,6 +6983,9 @@
               <a:solidFill>
                 <a:srgbClr val="87A896"/>
               </a:solidFill>
+              <a:latin typeface="Tahoma" panose="020B0604030504040204" pitchFamily="34" charset="0"/>
+              <a:ea typeface="Tahoma" panose="020B0604030504040204" pitchFamily="34" charset="0"/>
+              <a:cs typeface="Tahoma" panose="020B0604030504040204" pitchFamily="34" charset="0"/>
             </a:endParaRPr>
           </a:p>
         </p:txBody>
@@ -6897,6 +7021,9 @@
                 <a:solidFill>
                   <a:srgbClr val="87A896"/>
                 </a:solidFill>
+                <a:latin typeface="Tahoma" panose="020B0604030504040204" pitchFamily="34" charset="0"/>
+                <a:ea typeface="Tahoma" panose="020B0604030504040204" pitchFamily="34" charset="0"/>
+                <a:cs typeface="Tahoma" panose="020B0604030504040204" pitchFamily="34" charset="0"/>
               </a:rPr>
               <a:t>SERVEURS D’IMPRESSION</a:t>
             </a:r>
@@ -6904,6 +7031,9 @@
               <a:solidFill>
                 <a:srgbClr val="87A896"/>
               </a:solidFill>
+              <a:latin typeface="Tahoma" panose="020B0604030504040204" pitchFamily="34" charset="0"/>
+              <a:ea typeface="Tahoma" panose="020B0604030504040204" pitchFamily="34" charset="0"/>
+              <a:cs typeface="Tahoma" panose="020B0604030504040204" pitchFamily="34" charset="0"/>
             </a:endParaRPr>
           </a:p>
         </p:txBody>
@@ -6937,7 +7067,11 @@
           <a:p>
             <a:pPr algn="ctr"/>
             <a:r>
-              <a:rPr lang="fr-CH" dirty="0" smtClean="0"/>
+              <a:rPr lang="fr-CH" dirty="0" smtClean="0">
+                <a:latin typeface="Tahoma" panose="020B0604030504040204" pitchFamily="34" charset="0"/>
+                <a:ea typeface="Tahoma" panose="020B0604030504040204" pitchFamily="34" charset="0"/>
+                <a:cs typeface="Tahoma" panose="020B0604030504040204" pitchFamily="34" charset="0"/>
+              </a:rPr>
               <a:t>SERVEUR IMPRESSION</a:t>
             </a:r>
           </a:p>
@@ -6972,7 +7106,11 @@
           <a:p>
             <a:pPr algn="ctr"/>
             <a:r>
-              <a:rPr lang="fr-CH" dirty="0" smtClean="0"/>
+              <a:rPr lang="fr-CH" dirty="0" smtClean="0">
+                <a:latin typeface="Tahoma" panose="020B0604030504040204" pitchFamily="34" charset="0"/>
+                <a:ea typeface="Tahoma" panose="020B0604030504040204" pitchFamily="34" charset="0"/>
+                <a:cs typeface="Tahoma" panose="020B0604030504040204" pitchFamily="34" charset="0"/>
+              </a:rPr>
               <a:t>IMPRIMANTE RÉSEAU STANDARD</a:t>
             </a:r>
           </a:p>
@@ -7872,15 +8010,6 @@
 </file>
 
 <file path=customXml/item2.xml><?xml version="1.0" encoding="utf-8"?>
-<?mso-contentType ?>
-<FormTemplates xmlns="http://schemas.microsoft.com/sharepoint/v3/contenttype/forms">
-  <Display>DocumentLibraryForm</Display>
-  <Edit>DocumentLibraryForm</Edit>
-  <New>DocumentLibraryForm</New>
-</FormTemplates>
-</file>
-
-<file path=customXml/item3.xml><?xml version="1.0" encoding="utf-8"?>
 <ct:contentTypeSchema xmlns:ct="http://schemas.microsoft.com/office/2006/metadata/contentType" xmlns:ma="http://schemas.microsoft.com/office/2006/metadata/properties/metaAttributes" ct:_="" ma:_="" ma:contentTypeName="Document" ma:contentTypeID="0x010100AA3F7D94069FF64A86F7DFF56D60E3BE" ma:contentTypeVersion="6" ma:contentTypeDescription="Create a new document." ma:contentTypeScope="" ma:versionID="c32302c77d4085ecf495bdddb7f5e889">
   <xsd:schema xmlns:xsd="http://www.w3.org/2001/XMLSchema" xmlns:xs="http://www.w3.org/2001/XMLSchema" xmlns:p="http://schemas.microsoft.com/office/2006/metadata/properties" xmlns:ns2="a4f35948-e619-41b3-aa29-22878b09cfd2" xmlns:ns3="40262f94-9f35-4ac3-9a90-690165a166b7" targetNamespace="http://schemas.microsoft.com/office/2006/metadata/properties" ma:root="true" ma:fieldsID="4ab5ae46be95f9d0be6107e8200be7a2" ns2:_="" ns3:_="">
     <xsd:import namespace="a4f35948-e619-41b3-aa29-22878b09cfd2"/>
@@ -8061,6 +8190,15 @@
 </ct:contentTypeSchema>
 </file>
 
+<file path=customXml/item3.xml><?xml version="1.0" encoding="utf-8"?>
+<?mso-contentType ?>
+<FormTemplates xmlns="http://schemas.microsoft.com/sharepoint/v3/contenttype/forms">
+  <Display>DocumentLibraryForm</Display>
+  <Edit>DocumentLibraryForm</Edit>
+  <New>DocumentLibraryForm</New>
+</FormTemplates>
+</file>
+
 <file path=customXml/itemProps1.xml><?xml version="1.0" encoding="utf-8"?>
 <ds:datastoreItem xmlns:ds="http://schemas.openxmlformats.org/officeDocument/2006/customXml" ds:itemID="{3049C11C-71DC-49B6-ACD8-27E3AE088D14}">
   <ds:schemaRefs>
@@ -8079,14 +8217,6 @@
 </file>
 
 <file path=customXml/itemProps2.xml><?xml version="1.0" encoding="utf-8"?>
-<ds:datastoreItem xmlns:ds="http://schemas.openxmlformats.org/officeDocument/2006/customXml" ds:itemID="{0875BD71-4A33-4FB7-88CA-777C4D9E6EE5}">
-  <ds:schemaRefs>
-    <ds:schemaRef ds:uri="http://schemas.microsoft.com/sharepoint/v3/contenttype/forms"/>
-  </ds:schemaRefs>
-</ds:datastoreItem>
-</file>
-
-<file path=customXml/itemProps3.xml><?xml version="1.0" encoding="utf-8"?>
 <ds:datastoreItem xmlns:ds="http://schemas.openxmlformats.org/officeDocument/2006/customXml" ds:itemID="{51F78577-2839-4BFF-9EC7-673BD8FEBD87}">
   <ds:schemaRefs>
     <ds:schemaRef ds:uri="http://schemas.microsoft.com/office/2006/metadata/contentType"/>
@@ -8103,4 +8233,12 @@
     <ds:schemaRef ds:uri="http://schemas.microsoft.com/internal/obd"/>
   </ds:schemaRefs>
 </ds:datastoreItem>
+</file>
+
+<file path=customXml/itemProps3.xml><?xml version="1.0" encoding="utf-8"?>
+<ds:datastoreItem xmlns:ds="http://schemas.openxmlformats.org/officeDocument/2006/customXml" ds:itemID="{0875BD71-4A33-4FB7-88CA-777C4D9E6EE5}">
+  <ds:schemaRefs>
+    <ds:schemaRef ds:uri="http://schemas.microsoft.com/sharepoint/v3/contenttype/forms"/>
+  </ds:schemaRefs>
+</ds:datastoreItem>
 </file>
--- a/SERVEUR ET FICHIERS D’IMPRESSION.pptx
+++ b/SERVEUR ET FICHIERS D’IMPRESSION.pptx
@@ -5,10 +5,10 @@
     <p:sldMasterId id="2147483672" r:id="rId4"/>
   </p:sldMasterIdLst>
   <p:notesMasterIdLst>
-    <p:notesMasterId r:id="rId13"/>
+    <p:notesMasterId r:id="rId14"/>
   </p:notesMasterIdLst>
   <p:handoutMasterIdLst>
-    <p:handoutMasterId r:id="rId14"/>
+    <p:handoutMasterId r:id="rId15"/>
   </p:handoutMasterIdLst>
   <p:sldIdLst>
     <p:sldId id="322" r:id="rId5"/>
@@ -17,13 +17,14 @@
     <p:sldId id="313" r:id="rId8"/>
     <p:sldId id="324" r:id="rId9"/>
     <p:sldId id="325" r:id="rId10"/>
-    <p:sldId id="326" r:id="rId11"/>
-    <p:sldId id="327" r:id="rId12"/>
+    <p:sldId id="328" r:id="rId11"/>
+    <p:sldId id="326" r:id="rId12"/>
+    <p:sldId id="327" r:id="rId13"/>
   </p:sldIdLst>
   <p:sldSz cx="12188825" cy="6858000"/>
   <p:notesSz cx="6858000" cy="9144000"/>
   <p:custDataLst>
-    <p:tags r:id="rId15"/>
+    <p:tags r:id="rId16"/>
   </p:custDataLst>
   <p:defaultTextStyle>
     <a:defPPr rtl="0">
@@ -1359,7 +1360,7 @@
     </p:spTree>
     <p:extLst>
       <p:ext uri="{BB962C8B-B14F-4D97-AF65-F5344CB8AC3E}">
-        <p14:creationId xmlns:p14="http://schemas.microsoft.com/office/powerpoint/2010/main" val="3382611344"/>
+        <p14:creationId xmlns:p14="http://schemas.microsoft.com/office/powerpoint/2010/main" val="1754128439"/>
       </p:ext>
     </p:extLst>
   </p:cSld>
@@ -1436,6 +1437,91 @@
             <a:fld id="{F93199CD-3E1B-4AE6-990F-76F925F5EA9F}" type="slidenum">
               <a:rPr lang="fr-FR" smtClean="0"/>
               <a:t>8</a:t>
+            </a:fld>
+            <a:endParaRPr lang="fr-FR" dirty="0"/>
+          </a:p>
+        </p:txBody>
+      </p:sp>
+    </p:spTree>
+    <p:extLst>
+      <p:ext uri="{BB962C8B-B14F-4D97-AF65-F5344CB8AC3E}">
+        <p14:creationId xmlns:p14="http://schemas.microsoft.com/office/powerpoint/2010/main" val="3382611344"/>
+      </p:ext>
+    </p:extLst>
+  </p:cSld>
+  <p:clrMapOvr>
+    <a:masterClrMapping/>
+  </p:clrMapOvr>
+</p:notes>
+</file>
+
+<file path=ppt/notesSlides/notesSlide9.xml><?xml version="1.0" encoding="utf-8"?>
+<p:notes xmlns:a="http://schemas.openxmlformats.org/drawingml/2006/main" xmlns:r="http://schemas.openxmlformats.org/officeDocument/2006/relationships" xmlns:p="http://schemas.openxmlformats.org/presentationml/2006/main">
+  <p:cSld>
+    <p:spTree>
+      <p:nvGrpSpPr>
+        <p:cNvPr id="1" name=""/>
+        <p:cNvGrpSpPr/>
+        <p:nvPr/>
+      </p:nvGrpSpPr>
+      <p:grpSpPr>
+        <a:xfrm>
+          <a:off x="0" y="0"/>
+          <a:ext cx="0" cy="0"/>
+          <a:chOff x="0" y="0"/>
+          <a:chExt cx="0" cy="0"/>
+        </a:xfrm>
+      </p:grpSpPr>
+      <p:sp>
+        <p:nvSpPr>
+          <p:cNvPr id="2" name="Espace réservé d’image de diapositive 1"/>
+          <p:cNvSpPr>
+            <a:spLocks noGrp="1" noRot="1" noChangeAspect="1"/>
+          </p:cNvSpPr>
+          <p:nvPr>
+            <p:ph type="sldImg"/>
+          </p:nvPr>
+        </p:nvSpPr>
+        <p:spPr/>
+      </p:sp>
+      <p:sp>
+        <p:nvSpPr>
+          <p:cNvPr id="3" name="Espace réservé des notes 2"/>
+          <p:cNvSpPr>
+            <a:spLocks noGrp="1"/>
+          </p:cNvSpPr>
+          <p:nvPr>
+            <p:ph type="body" idx="1"/>
+          </p:nvPr>
+        </p:nvSpPr>
+        <p:spPr/>
+        <p:txBody>
+          <a:bodyPr/>
+          <a:lstStyle/>
+          <a:p>
+            <a:endParaRPr lang="fr-FR" dirty="0"/>
+          </a:p>
+        </p:txBody>
+      </p:sp>
+      <p:sp>
+        <p:nvSpPr>
+          <p:cNvPr id="4" name="Espace réservé du numéro de diapositive 3"/>
+          <p:cNvSpPr>
+            <a:spLocks noGrp="1"/>
+          </p:cNvSpPr>
+          <p:nvPr>
+            <p:ph type="sldNum" sz="quarter" idx="10"/>
+          </p:nvPr>
+        </p:nvSpPr>
+        <p:spPr/>
+        <p:txBody>
+          <a:bodyPr/>
+          <a:lstStyle/>
+          <a:p>
+            <a:pPr rtl="0"/>
+            <a:fld id="{F93199CD-3E1B-4AE6-990F-76F925F5EA9F}" type="slidenum">
+              <a:rPr lang="fr-FR" smtClean="0"/>
+              <a:t>9</a:t>
             </a:fld>
             <a:endParaRPr lang="fr-FR" dirty="0"/>
           </a:p>
@@ -5849,7 +5935,7 @@
         </p:nvSpPr>
         <p:spPr>
           <a:xfrm>
-            <a:off x="1485900" y="1988840"/>
+            <a:off x="1413892" y="2060848"/>
             <a:ext cx="9601201" cy="2514600"/>
           </a:xfrm>
         </p:spPr>
@@ -6030,8 +6116,8 @@
         </p:nvSpPr>
         <p:spPr>
           <a:xfrm>
-            <a:off x="9118748" y="6453336"/>
-            <a:ext cx="2904457" cy="216024"/>
+            <a:off x="8830716" y="6453336"/>
+            <a:ext cx="3192489" cy="216024"/>
           </a:xfrm>
           <a:solidFill>
             <a:srgbClr val="B6CABF"/>
@@ -6104,8 +6190,8 @@
         </p:nvSpPr>
         <p:spPr>
           <a:xfrm>
-            <a:off x="4582244" y="2780928"/>
-            <a:ext cx="6552728" cy="2585323"/>
+            <a:off x="4582244" y="2415371"/>
+            <a:ext cx="6552728" cy="3139321"/>
           </a:xfrm>
           <a:prstGeom prst="rect">
             <a:avLst/>
@@ -6123,27 +6209,28 @@
           </a:bodyPr>
           <a:lstStyle/>
           <a:p>
-            <a:pPr algn="ctr"/>
+            <a:pPr algn="ctr">
+              <a:tabLst>
+                <a:tab pos="5384800" algn="l"/>
+              </a:tabLst>
+            </a:pPr>
             <a:r>
               <a:rPr lang="fr-CH" dirty="0" smtClean="0">
                 <a:latin typeface="Tahoma" panose="020B0604030504040204" pitchFamily="34" charset="0"/>
                 <a:ea typeface="Tahoma" panose="020B0604030504040204" pitchFamily="34" charset="0"/>
                 <a:cs typeface="Tahoma" panose="020B0604030504040204" pitchFamily="34" charset="0"/>
               </a:rPr>
-              <a:t>C’EST UNE DÉVELOPPEMENT DE HI</a:t>
-            </a:r>
-            <a:r>
-              <a:rPr lang="fr-CH" sz="1600" dirty="0" smtClean="0">
+              <a:t>C’est un développement de hiérarchie de fichiers et de dossiers dans le but de transmettre de manière synchronisée des données de différents types</a:t>
+            </a:r>
+            <a:r>
+              <a:rPr lang="fr-CH" smtClean="0">
                 <a:latin typeface="Tahoma" panose="020B0604030504040204" pitchFamily="34" charset="0"/>
                 <a:ea typeface="Tahoma" panose="020B0604030504040204" pitchFamily="34" charset="0"/>
                 <a:cs typeface="Tahoma" panose="020B0604030504040204" pitchFamily="34" charset="0"/>
               </a:rPr>
-              <a:t>ÉRARCHIE DE FICHIERS ER DE DOSSIERS DANS LE BUT DE TRANSMETTRE DE MANIÈRE SYNCHRONISÉE DES DONNÉES DE DIFFÉRENTS TYPES. </a:t>
-            </a:r>
-          </a:p>
-          <a:p>
-            <a:pPr algn="ctr"/>
-            <a:endParaRPr lang="fr-CH" sz="1600" dirty="0">
+              <a:t>. </a:t>
+            </a:r>
+            <a:endParaRPr lang="fr-CH" dirty="0" smtClean="0">
               <a:latin typeface="Tahoma" panose="020B0604030504040204" pitchFamily="34" charset="0"/>
               <a:ea typeface="Tahoma" panose="020B0604030504040204" pitchFamily="34" charset="0"/>
               <a:cs typeface="Tahoma" panose="020B0604030504040204" pitchFamily="34" charset="0"/>
@@ -6151,8 +6238,16 @@
           </a:p>
           <a:p>
             <a:pPr algn="ctr"/>
-            <a:r>
-              <a:rPr lang="fr-CH" sz="1600" dirty="0" smtClean="0">
+            <a:endParaRPr lang="fr-CH" dirty="0" smtClean="0">
+              <a:latin typeface="Tahoma" panose="020B0604030504040204" pitchFamily="34" charset="0"/>
+              <a:ea typeface="Tahoma" panose="020B0604030504040204" pitchFamily="34" charset="0"/>
+              <a:cs typeface="Tahoma" panose="020B0604030504040204" pitchFamily="34" charset="0"/>
+            </a:endParaRPr>
+          </a:p>
+          <a:p>
+            <a:pPr algn="ctr"/>
+            <a:r>
+              <a:rPr lang="fr-CH" dirty="0" smtClean="0">
                 <a:latin typeface="Tahoma" panose="020B0604030504040204" pitchFamily="34" charset="0"/>
                 <a:ea typeface="Tahoma" panose="020B0604030504040204" pitchFamily="34" charset="0"/>
                 <a:cs typeface="Tahoma" panose="020B0604030504040204" pitchFamily="34" charset="0"/>
@@ -6162,7 +6257,7 @@
           </a:p>
           <a:p>
             <a:pPr algn="ctr"/>
-            <a:endParaRPr lang="fr-CH" sz="1600" dirty="0">
+            <a:endParaRPr lang="fr-CH" dirty="0" smtClean="0">
               <a:latin typeface="Tahoma" panose="020B0604030504040204" pitchFamily="34" charset="0"/>
               <a:ea typeface="Tahoma" panose="020B0604030504040204" pitchFamily="34" charset="0"/>
               <a:cs typeface="Tahoma" panose="020B0604030504040204" pitchFamily="34" charset="0"/>
@@ -6171,7 +6266,7 @@
           <a:p>
             <a:pPr algn="ctr"/>
             <a:r>
-              <a:rPr lang="fr-CH" sz="1600" dirty="0" smtClean="0">
+              <a:rPr lang="fr-CH" dirty="0" smtClean="0">
                 <a:latin typeface="Tahoma" panose="020B0604030504040204" pitchFamily="34" charset="0"/>
                 <a:ea typeface="Tahoma" panose="020B0604030504040204" pitchFamily="34" charset="0"/>
                 <a:cs typeface="Tahoma" panose="020B0604030504040204" pitchFamily="34" charset="0"/>
@@ -6179,7 +6274,7 @@
               <a:t>CES RESTRICTIONS SONT INFRANCHISSABLE ET DOIVENT ÊTRE RESPECTÉES. ELLES SONT REPRÉSENTÉES PAR DES DROITS </a:t>
             </a:r>
             <a:r>
-              <a:rPr lang="fr-CH" sz="1600" b="1" dirty="0" smtClean="0">
+              <a:rPr lang="fr-CH" b="1" dirty="0" smtClean="0">
                 <a:latin typeface="Tahoma" panose="020B0604030504040204" pitchFamily="34" charset="0"/>
                 <a:ea typeface="Tahoma" panose="020B0604030504040204" pitchFamily="34" charset="0"/>
                 <a:cs typeface="Tahoma" panose="020B0604030504040204" pitchFamily="34" charset="0"/>
@@ -6337,8 +6432,8 @@
         </p:nvSpPr>
         <p:spPr>
           <a:xfrm>
-            <a:off x="9118748" y="6453336"/>
-            <a:ext cx="2904457" cy="216024"/>
+            <a:off x="8974732" y="6453336"/>
+            <a:ext cx="3048473" cy="216024"/>
           </a:xfrm>
           <a:solidFill>
             <a:srgbClr val="B6CABF"/>
@@ -6592,8 +6687,8 @@
         </p:nvSpPr>
         <p:spPr>
           <a:xfrm>
-            <a:off x="9118748" y="6453336"/>
-            <a:ext cx="2904457" cy="216024"/>
+            <a:off x="8974732" y="6453336"/>
+            <a:ext cx="3048473" cy="216024"/>
           </a:xfrm>
           <a:solidFill>
             <a:srgbClr val="B6CABF"/>
@@ -6636,8 +6731,8 @@
         </p:nvSpPr>
         <p:spPr>
           <a:xfrm>
-            <a:off x="549796" y="3140968"/>
-            <a:ext cx="4968552" cy="1754326"/>
+            <a:off x="261764" y="2852936"/>
+            <a:ext cx="4968552" cy="3046988"/>
           </a:xfrm>
           <a:prstGeom prst="rect">
             <a:avLst/>
@@ -6655,54 +6750,19 @@
           </a:bodyPr>
           <a:lstStyle/>
           <a:p>
-            <a:pPr algn="ctr"/>
-            <a:r>
-              <a:rPr lang="fr-CH" dirty="0" smtClean="0">
+            <a:r>
+              <a:rPr lang="fr-CH" sz="2400" dirty="0" smtClean="0">
                 <a:latin typeface="Tahoma" panose="020B0604030504040204" pitchFamily="34" charset="0"/>
                 <a:ea typeface="Tahoma" panose="020B0604030504040204" pitchFamily="34" charset="0"/>
                 <a:cs typeface="Tahoma" panose="020B0604030504040204" pitchFamily="34" charset="0"/>
               </a:rPr>
               <a:t>NTFS ( OU NEW TECHNOLOGIE FILE SYSTEM), PROCÈDUREQUE WINDOWS NT SYSTÈME UTILISÉ POUR STOCKER, ORGANISER ET TROUVER FICHIERS DANS DISQUE DUR. NTFS EXISTE DEPUIS 1993 ET EST SYSTÈME LE PLUS EFFICACE DE NOTRE GÉNÉRATION</a:t>
             </a:r>
-          </a:p>
-        </p:txBody>
-      </p:sp>
-      <p:sp>
-        <p:nvSpPr>
-          <p:cNvPr id="9" name="ZoneTexte 8"/>
-          <p:cNvSpPr txBox="1"/>
-          <p:nvPr/>
-        </p:nvSpPr>
-        <p:spPr>
-          <a:xfrm>
-            <a:off x="7606580" y="3140968"/>
-            <a:ext cx="2448272" cy="954107"/>
-          </a:xfrm>
-          <a:prstGeom prst="rect">
-            <a:avLst/>
-          </a:prstGeom>
-          <a:noFill/>
-          <a:ln>
-            <a:solidFill>
-              <a:schemeClr val="bg2"/>
-            </a:solidFill>
-          </a:ln>
-        </p:spPr>
-        <p:txBody>
-          <a:bodyPr wrap="square" rtlCol="0" anchor="ctr" anchorCtr="1">
-            <a:spAutoFit/>
-          </a:bodyPr>
-          <a:lstStyle/>
-          <a:p>
-            <a:pPr algn="ctr"/>
-            <a:r>
-              <a:rPr lang="fr-CH" sz="2800" dirty="0" smtClean="0">
-                <a:latin typeface="Tahoma" panose="020B0604030504040204" pitchFamily="34" charset="0"/>
-                <a:ea typeface="Tahoma" panose="020B0604030504040204" pitchFamily="34" charset="0"/>
-                <a:cs typeface="Tahoma" panose="020B0604030504040204" pitchFamily="34" charset="0"/>
-              </a:rPr>
-              <a:t>IMAGES OU EXEMPLES</a:t>
-            </a:r>
+            <a:endParaRPr lang="fr-CH" sz="2400" dirty="0" smtClean="0">
+              <a:latin typeface="Tahoma" panose="020B0604030504040204" pitchFamily="34" charset="0"/>
+              <a:ea typeface="Tahoma" panose="020B0604030504040204" pitchFamily="34" charset="0"/>
+              <a:cs typeface="Tahoma" panose="020B0604030504040204" pitchFamily="34" charset="0"/>
+            </a:endParaRPr>
           </a:p>
         </p:txBody>
       </p:sp>
@@ -6714,7 +6774,7 @@
         </p:nvSpPr>
         <p:spPr>
           <a:xfrm>
-            <a:off x="549796" y="2348880"/>
+            <a:off x="261764" y="1988840"/>
             <a:ext cx="4968552" cy="523220"/>
           </a:xfrm>
           <a:prstGeom prst="rect">
@@ -6735,7 +6795,7 @@
           <a:p>
             <a:pPr algn="ctr"/>
             <a:r>
-              <a:rPr lang="fr-CH" sz="2800" dirty="0" smtClean="0">
+              <a:rPr lang="fr-CH" sz="2800" b="1" u="sng" dirty="0" smtClean="0">
                 <a:latin typeface="Tahoma" panose="020B0604030504040204" pitchFamily="34" charset="0"/>
                 <a:ea typeface="Tahoma" panose="020B0604030504040204" pitchFamily="34" charset="0"/>
                 <a:cs typeface="Tahoma" panose="020B0604030504040204" pitchFamily="34" charset="0"/>
@@ -6745,6 +6805,52 @@
           </a:p>
         </p:txBody>
       </p:sp>
+      <p:pic>
+        <p:nvPicPr>
+          <p:cNvPr id="3" name="Image 2"/>
+          <p:cNvPicPr>
+            <a:picLocks noChangeAspect="1"/>
+          </p:cNvPicPr>
+          <p:nvPr/>
+        </p:nvPicPr>
+        <p:blipFill>
+          <a:blip r:embed="rId3">
+            <a:duotone>
+              <a:schemeClr val="accent5">
+                <a:shade val="45000"/>
+                <a:satMod val="135000"/>
+              </a:schemeClr>
+              <a:prstClr val="white"/>
+            </a:duotone>
+            <a:extLst>
+              <a:ext uri="{BEBA8EAE-BF5A-486C-A8C5-ECC9F3942E4B}">
+                <a14:imgProps xmlns:a14="http://schemas.microsoft.com/office/drawing/2010/main">
+                  <a14:imgLayer r:embed="rId4">
+                    <a14:imgEffect>
+                      <a14:backgroundRemoval t="0" b="98370" l="3000" r="100000"/>
+                    </a14:imgEffect>
+                  </a14:imgLayer>
+                </a14:imgProps>
+              </a:ext>
+              <a:ext uri="{28A0092B-C50C-407E-A947-70E740481C1C}">
+                <a14:useLocalDpi xmlns:a14="http://schemas.microsoft.com/office/drawing/2010/main" val="0"/>
+              </a:ext>
+            </a:extLst>
+          </a:blip>
+          <a:stretch>
+            <a:fillRect/>
+          </a:stretch>
+        </p:blipFill>
+        <p:spPr>
+          <a:xfrm>
+            <a:off x="7174532" y="2492896"/>
+            <a:ext cx="2974244" cy="2736304"/>
+          </a:xfrm>
+          <a:prstGeom prst="rect">
+            <a:avLst/>
+          </a:prstGeom>
+        </p:spPr>
+      </p:pic>
     </p:spTree>
     <p:extLst>
       <p:ext uri="{BB962C8B-B14F-4D97-AF65-F5344CB8AC3E}">
@@ -6804,29 +6910,56 @@
       </p:grpSpPr>
       <p:sp>
         <p:nvSpPr>
-          <p:cNvPr id="13" name="Titre 12"/>
-          <p:cNvSpPr>
-            <a:spLocks noGrp="1"/>
-          </p:cNvSpPr>
-          <p:nvPr>
-            <p:ph type="title"/>
-          </p:nvPr>
+          <p:cNvPr id="5" name="Titre 12"/>
+          <p:cNvSpPr txBox="1">
+            <a:spLocks/>
+          </p:cNvSpPr>
+          <p:nvPr/>
         </p:nvSpPr>
         <p:spPr>
           <a:xfrm>
-            <a:off x="1485900" y="1988840"/>
-            <a:ext cx="9601201" cy="2514600"/>
+            <a:off x="2205980" y="548680"/>
+            <a:ext cx="7772401" cy="875928"/>
           </a:xfrm>
+          <a:prstGeom prst="rect">
+            <a:avLst/>
+          </a:prstGeom>
+          <a:ln>
+            <a:noFill/>
+          </a:ln>
         </p:spPr>
         <p:txBody>
-          <a:bodyPr rtlCol="0" anchor="ctr">
+          <a:bodyPr vert="horz" lIns="91440" tIns="45720" rIns="91440" bIns="45720" rtlCol="0" anchor="ctr">
             <a:noAutofit/>
           </a:bodyPr>
-          <a:lstStyle/>
-          <a:p>
-            <a:pPr algn="ctr" rtl="0"/>
-            <a:r>
-              <a:rPr lang="fr-FR" sz="6600" dirty="0" smtClean="0">
+          <a:lstStyle>
+            <a:lvl1pPr algn="l" defTabSz="914400" rtl="0" eaLnBrk="1" latinLnBrk="0" hangingPunct="1">
+              <a:lnSpc>
+                <a:spcPct val="90000"/>
+              </a:lnSpc>
+              <a:spcBef>
+                <a:spcPct val="0"/>
+              </a:spcBef>
+              <a:buNone/>
+              <a:defRPr sz="3600" b="1" kern="1200" cap="none" spc="0" baseline="0">
+                <a:ln w="9525">
+                  <a:noFill/>
+                  <a:prstDash val="solid"/>
+                </a:ln>
+                <a:solidFill>
+                  <a:schemeClr val="accent5"/>
+                </a:solidFill>
+                <a:effectLst/>
+                <a:latin typeface="+mj-lt"/>
+                <a:ea typeface="+mj-ea"/>
+                <a:cs typeface="+mj-cs"/>
+              </a:defRPr>
+            </a:lvl1pPr>
+          </a:lstStyle>
+          <a:p>
+            <a:pPr algn="ctr"/>
+            <a:r>
+              <a:rPr lang="fr-FR" sz="4800" dirty="0" smtClean="0">
                 <a:solidFill>
                   <a:srgbClr val="87A896"/>
                 </a:solidFill>
@@ -6834,9 +6967,9 @@
                 <a:ea typeface="Tahoma" panose="020B0604030504040204" pitchFamily="34" charset="0"/>
                 <a:cs typeface="Tahoma" panose="020B0604030504040204" pitchFamily="34" charset="0"/>
               </a:rPr>
-              <a:t>SERVEURS D’IMPRESSION</a:t>
-            </a:r>
-            <a:endParaRPr lang="fr-FR" sz="6600" dirty="0">
+              <a:t>EXPLICATIONS DES AUTORISATIONS NTFS</a:t>
+            </a:r>
+            <a:endParaRPr lang="fr-FR" sz="4800" dirty="0">
               <a:solidFill>
                 <a:srgbClr val="87A896"/>
               </a:solidFill>
@@ -6847,10 +6980,310 @@
           </a:p>
         </p:txBody>
       </p:sp>
+      <p:sp>
+        <p:nvSpPr>
+          <p:cNvPr id="8" name="Titre 12"/>
+          <p:cNvSpPr>
+            <a:spLocks noGrp="1"/>
+          </p:cNvSpPr>
+          <p:nvPr>
+            <p:ph type="title"/>
+          </p:nvPr>
+        </p:nvSpPr>
+        <p:spPr>
+          <a:xfrm>
+            <a:off x="8902724" y="6453336"/>
+            <a:ext cx="3120481" cy="216024"/>
+          </a:xfrm>
+          <a:solidFill>
+            <a:srgbClr val="B6CABF"/>
+          </a:solidFill>
+        </p:spPr>
+        <p:txBody>
+          <a:bodyPr rtlCol="0" anchor="ctr">
+            <a:noAutofit/>
+          </a:bodyPr>
+          <a:lstStyle/>
+          <a:p>
+            <a:pPr algn="ctr" rtl="0"/>
+            <a:r>
+              <a:rPr lang="fr-FR" sz="1800" dirty="0" smtClean="0">
+                <a:solidFill>
+                  <a:srgbClr val="87A896"/>
+                </a:solidFill>
+                <a:latin typeface="Tahoma" panose="020B0604030504040204" pitchFamily="34" charset="0"/>
+                <a:ea typeface="Tahoma" panose="020B0604030504040204" pitchFamily="34" charset="0"/>
+                <a:cs typeface="Tahoma" panose="020B0604030504040204" pitchFamily="34" charset="0"/>
+              </a:rPr>
+              <a:t>SERVEURS DE FICHIERS</a:t>
+            </a:r>
+            <a:endParaRPr lang="fr-FR" sz="1800" dirty="0">
+              <a:solidFill>
+                <a:srgbClr val="87A896"/>
+              </a:solidFill>
+              <a:latin typeface="Tahoma" panose="020B0604030504040204" pitchFamily="34" charset="0"/>
+              <a:ea typeface="Tahoma" panose="020B0604030504040204" pitchFamily="34" charset="0"/>
+              <a:cs typeface="Tahoma" panose="020B0604030504040204" pitchFamily="34" charset="0"/>
+            </a:endParaRPr>
+          </a:p>
+        </p:txBody>
+      </p:sp>
+      <p:sp>
+        <p:nvSpPr>
+          <p:cNvPr id="7" name="ZoneTexte 6"/>
+          <p:cNvSpPr txBox="1"/>
+          <p:nvPr/>
+        </p:nvSpPr>
+        <p:spPr>
+          <a:xfrm>
+            <a:off x="333772" y="2708920"/>
+            <a:ext cx="4968552" cy="3046988"/>
+          </a:xfrm>
+          <a:prstGeom prst="rect">
+            <a:avLst/>
+          </a:prstGeom>
+          <a:noFill/>
+          <a:ln>
+            <a:solidFill>
+              <a:schemeClr val="bg2"/>
+            </a:solidFill>
+          </a:ln>
+        </p:spPr>
+        <p:txBody>
+          <a:bodyPr wrap="square" rtlCol="0" anchor="ctr" anchorCtr="1">
+            <a:spAutoFit/>
+          </a:bodyPr>
+          <a:lstStyle/>
+          <a:p>
+            <a:r>
+              <a:rPr lang="fr-CH" sz="2400" cap="all" dirty="0">
+                <a:latin typeface="Tahoma" panose="020B0604030504040204" pitchFamily="34" charset="0"/>
+                <a:ea typeface="Tahoma" panose="020B0604030504040204" pitchFamily="34" charset="0"/>
+                <a:cs typeface="Tahoma" panose="020B0604030504040204" pitchFamily="34" charset="0"/>
+              </a:rPr>
+              <a:t>1. </a:t>
+            </a:r>
+            <a:r>
+              <a:rPr lang="fr-CH" sz="2400" cap="all" dirty="0" smtClean="0">
+                <a:latin typeface="Tahoma" panose="020B0604030504040204" pitchFamily="34" charset="0"/>
+                <a:ea typeface="Tahoma" panose="020B0604030504040204" pitchFamily="34" charset="0"/>
+                <a:cs typeface="Tahoma" panose="020B0604030504040204" pitchFamily="34" charset="0"/>
+              </a:rPr>
+              <a:t>explorateur fichiers</a:t>
+            </a:r>
+            <a:r>
+              <a:rPr lang="fr-CH" sz="2400" cap="all" dirty="0">
+                <a:latin typeface="Tahoma" panose="020B0604030504040204" pitchFamily="34" charset="0"/>
+                <a:ea typeface="Tahoma" panose="020B0604030504040204" pitchFamily="34" charset="0"/>
+                <a:cs typeface="Tahoma" panose="020B0604030504040204" pitchFamily="34" charset="0"/>
+              </a:rPr>
+              <a:t>, clique droit sur </a:t>
+            </a:r>
+            <a:r>
+              <a:rPr lang="fr-CH" sz="2400" cap="all" dirty="0" smtClean="0">
+                <a:latin typeface="Tahoma" panose="020B0604030504040204" pitchFamily="34" charset="0"/>
+                <a:ea typeface="Tahoma" panose="020B0604030504040204" pitchFamily="34" charset="0"/>
+                <a:cs typeface="Tahoma" panose="020B0604030504040204" pitchFamily="34" charset="0"/>
+              </a:rPr>
+              <a:t>fichier. </a:t>
+            </a:r>
+            <a:r>
+              <a:rPr lang="fr-CH" sz="2400" cap="all" dirty="0" err="1" smtClean="0">
+                <a:latin typeface="Tahoma" panose="020B0604030504040204" pitchFamily="34" charset="0"/>
+                <a:ea typeface="Tahoma" panose="020B0604030504040204" pitchFamily="34" charset="0"/>
+                <a:cs typeface="Tahoma" panose="020B0604030504040204" pitchFamily="34" charset="0"/>
+              </a:rPr>
+              <a:t>selectionnER</a:t>
+            </a:r>
+            <a:r>
+              <a:rPr lang="fr-CH" sz="2400" cap="all" dirty="0" smtClean="0">
+                <a:latin typeface="Tahoma" panose="020B0604030504040204" pitchFamily="34" charset="0"/>
+                <a:ea typeface="Tahoma" panose="020B0604030504040204" pitchFamily="34" charset="0"/>
+                <a:cs typeface="Tahoma" panose="020B0604030504040204" pitchFamily="34" charset="0"/>
+              </a:rPr>
+              <a:t> </a:t>
+            </a:r>
+            <a:r>
+              <a:rPr lang="fr-CH" sz="2400" cap="all" dirty="0">
+                <a:latin typeface="Tahoma" panose="020B0604030504040204" pitchFamily="34" charset="0"/>
+                <a:ea typeface="Tahoma" panose="020B0604030504040204" pitchFamily="34" charset="0"/>
+                <a:cs typeface="Tahoma" panose="020B0604030504040204" pitchFamily="34" charset="0"/>
+              </a:rPr>
+              <a:t>l'option "</a:t>
+            </a:r>
+            <a:r>
+              <a:rPr lang="fr-CH" sz="2400" cap="all" dirty="0" err="1">
+                <a:latin typeface="Tahoma" panose="020B0604030504040204" pitchFamily="34" charset="0"/>
+                <a:ea typeface="Tahoma" panose="020B0604030504040204" pitchFamily="34" charset="0"/>
+                <a:cs typeface="Tahoma" panose="020B0604030504040204" pitchFamily="34" charset="0"/>
+              </a:rPr>
+              <a:t>Proprietés</a:t>
+            </a:r>
+            <a:r>
+              <a:rPr lang="fr-CH" sz="2400" cap="all" dirty="0">
+                <a:latin typeface="Tahoma" panose="020B0604030504040204" pitchFamily="34" charset="0"/>
+                <a:ea typeface="Tahoma" panose="020B0604030504040204" pitchFamily="34" charset="0"/>
+                <a:cs typeface="Tahoma" panose="020B0604030504040204" pitchFamily="34" charset="0"/>
+              </a:rPr>
+              <a:t>"</a:t>
+            </a:r>
+          </a:p>
+          <a:p>
+            <a:r>
+              <a:rPr lang="fr-CH" sz="2400" cap="all" dirty="0">
+                <a:latin typeface="Tahoma" panose="020B0604030504040204" pitchFamily="34" charset="0"/>
+                <a:ea typeface="Tahoma" panose="020B0604030504040204" pitchFamily="34" charset="0"/>
+                <a:cs typeface="Tahoma" panose="020B0604030504040204" pitchFamily="34" charset="0"/>
+              </a:rPr>
+              <a:t>2. Cliquer sur "</a:t>
+            </a:r>
+            <a:r>
+              <a:rPr lang="fr-CH" sz="2400" cap="all" dirty="0" err="1">
+                <a:latin typeface="Tahoma" panose="020B0604030504040204" pitchFamily="34" charset="0"/>
+                <a:ea typeface="Tahoma" panose="020B0604030504040204" pitchFamily="34" charset="0"/>
+                <a:cs typeface="Tahoma" panose="020B0604030504040204" pitchFamily="34" charset="0"/>
+              </a:rPr>
+              <a:t>Securité</a:t>
+            </a:r>
+            <a:r>
+              <a:rPr lang="fr-CH" sz="2400" cap="all" dirty="0">
+                <a:latin typeface="Tahoma" panose="020B0604030504040204" pitchFamily="34" charset="0"/>
+                <a:ea typeface="Tahoma" panose="020B0604030504040204" pitchFamily="34" charset="0"/>
+                <a:cs typeface="Tahoma" panose="020B0604030504040204" pitchFamily="34" charset="0"/>
+              </a:rPr>
+              <a:t>"</a:t>
+            </a:r>
+          </a:p>
+          <a:p>
+            <a:r>
+              <a:rPr lang="fr-CH" sz="2400" cap="all" dirty="0">
+                <a:latin typeface="Tahoma" panose="020B0604030504040204" pitchFamily="34" charset="0"/>
+                <a:ea typeface="Tahoma" panose="020B0604030504040204" pitchFamily="34" charset="0"/>
+                <a:cs typeface="Tahoma" panose="020B0604030504040204" pitchFamily="34" charset="0"/>
+              </a:rPr>
+              <a:t>3. </a:t>
+            </a:r>
+            <a:r>
+              <a:rPr lang="fr-CH" sz="2400" cap="all" dirty="0" err="1" smtClean="0">
+                <a:latin typeface="Tahoma" panose="020B0604030504040204" pitchFamily="34" charset="0"/>
+                <a:ea typeface="Tahoma" panose="020B0604030504040204" pitchFamily="34" charset="0"/>
+                <a:cs typeface="Tahoma" panose="020B0604030504040204" pitchFamily="34" charset="0"/>
+              </a:rPr>
+              <a:t>selectionner</a:t>
+            </a:r>
+            <a:r>
+              <a:rPr lang="fr-CH" sz="2400" cap="all" dirty="0" smtClean="0">
+                <a:latin typeface="Tahoma" panose="020B0604030504040204" pitchFamily="34" charset="0"/>
+                <a:ea typeface="Tahoma" panose="020B0604030504040204" pitchFamily="34" charset="0"/>
+                <a:cs typeface="Tahoma" panose="020B0604030504040204" pitchFamily="34" charset="0"/>
+              </a:rPr>
+              <a:t> personnes </a:t>
+            </a:r>
+            <a:r>
+              <a:rPr lang="fr-CH" sz="2400" cap="all" dirty="0">
+                <a:latin typeface="Tahoma" panose="020B0604030504040204" pitchFamily="34" charset="0"/>
+                <a:ea typeface="Tahoma" panose="020B0604030504040204" pitchFamily="34" charset="0"/>
+                <a:cs typeface="Tahoma" panose="020B0604030504040204" pitchFamily="34" charset="0"/>
+              </a:rPr>
+              <a:t>ou groupes et </a:t>
+            </a:r>
+            <a:r>
+              <a:rPr lang="fr-CH" sz="2400" cap="all" dirty="0" smtClean="0">
+                <a:latin typeface="Tahoma" panose="020B0604030504040204" pitchFamily="34" charset="0"/>
+                <a:ea typeface="Tahoma" panose="020B0604030504040204" pitchFamily="34" charset="0"/>
+                <a:cs typeface="Tahoma" panose="020B0604030504040204" pitchFamily="34" charset="0"/>
+              </a:rPr>
+              <a:t>donner permissions </a:t>
+            </a:r>
+            <a:r>
+              <a:rPr lang="fr-CH" sz="2400" cap="all" dirty="0">
+                <a:latin typeface="Tahoma" panose="020B0604030504040204" pitchFamily="34" charset="0"/>
+                <a:ea typeface="Tahoma" panose="020B0604030504040204" pitchFamily="34" charset="0"/>
+                <a:cs typeface="Tahoma" panose="020B0604030504040204" pitchFamily="34" charset="0"/>
+              </a:rPr>
+              <a:t>NTFS</a:t>
+            </a:r>
+          </a:p>
+        </p:txBody>
+      </p:sp>
+      <p:sp>
+        <p:nvSpPr>
+          <p:cNvPr id="11" name="ZoneTexte 10"/>
+          <p:cNvSpPr txBox="1"/>
+          <p:nvPr/>
+        </p:nvSpPr>
+        <p:spPr>
+          <a:xfrm>
+            <a:off x="333772" y="1916832"/>
+            <a:ext cx="4968552" cy="523220"/>
+          </a:xfrm>
+          <a:prstGeom prst="rect">
+            <a:avLst/>
+          </a:prstGeom>
+          <a:noFill/>
+          <a:ln>
+            <a:solidFill>
+              <a:schemeClr val="bg2"/>
+            </a:solidFill>
+          </a:ln>
+        </p:spPr>
+        <p:txBody>
+          <a:bodyPr wrap="square" rtlCol="0" anchor="ctr" anchorCtr="1">
+            <a:spAutoFit/>
+          </a:bodyPr>
+          <a:lstStyle/>
+          <a:p>
+            <a:pPr algn="ctr"/>
+            <a:r>
+              <a:rPr lang="fr-CH" sz="2800" b="1" u="sng" dirty="0" smtClean="0">
+                <a:latin typeface="Tahoma" panose="020B0604030504040204" pitchFamily="34" charset="0"/>
+                <a:ea typeface="Tahoma" panose="020B0604030504040204" pitchFamily="34" charset="0"/>
+                <a:cs typeface="Tahoma" panose="020B0604030504040204" pitchFamily="34" charset="0"/>
+              </a:rPr>
+              <a:t>INSTRUCTIONS NTFS</a:t>
+            </a:r>
+            <a:endParaRPr lang="fr-CH" sz="2800" b="1" u="sng" dirty="0" smtClean="0">
+              <a:latin typeface="Tahoma" panose="020B0604030504040204" pitchFamily="34" charset="0"/>
+              <a:ea typeface="Tahoma" panose="020B0604030504040204" pitchFamily="34" charset="0"/>
+              <a:cs typeface="Tahoma" panose="020B0604030504040204" pitchFamily="34" charset="0"/>
+            </a:endParaRPr>
+          </a:p>
+        </p:txBody>
+      </p:sp>
+      <p:pic>
+        <p:nvPicPr>
+          <p:cNvPr id="10" name="Image 9"/>
+          <p:cNvPicPr>
+            <a:picLocks noChangeAspect="1"/>
+          </p:cNvPicPr>
+          <p:nvPr/>
+        </p:nvPicPr>
+        <p:blipFill>
+          <a:blip r:embed="rId3">
+            <a:extLst>
+              <a:ext uri="{28A0092B-C50C-407E-A947-70E740481C1C}">
+                <a14:useLocalDpi xmlns:a14="http://schemas.microsoft.com/office/drawing/2010/main" val="0"/>
+              </a:ext>
+            </a:extLst>
+          </a:blip>
+          <a:stretch>
+            <a:fillRect/>
+          </a:stretch>
+        </p:blipFill>
+        <p:spPr>
+          <a:xfrm>
+            <a:off x="6886500" y="1844824"/>
+            <a:ext cx="4142370" cy="4176464"/>
+          </a:xfrm>
+          <a:prstGeom prst="rect">
+            <a:avLst/>
+          </a:prstGeom>
+        </p:spPr>
+      </p:pic>
     </p:spTree>
     <p:extLst>
       <p:ext uri="{BB962C8B-B14F-4D97-AF65-F5344CB8AC3E}">
-        <p14:creationId xmlns:p14="http://schemas.microsoft.com/office/powerpoint/2010/main" val="2589682945"/>
+        <p14:creationId xmlns:p14="http://schemas.microsoft.com/office/powerpoint/2010/main" val="2602070683"/>
       </p:ext>
     </p:extLst>
   </p:cSld>
@@ -6906,6 +7339,108 @@
       </p:grpSpPr>
       <p:sp>
         <p:nvSpPr>
+          <p:cNvPr id="13" name="Titre 12"/>
+          <p:cNvSpPr>
+            <a:spLocks noGrp="1"/>
+          </p:cNvSpPr>
+          <p:nvPr>
+            <p:ph type="title"/>
+          </p:nvPr>
+        </p:nvSpPr>
+        <p:spPr>
+          <a:xfrm>
+            <a:off x="1485900" y="1988840"/>
+            <a:ext cx="9601201" cy="2514600"/>
+          </a:xfrm>
+        </p:spPr>
+        <p:txBody>
+          <a:bodyPr rtlCol="0" anchor="ctr">
+            <a:noAutofit/>
+          </a:bodyPr>
+          <a:lstStyle/>
+          <a:p>
+            <a:pPr algn="ctr" rtl="0"/>
+            <a:r>
+              <a:rPr lang="fr-FR" sz="6600" dirty="0" smtClean="0">
+                <a:solidFill>
+                  <a:srgbClr val="87A896"/>
+                </a:solidFill>
+                <a:latin typeface="Tahoma" panose="020B0604030504040204" pitchFamily="34" charset="0"/>
+                <a:ea typeface="Tahoma" panose="020B0604030504040204" pitchFamily="34" charset="0"/>
+                <a:cs typeface="Tahoma" panose="020B0604030504040204" pitchFamily="34" charset="0"/>
+              </a:rPr>
+              <a:t>SERVEURS D’IMPRESSION</a:t>
+            </a:r>
+            <a:endParaRPr lang="fr-FR" sz="6600" dirty="0">
+              <a:solidFill>
+                <a:srgbClr val="87A896"/>
+              </a:solidFill>
+              <a:latin typeface="Tahoma" panose="020B0604030504040204" pitchFamily="34" charset="0"/>
+              <a:ea typeface="Tahoma" panose="020B0604030504040204" pitchFamily="34" charset="0"/>
+              <a:cs typeface="Tahoma" panose="020B0604030504040204" pitchFamily="34" charset="0"/>
+            </a:endParaRPr>
+          </a:p>
+        </p:txBody>
+      </p:sp>
+    </p:spTree>
+    <p:extLst>
+      <p:ext uri="{BB962C8B-B14F-4D97-AF65-F5344CB8AC3E}">
+        <p14:creationId xmlns:p14="http://schemas.microsoft.com/office/powerpoint/2010/main" val="2589682945"/>
+      </p:ext>
+    </p:extLst>
+  </p:cSld>
+  <p:clrMapOvr>
+    <a:masterClrMapping/>
+  </p:clrMapOvr>
+  <mc:AlternateContent xmlns:mc="http://schemas.openxmlformats.org/markup-compatibility/2006" xmlns:p14="http://schemas.microsoft.com/office/powerpoint/2010/main">
+    <mc:Choice Requires="p14">
+      <p:transition spd="med" p14:dur="700">
+        <p:fade/>
+      </p:transition>
+    </mc:Choice>
+    <mc:Fallback xmlns="">
+      <p:transition spd="med">
+        <p:fade/>
+      </p:transition>
+    </mc:Fallback>
+  </mc:AlternateContent>
+  <p:timing>
+    <p:tnLst>
+      <p:par>
+        <p:cTn id="1" dur="indefinite" restart="never" nodeType="tmRoot"/>
+      </p:par>
+    </p:tnLst>
+  </p:timing>
+</p:sld>
+</file>
+
+<file path=ppt/slides/slide9.xml><?xml version="1.0" encoding="utf-8"?>
+<p:sld xmlns:a="http://schemas.openxmlformats.org/drawingml/2006/main" xmlns:r="http://schemas.openxmlformats.org/officeDocument/2006/relationships" xmlns:p="http://schemas.openxmlformats.org/presentationml/2006/main">
+  <p:cSld>
+    <p:bg>
+      <p:bgPr>
+        <a:solidFill>
+          <a:srgbClr val="34473D"/>
+        </a:solidFill>
+        <a:effectLst/>
+      </p:bgPr>
+    </p:bg>
+    <p:spTree>
+      <p:nvGrpSpPr>
+        <p:cNvPr id="1" name=""/>
+        <p:cNvGrpSpPr/>
+        <p:nvPr/>
+      </p:nvGrpSpPr>
+      <p:grpSpPr>
+        <a:xfrm>
+          <a:off x="0" y="0"/>
+          <a:ext cx="0" cy="0"/>
+          <a:chOff x="0" y="0"/>
+          <a:chExt cx="0" cy="0"/>
+        </a:xfrm>
+      </p:grpSpPr>
+      <p:sp>
+        <p:nvSpPr>
           <p:cNvPr id="5" name="Titre 12"/>
           <p:cNvSpPr txBox="1">
             <a:spLocks/>
@@ -7002,8 +7537,8 @@
         </p:nvSpPr>
         <p:spPr>
           <a:xfrm>
-            <a:off x="9118748" y="6453336"/>
-            <a:ext cx="2904457" cy="216024"/>
+            <a:off x="8758708" y="6453336"/>
+            <a:ext cx="3264497" cy="216024"/>
           </a:xfrm>
           <a:solidFill>
             <a:srgbClr val="B6CABF"/>
@@ -8010,6 +8545,15 @@
 </file>
 
 <file path=customXml/item2.xml><?xml version="1.0" encoding="utf-8"?>
+<?mso-contentType ?>
+<FormTemplates xmlns="http://schemas.microsoft.com/sharepoint/v3/contenttype/forms">
+  <Display>DocumentLibraryForm</Display>
+  <Edit>DocumentLibraryForm</Edit>
+  <New>DocumentLibraryForm</New>
+</FormTemplates>
+</file>
+
+<file path=customXml/item3.xml><?xml version="1.0" encoding="utf-8"?>
 <ct:contentTypeSchema xmlns:ct="http://schemas.microsoft.com/office/2006/metadata/contentType" xmlns:ma="http://schemas.microsoft.com/office/2006/metadata/properties/metaAttributes" ct:_="" ma:_="" ma:contentTypeName="Document" ma:contentTypeID="0x010100AA3F7D94069FF64A86F7DFF56D60E3BE" ma:contentTypeVersion="6" ma:contentTypeDescription="Create a new document." ma:contentTypeScope="" ma:versionID="c32302c77d4085ecf495bdddb7f5e889">
   <xsd:schema xmlns:xsd="http://www.w3.org/2001/XMLSchema" xmlns:xs="http://www.w3.org/2001/XMLSchema" xmlns:p="http://schemas.microsoft.com/office/2006/metadata/properties" xmlns:ns2="a4f35948-e619-41b3-aa29-22878b09cfd2" xmlns:ns3="40262f94-9f35-4ac3-9a90-690165a166b7" targetNamespace="http://schemas.microsoft.com/office/2006/metadata/properties" ma:root="true" ma:fieldsID="4ab5ae46be95f9d0be6107e8200be7a2" ns2:_="" ns3:_="">
     <xsd:import namespace="a4f35948-e619-41b3-aa29-22878b09cfd2"/>
@@ -8190,15 +8734,6 @@
 </ct:contentTypeSchema>
 </file>
 
-<file path=customXml/item3.xml><?xml version="1.0" encoding="utf-8"?>
-<?mso-contentType ?>
-<FormTemplates xmlns="http://schemas.microsoft.com/sharepoint/v3/contenttype/forms">
-  <Display>DocumentLibraryForm</Display>
-  <Edit>DocumentLibraryForm</Edit>
-  <New>DocumentLibraryForm</New>
-</FormTemplates>
-</file>
-
 <file path=customXml/itemProps1.xml><?xml version="1.0" encoding="utf-8"?>
 <ds:datastoreItem xmlns:ds="http://schemas.openxmlformats.org/officeDocument/2006/customXml" ds:itemID="{3049C11C-71DC-49B6-ACD8-27E3AE088D14}">
   <ds:schemaRefs>
@@ -8217,6 +8752,14 @@
 </file>
 
 <file path=customXml/itemProps2.xml><?xml version="1.0" encoding="utf-8"?>
+<ds:datastoreItem xmlns:ds="http://schemas.openxmlformats.org/officeDocument/2006/customXml" ds:itemID="{0875BD71-4A33-4FB7-88CA-777C4D9E6EE5}">
+  <ds:schemaRefs>
+    <ds:schemaRef ds:uri="http://schemas.microsoft.com/sharepoint/v3/contenttype/forms"/>
+  </ds:schemaRefs>
+</ds:datastoreItem>
+</file>
+
+<file path=customXml/itemProps3.xml><?xml version="1.0" encoding="utf-8"?>
 <ds:datastoreItem xmlns:ds="http://schemas.openxmlformats.org/officeDocument/2006/customXml" ds:itemID="{51F78577-2839-4BFF-9EC7-673BD8FEBD87}">
   <ds:schemaRefs>
     <ds:schemaRef ds:uri="http://schemas.microsoft.com/office/2006/metadata/contentType"/>
@@ -8233,12 +8776,4 @@
     <ds:schemaRef ds:uri="http://schemas.microsoft.com/internal/obd"/>
   </ds:schemaRefs>
 </ds:datastoreItem>
-</file>
-
-<file path=customXml/itemProps3.xml><?xml version="1.0" encoding="utf-8"?>
-<ds:datastoreItem xmlns:ds="http://schemas.openxmlformats.org/officeDocument/2006/customXml" ds:itemID="{0875BD71-4A33-4FB7-88CA-777C4D9E6EE5}">
-  <ds:schemaRefs>
-    <ds:schemaRef ds:uri="http://schemas.microsoft.com/sharepoint/v3/contenttype/forms"/>
-  </ds:schemaRefs>
-</ds:datastoreItem>
 </file>
--- a/SERVEUR ET FICHIERS D’IMPRESSION.pptx
+++ b/SERVEUR ET FICHIERS D’IMPRESSION.pptx
@@ -6190,8 +6190,8 @@
         </p:nvSpPr>
         <p:spPr>
           <a:xfrm>
-            <a:off x="4582244" y="2415371"/>
-            <a:ext cx="6552728" cy="3139321"/>
+            <a:off x="4510236" y="2636912"/>
+            <a:ext cx="6552728" cy="2862322"/>
           </a:xfrm>
           <a:prstGeom prst="rect">
             <a:avLst/>
@@ -6220,21 +6220,48 @@
                 <a:ea typeface="Tahoma" panose="020B0604030504040204" pitchFamily="34" charset="0"/>
                 <a:cs typeface="Tahoma" panose="020B0604030504040204" pitchFamily="34" charset="0"/>
               </a:rPr>
-              <a:t>C’est un développement de hiérarchie de fichiers et de dossiers dans le but de transmettre de manière synchronisée des données de différents types</a:t>
-            </a:r>
-            <a:r>
-              <a:rPr lang="fr-CH" smtClean="0">
+              <a:t>Développement hiérarchie </a:t>
+            </a:r>
+            <a:r>
+              <a:rPr lang="fr-CH" dirty="0" smtClean="0">
                 <a:latin typeface="Tahoma" panose="020B0604030504040204" pitchFamily="34" charset="0"/>
                 <a:ea typeface="Tahoma" panose="020B0604030504040204" pitchFamily="34" charset="0"/>
                 <a:cs typeface="Tahoma" panose="020B0604030504040204" pitchFamily="34" charset="0"/>
               </a:rPr>
-              <a:t>. </a:t>
-            </a:r>
-            <a:endParaRPr lang="fr-CH" dirty="0" smtClean="0">
-              <a:latin typeface="Tahoma" panose="020B0604030504040204" pitchFamily="34" charset="0"/>
-              <a:ea typeface="Tahoma" panose="020B0604030504040204" pitchFamily="34" charset="0"/>
-              <a:cs typeface="Tahoma" panose="020B0604030504040204" pitchFamily="34" charset="0"/>
-            </a:endParaRPr>
+              <a:t>de fichiers et </a:t>
+            </a:r>
+            <a:r>
+              <a:rPr lang="fr-CH" dirty="0" smtClean="0">
+                <a:latin typeface="Tahoma" panose="020B0604030504040204" pitchFamily="34" charset="0"/>
+                <a:ea typeface="Tahoma" panose="020B0604030504040204" pitchFamily="34" charset="0"/>
+                <a:cs typeface="Tahoma" panose="020B0604030504040204" pitchFamily="34" charset="0"/>
+              </a:rPr>
+              <a:t>dossiers </a:t>
+            </a:r>
+            <a:r>
+              <a:rPr lang="fr-CH" dirty="0" smtClean="0">
+                <a:latin typeface="Tahoma" panose="020B0604030504040204" pitchFamily="34" charset="0"/>
+                <a:ea typeface="Tahoma" panose="020B0604030504040204" pitchFamily="34" charset="0"/>
+                <a:cs typeface="Tahoma" panose="020B0604030504040204" pitchFamily="34" charset="0"/>
+              </a:rPr>
+              <a:t>dans </a:t>
+            </a:r>
+            <a:r>
+              <a:rPr lang="fr-CH" dirty="0" smtClean="0">
+                <a:latin typeface="Tahoma" panose="020B0604030504040204" pitchFamily="34" charset="0"/>
+                <a:ea typeface="Tahoma" panose="020B0604030504040204" pitchFamily="34" charset="0"/>
+                <a:cs typeface="Tahoma" panose="020B0604030504040204" pitchFamily="34" charset="0"/>
+              </a:rPr>
+              <a:t>but </a:t>
+            </a:r>
+            <a:r>
+              <a:rPr lang="fr-CH" dirty="0" smtClean="0">
+                <a:latin typeface="Tahoma" panose="020B0604030504040204" pitchFamily="34" charset="0"/>
+                <a:ea typeface="Tahoma" panose="020B0604030504040204" pitchFamily="34" charset="0"/>
+                <a:cs typeface="Tahoma" panose="020B0604030504040204" pitchFamily="34" charset="0"/>
+              </a:rPr>
+              <a:t>de transmettre de manière synchronisée des données de différents types. </a:t>
+            </a:r>
           </a:p>
           <a:p>
             <a:pPr algn="ctr"/>
@@ -6252,8 +6279,21 @@
                 <a:ea typeface="Tahoma" panose="020B0604030504040204" pitchFamily="34" charset="0"/>
                 <a:cs typeface="Tahoma" panose="020B0604030504040204" pitchFamily="34" charset="0"/>
               </a:rPr>
-              <a:t>LES UTILISATEUR AYANT ACCÈS AU SERVEUR, SONT SOUVENT SOUMIS À DES CONTRAINTES ÉMISES SUR CELUI-CI AU DÉTRIMENT DE L’HÔTE.</a:t>
-            </a:r>
+              <a:t>Les </a:t>
+            </a:r>
+            <a:r>
+              <a:rPr lang="fr-CH" dirty="0" smtClean="0">
+                <a:latin typeface="Tahoma" panose="020B0604030504040204" pitchFamily="34" charset="0"/>
+                <a:ea typeface="Tahoma" panose="020B0604030504040204" pitchFamily="34" charset="0"/>
+                <a:cs typeface="Tahoma" panose="020B0604030504040204" pitchFamily="34" charset="0"/>
+              </a:rPr>
+              <a:t>utilisateurs ayant accès au serveur, soumis à contraintes émises sur celui-ci au détriment de l’hôte.</a:t>
+            </a:r>
+            <a:endParaRPr lang="fr-CH" dirty="0" smtClean="0">
+              <a:latin typeface="Tahoma" panose="020B0604030504040204" pitchFamily="34" charset="0"/>
+              <a:ea typeface="Tahoma" panose="020B0604030504040204" pitchFamily="34" charset="0"/>
+              <a:cs typeface="Tahoma" panose="020B0604030504040204" pitchFamily="34" charset="0"/>
+            </a:endParaRPr>
           </a:p>
           <a:p>
             <a:pPr algn="ctr"/>
@@ -6271,15 +6311,7 @@
                 <a:ea typeface="Tahoma" panose="020B0604030504040204" pitchFamily="34" charset="0"/>
                 <a:cs typeface="Tahoma" panose="020B0604030504040204" pitchFamily="34" charset="0"/>
               </a:rPr>
-              <a:t>CES RESTRICTIONS SONT INFRANCHISSABLE ET DOIVENT ÊTRE RESPECTÉES. ELLES SONT REPRÉSENTÉES PAR DES DROITS </a:t>
-            </a:r>
-            <a:r>
-              <a:rPr lang="fr-CH" b="1" dirty="0" smtClean="0">
-                <a:latin typeface="Tahoma" panose="020B0604030504040204" pitchFamily="34" charset="0"/>
-                <a:ea typeface="Tahoma" panose="020B0604030504040204" pitchFamily="34" charset="0"/>
-                <a:cs typeface="Tahoma" panose="020B0604030504040204" pitchFamily="34" charset="0"/>
-              </a:rPr>
-              <a:t>NTFS</a:t>
+              <a:t>Ces restrictions sont infranchissables et doivent être respectées. Elles sont respectées et sont représentés par des droits NTFS.</a:t>
             </a:r>
             <a:endParaRPr lang="fr-CH" b="1" dirty="0" smtClean="0">
               <a:latin typeface="Tahoma" panose="020B0604030504040204" pitchFamily="34" charset="0"/>
@@ -6731,8 +6763,8 @@
         </p:nvSpPr>
         <p:spPr>
           <a:xfrm>
-            <a:off x="261764" y="2852936"/>
-            <a:ext cx="4968552" cy="3046988"/>
+            <a:off x="261764" y="2924944"/>
+            <a:ext cx="4968552" cy="2677656"/>
           </a:xfrm>
           <a:prstGeom prst="rect">
             <a:avLst/>
@@ -6750,13 +6782,46 @@
           </a:bodyPr>
           <a:lstStyle/>
           <a:p>
+            <a:pPr algn="ctr"/>
             <a:r>
               <a:rPr lang="fr-CH" sz="2400" dirty="0" smtClean="0">
                 <a:latin typeface="Tahoma" panose="020B0604030504040204" pitchFamily="34" charset="0"/>
                 <a:ea typeface="Tahoma" panose="020B0604030504040204" pitchFamily="34" charset="0"/>
                 <a:cs typeface="Tahoma" panose="020B0604030504040204" pitchFamily="34" charset="0"/>
               </a:rPr>
-              <a:t>NTFS ( OU NEW TECHNOLOGIE FILE SYSTEM), PROCÈDUREQUE WINDOWS NT SYSTÈME UTILISÉ POUR STOCKER, ORGANISER ET TROUVER FICHIERS DANS DISQUE DUR. NTFS EXISTE DEPUIS 1993 ET EST SYSTÈME LE PLUS EFFICACE DE NOTRE GÉNÉRATION</a:t>
+              <a:t>NTFS ( </a:t>
+            </a:r>
+            <a:r>
+              <a:rPr lang="fr-CH" sz="2400" dirty="0" smtClean="0">
+                <a:latin typeface="Tahoma" panose="020B0604030504040204" pitchFamily="34" charset="0"/>
+                <a:ea typeface="Tahoma" panose="020B0604030504040204" pitchFamily="34" charset="0"/>
+                <a:cs typeface="Tahoma" panose="020B0604030504040204" pitchFamily="34" charset="0"/>
+              </a:rPr>
+              <a:t>ou</a:t>
+            </a:r>
+            <a:r>
+              <a:rPr lang="fr-CH" sz="2400" dirty="0" smtClean="0">
+                <a:latin typeface="Tahoma" panose="020B0604030504040204" pitchFamily="34" charset="0"/>
+                <a:ea typeface="Tahoma" panose="020B0604030504040204" pitchFamily="34" charset="0"/>
+                <a:cs typeface="Tahoma" panose="020B0604030504040204" pitchFamily="34" charset="0"/>
+              </a:rPr>
+              <a:t> </a:t>
+            </a:r>
+            <a:r>
+              <a:rPr lang="fr-CH" sz="2400" dirty="0" smtClean="0">
+                <a:latin typeface="Tahoma" panose="020B0604030504040204" pitchFamily="34" charset="0"/>
+                <a:ea typeface="Tahoma" panose="020B0604030504040204" pitchFamily="34" charset="0"/>
+                <a:cs typeface="Tahoma" panose="020B0604030504040204" pitchFamily="34" charset="0"/>
+              </a:rPr>
+              <a:t>NEW TECHNOLOGIE FILE SYSTEM</a:t>
+            </a:r>
+            <a:r>
+              <a:rPr lang="fr-CH" sz="2400" dirty="0" smtClean="0">
+                <a:latin typeface="Tahoma" panose="020B0604030504040204" pitchFamily="34" charset="0"/>
+                <a:ea typeface="Tahoma" panose="020B0604030504040204" pitchFamily="34" charset="0"/>
+                <a:cs typeface="Tahoma" panose="020B0604030504040204" pitchFamily="34" charset="0"/>
+              </a:rPr>
+              <a:t>),procédure que Windows NT Système utilise pour stocker, organiser et trouver fichiers dans disque dur. NTFS existe depuis 1993 et est système le plus efficace de notre génération </a:t>
             </a:r>
             <a:endParaRPr lang="fr-CH" sz="2400" dirty="0" smtClean="0">
               <a:latin typeface="Tahoma" panose="020B0604030504040204" pitchFamily="34" charset="0"/>
@@ -6795,13 +6860,18 @@
           <a:p>
             <a:pPr algn="ctr"/>
             <a:r>
-              <a:rPr lang="fr-CH" sz="2800" b="1" u="sng" dirty="0" smtClean="0">
+              <a:rPr lang="fr-CH" sz="2800" u="sng" dirty="0" smtClean="0">
                 <a:latin typeface="Tahoma" panose="020B0604030504040204" pitchFamily="34" charset="0"/>
                 <a:ea typeface="Tahoma" panose="020B0604030504040204" pitchFamily="34" charset="0"/>
                 <a:cs typeface="Tahoma" panose="020B0604030504040204" pitchFamily="34" charset="0"/>
               </a:rPr>
-              <a:t>TYPE D’AUTORISATIONS</a:t>
-            </a:r>
+              <a:t>Type d’autorisation</a:t>
+            </a:r>
+            <a:endParaRPr lang="fr-CH" sz="2800" u="sng" dirty="0" smtClean="0">
+              <a:latin typeface="Tahoma" panose="020B0604030504040204" pitchFamily="34" charset="0"/>
+              <a:ea typeface="Tahoma" panose="020B0604030504040204" pitchFamily="34" charset="0"/>
+              <a:cs typeface="Tahoma" panose="020B0604030504040204" pitchFamily="34" charset="0"/>
+            </a:endParaRPr>
           </a:p>
         </p:txBody>
       </p:sp>
@@ -6843,7 +6913,7 @@
         </p:blipFill>
         <p:spPr>
           <a:xfrm>
-            <a:off x="7174532" y="2492896"/>
+            <a:off x="7246540" y="2492896"/>
             <a:ext cx="2974244" cy="2736304"/>
           </a:xfrm>
           <a:prstGeom prst="rect">
@@ -7036,8 +7106,8 @@
         </p:nvSpPr>
         <p:spPr>
           <a:xfrm>
-            <a:off x="333772" y="2708920"/>
-            <a:ext cx="4968552" cy="3046988"/>
+            <a:off x="261764" y="2852936"/>
+            <a:ext cx="4968552" cy="2677656"/>
           </a:xfrm>
           <a:prstGeom prst="rect">
             <a:avLst/>
@@ -7055,8 +7125,9 @@
           </a:bodyPr>
           <a:lstStyle/>
           <a:p>
-            <a:r>
-              <a:rPr lang="fr-CH" sz="2400" cap="all" dirty="0">
+            <a:pPr algn="ctr"/>
+            <a:r>
+              <a:rPr lang="fr-CH" sz="2400" dirty="0">
                 <a:latin typeface="Tahoma" panose="020B0604030504040204" pitchFamily="34" charset="0"/>
                 <a:ea typeface="Tahoma" panose="020B0604030504040204" pitchFamily="34" charset="0"/>
                 <a:cs typeface="Tahoma" panose="020B0604030504040204" pitchFamily="34" charset="0"/>
@@ -7064,15 +7135,23 @@
               <a:t>1. </a:t>
             </a:r>
             <a:r>
-              <a:rPr lang="fr-CH" sz="2400" cap="all" dirty="0" smtClean="0">
+              <a:rPr lang="fr-CH" sz="2400" dirty="0" smtClean="0">
                 <a:latin typeface="Tahoma" panose="020B0604030504040204" pitchFamily="34" charset="0"/>
                 <a:ea typeface="Tahoma" panose="020B0604030504040204" pitchFamily="34" charset="0"/>
                 <a:cs typeface="Tahoma" panose="020B0604030504040204" pitchFamily="34" charset="0"/>
               </a:rPr>
-              <a:t>explorateur fichiers</a:t>
-            </a:r>
-            <a:r>
-              <a:rPr lang="fr-CH" sz="2400" cap="all" dirty="0">
+              <a:t>Explorateur </a:t>
+            </a:r>
+            <a:r>
+              <a:rPr lang="fr-CH" sz="2400" dirty="0" smtClean="0">
+                <a:latin typeface="Tahoma" panose="020B0604030504040204" pitchFamily="34" charset="0"/>
+                <a:ea typeface="Tahoma" panose="020B0604030504040204" pitchFamily="34" charset="0"/>
+                <a:cs typeface="Tahoma" panose="020B0604030504040204" pitchFamily="34" charset="0"/>
+              </a:rPr>
+              <a:t>fichiers</a:t>
+            </a:r>
+            <a:r>
+              <a:rPr lang="fr-CH" sz="2400" dirty="0">
                 <a:latin typeface="Tahoma" panose="020B0604030504040204" pitchFamily="34" charset="0"/>
                 <a:ea typeface="Tahoma" panose="020B0604030504040204" pitchFamily="34" charset="0"/>
                 <a:cs typeface="Tahoma" panose="020B0604030504040204" pitchFamily="34" charset="0"/>
@@ -7080,7 +7159,7 @@
               <a:t>, clique droit sur </a:t>
             </a:r>
             <a:r>
-              <a:rPr lang="fr-CH" sz="2400" cap="all" dirty="0" smtClean="0">
+              <a:rPr lang="fr-CH" sz="2400" dirty="0" smtClean="0">
                 <a:latin typeface="Tahoma" panose="020B0604030504040204" pitchFamily="34" charset="0"/>
                 <a:ea typeface="Tahoma" panose="020B0604030504040204" pitchFamily="34" charset="0"/>
                 <a:cs typeface="Tahoma" panose="020B0604030504040204" pitchFamily="34" charset="0"/>
@@ -7088,23 +7167,15 @@
               <a:t>fichier. </a:t>
             </a:r>
             <a:r>
-              <a:rPr lang="fr-CH" sz="2400" cap="all" dirty="0" err="1" smtClean="0">
+              <a:rPr lang="fr-CH" sz="2400" dirty="0" smtClean="0">
                 <a:latin typeface="Tahoma" panose="020B0604030504040204" pitchFamily="34" charset="0"/>
                 <a:ea typeface="Tahoma" panose="020B0604030504040204" pitchFamily="34" charset="0"/>
                 <a:cs typeface="Tahoma" panose="020B0604030504040204" pitchFamily="34" charset="0"/>
               </a:rPr>
-              <a:t>selectionnER</a:t>
-            </a:r>
-            <a:r>
-              <a:rPr lang="fr-CH" sz="2400" cap="all" dirty="0" smtClean="0">
-                <a:latin typeface="Tahoma" panose="020B0604030504040204" pitchFamily="34" charset="0"/>
-                <a:ea typeface="Tahoma" panose="020B0604030504040204" pitchFamily="34" charset="0"/>
-                <a:cs typeface="Tahoma" panose="020B0604030504040204" pitchFamily="34" charset="0"/>
-              </a:rPr>
-              <a:t> </a:t>
-            </a:r>
-            <a:r>
-              <a:rPr lang="fr-CH" sz="2400" cap="all" dirty="0">
+              <a:t>Sélectionnez </a:t>
+            </a:r>
+            <a:r>
+              <a:rPr lang="fr-CH" sz="2400" dirty="0">
                 <a:latin typeface="Tahoma" panose="020B0604030504040204" pitchFamily="34" charset="0"/>
                 <a:ea typeface="Tahoma" panose="020B0604030504040204" pitchFamily="34" charset="0"/>
                 <a:cs typeface="Tahoma" panose="020B0604030504040204" pitchFamily="34" charset="0"/>
@@ -7112,15 +7183,15 @@
               <a:t>l'option "</a:t>
             </a:r>
             <a:r>
-              <a:rPr lang="fr-CH" sz="2400" cap="all" dirty="0" err="1">
+              <a:rPr lang="fr-CH" sz="2400" dirty="0" smtClean="0">
                 <a:latin typeface="Tahoma" panose="020B0604030504040204" pitchFamily="34" charset="0"/>
                 <a:ea typeface="Tahoma" panose="020B0604030504040204" pitchFamily="34" charset="0"/>
                 <a:cs typeface="Tahoma" panose="020B0604030504040204" pitchFamily="34" charset="0"/>
               </a:rPr>
-              <a:t>Proprietés</a:t>
-            </a:r>
-            <a:r>
-              <a:rPr lang="fr-CH" sz="2400" cap="all" dirty="0">
+              <a:t>Propriétés</a:t>
+            </a:r>
+            <a:r>
+              <a:rPr lang="fr-CH" sz="2400" dirty="0">
                 <a:latin typeface="Tahoma" panose="020B0604030504040204" pitchFamily="34" charset="0"/>
                 <a:ea typeface="Tahoma" panose="020B0604030504040204" pitchFamily="34" charset="0"/>
                 <a:cs typeface="Tahoma" panose="020B0604030504040204" pitchFamily="34" charset="0"/>
@@ -7129,8 +7200,9 @@
             </a:r>
           </a:p>
           <a:p>
-            <a:r>
-              <a:rPr lang="fr-CH" sz="2400" cap="all" dirty="0">
+            <a:pPr algn="ctr"/>
+            <a:r>
+              <a:rPr lang="fr-CH" sz="2400" dirty="0">
                 <a:latin typeface="Tahoma" panose="020B0604030504040204" pitchFamily="34" charset="0"/>
                 <a:ea typeface="Tahoma" panose="020B0604030504040204" pitchFamily="34" charset="0"/>
                 <a:cs typeface="Tahoma" panose="020B0604030504040204" pitchFamily="34" charset="0"/>
@@ -7138,15 +7210,15 @@
               <a:t>2. Cliquer sur "</a:t>
             </a:r>
             <a:r>
-              <a:rPr lang="fr-CH" sz="2400" cap="all" dirty="0" err="1">
+              <a:rPr lang="fr-CH" sz="2400" dirty="0" smtClean="0">
                 <a:latin typeface="Tahoma" panose="020B0604030504040204" pitchFamily="34" charset="0"/>
                 <a:ea typeface="Tahoma" panose="020B0604030504040204" pitchFamily="34" charset="0"/>
                 <a:cs typeface="Tahoma" panose="020B0604030504040204" pitchFamily="34" charset="0"/>
               </a:rPr>
-              <a:t>Securité</a:t>
-            </a:r>
-            <a:r>
-              <a:rPr lang="fr-CH" sz="2400" cap="all" dirty="0">
+              <a:t>Sécurité</a:t>
+            </a:r>
+            <a:r>
+              <a:rPr lang="fr-CH" sz="2400" dirty="0">
                 <a:latin typeface="Tahoma" panose="020B0604030504040204" pitchFamily="34" charset="0"/>
                 <a:ea typeface="Tahoma" panose="020B0604030504040204" pitchFamily="34" charset="0"/>
                 <a:cs typeface="Tahoma" panose="020B0604030504040204" pitchFamily="34" charset="0"/>
@@ -7155,8 +7227,9 @@
             </a:r>
           </a:p>
           <a:p>
-            <a:r>
-              <a:rPr lang="fr-CH" sz="2400" cap="all" dirty="0">
+            <a:pPr algn="ctr"/>
+            <a:r>
+              <a:rPr lang="fr-CH" sz="2400" dirty="0">
                 <a:latin typeface="Tahoma" panose="020B0604030504040204" pitchFamily="34" charset="0"/>
                 <a:ea typeface="Tahoma" panose="020B0604030504040204" pitchFamily="34" charset="0"/>
                 <a:cs typeface="Tahoma" panose="020B0604030504040204" pitchFamily="34" charset="0"/>
@@ -7164,23 +7237,39 @@
               <a:t>3. </a:t>
             </a:r>
             <a:r>
-              <a:rPr lang="fr-CH" sz="2400" cap="all" dirty="0" err="1" smtClean="0">
+              <a:rPr lang="fr-CH" sz="2400" dirty="0" smtClean="0">
                 <a:latin typeface="Tahoma" panose="020B0604030504040204" pitchFamily="34" charset="0"/>
                 <a:ea typeface="Tahoma" panose="020B0604030504040204" pitchFamily="34" charset="0"/>
                 <a:cs typeface="Tahoma" panose="020B0604030504040204" pitchFamily="34" charset="0"/>
               </a:rPr>
-              <a:t>selectionner</a:t>
-            </a:r>
-            <a:r>
-              <a:rPr lang="fr-CH" sz="2400" cap="all" dirty="0" smtClean="0">
+              <a:t>S</a:t>
+            </a:r>
+            <a:r>
+              <a:rPr lang="fr-CH" sz="2400" dirty="0" smtClean="0">
                 <a:latin typeface="Tahoma" panose="020B0604030504040204" pitchFamily="34" charset="0"/>
                 <a:ea typeface="Tahoma" panose="020B0604030504040204" pitchFamily="34" charset="0"/>
                 <a:cs typeface="Tahoma" panose="020B0604030504040204" pitchFamily="34" charset="0"/>
               </a:rPr>
-              <a:t> personnes </a:t>
-            </a:r>
-            <a:r>
-              <a:rPr lang="fr-CH" sz="2400" cap="all" dirty="0">
+              <a:t>é</a:t>
+            </a:r>
+            <a:r>
+              <a:rPr lang="fr-CH" sz="2400" dirty="0" smtClean="0">
+                <a:latin typeface="Tahoma" panose="020B0604030504040204" pitchFamily="34" charset="0"/>
+                <a:ea typeface="Tahoma" panose="020B0604030504040204" pitchFamily="34" charset="0"/>
+                <a:cs typeface="Tahoma" panose="020B0604030504040204" pitchFamily="34" charset="0"/>
+              </a:rPr>
+              <a:t>lectionnez </a:t>
+            </a:r>
+            <a:r>
+              <a:rPr lang="fr-CH" sz="2400" dirty="0" smtClean="0">
+                <a:latin typeface="Tahoma" panose="020B0604030504040204" pitchFamily="34" charset="0"/>
+                <a:ea typeface="Tahoma" panose="020B0604030504040204" pitchFamily="34" charset="0"/>
+                <a:cs typeface="Tahoma" panose="020B0604030504040204" pitchFamily="34" charset="0"/>
+              </a:rPr>
+              <a:t>personnes </a:t>
+            </a:r>
+            <a:r>
+              <a:rPr lang="fr-CH" sz="2400" dirty="0">
                 <a:latin typeface="Tahoma" panose="020B0604030504040204" pitchFamily="34" charset="0"/>
                 <a:ea typeface="Tahoma" panose="020B0604030504040204" pitchFamily="34" charset="0"/>
                 <a:cs typeface="Tahoma" panose="020B0604030504040204" pitchFamily="34" charset="0"/>
@@ -7188,7 +7277,7 @@
               <a:t>ou groupes et </a:t>
             </a:r>
             <a:r>
-              <a:rPr lang="fr-CH" sz="2400" cap="all" dirty="0" smtClean="0">
+              <a:rPr lang="fr-CH" sz="2400" dirty="0" smtClean="0">
                 <a:latin typeface="Tahoma" panose="020B0604030504040204" pitchFamily="34" charset="0"/>
                 <a:ea typeface="Tahoma" panose="020B0604030504040204" pitchFamily="34" charset="0"/>
                 <a:cs typeface="Tahoma" panose="020B0604030504040204" pitchFamily="34" charset="0"/>
@@ -7196,7 +7285,7 @@
               <a:t>donner permissions </a:t>
             </a:r>
             <a:r>
-              <a:rPr lang="fr-CH" sz="2400" cap="all" dirty="0">
+              <a:rPr lang="fr-CH" sz="2400" dirty="0">
                 <a:latin typeface="Tahoma" panose="020B0604030504040204" pitchFamily="34" charset="0"/>
                 <a:ea typeface="Tahoma" panose="020B0604030504040204" pitchFamily="34" charset="0"/>
                 <a:cs typeface="Tahoma" panose="020B0604030504040204" pitchFamily="34" charset="0"/>
@@ -7214,7 +7303,7 @@
         </p:nvSpPr>
         <p:spPr>
           <a:xfrm>
-            <a:off x="333772" y="1916832"/>
+            <a:off x="261764" y="1988840"/>
             <a:ext cx="4968552" cy="523220"/>
           </a:xfrm>
           <a:prstGeom prst="rect">
@@ -7235,14 +7324,14 @@
           <a:p>
             <a:pPr algn="ctr"/>
             <a:r>
-              <a:rPr lang="fr-CH" sz="2800" b="1" u="sng" dirty="0" smtClean="0">
+              <a:rPr lang="fr-CH" sz="2800" u="sng" dirty="0" smtClean="0">
                 <a:latin typeface="Tahoma" panose="020B0604030504040204" pitchFamily="34" charset="0"/>
                 <a:ea typeface="Tahoma" panose="020B0604030504040204" pitchFamily="34" charset="0"/>
                 <a:cs typeface="Tahoma" panose="020B0604030504040204" pitchFamily="34" charset="0"/>
               </a:rPr>
-              <a:t>INSTRUCTIONS NTFS</a:t>
-            </a:r>
-            <a:endParaRPr lang="fr-CH" sz="2800" b="1" u="sng" dirty="0" smtClean="0">
+              <a:t>Instructions NTFS</a:t>
+            </a:r>
+            <a:endParaRPr lang="fr-CH" sz="2800" u="sng" dirty="0" smtClean="0">
               <a:latin typeface="Tahoma" panose="020B0604030504040204" pitchFamily="34" charset="0"/>
               <a:ea typeface="Tahoma" panose="020B0604030504040204" pitchFamily="34" charset="0"/>
               <a:cs typeface="Tahoma" panose="020B0604030504040204" pitchFamily="34" charset="0"/>
@@ -8545,15 +8634,6 @@
 </file>
 
 <file path=customXml/item2.xml><?xml version="1.0" encoding="utf-8"?>
-<?mso-contentType ?>
-<FormTemplates xmlns="http://schemas.microsoft.com/sharepoint/v3/contenttype/forms">
-  <Display>DocumentLibraryForm</Display>
-  <Edit>DocumentLibraryForm</Edit>
-  <New>DocumentLibraryForm</New>
-</FormTemplates>
-</file>
-
-<file path=customXml/item3.xml><?xml version="1.0" encoding="utf-8"?>
 <ct:contentTypeSchema xmlns:ct="http://schemas.microsoft.com/office/2006/metadata/contentType" xmlns:ma="http://schemas.microsoft.com/office/2006/metadata/properties/metaAttributes" ct:_="" ma:_="" ma:contentTypeName="Document" ma:contentTypeID="0x010100AA3F7D94069FF64A86F7DFF56D60E3BE" ma:contentTypeVersion="6" ma:contentTypeDescription="Create a new document." ma:contentTypeScope="" ma:versionID="c32302c77d4085ecf495bdddb7f5e889">
   <xsd:schema xmlns:xsd="http://www.w3.org/2001/XMLSchema" xmlns:xs="http://www.w3.org/2001/XMLSchema" xmlns:p="http://schemas.microsoft.com/office/2006/metadata/properties" xmlns:ns2="a4f35948-e619-41b3-aa29-22878b09cfd2" xmlns:ns3="40262f94-9f35-4ac3-9a90-690165a166b7" targetNamespace="http://schemas.microsoft.com/office/2006/metadata/properties" ma:root="true" ma:fieldsID="4ab5ae46be95f9d0be6107e8200be7a2" ns2:_="" ns3:_="">
     <xsd:import namespace="a4f35948-e619-41b3-aa29-22878b09cfd2"/>
@@ -8734,6 +8814,15 @@
 </ct:contentTypeSchema>
 </file>
 
+<file path=customXml/item3.xml><?xml version="1.0" encoding="utf-8"?>
+<?mso-contentType ?>
+<FormTemplates xmlns="http://schemas.microsoft.com/sharepoint/v3/contenttype/forms">
+  <Display>DocumentLibraryForm</Display>
+  <Edit>DocumentLibraryForm</Edit>
+  <New>DocumentLibraryForm</New>
+</FormTemplates>
+</file>
+
 <file path=customXml/itemProps1.xml><?xml version="1.0" encoding="utf-8"?>
 <ds:datastoreItem xmlns:ds="http://schemas.openxmlformats.org/officeDocument/2006/customXml" ds:itemID="{3049C11C-71DC-49B6-ACD8-27E3AE088D14}">
   <ds:schemaRefs>
@@ -8752,14 +8841,6 @@
 </file>
 
 <file path=customXml/itemProps2.xml><?xml version="1.0" encoding="utf-8"?>
-<ds:datastoreItem xmlns:ds="http://schemas.openxmlformats.org/officeDocument/2006/customXml" ds:itemID="{0875BD71-4A33-4FB7-88CA-777C4D9E6EE5}">
-  <ds:schemaRefs>
-    <ds:schemaRef ds:uri="http://schemas.microsoft.com/sharepoint/v3/contenttype/forms"/>
-  </ds:schemaRefs>
-</ds:datastoreItem>
-</file>
-
-<file path=customXml/itemProps3.xml><?xml version="1.0" encoding="utf-8"?>
 <ds:datastoreItem xmlns:ds="http://schemas.openxmlformats.org/officeDocument/2006/customXml" ds:itemID="{51F78577-2839-4BFF-9EC7-673BD8FEBD87}">
   <ds:schemaRefs>
     <ds:schemaRef ds:uri="http://schemas.microsoft.com/office/2006/metadata/contentType"/>
@@ -8776,4 +8857,12 @@
     <ds:schemaRef ds:uri="http://schemas.microsoft.com/internal/obd"/>
   </ds:schemaRefs>
 </ds:datastoreItem>
+</file>
+
+<file path=customXml/itemProps3.xml><?xml version="1.0" encoding="utf-8"?>
+<ds:datastoreItem xmlns:ds="http://schemas.openxmlformats.org/officeDocument/2006/customXml" ds:itemID="{0875BD71-4A33-4FB7-88CA-777C4D9E6EE5}">
+  <ds:schemaRefs>
+    <ds:schemaRef ds:uri="http://schemas.microsoft.com/sharepoint/v3/contenttype/forms"/>
+  </ds:schemaRefs>
+</ds:datastoreItem>
 </file>
--- a/SERVEUR ET FICHIERS D’IMPRESSION.pptx
+++ b/SERVEUR ET FICHIERS D’IMPRESSION.pptx
@@ -245,10 +245,6 @@
 </p:cmAuthorLst>
 </file>
 
-<file path=ppt/revisionInfo.xml><?xml version="1.0" encoding="utf-8"?>
-<p1510:revInfo xmlns:a="http://schemas.openxmlformats.org/drawingml/2006/main" xmlns:r="http://schemas.openxmlformats.org/officeDocument/2006/relationships" xmlns:p1510="http://schemas.microsoft.com/office/powerpoint/2015/10/main"/>
-</file>
-
 <file path=ppt/handoutMasters/handoutMaster1.xml><?xml version="1.0" encoding="utf-8"?>
 <p:handoutMaster xmlns:a="http://schemas.openxmlformats.org/drawingml/2006/main" xmlns:r="http://schemas.openxmlformats.org/officeDocument/2006/relationships" xmlns:p="http://schemas.openxmlformats.org/presentationml/2006/main">
   <p:cSld>
@@ -333,7 +329,7 @@
             <a:pPr rtl="0"/>
             <a:fld id="{1BF5C993-8495-4216-89A4-42CD5FDDBACA}" type="datetime1">
               <a:rPr lang="fr-FR" smtClean="0"/>
-              <a:t>13/04/2022</a:t>
+              <a:t>27/04/2022</a:t>
             </a:fld>
             <a:endParaRPr lang="fr-FR" dirty="0"/>
           </a:p>
@@ -503,7 +499,7 @@
             <a:pPr rtl="0"/>
             <a:fld id="{2C0862E7-FD40-4D3D-ACE4-67E006776546}" type="datetime1">
               <a:rPr lang="fr-FR" noProof="0" smtClean="0"/>
-              <a:t>13/04/2022</a:t>
+              <a:t>27/04/2022</a:t>
             </a:fld>
             <a:endParaRPr lang="fr-FR" noProof="0" dirty="0"/>
           </a:p>
@@ -1611,7 +1607,7 @@
           <a:p>
             <a:pPr rtl="0"/>
             <a:r>
-              <a:rPr lang="fr-FR" noProof="0" smtClean="0"/>
+              <a:rPr lang="fr-FR" noProof="0"/>
               <a:t>Modifiez le style du titre</a:t>
             </a:r>
             <a:endParaRPr lang="fr-FR" noProof="0" dirty="0"/>
@@ -1734,7 +1730,7 @@
           <a:p>
             <a:pPr rtl="0"/>
             <a:r>
-              <a:rPr lang="fr-FR" noProof="0" smtClean="0"/>
+              <a:rPr lang="fr-FR" noProof="0"/>
               <a:t>Modifier le style des sous-titres du masque</a:t>
             </a:r>
             <a:endParaRPr lang="fr-FR" noProof="0" dirty="0"/>
@@ -1806,7 +1802,7 @@
             <a:fld id="{B88C40BB-4737-4D39-9F3C-F0B9A14C804A}" type="datetime1">
               <a:rPr lang="fr-FR" smtClean="0"/>
               <a:pPr/>
-              <a:t>13/04/2022</a:t>
+              <a:t>27/04/2022</a:t>
             </a:fld>
             <a:endParaRPr lang="fr-FR" dirty="0"/>
           </a:p>
@@ -1834,13 +1830,6 @@
       </p:transition>
     </mc:Fallback>
   </mc:AlternateContent>
-  <p:timing>
-    <p:tnLst>
-      <p:par>
-        <p:cTn id="1" dur="indefinite" restart="never" nodeType="tmRoot"/>
-      </p:par>
-    </p:tnLst>
-  </p:timing>
 </p:sldLayout>
 </file>
 
@@ -1878,7 +1867,7 @@
           <a:p>
             <a:pPr rtl="0"/>
             <a:r>
-              <a:rPr lang="fr-FR" noProof="0" smtClean="0"/>
+              <a:rPr lang="fr-FR" noProof="0"/>
               <a:t>Modifiez le style du titre</a:t>
             </a:r>
             <a:endParaRPr lang="fr-FR" noProof="0" dirty="0"/>
@@ -2006,7 +1995,7 @@
             <a:fld id="{B88C40BB-4737-4D39-9F3C-F0B9A14C804A}" type="datetime1">
               <a:rPr lang="fr-FR" smtClean="0"/>
               <a:pPr/>
-              <a:t>13/04/2022</a:t>
+              <a:t>27/04/2022</a:t>
             </a:fld>
             <a:endParaRPr lang="fr-FR" dirty="0"/>
           </a:p>
@@ -2034,13 +2023,6 @@
       </p:transition>
     </mc:Fallback>
   </mc:AlternateContent>
-  <p:timing>
-    <p:tnLst>
-      <p:par>
-        <p:cTn id="1" dur="indefinite" restart="never" nodeType="tmRoot"/>
-      </p:par>
-    </p:tnLst>
-  </p:timing>
 </p:sldLayout>
 </file>
 
@@ -2083,7 +2065,7 @@
           <a:p>
             <a:pPr rtl="0"/>
             <a:r>
-              <a:rPr lang="fr-FR" noProof="0" smtClean="0"/>
+              <a:rPr lang="fr-FR" noProof="0"/>
               <a:t>Modifiez le style du titre</a:t>
             </a:r>
             <a:endParaRPr lang="fr-FR" noProof="0" dirty="0"/>
@@ -2216,7 +2198,7 @@
             <a:fld id="{B88C40BB-4737-4D39-9F3C-F0B9A14C804A}" type="datetime1">
               <a:rPr lang="fr-FR" smtClean="0"/>
               <a:pPr/>
-              <a:t>13/04/2022</a:t>
+              <a:t>27/04/2022</a:t>
             </a:fld>
             <a:endParaRPr lang="fr-FR" dirty="0"/>
           </a:p>
@@ -2244,13 +2226,6 @@
       </p:transition>
     </mc:Fallback>
   </mc:AlternateContent>
-  <p:timing>
-    <p:tnLst>
-      <p:par>
-        <p:cTn id="1" dur="indefinite" restart="never" nodeType="tmRoot"/>
-      </p:par>
-    </p:tnLst>
-  </p:timing>
 </p:sldLayout>
 </file>
 
@@ -2288,7 +2263,7 @@
           <a:p>
             <a:pPr rtl="0"/>
             <a:r>
-              <a:rPr lang="fr-FR" noProof="0" smtClean="0"/>
+              <a:rPr lang="fr-FR" noProof="0"/>
               <a:t>Modifiez le style du titre</a:t>
             </a:r>
             <a:endParaRPr lang="fr-FR" noProof="0" dirty="0"/>
@@ -2417,7 +2392,7 @@
             <a:fld id="{B88C40BB-4737-4D39-9F3C-F0B9A14C804A}" type="datetime1">
               <a:rPr lang="fr-FR" smtClean="0"/>
               <a:pPr/>
-              <a:t>13/04/2022</a:t>
+              <a:t>27/04/2022</a:t>
             </a:fld>
             <a:endParaRPr lang="fr-FR" dirty="0"/>
           </a:p>
@@ -2445,13 +2420,6 @@
       </p:transition>
     </mc:Fallback>
   </mc:AlternateContent>
-  <p:timing>
-    <p:tnLst>
-      <p:par>
-        <p:cTn id="1" dur="indefinite" restart="never" nodeType="tmRoot"/>
-      </p:par>
-    </p:tnLst>
-  </p:timing>
 </p:sldLayout>
 </file>
 
@@ -2505,7 +2473,7 @@
           <a:p>
             <a:pPr rtl="0"/>
             <a:r>
-              <a:rPr lang="fr-FR" noProof="0" smtClean="0"/>
+              <a:rPr lang="fr-FR" noProof="0"/>
               <a:t>Modifiez le style du titre</a:t>
             </a:r>
             <a:endParaRPr lang="fr-FR" noProof="0" dirty="0"/>
@@ -2695,7 +2663,7 @@
             <a:fld id="{B88C40BB-4737-4D39-9F3C-F0B9A14C804A}" type="datetime1">
               <a:rPr lang="fr-FR" smtClean="0"/>
               <a:pPr/>
-              <a:t>13/04/2022</a:t>
+              <a:t>27/04/2022</a:t>
             </a:fld>
             <a:endParaRPr lang="fr-FR" dirty="0"/>
           </a:p>
@@ -2723,13 +2691,6 @@
       </p:transition>
     </mc:Fallback>
   </mc:AlternateContent>
-  <p:timing>
-    <p:tnLst>
-      <p:par>
-        <p:cTn id="1" dur="indefinite" restart="never" nodeType="tmRoot"/>
-      </p:par>
-    </p:tnLst>
-  </p:timing>
 </p:sldLayout>
 </file>
 
@@ -2772,7 +2733,7 @@
           <a:p>
             <a:pPr rtl="0"/>
             <a:r>
-              <a:rPr lang="fr-FR" noProof="0" smtClean="0"/>
+              <a:rPr lang="fr-FR" noProof="0"/>
               <a:t>Modifiez le style du titre</a:t>
             </a:r>
             <a:endParaRPr lang="fr-FR" noProof="0" dirty="0"/>
@@ -3058,7 +3019,7 @@
             <a:fld id="{B88C40BB-4737-4D39-9F3C-F0B9A14C804A}" type="datetime1">
               <a:rPr lang="fr-FR" smtClean="0"/>
               <a:pPr/>
-              <a:t>13/04/2022</a:t>
+              <a:t>27/04/2022</a:t>
             </a:fld>
             <a:endParaRPr lang="fr-FR" dirty="0"/>
           </a:p>
@@ -3086,13 +3047,6 @@
       </p:transition>
     </mc:Fallback>
   </mc:AlternateContent>
-  <p:timing>
-    <p:tnLst>
-      <p:par>
-        <p:cTn id="1" dur="indefinite" restart="never" nodeType="tmRoot"/>
-      </p:par>
-    </p:tnLst>
-  </p:timing>
 </p:sldLayout>
 </file>
 
@@ -3139,7 +3093,7 @@
           <a:p>
             <a:pPr rtl="0"/>
             <a:r>
-              <a:rPr lang="fr-FR" noProof="0" smtClean="0"/>
+              <a:rPr lang="fr-FR" noProof="0"/>
               <a:t>Modifiez le style du titre</a:t>
             </a:r>
             <a:endParaRPr lang="fr-FR" noProof="0" dirty="0"/>
@@ -3657,7 +3611,7 @@
             <a:fld id="{B88C40BB-4737-4D39-9F3C-F0B9A14C804A}" type="datetime1">
               <a:rPr lang="fr-FR" smtClean="0"/>
               <a:pPr/>
-              <a:t>13/04/2022</a:t>
+              <a:t>27/04/2022</a:t>
             </a:fld>
             <a:endParaRPr lang="fr-FR" dirty="0"/>
           </a:p>
@@ -3685,13 +3639,6 @@
       </p:transition>
     </mc:Fallback>
   </mc:AlternateContent>
-  <p:timing>
-    <p:tnLst>
-      <p:par>
-        <p:cTn id="1" dur="indefinite" restart="never" nodeType="tmRoot"/>
-      </p:par>
-    </p:tnLst>
-  </p:timing>
 </p:sldLayout>
 </file>
 
@@ -3729,7 +3676,7 @@
           <a:p>
             <a:pPr rtl="0"/>
             <a:r>
-              <a:rPr lang="fr-FR" noProof="0" smtClean="0"/>
+              <a:rPr lang="fr-FR" noProof="0"/>
               <a:t>Modifiez le style du titre</a:t>
             </a:r>
             <a:endParaRPr lang="fr-FR" noProof="0" dirty="0"/>
@@ -3927,7 +3874,7 @@
             <a:fld id="{B88C40BB-4737-4D39-9F3C-F0B9A14C804A}" type="datetime1">
               <a:rPr lang="fr-FR" smtClean="0"/>
               <a:pPr/>
-              <a:t>13/04/2022</a:t>
+              <a:t>27/04/2022</a:t>
             </a:fld>
             <a:endParaRPr lang="fr-FR" dirty="0"/>
           </a:p>
@@ -3955,13 +3902,6 @@
       </p:transition>
     </mc:Fallback>
   </mc:AlternateContent>
-  <p:timing>
-    <p:tnLst>
-      <p:par>
-        <p:cTn id="1" dur="indefinite" restart="never" nodeType="tmRoot"/>
-      </p:par>
-    </p:tnLst>
-  </p:timing>
 </p:sldLayout>
 </file>
 
@@ -4043,7 +3983,7 @@
             <a:fld id="{B88C40BB-4737-4D39-9F3C-F0B9A14C804A}" type="datetime1">
               <a:rPr lang="fr-FR" smtClean="0"/>
               <a:pPr/>
-              <a:t>13/04/2022</a:t>
+              <a:t>27/04/2022</a:t>
             </a:fld>
             <a:endParaRPr lang="fr-FR" dirty="0"/>
           </a:p>
@@ -4071,13 +4011,6 @@
       </p:transition>
     </mc:Fallback>
   </mc:AlternateContent>
-  <p:timing>
-    <p:tnLst>
-      <p:par>
-        <p:cTn id="1" dur="indefinite" restart="never" nodeType="tmRoot"/>
-      </p:par>
-    </p:tnLst>
-  </p:timing>
 </p:sldLayout>
 </file>
 
@@ -4133,7 +4066,7 @@
           <a:p>
             <a:pPr rtl="0"/>
             <a:r>
-              <a:rPr lang="fr-FR" noProof="0" smtClean="0"/>
+              <a:rPr lang="fr-FR" noProof="0"/>
               <a:t>Modifiez le style du titre</a:t>
             </a:r>
             <a:endParaRPr lang="fr-FR" noProof="0" dirty="0"/>
@@ -4360,7 +4293,7 @@
             <a:fld id="{B88C40BB-4737-4D39-9F3C-F0B9A14C804A}" type="datetime1">
               <a:rPr lang="fr-FR" smtClean="0"/>
               <a:pPr/>
-              <a:t>13/04/2022</a:t>
+              <a:t>27/04/2022</a:t>
             </a:fld>
             <a:endParaRPr lang="fr-FR" dirty="0"/>
           </a:p>
@@ -4388,13 +4321,6 @@
       </p:transition>
     </mc:Fallback>
   </mc:AlternateContent>
-  <p:timing>
-    <p:tnLst>
-      <p:par>
-        <p:cTn id="1" dur="indefinite" restart="never" nodeType="tmRoot"/>
-      </p:par>
-    </p:tnLst>
-  </p:timing>
 </p:sldLayout>
 </file>
 
@@ -4450,7 +4376,7 @@
           <a:p>
             <a:pPr rtl="0"/>
             <a:r>
-              <a:rPr lang="fr-FR" noProof="0" smtClean="0"/>
+              <a:rPr lang="fr-FR" noProof="0"/>
               <a:t>Modifiez le style du titre</a:t>
             </a:r>
             <a:endParaRPr lang="fr-FR" noProof="0" dirty="0"/>
@@ -4527,7 +4453,7 @@
           <a:p>
             <a:pPr rtl="0"/>
             <a:r>
-              <a:rPr lang="fr-FR" noProof="0" smtClean="0"/>
+              <a:rPr lang="fr-FR" noProof="0"/>
               <a:t>Cliquez sur l'icône pour ajouter une image</a:t>
             </a:r>
             <a:endParaRPr lang="fr-FR" noProof="0" dirty="0"/>
@@ -4668,7 +4594,7 @@
             <a:fld id="{B88C40BB-4737-4D39-9F3C-F0B9A14C804A}" type="datetime1">
               <a:rPr lang="fr-FR" smtClean="0"/>
               <a:pPr/>
-              <a:t>13/04/2022</a:t>
+              <a:t>27/04/2022</a:t>
             </a:fld>
             <a:endParaRPr lang="fr-FR" dirty="0"/>
           </a:p>
@@ -4696,13 +4622,6 @@
       </p:transition>
     </mc:Fallback>
   </mc:AlternateContent>
-  <p:timing>
-    <p:tnLst>
-      <p:par>
-        <p:cTn id="1" dur="indefinite" restart="never" nodeType="tmRoot"/>
-      </p:par>
-    </p:tnLst>
-  </p:timing>
 </p:sldLayout>
 </file>
 
@@ -5044,7 +4963,7 @@
             <a:fld id="{B88C40BB-4737-4D39-9F3C-F0B9A14C804A}" type="datetime1">
               <a:rPr lang="fr-FR" smtClean="0"/>
               <a:pPr/>
-              <a:t>13/04/2022</a:t>
+              <a:t>27/04/2022</a:t>
             </a:fld>
             <a:endParaRPr lang="fr-FR" dirty="0"/>
           </a:p>
@@ -5083,13 +5002,6 @@
       </p:transition>
     </mc:Fallback>
   </mc:AlternateContent>
-  <p:timing>
-    <p:tnLst>
-      <p:par>
-        <p:cTn id="1" dur="indefinite" restart="never" nodeType="tmRoot"/>
-      </p:par>
-    </p:tnLst>
-  </p:timing>
   <p:hf hdr="0" ftr="0"/>
   <p:txStyles>
     <p:titleStyle>
@@ -5448,7 +5360,7 @@
           <a:p>
             <a:pPr algn="ctr" rtl="0"/>
             <a:r>
-              <a:rPr lang="fr-FR" dirty="0" smtClean="0">
+              <a:rPr lang="fr-FR" dirty="0">
                 <a:solidFill>
                   <a:schemeClr val="bg2">
                     <a:lumMod val="60000"/>
@@ -5461,17 +5373,6 @@
               </a:rPr>
               <a:t>SERVEURS ET FICHIERS D’IMPRESSION</a:t>
             </a:r>
-            <a:endParaRPr lang="fr-FR" dirty="0">
-              <a:solidFill>
-                <a:schemeClr val="bg2">
-                  <a:lumMod val="60000"/>
-                  <a:lumOff val="40000"/>
-                </a:schemeClr>
-              </a:solidFill>
-              <a:latin typeface="Tahoma" panose="020B0604030504040204" pitchFamily="34" charset="0"/>
-              <a:ea typeface="Tahoma" panose="020B0604030504040204" pitchFamily="34" charset="0"/>
-              <a:cs typeface="Tahoma" panose="020B0604030504040204" pitchFamily="34" charset="0"/>
-            </a:endParaRPr>
           </a:p>
         </p:txBody>
       </p:sp>
@@ -5500,7 +5401,7 @@
           <a:p>
             <a:pPr rtl="0"/>
             <a:r>
-              <a:rPr lang="fr-FR" sz="1600" dirty="0" smtClean="0">
+              <a:rPr lang="fr-FR" sz="1600" dirty="0">
                 <a:solidFill>
                   <a:schemeClr val="bg2">
                     <a:lumMod val="60000"/>
@@ -5513,17 +5414,6 @@
               </a:rPr>
               <a:t>ALESSIA, JORGE, PHILIPPE, ROMAIN</a:t>
             </a:r>
-            <a:endParaRPr lang="fr-FR" sz="1600" dirty="0">
-              <a:solidFill>
-                <a:schemeClr val="bg2">
-                  <a:lumMod val="60000"/>
-                  <a:lumOff val="40000"/>
-                </a:schemeClr>
-              </a:solidFill>
-              <a:latin typeface="Tahoma" panose="020B0604030504040204" pitchFamily="34" charset="0"/>
-              <a:ea typeface="Tahoma" panose="020B0604030504040204" pitchFamily="34" charset="0"/>
-              <a:cs typeface="Tahoma" panose="020B0604030504040204" pitchFamily="34" charset="0"/>
-            </a:endParaRPr>
           </a:p>
         </p:txBody>
       </p:sp>
@@ -5590,13 +5480,6 @@
       <p:transition/>
     </mc:Fallback>
   </mc:AlternateContent>
-  <p:timing>
-    <p:tnLst>
-      <p:par>
-        <p:cTn id="1" dur="indefinite" restart="never" nodeType="tmRoot"/>
-      </p:par>
-    </p:tnLst>
-  </p:timing>
 </p:sld>
 </file>
 
@@ -5649,7 +5532,7 @@
           <a:p>
             <a:pPr algn="ctr" rtl="0"/>
             <a:r>
-              <a:rPr lang="fr-FR" sz="4400" dirty="0" smtClean="0">
+              <a:rPr lang="fr-FR" sz="4400" dirty="0">
                 <a:solidFill>
                   <a:srgbClr val="87A896"/>
                 </a:solidFill>
@@ -5659,14 +5542,6 @@
               </a:rPr>
               <a:t>TABLES DES MATIÈRES</a:t>
             </a:r>
-            <a:endParaRPr lang="fr-FR" sz="4400" dirty="0">
-              <a:solidFill>
-                <a:srgbClr val="87A896"/>
-              </a:solidFill>
-              <a:latin typeface="Tahoma" panose="020B0604030504040204" pitchFamily="34" charset="0"/>
-              <a:ea typeface="Tahoma" panose="020B0604030504040204" pitchFamily="34" charset="0"/>
-              <a:cs typeface="Tahoma" panose="020B0604030504040204" pitchFamily="34" charset="0"/>
-            </a:endParaRPr>
           </a:p>
         </p:txBody>
       </p:sp>
@@ -5702,27 +5577,8 @@
                 <a:ea typeface="Tahoma" panose="020B0604030504040204" pitchFamily="34" charset="0"/>
                 <a:cs typeface="Tahoma" panose="020B0604030504040204" pitchFamily="34" charset="0"/>
               </a:rPr>
-              <a:t>Serveur de fichiers </a:t>
-            </a:r>
-            <a:r>
-              <a:rPr lang="fr-CH" b="1" dirty="0" smtClean="0">
-                <a:solidFill>
-                  <a:srgbClr val="87A896"/>
-                </a:solidFill>
-                <a:latin typeface="Tahoma" panose="020B0604030504040204" pitchFamily="34" charset="0"/>
-                <a:ea typeface="Tahoma" panose="020B0604030504040204" pitchFamily="34" charset="0"/>
-                <a:cs typeface="Tahoma" panose="020B0604030504040204" pitchFamily="34" charset="0"/>
-              </a:rPr>
-              <a:t>:</a:t>
-            </a:r>
-            <a:endParaRPr lang="fr-CH" b="1" dirty="0">
-              <a:solidFill>
-                <a:srgbClr val="87A896"/>
-              </a:solidFill>
-              <a:latin typeface="Tahoma" panose="020B0604030504040204" pitchFamily="34" charset="0"/>
-              <a:ea typeface="Tahoma" panose="020B0604030504040204" pitchFamily="34" charset="0"/>
-              <a:cs typeface="Tahoma" panose="020B0604030504040204" pitchFamily="34" charset="0"/>
-            </a:endParaRPr>
+              <a:t>Serveur de fichiers :</a:t>
+            </a:r>
           </a:p>
           <a:p>
             <a:pPr lvl="1"/>
@@ -5846,27 +5702,8 @@
                 <a:ea typeface="Tahoma" panose="020B0604030504040204" pitchFamily="34" charset="0"/>
                 <a:cs typeface="Tahoma" panose="020B0604030504040204" pitchFamily="34" charset="0"/>
               </a:rPr>
-              <a:t>Files </a:t>
-            </a:r>
-            <a:r>
-              <a:rPr lang="fr-CH" b="1" dirty="0" smtClean="0">
-                <a:solidFill>
-                  <a:srgbClr val="87A896"/>
-                </a:solidFill>
-                <a:latin typeface="Tahoma" panose="020B0604030504040204" pitchFamily="34" charset="0"/>
-                <a:ea typeface="Tahoma" panose="020B0604030504040204" pitchFamily="34" charset="0"/>
-                <a:cs typeface="Tahoma" panose="020B0604030504040204" pitchFamily="34" charset="0"/>
-              </a:rPr>
-              <a:t>d'impression</a:t>
-            </a:r>
-            <a:endParaRPr lang="fr-CH" b="1" dirty="0">
-              <a:solidFill>
-                <a:srgbClr val="87A896"/>
-              </a:solidFill>
-              <a:latin typeface="Tahoma" panose="020B0604030504040204" pitchFamily="34" charset="0"/>
-              <a:ea typeface="Tahoma" panose="020B0604030504040204" pitchFamily="34" charset="0"/>
-              <a:cs typeface="Tahoma" panose="020B0604030504040204" pitchFamily="34" charset="0"/>
-            </a:endParaRPr>
+              <a:t>Files d'impression</a:t>
+            </a:r>
           </a:p>
         </p:txBody>
       </p:sp>
@@ -5888,13 +5725,6 @@
       <p:transition/>
     </mc:Fallback>
   </mc:AlternateContent>
-  <p:timing>
-    <p:tnLst>
-      <p:par>
-        <p:cTn id="1" dur="indefinite" restart="never" nodeType="tmRoot"/>
-      </p:par>
-    </p:tnLst>
-  </p:timing>
 </p:sld>
 </file>
 
@@ -5947,7 +5777,7 @@
           <a:p>
             <a:pPr algn="ctr" rtl="0"/>
             <a:r>
-              <a:rPr lang="fr-FR" sz="6600" dirty="0" smtClean="0">
+              <a:rPr lang="fr-FR" sz="6600" dirty="0">
                 <a:solidFill>
                   <a:srgbClr val="87A896"/>
                 </a:solidFill>
@@ -5957,14 +5787,6 @@
               </a:rPr>
               <a:t>SERVEURS DE FICHIERS</a:t>
             </a:r>
-            <a:endParaRPr lang="fr-FR" sz="6600" dirty="0">
-              <a:solidFill>
-                <a:srgbClr val="87A896"/>
-              </a:solidFill>
-              <a:latin typeface="Tahoma" panose="020B0604030504040204" pitchFamily="34" charset="0"/>
-              <a:ea typeface="Tahoma" panose="020B0604030504040204" pitchFamily="34" charset="0"/>
-              <a:cs typeface="Tahoma" panose="020B0604030504040204" pitchFamily="34" charset="0"/>
-            </a:endParaRPr>
           </a:p>
         </p:txBody>
       </p:sp>
@@ -5990,13 +5812,6 @@
       </p:transition>
     </mc:Fallback>
   </mc:AlternateContent>
-  <p:timing>
-    <p:tnLst>
-      <p:par>
-        <p:cTn id="1" dur="indefinite" restart="never" nodeType="tmRoot"/>
-      </p:par>
-    </p:tnLst>
-  </p:timing>
 </p:sld>
 </file>
 
@@ -6083,7 +5898,7 @@
           <a:p>
             <a:pPr algn="ctr"/>
             <a:r>
-              <a:rPr lang="fr-FR" sz="6600" dirty="0" smtClean="0">
+              <a:rPr lang="fr-FR" sz="6600" dirty="0">
                 <a:solidFill>
                   <a:srgbClr val="87A896"/>
                 </a:solidFill>
@@ -6093,14 +5908,6 @@
               </a:rPr>
               <a:t>ARBORESCENCES</a:t>
             </a:r>
-            <a:endParaRPr lang="fr-FR" sz="6600" dirty="0">
-              <a:solidFill>
-                <a:srgbClr val="87A896"/>
-              </a:solidFill>
-              <a:latin typeface="Tahoma" panose="020B0604030504040204" pitchFamily="34" charset="0"/>
-              <a:ea typeface="Tahoma" panose="020B0604030504040204" pitchFamily="34" charset="0"/>
-              <a:cs typeface="Tahoma" panose="020B0604030504040204" pitchFamily="34" charset="0"/>
-            </a:endParaRPr>
           </a:p>
         </p:txBody>
       </p:sp>
@@ -6131,7 +5938,7 @@
           <a:p>
             <a:pPr algn="ctr" rtl="0"/>
             <a:r>
-              <a:rPr lang="fr-FR" sz="1800" dirty="0" smtClean="0">
+              <a:rPr lang="fr-FR" sz="1800" dirty="0">
                 <a:solidFill>
                   <a:srgbClr val="87A896"/>
                 </a:solidFill>
@@ -6141,14 +5948,6 @@
               </a:rPr>
               <a:t>SERVEURS DE FICHIERS</a:t>
             </a:r>
-            <a:endParaRPr lang="fr-FR" sz="1800" dirty="0">
-              <a:solidFill>
-                <a:srgbClr val="87A896"/>
-              </a:solidFill>
-              <a:latin typeface="Tahoma" panose="020B0604030504040204" pitchFamily="34" charset="0"/>
-              <a:ea typeface="Tahoma" panose="020B0604030504040204" pitchFamily="34" charset="0"/>
-              <a:cs typeface="Tahoma" panose="020B0604030504040204" pitchFamily="34" charset="0"/>
-            </a:endParaRPr>
           </a:p>
         </p:txBody>
       </p:sp>
@@ -6190,7 +5989,7 @@
         </p:nvSpPr>
         <p:spPr>
           <a:xfrm>
-            <a:off x="4510236" y="2636912"/>
+            <a:off x="4510236" y="2592628"/>
             <a:ext cx="6552728" cy="2862322"/>
           </a:xfrm>
           <a:prstGeom prst="rect">
@@ -6215,57 +6014,36 @@
               </a:tabLst>
             </a:pPr>
             <a:r>
-              <a:rPr lang="fr-CH" dirty="0" smtClean="0">
+              <a:rPr lang="fr-CH" dirty="0">
                 <a:latin typeface="Tahoma" panose="020B0604030504040204" pitchFamily="34" charset="0"/>
                 <a:ea typeface="Tahoma" panose="020B0604030504040204" pitchFamily="34" charset="0"/>
                 <a:cs typeface="Tahoma" panose="020B0604030504040204" pitchFamily="34" charset="0"/>
               </a:rPr>
-              <a:t>Développement hiérarchie </a:t>
-            </a:r>
-            <a:r>
-              <a:rPr lang="fr-CH" dirty="0" smtClean="0">
+              <a:t>Développement hiérarchie de fichiers et dossiers dans but de transmettre de manière synchronisée des données de différents types. </a:t>
+            </a:r>
+          </a:p>
+          <a:p>
+            <a:pPr algn="ctr"/>
+            <a:endParaRPr lang="fr-CH" dirty="0">
+              <a:latin typeface="Tahoma" panose="020B0604030504040204" pitchFamily="34" charset="0"/>
+              <a:ea typeface="Tahoma" panose="020B0604030504040204" pitchFamily="34" charset="0"/>
+              <a:cs typeface="Tahoma" panose="020B0604030504040204" pitchFamily="34" charset="0"/>
+            </a:endParaRPr>
+          </a:p>
+          <a:p>
+            <a:pPr algn="ctr"/>
+            <a:r>
+              <a:rPr lang="fr-CH" dirty="0">
                 <a:latin typeface="Tahoma" panose="020B0604030504040204" pitchFamily="34" charset="0"/>
                 <a:ea typeface="Tahoma" panose="020B0604030504040204" pitchFamily="34" charset="0"/>
                 <a:cs typeface="Tahoma" panose="020B0604030504040204" pitchFamily="34" charset="0"/>
               </a:rPr>
-              <a:t>de fichiers et </a:t>
-            </a:r>
-            <a:r>
-              <a:rPr lang="fr-CH" dirty="0" smtClean="0">
-                <a:latin typeface="Tahoma" panose="020B0604030504040204" pitchFamily="34" charset="0"/>
-                <a:ea typeface="Tahoma" panose="020B0604030504040204" pitchFamily="34" charset="0"/>
-                <a:cs typeface="Tahoma" panose="020B0604030504040204" pitchFamily="34" charset="0"/>
-              </a:rPr>
-              <a:t>dossiers </a:t>
-            </a:r>
-            <a:r>
-              <a:rPr lang="fr-CH" dirty="0" smtClean="0">
-                <a:latin typeface="Tahoma" panose="020B0604030504040204" pitchFamily="34" charset="0"/>
-                <a:ea typeface="Tahoma" panose="020B0604030504040204" pitchFamily="34" charset="0"/>
-                <a:cs typeface="Tahoma" panose="020B0604030504040204" pitchFamily="34" charset="0"/>
-              </a:rPr>
-              <a:t>dans </a:t>
-            </a:r>
-            <a:r>
-              <a:rPr lang="fr-CH" dirty="0" smtClean="0">
-                <a:latin typeface="Tahoma" panose="020B0604030504040204" pitchFamily="34" charset="0"/>
-                <a:ea typeface="Tahoma" panose="020B0604030504040204" pitchFamily="34" charset="0"/>
-                <a:cs typeface="Tahoma" panose="020B0604030504040204" pitchFamily="34" charset="0"/>
-              </a:rPr>
-              <a:t>but </a:t>
-            </a:r>
-            <a:r>
-              <a:rPr lang="fr-CH" dirty="0" smtClean="0">
-                <a:latin typeface="Tahoma" panose="020B0604030504040204" pitchFamily="34" charset="0"/>
-                <a:ea typeface="Tahoma" panose="020B0604030504040204" pitchFamily="34" charset="0"/>
-                <a:cs typeface="Tahoma" panose="020B0604030504040204" pitchFamily="34" charset="0"/>
-              </a:rPr>
-              <a:t>de transmettre de manière synchronisée des données de différents types. </a:t>
+              <a:t>Les utilisateurs ayant accès au serveur, soumis à contraintes émises sur celui-ci au détriment de l’hôte.</a:t>
             </a:r>
           </a:p>
           <a:p>
             <a:pPr algn="ctr"/>
-            <a:endParaRPr lang="fr-CH" dirty="0" smtClean="0">
+            <a:endParaRPr lang="fr-CH" dirty="0">
               <a:latin typeface="Tahoma" panose="020B0604030504040204" pitchFamily="34" charset="0"/>
               <a:ea typeface="Tahoma" panose="020B0604030504040204" pitchFamily="34" charset="0"/>
               <a:cs typeface="Tahoma" panose="020B0604030504040204" pitchFamily="34" charset="0"/>
@@ -6274,46 +6052,14 @@
           <a:p>
             <a:pPr algn="ctr"/>
             <a:r>
-              <a:rPr lang="fr-CH" dirty="0" smtClean="0">
-                <a:latin typeface="Tahoma" panose="020B0604030504040204" pitchFamily="34" charset="0"/>
-                <a:ea typeface="Tahoma" panose="020B0604030504040204" pitchFamily="34" charset="0"/>
-                <a:cs typeface="Tahoma" panose="020B0604030504040204" pitchFamily="34" charset="0"/>
-              </a:rPr>
-              <a:t>Les </a:t>
-            </a:r>
-            <a:r>
-              <a:rPr lang="fr-CH" dirty="0" smtClean="0">
-                <a:latin typeface="Tahoma" panose="020B0604030504040204" pitchFamily="34" charset="0"/>
-                <a:ea typeface="Tahoma" panose="020B0604030504040204" pitchFamily="34" charset="0"/>
-                <a:cs typeface="Tahoma" panose="020B0604030504040204" pitchFamily="34" charset="0"/>
-              </a:rPr>
-              <a:t>utilisateurs ayant accès au serveur, soumis à contraintes émises sur celui-ci au détriment de l’hôte.</a:t>
-            </a:r>
-            <a:endParaRPr lang="fr-CH" dirty="0" smtClean="0">
-              <a:latin typeface="Tahoma" panose="020B0604030504040204" pitchFamily="34" charset="0"/>
-              <a:ea typeface="Tahoma" panose="020B0604030504040204" pitchFamily="34" charset="0"/>
-              <a:cs typeface="Tahoma" panose="020B0604030504040204" pitchFamily="34" charset="0"/>
-            </a:endParaRPr>
-          </a:p>
-          <a:p>
-            <a:pPr algn="ctr"/>
-            <a:endParaRPr lang="fr-CH" dirty="0" smtClean="0">
-              <a:latin typeface="Tahoma" panose="020B0604030504040204" pitchFamily="34" charset="0"/>
-              <a:ea typeface="Tahoma" panose="020B0604030504040204" pitchFamily="34" charset="0"/>
-              <a:cs typeface="Tahoma" panose="020B0604030504040204" pitchFamily="34" charset="0"/>
-            </a:endParaRPr>
-          </a:p>
-          <a:p>
-            <a:pPr algn="ctr"/>
-            <a:r>
-              <a:rPr lang="fr-CH" dirty="0" smtClean="0">
+              <a:rPr lang="fr-CH" dirty="0">
                 <a:latin typeface="Tahoma" panose="020B0604030504040204" pitchFamily="34" charset="0"/>
                 <a:ea typeface="Tahoma" panose="020B0604030504040204" pitchFamily="34" charset="0"/>
                 <a:cs typeface="Tahoma" panose="020B0604030504040204" pitchFamily="34" charset="0"/>
               </a:rPr>
               <a:t>Ces restrictions sont infranchissables et doivent être respectées. Elles sont respectées et sont représentés par des droits NTFS.</a:t>
             </a:r>
-            <a:endParaRPr lang="fr-CH" b="1" dirty="0" smtClean="0">
+            <a:endParaRPr lang="fr-CH" b="1" dirty="0">
               <a:latin typeface="Tahoma" panose="020B0604030504040204" pitchFamily="34" charset="0"/>
               <a:ea typeface="Tahoma" panose="020B0604030504040204" pitchFamily="34" charset="0"/>
               <a:cs typeface="Tahoma" panose="020B0604030504040204" pitchFamily="34" charset="0"/>
@@ -6343,13 +6089,6 @@
       </p:transition>
     </mc:Fallback>
   </mc:AlternateContent>
-  <p:timing>
-    <p:tnLst>
-      <p:par>
-        <p:cTn id="1" dur="indefinite" restart="never" nodeType="tmRoot"/>
-      </p:par>
-    </p:tnLst>
-  </p:timing>
 </p:sld>
 </file>
 
@@ -6431,7 +6170,7 @@
           <a:p>
             <a:pPr algn="ctr"/>
             <a:r>
-              <a:rPr lang="fr-FR" sz="6600" dirty="0" smtClean="0">
+              <a:rPr lang="fr-FR" sz="6600" dirty="0">
                 <a:solidFill>
                   <a:srgbClr val="87A896"/>
                 </a:solidFill>
@@ -6441,14 +6180,6 @@
               </a:rPr>
               <a:t>EXPLICATIONS DES PARTAGES</a:t>
             </a:r>
-            <a:endParaRPr lang="fr-FR" sz="6600" dirty="0">
-              <a:solidFill>
-                <a:srgbClr val="87A896"/>
-              </a:solidFill>
-              <a:latin typeface="Tahoma" panose="020B0604030504040204" pitchFamily="34" charset="0"/>
-              <a:ea typeface="Tahoma" panose="020B0604030504040204" pitchFamily="34" charset="0"/>
-              <a:cs typeface="Tahoma" panose="020B0604030504040204" pitchFamily="34" charset="0"/>
-            </a:endParaRPr>
           </a:p>
         </p:txBody>
       </p:sp>
@@ -6479,7 +6210,7 @@
           <a:p>
             <a:pPr algn="ctr" rtl="0"/>
             <a:r>
-              <a:rPr lang="fr-FR" sz="1800" dirty="0" smtClean="0">
+              <a:rPr lang="fr-FR" sz="1800" dirty="0">
                 <a:solidFill>
                   <a:srgbClr val="87A896"/>
                 </a:solidFill>
@@ -6489,14 +6220,6 @@
               </a:rPr>
               <a:t>SERVEURS DE FICHIERS</a:t>
             </a:r>
-            <a:endParaRPr lang="fr-FR" sz="1800" dirty="0">
-              <a:solidFill>
-                <a:srgbClr val="87A896"/>
-              </a:solidFill>
-              <a:latin typeface="Tahoma" panose="020B0604030504040204" pitchFamily="34" charset="0"/>
-              <a:ea typeface="Tahoma" panose="020B0604030504040204" pitchFamily="34" charset="0"/>
-              <a:cs typeface="Tahoma" panose="020B0604030504040204" pitchFamily="34" charset="0"/>
-            </a:endParaRPr>
           </a:p>
         </p:txBody>
       </p:sp>
@@ -6508,7 +6231,7 @@
         </p:nvSpPr>
         <p:spPr>
           <a:xfrm>
-            <a:off x="189756" y="2204864"/>
+            <a:off x="261764" y="2132856"/>
             <a:ext cx="4968552" cy="523220"/>
           </a:xfrm>
           <a:prstGeom prst="rect">
@@ -6529,7 +6252,7 @@
           <a:p>
             <a:pPr algn="ctr"/>
             <a:r>
-              <a:rPr lang="fr-CH" sz="2800" dirty="0" smtClean="0">
+              <a:rPr lang="fr-CH" sz="2800" dirty="0">
                 <a:latin typeface="Tahoma" panose="020B0604030504040204" pitchFamily="34" charset="0"/>
                 <a:ea typeface="Tahoma" panose="020B0604030504040204" pitchFamily="34" charset="0"/>
                 <a:cs typeface="Tahoma" panose="020B0604030504040204" pitchFamily="34" charset="0"/>
@@ -6568,7 +6291,7 @@
           <a:p>
             <a:pPr algn="ctr"/>
             <a:r>
-              <a:rPr lang="fr-CH" sz="2800" dirty="0" smtClean="0">
+              <a:rPr lang="fr-CH" sz="2800" dirty="0">
                 <a:latin typeface="Tahoma" panose="020B0604030504040204" pitchFamily="34" charset="0"/>
                 <a:ea typeface="Tahoma" panose="020B0604030504040204" pitchFamily="34" charset="0"/>
                 <a:cs typeface="Tahoma" panose="020B0604030504040204" pitchFamily="34" charset="0"/>
@@ -6600,13 +6323,6 @@
       </p:transition>
     </mc:Fallback>
   </mc:AlternateContent>
-  <p:timing>
-    <p:tnLst>
-      <p:par>
-        <p:cTn id="1" dur="indefinite" restart="never" nodeType="tmRoot"/>
-      </p:par>
-    </p:tnLst>
-  </p:timing>
 </p:sld>
 </file>
 
@@ -6686,7 +6402,7 @@
           <a:p>
             <a:pPr algn="ctr"/>
             <a:r>
-              <a:rPr lang="fr-FR" sz="4800" dirty="0" smtClean="0">
+              <a:rPr lang="fr-FR" sz="4800" dirty="0">
                 <a:solidFill>
                   <a:srgbClr val="87A896"/>
                 </a:solidFill>
@@ -6696,14 +6412,6 @@
               </a:rPr>
               <a:t>EXPLICATIONS DES AUTORISATIONS NTFS</a:t>
             </a:r>
-            <a:endParaRPr lang="fr-FR" sz="4800" dirty="0">
-              <a:solidFill>
-                <a:srgbClr val="87A896"/>
-              </a:solidFill>
-              <a:latin typeface="Tahoma" panose="020B0604030504040204" pitchFamily="34" charset="0"/>
-              <a:ea typeface="Tahoma" panose="020B0604030504040204" pitchFamily="34" charset="0"/>
-              <a:cs typeface="Tahoma" panose="020B0604030504040204" pitchFamily="34" charset="0"/>
-            </a:endParaRPr>
           </a:p>
         </p:txBody>
       </p:sp>
@@ -6734,7 +6442,7 @@
           <a:p>
             <a:pPr algn="ctr" rtl="0"/>
             <a:r>
-              <a:rPr lang="fr-FR" sz="1800" dirty="0" smtClean="0">
+              <a:rPr lang="fr-FR" sz="1800" dirty="0">
                 <a:solidFill>
                   <a:srgbClr val="87A896"/>
                 </a:solidFill>
@@ -6744,14 +6452,6 @@
               </a:rPr>
               <a:t>SERVEURS DE FICHIERS</a:t>
             </a:r>
-            <a:endParaRPr lang="fr-FR" sz="1800" dirty="0">
-              <a:solidFill>
-                <a:srgbClr val="87A896"/>
-              </a:solidFill>
-              <a:latin typeface="Tahoma" panose="020B0604030504040204" pitchFamily="34" charset="0"/>
-              <a:ea typeface="Tahoma" panose="020B0604030504040204" pitchFamily="34" charset="0"/>
-              <a:cs typeface="Tahoma" panose="020B0604030504040204" pitchFamily="34" charset="0"/>
-            </a:endParaRPr>
           </a:p>
         </p:txBody>
       </p:sp>
@@ -6784,50 +6484,13 @@
           <a:p>
             <a:pPr algn="ctr"/>
             <a:r>
-              <a:rPr lang="fr-CH" sz="2400" dirty="0" smtClean="0">
+              <a:rPr lang="fr-CH" sz="2400" dirty="0">
                 <a:latin typeface="Tahoma" panose="020B0604030504040204" pitchFamily="34" charset="0"/>
                 <a:ea typeface="Tahoma" panose="020B0604030504040204" pitchFamily="34" charset="0"/>
                 <a:cs typeface="Tahoma" panose="020B0604030504040204" pitchFamily="34" charset="0"/>
               </a:rPr>
-              <a:t>NTFS ( </a:t>
-            </a:r>
-            <a:r>
-              <a:rPr lang="fr-CH" sz="2400" dirty="0" smtClean="0">
-                <a:latin typeface="Tahoma" panose="020B0604030504040204" pitchFamily="34" charset="0"/>
-                <a:ea typeface="Tahoma" panose="020B0604030504040204" pitchFamily="34" charset="0"/>
-                <a:cs typeface="Tahoma" panose="020B0604030504040204" pitchFamily="34" charset="0"/>
-              </a:rPr>
-              <a:t>ou</a:t>
-            </a:r>
-            <a:r>
-              <a:rPr lang="fr-CH" sz="2400" dirty="0" smtClean="0">
-                <a:latin typeface="Tahoma" panose="020B0604030504040204" pitchFamily="34" charset="0"/>
-                <a:ea typeface="Tahoma" panose="020B0604030504040204" pitchFamily="34" charset="0"/>
-                <a:cs typeface="Tahoma" panose="020B0604030504040204" pitchFamily="34" charset="0"/>
-              </a:rPr>
-              <a:t> </a:t>
-            </a:r>
-            <a:r>
-              <a:rPr lang="fr-CH" sz="2400" dirty="0" smtClean="0">
-                <a:latin typeface="Tahoma" panose="020B0604030504040204" pitchFamily="34" charset="0"/>
-                <a:ea typeface="Tahoma" panose="020B0604030504040204" pitchFamily="34" charset="0"/>
-                <a:cs typeface="Tahoma" panose="020B0604030504040204" pitchFamily="34" charset="0"/>
-              </a:rPr>
-              <a:t>NEW TECHNOLOGIE FILE SYSTEM</a:t>
-            </a:r>
-            <a:r>
-              <a:rPr lang="fr-CH" sz="2400" dirty="0" smtClean="0">
-                <a:latin typeface="Tahoma" panose="020B0604030504040204" pitchFamily="34" charset="0"/>
-                <a:ea typeface="Tahoma" panose="020B0604030504040204" pitchFamily="34" charset="0"/>
-                <a:cs typeface="Tahoma" panose="020B0604030504040204" pitchFamily="34" charset="0"/>
-              </a:rPr>
-              <a:t>),procédure que Windows NT Système utilise pour stocker, organiser et trouver fichiers dans disque dur. NTFS existe depuis 1993 et est système le plus efficace de notre génération </a:t>
-            </a:r>
-            <a:endParaRPr lang="fr-CH" sz="2400" dirty="0" smtClean="0">
-              <a:latin typeface="Tahoma" panose="020B0604030504040204" pitchFamily="34" charset="0"/>
-              <a:ea typeface="Tahoma" panose="020B0604030504040204" pitchFamily="34" charset="0"/>
-              <a:cs typeface="Tahoma" panose="020B0604030504040204" pitchFamily="34" charset="0"/>
-            </a:endParaRPr>
+              <a:t>NTFS ( ou NEW TECHNOLOGIE FILE SYSTEM),procédure que Windows NT Système utilise pour stocker, organiser et trouver fichiers dans disque dur. NTFS existe depuis 1993 et est système le plus efficace de notre génération </a:t>
+            </a:r>
           </a:p>
         </p:txBody>
       </p:sp>
@@ -6860,18 +6523,13 @@
           <a:p>
             <a:pPr algn="ctr"/>
             <a:r>
-              <a:rPr lang="fr-CH" sz="2800" u="sng" dirty="0" smtClean="0">
+              <a:rPr lang="fr-CH" sz="2800" u="sng" dirty="0">
                 <a:latin typeface="Tahoma" panose="020B0604030504040204" pitchFamily="34" charset="0"/>
                 <a:ea typeface="Tahoma" panose="020B0604030504040204" pitchFamily="34" charset="0"/>
                 <a:cs typeface="Tahoma" panose="020B0604030504040204" pitchFamily="34" charset="0"/>
               </a:rPr>
               <a:t>Type d’autorisation</a:t>
             </a:r>
-            <a:endParaRPr lang="fr-CH" sz="2800" u="sng" dirty="0" smtClean="0">
-              <a:latin typeface="Tahoma" panose="020B0604030504040204" pitchFamily="34" charset="0"/>
-              <a:ea typeface="Tahoma" panose="020B0604030504040204" pitchFamily="34" charset="0"/>
-              <a:cs typeface="Tahoma" panose="020B0604030504040204" pitchFamily="34" charset="0"/>
-            </a:endParaRPr>
           </a:p>
         </p:txBody>
       </p:sp>
@@ -6943,13 +6601,6 @@
       </p:transition>
     </mc:Fallback>
   </mc:AlternateContent>
-  <p:timing>
-    <p:tnLst>
-      <p:par>
-        <p:cTn id="1" dur="indefinite" restart="never" nodeType="tmRoot"/>
-      </p:par>
-    </p:tnLst>
-  </p:timing>
 </p:sld>
 </file>
 
@@ -7029,7 +6680,7 @@
           <a:p>
             <a:pPr algn="ctr"/>
             <a:r>
-              <a:rPr lang="fr-FR" sz="4800" dirty="0" smtClean="0">
+              <a:rPr lang="fr-FR" sz="4800" dirty="0">
                 <a:solidFill>
                   <a:srgbClr val="87A896"/>
                 </a:solidFill>
@@ -7039,14 +6690,6 @@
               </a:rPr>
               <a:t>EXPLICATIONS DES AUTORISATIONS NTFS</a:t>
             </a:r>
-            <a:endParaRPr lang="fr-FR" sz="4800" dirty="0">
-              <a:solidFill>
-                <a:srgbClr val="87A896"/>
-              </a:solidFill>
-              <a:latin typeface="Tahoma" panose="020B0604030504040204" pitchFamily="34" charset="0"/>
-              <a:ea typeface="Tahoma" panose="020B0604030504040204" pitchFamily="34" charset="0"/>
-              <a:cs typeface="Tahoma" panose="020B0604030504040204" pitchFamily="34" charset="0"/>
-            </a:endParaRPr>
           </a:p>
         </p:txBody>
       </p:sp>
@@ -7077,7 +6720,7 @@
           <a:p>
             <a:pPr algn="ctr" rtl="0"/>
             <a:r>
-              <a:rPr lang="fr-FR" sz="1800" dirty="0" smtClean="0">
+              <a:rPr lang="fr-FR" sz="1800" dirty="0">
                 <a:solidFill>
                   <a:srgbClr val="87A896"/>
                 </a:solidFill>
@@ -7087,14 +6730,6 @@
               </a:rPr>
               <a:t>SERVEURS DE FICHIERS</a:t>
             </a:r>
-            <a:endParaRPr lang="fr-FR" sz="1800" dirty="0">
-              <a:solidFill>
-                <a:srgbClr val="87A896"/>
-              </a:solidFill>
-              <a:latin typeface="Tahoma" panose="020B0604030504040204" pitchFamily="34" charset="0"/>
-              <a:ea typeface="Tahoma" panose="020B0604030504040204" pitchFamily="34" charset="0"/>
-              <a:cs typeface="Tahoma" panose="020B0604030504040204" pitchFamily="34" charset="0"/>
-            </a:endParaRPr>
           </a:p>
         </p:txBody>
       </p:sp>
@@ -7132,165 +6767,29 @@
                 <a:ea typeface="Tahoma" panose="020B0604030504040204" pitchFamily="34" charset="0"/>
                 <a:cs typeface="Tahoma" panose="020B0604030504040204" pitchFamily="34" charset="0"/>
               </a:rPr>
-              <a:t>1. </a:t>
-            </a:r>
-            <a:r>
-              <a:rPr lang="fr-CH" sz="2400" dirty="0" smtClean="0">
-                <a:latin typeface="Tahoma" panose="020B0604030504040204" pitchFamily="34" charset="0"/>
-                <a:ea typeface="Tahoma" panose="020B0604030504040204" pitchFamily="34" charset="0"/>
-                <a:cs typeface="Tahoma" panose="020B0604030504040204" pitchFamily="34" charset="0"/>
-              </a:rPr>
-              <a:t>Explorateur </a:t>
-            </a:r>
-            <a:r>
-              <a:rPr lang="fr-CH" sz="2400" dirty="0" smtClean="0">
-                <a:latin typeface="Tahoma" panose="020B0604030504040204" pitchFamily="34" charset="0"/>
-                <a:ea typeface="Tahoma" panose="020B0604030504040204" pitchFamily="34" charset="0"/>
-                <a:cs typeface="Tahoma" panose="020B0604030504040204" pitchFamily="34" charset="0"/>
-              </a:rPr>
-              <a:t>fichiers</a:t>
-            </a:r>
+              <a:t>1. Explorateur fichiers, clique droit sur fichier. Sélectionnez l'option "Propriétés"</a:t>
+            </a:r>
+          </a:p>
+          <a:p>
+            <a:pPr algn="ctr"/>
             <a:r>
               <a:rPr lang="fr-CH" sz="2400" dirty="0">
                 <a:latin typeface="Tahoma" panose="020B0604030504040204" pitchFamily="34" charset="0"/>
                 <a:ea typeface="Tahoma" panose="020B0604030504040204" pitchFamily="34" charset="0"/>
                 <a:cs typeface="Tahoma" panose="020B0604030504040204" pitchFamily="34" charset="0"/>
               </a:rPr>
-              <a:t>, clique droit sur </a:t>
-            </a:r>
-            <a:r>
-              <a:rPr lang="fr-CH" sz="2400" dirty="0" smtClean="0">
-                <a:latin typeface="Tahoma" panose="020B0604030504040204" pitchFamily="34" charset="0"/>
-                <a:ea typeface="Tahoma" panose="020B0604030504040204" pitchFamily="34" charset="0"/>
-                <a:cs typeface="Tahoma" panose="020B0604030504040204" pitchFamily="34" charset="0"/>
-              </a:rPr>
-              <a:t>fichier. </a:t>
-            </a:r>
-            <a:r>
-              <a:rPr lang="fr-CH" sz="2400" dirty="0" smtClean="0">
-                <a:latin typeface="Tahoma" panose="020B0604030504040204" pitchFamily="34" charset="0"/>
-                <a:ea typeface="Tahoma" panose="020B0604030504040204" pitchFamily="34" charset="0"/>
-                <a:cs typeface="Tahoma" panose="020B0604030504040204" pitchFamily="34" charset="0"/>
-              </a:rPr>
-              <a:t>Sélectionnez </a:t>
-            </a:r>
+              <a:t>2. Cliquer sur "Sécurité"</a:t>
+            </a:r>
+          </a:p>
+          <a:p>
+            <a:pPr algn="ctr"/>
             <a:r>
               <a:rPr lang="fr-CH" sz="2400" dirty="0">
                 <a:latin typeface="Tahoma" panose="020B0604030504040204" pitchFamily="34" charset="0"/>
                 <a:ea typeface="Tahoma" panose="020B0604030504040204" pitchFamily="34" charset="0"/>
                 <a:cs typeface="Tahoma" panose="020B0604030504040204" pitchFamily="34" charset="0"/>
               </a:rPr>
-              <a:t>l'option "</a:t>
-            </a:r>
-            <a:r>
-              <a:rPr lang="fr-CH" sz="2400" dirty="0" smtClean="0">
-                <a:latin typeface="Tahoma" panose="020B0604030504040204" pitchFamily="34" charset="0"/>
-                <a:ea typeface="Tahoma" panose="020B0604030504040204" pitchFamily="34" charset="0"/>
-                <a:cs typeface="Tahoma" panose="020B0604030504040204" pitchFamily="34" charset="0"/>
-              </a:rPr>
-              <a:t>Propriétés</a:t>
-            </a:r>
-            <a:r>
-              <a:rPr lang="fr-CH" sz="2400" dirty="0">
-                <a:latin typeface="Tahoma" panose="020B0604030504040204" pitchFamily="34" charset="0"/>
-                <a:ea typeface="Tahoma" panose="020B0604030504040204" pitchFamily="34" charset="0"/>
-                <a:cs typeface="Tahoma" panose="020B0604030504040204" pitchFamily="34" charset="0"/>
-              </a:rPr>
-              <a:t>"</a:t>
-            </a:r>
-          </a:p>
-          <a:p>
-            <a:pPr algn="ctr"/>
-            <a:r>
-              <a:rPr lang="fr-CH" sz="2400" dirty="0">
-                <a:latin typeface="Tahoma" panose="020B0604030504040204" pitchFamily="34" charset="0"/>
-                <a:ea typeface="Tahoma" panose="020B0604030504040204" pitchFamily="34" charset="0"/>
-                <a:cs typeface="Tahoma" panose="020B0604030504040204" pitchFamily="34" charset="0"/>
-              </a:rPr>
-              <a:t>2. Cliquer sur "</a:t>
-            </a:r>
-            <a:r>
-              <a:rPr lang="fr-CH" sz="2400" dirty="0" smtClean="0">
-                <a:latin typeface="Tahoma" panose="020B0604030504040204" pitchFamily="34" charset="0"/>
-                <a:ea typeface="Tahoma" panose="020B0604030504040204" pitchFamily="34" charset="0"/>
-                <a:cs typeface="Tahoma" panose="020B0604030504040204" pitchFamily="34" charset="0"/>
-              </a:rPr>
-              <a:t>Sécurité</a:t>
-            </a:r>
-            <a:r>
-              <a:rPr lang="fr-CH" sz="2400" dirty="0">
-                <a:latin typeface="Tahoma" panose="020B0604030504040204" pitchFamily="34" charset="0"/>
-                <a:ea typeface="Tahoma" panose="020B0604030504040204" pitchFamily="34" charset="0"/>
-                <a:cs typeface="Tahoma" panose="020B0604030504040204" pitchFamily="34" charset="0"/>
-              </a:rPr>
-              <a:t>"</a:t>
-            </a:r>
-          </a:p>
-          <a:p>
-            <a:pPr algn="ctr"/>
-            <a:r>
-              <a:rPr lang="fr-CH" sz="2400" dirty="0">
-                <a:latin typeface="Tahoma" panose="020B0604030504040204" pitchFamily="34" charset="0"/>
-                <a:ea typeface="Tahoma" panose="020B0604030504040204" pitchFamily="34" charset="0"/>
-                <a:cs typeface="Tahoma" panose="020B0604030504040204" pitchFamily="34" charset="0"/>
-              </a:rPr>
-              <a:t>3. </a:t>
-            </a:r>
-            <a:r>
-              <a:rPr lang="fr-CH" sz="2400" dirty="0" smtClean="0">
-                <a:latin typeface="Tahoma" panose="020B0604030504040204" pitchFamily="34" charset="0"/>
-                <a:ea typeface="Tahoma" panose="020B0604030504040204" pitchFamily="34" charset="0"/>
-                <a:cs typeface="Tahoma" panose="020B0604030504040204" pitchFamily="34" charset="0"/>
-              </a:rPr>
-              <a:t>S</a:t>
-            </a:r>
-            <a:r>
-              <a:rPr lang="fr-CH" sz="2400" dirty="0" smtClean="0">
-                <a:latin typeface="Tahoma" panose="020B0604030504040204" pitchFamily="34" charset="0"/>
-                <a:ea typeface="Tahoma" panose="020B0604030504040204" pitchFamily="34" charset="0"/>
-                <a:cs typeface="Tahoma" panose="020B0604030504040204" pitchFamily="34" charset="0"/>
-              </a:rPr>
-              <a:t>é</a:t>
-            </a:r>
-            <a:r>
-              <a:rPr lang="fr-CH" sz="2400" dirty="0" smtClean="0">
-                <a:latin typeface="Tahoma" panose="020B0604030504040204" pitchFamily="34" charset="0"/>
-                <a:ea typeface="Tahoma" panose="020B0604030504040204" pitchFamily="34" charset="0"/>
-                <a:cs typeface="Tahoma" panose="020B0604030504040204" pitchFamily="34" charset="0"/>
-              </a:rPr>
-              <a:t>lectionnez </a:t>
-            </a:r>
-            <a:r>
-              <a:rPr lang="fr-CH" sz="2400" dirty="0" smtClean="0">
-                <a:latin typeface="Tahoma" panose="020B0604030504040204" pitchFamily="34" charset="0"/>
-                <a:ea typeface="Tahoma" panose="020B0604030504040204" pitchFamily="34" charset="0"/>
-                <a:cs typeface="Tahoma" panose="020B0604030504040204" pitchFamily="34" charset="0"/>
-              </a:rPr>
-              <a:t>personnes </a:t>
-            </a:r>
-            <a:r>
-              <a:rPr lang="fr-CH" sz="2400" dirty="0">
-                <a:latin typeface="Tahoma" panose="020B0604030504040204" pitchFamily="34" charset="0"/>
-                <a:ea typeface="Tahoma" panose="020B0604030504040204" pitchFamily="34" charset="0"/>
-                <a:cs typeface="Tahoma" panose="020B0604030504040204" pitchFamily="34" charset="0"/>
-              </a:rPr>
-              <a:t>ou groupes et </a:t>
-            </a:r>
-            <a:r>
-              <a:rPr lang="fr-CH" sz="2400" dirty="0" smtClean="0">
-                <a:latin typeface="Tahoma" panose="020B0604030504040204" pitchFamily="34" charset="0"/>
-                <a:ea typeface="Tahoma" panose="020B0604030504040204" pitchFamily="34" charset="0"/>
-                <a:cs typeface="Tahoma" panose="020B0604030504040204" pitchFamily="34" charset="0"/>
-              </a:rPr>
-              <a:t>donner permissions </a:t>
-            </a:r>
-            <a:r>
-              <a:rPr lang="fr-CH" sz="2400" dirty="0">
-                <a:latin typeface="Tahoma" panose="020B0604030504040204" pitchFamily="34" charset="0"/>
-                <a:ea typeface="Tahoma" panose="020B0604030504040204" pitchFamily="34" charset="0"/>
-                <a:cs typeface="Tahoma" panose="020B0604030504040204" pitchFamily="34" charset="0"/>
-              </a:rPr>
-              <a:t>NTFS</a:t>
+              <a:t>3. Sélectionnez personnes ou groupes et donner permissions NTFS</a:t>
             </a:r>
           </a:p>
         </p:txBody>
@@ -7324,18 +6823,13 @@
           <a:p>
             <a:pPr algn="ctr"/>
             <a:r>
-              <a:rPr lang="fr-CH" sz="2800" u="sng" dirty="0" smtClean="0">
+              <a:rPr lang="fr-CH" sz="2800" u="sng" dirty="0">
                 <a:latin typeface="Tahoma" panose="020B0604030504040204" pitchFamily="34" charset="0"/>
                 <a:ea typeface="Tahoma" panose="020B0604030504040204" pitchFamily="34" charset="0"/>
                 <a:cs typeface="Tahoma" panose="020B0604030504040204" pitchFamily="34" charset="0"/>
               </a:rPr>
               <a:t>Instructions NTFS</a:t>
             </a:r>
-            <a:endParaRPr lang="fr-CH" sz="2800" u="sng" dirty="0" smtClean="0">
-              <a:latin typeface="Tahoma" panose="020B0604030504040204" pitchFamily="34" charset="0"/>
-              <a:ea typeface="Tahoma" panose="020B0604030504040204" pitchFamily="34" charset="0"/>
-              <a:cs typeface="Tahoma" panose="020B0604030504040204" pitchFamily="34" charset="0"/>
-            </a:endParaRPr>
           </a:p>
         </p:txBody>
       </p:sp>
@@ -7391,13 +6885,6 @@
       </p:transition>
     </mc:Fallback>
   </mc:AlternateContent>
-  <p:timing>
-    <p:tnLst>
-      <p:par>
-        <p:cTn id="1" dur="indefinite" restart="never" nodeType="tmRoot"/>
-      </p:par>
-    </p:tnLst>
-  </p:timing>
 </p:sld>
 </file>
 
@@ -7450,7 +6937,7 @@
           <a:p>
             <a:pPr algn="ctr" rtl="0"/>
             <a:r>
-              <a:rPr lang="fr-FR" sz="6600" dirty="0" smtClean="0">
+              <a:rPr lang="fr-FR" sz="6600" dirty="0">
                 <a:solidFill>
                   <a:srgbClr val="87A896"/>
                 </a:solidFill>
@@ -7460,14 +6947,6 @@
               </a:rPr>
               <a:t>SERVEURS D’IMPRESSION</a:t>
             </a:r>
-            <a:endParaRPr lang="fr-FR" sz="6600" dirty="0">
-              <a:solidFill>
-                <a:srgbClr val="87A896"/>
-              </a:solidFill>
-              <a:latin typeface="Tahoma" panose="020B0604030504040204" pitchFamily="34" charset="0"/>
-              <a:ea typeface="Tahoma" panose="020B0604030504040204" pitchFamily="34" charset="0"/>
-              <a:cs typeface="Tahoma" panose="020B0604030504040204" pitchFamily="34" charset="0"/>
-            </a:endParaRPr>
           </a:p>
         </p:txBody>
       </p:sp>
@@ -7493,13 +6972,6 @@
       </p:transition>
     </mc:Fallback>
   </mc:AlternateContent>
-  <p:timing>
-    <p:tnLst>
-      <p:par>
-        <p:cTn id="1" dur="indefinite" restart="never" nodeType="tmRoot"/>
-      </p:par>
-    </p:tnLst>
-  </p:timing>
 </p:sld>
 </file>
 
@@ -7579,7 +7051,7 @@
           <a:p>
             <a:pPr algn="ctr"/>
             <a:r>
-              <a:rPr lang="fr-CH" sz="4800" cap="all" dirty="0" smtClean="0">
+              <a:rPr lang="fr-CH" sz="4800" cap="all" dirty="0">
                 <a:solidFill>
                   <a:srgbClr val="87A896"/>
                 </a:solidFill>
@@ -7587,18 +7059,7 @@
                 <a:ea typeface="Tahoma" panose="020B0604030504040204" pitchFamily="34" charset="0"/>
                 <a:cs typeface="Tahoma" panose="020B0604030504040204" pitchFamily="34" charset="0"/>
               </a:rPr>
-              <a:t>Différence serveur impression </a:t>
-            </a:r>
-            <a:r>
-              <a:rPr lang="fr-CH" sz="4800" cap="all" dirty="0">
-                <a:solidFill>
-                  <a:srgbClr val="87A896"/>
-                </a:solidFill>
-                <a:latin typeface="Tahoma" panose="020B0604030504040204" pitchFamily="34" charset="0"/>
-                <a:ea typeface="Tahoma" panose="020B0604030504040204" pitchFamily="34" charset="0"/>
-                <a:cs typeface="Tahoma" panose="020B0604030504040204" pitchFamily="34" charset="0"/>
-              </a:rPr>
-              <a:t>et imprimante réseau standard</a:t>
+              <a:t>Différence serveur impression et imprimante réseau standard</a:t>
             </a:r>
           </a:p>
           <a:p>
@@ -7641,7 +7102,7 @@
           <a:p>
             <a:pPr algn="ctr" rtl="0"/>
             <a:r>
-              <a:rPr lang="fr-FR" sz="1800" dirty="0" smtClean="0">
+              <a:rPr lang="fr-FR" sz="1800" dirty="0">
                 <a:solidFill>
                   <a:srgbClr val="87A896"/>
                 </a:solidFill>
@@ -7651,14 +7112,6 @@
               </a:rPr>
               <a:t>SERVEURS D’IMPRESSION</a:t>
             </a:r>
-            <a:endParaRPr lang="fr-FR" sz="1800" dirty="0">
-              <a:solidFill>
-                <a:srgbClr val="87A896"/>
-              </a:solidFill>
-              <a:latin typeface="Tahoma" panose="020B0604030504040204" pitchFamily="34" charset="0"/>
-              <a:ea typeface="Tahoma" panose="020B0604030504040204" pitchFamily="34" charset="0"/>
-              <a:cs typeface="Tahoma" panose="020B0604030504040204" pitchFamily="34" charset="0"/>
-            </a:endParaRPr>
           </a:p>
         </p:txBody>
       </p:sp>
@@ -7691,7 +7144,7 @@
           <a:p>
             <a:pPr algn="ctr"/>
             <a:r>
-              <a:rPr lang="fr-CH" dirty="0" smtClean="0">
+              <a:rPr lang="fr-CH" dirty="0">
                 <a:latin typeface="Tahoma" panose="020B0604030504040204" pitchFamily="34" charset="0"/>
                 <a:ea typeface="Tahoma" panose="020B0604030504040204" pitchFamily="34" charset="0"/>
                 <a:cs typeface="Tahoma" panose="020B0604030504040204" pitchFamily="34" charset="0"/>
@@ -7730,7 +7183,7 @@
           <a:p>
             <a:pPr algn="ctr"/>
             <a:r>
-              <a:rPr lang="fr-CH" dirty="0" smtClean="0">
+              <a:rPr lang="fr-CH" dirty="0">
                 <a:latin typeface="Tahoma" panose="020B0604030504040204" pitchFamily="34" charset="0"/>
                 <a:ea typeface="Tahoma" panose="020B0604030504040204" pitchFamily="34" charset="0"/>
                 <a:cs typeface="Tahoma" panose="020B0604030504040204" pitchFamily="34" charset="0"/>
@@ -7762,13 +7215,6 @@
       </p:transition>
     </mc:Fallback>
   </mc:AlternateContent>
-  <p:timing>
-    <p:tnLst>
-      <p:par>
-        <p:cTn id="1" dur="indefinite" restart="never" nodeType="tmRoot"/>
-      </p:par>
-    </p:tnLst>
-  </p:timing>
 </p:sld>
 </file>
 
@@ -8623,14 +8069,12 @@
 </file>
 
 <file path=customXml/item1.xml><?xml version="1.0" encoding="utf-8"?>
-<p:properties xmlns:p="http://schemas.microsoft.com/office/2006/metadata/properties" xmlns:xsi="http://www.w3.org/2001/XMLSchema-instance" xmlns:pc="http://schemas.microsoft.com/office/infopath/2007/PartnerControls">
-  <documentManagement>
-    <VSO_x0020_item_x0020_id xmlns="40262f94-9f35-4ac3-9a90-690165a166b7" xsi:nil="true"/>
-    <Assetid_x0020_ xmlns="40262f94-9f35-4ac3-9a90-690165a166b7" xsi:nil="true"/>
-    <Item_x0020_Details xmlns="40262f94-9f35-4ac3-9a90-690165a166b7" xsi:nil="true"/>
-    <Template_x0020_details xmlns="40262f94-9f35-4ac3-9a90-690165a166b7" xsi:nil="true"/>
-  </documentManagement>
-</p:properties>
+<?mso-contentType ?>
+<FormTemplates xmlns="http://schemas.microsoft.com/sharepoint/v3/contenttype/forms">
+  <Display>DocumentLibraryForm</Display>
+  <Edit>DocumentLibraryForm</Edit>
+  <New>DocumentLibraryForm</New>
+</FormTemplates>
 </file>
 
 <file path=customXml/item2.xml><?xml version="1.0" encoding="utf-8"?>
@@ -8815,27 +8259,20 @@
 </file>
 
 <file path=customXml/item3.xml><?xml version="1.0" encoding="utf-8"?>
-<?mso-contentType ?>
-<FormTemplates xmlns="http://schemas.microsoft.com/sharepoint/v3/contenttype/forms">
-  <Display>DocumentLibraryForm</Display>
-  <Edit>DocumentLibraryForm</Edit>
-  <New>DocumentLibraryForm</New>
-</FormTemplates>
+<p:properties xmlns:p="http://schemas.microsoft.com/office/2006/metadata/properties" xmlns:xsi="http://www.w3.org/2001/XMLSchema-instance" xmlns:pc="http://schemas.microsoft.com/office/infopath/2007/PartnerControls">
+  <documentManagement>
+    <VSO_x0020_item_x0020_id xmlns="40262f94-9f35-4ac3-9a90-690165a166b7" xsi:nil="true"/>
+    <Assetid_x0020_ xmlns="40262f94-9f35-4ac3-9a90-690165a166b7" xsi:nil="true"/>
+    <Item_x0020_Details xmlns="40262f94-9f35-4ac3-9a90-690165a166b7" xsi:nil="true"/>
+    <Template_x0020_details xmlns="40262f94-9f35-4ac3-9a90-690165a166b7" xsi:nil="true"/>
+  </documentManagement>
+</p:properties>
 </file>
 
 <file path=customXml/itemProps1.xml><?xml version="1.0" encoding="utf-8"?>
-<ds:datastoreItem xmlns:ds="http://schemas.openxmlformats.org/officeDocument/2006/customXml" ds:itemID="{3049C11C-71DC-49B6-ACD8-27E3AE088D14}">
+<ds:datastoreItem xmlns:ds="http://schemas.openxmlformats.org/officeDocument/2006/customXml" ds:itemID="{0875BD71-4A33-4FB7-88CA-777C4D9E6EE5}">
   <ds:schemaRefs>
-    <ds:schemaRef ds:uri="http://purl.org/dc/terms/"/>
-    <ds:schemaRef ds:uri="http://schemas.openxmlformats.org/package/2006/metadata/core-properties"/>
-    <ds:schemaRef ds:uri="http://purl.org/dc/dcmitype/"/>
-    <ds:schemaRef ds:uri="http://schemas.microsoft.com/office/infopath/2007/PartnerControls"/>
-    <ds:schemaRef ds:uri="http://purl.org/dc/elements/1.1/"/>
-    <ds:schemaRef ds:uri="http://schemas.microsoft.com/office/2006/metadata/properties"/>
-    <ds:schemaRef ds:uri="http://schemas.microsoft.com/office/2006/documentManagement/types"/>
-    <ds:schemaRef ds:uri="40262f94-9f35-4ac3-9a90-690165a166b7"/>
-    <ds:schemaRef ds:uri="a4f35948-e619-41b3-aa29-22878b09cfd2"/>
-    <ds:schemaRef ds:uri="http://www.w3.org/XML/1998/namespace"/>
+    <ds:schemaRef ds:uri="http://schemas.microsoft.com/sharepoint/v3/contenttype/forms"/>
   </ds:schemaRefs>
 </ds:datastoreItem>
 </file>
@@ -8860,9 +8297,18 @@
 </file>
 
 <file path=customXml/itemProps3.xml><?xml version="1.0" encoding="utf-8"?>
-<ds:datastoreItem xmlns:ds="http://schemas.openxmlformats.org/officeDocument/2006/customXml" ds:itemID="{0875BD71-4A33-4FB7-88CA-777C4D9E6EE5}">
+<ds:datastoreItem xmlns:ds="http://schemas.openxmlformats.org/officeDocument/2006/customXml" ds:itemID="{3049C11C-71DC-49B6-ACD8-27E3AE088D14}">
   <ds:schemaRefs>
-    <ds:schemaRef ds:uri="http://schemas.microsoft.com/sharepoint/v3/contenttype/forms"/>
+    <ds:schemaRef ds:uri="http://purl.org/dc/terms/"/>
+    <ds:schemaRef ds:uri="http://schemas.openxmlformats.org/package/2006/metadata/core-properties"/>
+    <ds:schemaRef ds:uri="http://purl.org/dc/dcmitype/"/>
+    <ds:schemaRef ds:uri="http://schemas.microsoft.com/office/infopath/2007/PartnerControls"/>
+    <ds:schemaRef ds:uri="http://purl.org/dc/elements/1.1/"/>
+    <ds:schemaRef ds:uri="http://schemas.microsoft.com/office/2006/metadata/properties"/>
+    <ds:schemaRef ds:uri="http://schemas.microsoft.com/office/2006/documentManagement/types"/>
+    <ds:schemaRef ds:uri="40262f94-9f35-4ac3-9a90-690165a166b7"/>
+    <ds:schemaRef ds:uri="a4f35948-e619-41b3-aa29-22878b09cfd2"/>
+    <ds:schemaRef ds:uri="http://www.w3.org/XML/1998/namespace"/>
   </ds:schemaRefs>
 </ds:datastoreItem>
 </file>
--- a/SERVEUR ET FICHIERS D’IMPRESSION.pptx
+++ b/SERVEUR ET FICHIERS D’IMPRESSION.pptx
@@ -5,10 +5,10 @@
     <p:sldMasterId id="2147483672" r:id="rId4"/>
   </p:sldMasterIdLst>
   <p:notesMasterIdLst>
-    <p:notesMasterId r:id="rId14"/>
+    <p:notesMasterId r:id="rId15"/>
   </p:notesMasterIdLst>
   <p:handoutMasterIdLst>
-    <p:handoutMasterId r:id="rId15"/>
+    <p:handoutMasterId r:id="rId16"/>
   </p:handoutMasterIdLst>
   <p:sldIdLst>
     <p:sldId id="322" r:id="rId5"/>
@@ -16,15 +16,16 @@
     <p:sldId id="311" r:id="rId7"/>
     <p:sldId id="313" r:id="rId8"/>
     <p:sldId id="324" r:id="rId9"/>
-    <p:sldId id="325" r:id="rId10"/>
-    <p:sldId id="328" r:id="rId11"/>
-    <p:sldId id="326" r:id="rId12"/>
-    <p:sldId id="327" r:id="rId13"/>
+    <p:sldId id="329" r:id="rId10"/>
+    <p:sldId id="325" r:id="rId11"/>
+    <p:sldId id="328" r:id="rId12"/>
+    <p:sldId id="326" r:id="rId13"/>
+    <p:sldId id="327" r:id="rId14"/>
   </p:sldIdLst>
   <p:sldSz cx="12188825" cy="6858000"/>
   <p:notesSz cx="6858000" cy="9144000"/>
   <p:custDataLst>
-    <p:tags r:id="rId16"/>
+    <p:tags r:id="rId17"/>
   </p:custDataLst>
   <p:defaultTextStyle>
     <a:defPPr rtl="0">
@@ -856,6 +857,91 @@
 </p:notes>
 </file>
 
+<file path=ppt/notesSlides/notesSlide10.xml><?xml version="1.0" encoding="utf-8"?>
+<p:notes xmlns:a="http://schemas.openxmlformats.org/drawingml/2006/main" xmlns:r="http://schemas.openxmlformats.org/officeDocument/2006/relationships" xmlns:p="http://schemas.openxmlformats.org/presentationml/2006/main">
+  <p:cSld>
+    <p:spTree>
+      <p:nvGrpSpPr>
+        <p:cNvPr id="1" name=""/>
+        <p:cNvGrpSpPr/>
+        <p:nvPr/>
+      </p:nvGrpSpPr>
+      <p:grpSpPr>
+        <a:xfrm>
+          <a:off x="0" y="0"/>
+          <a:ext cx="0" cy="0"/>
+          <a:chOff x="0" y="0"/>
+          <a:chExt cx="0" cy="0"/>
+        </a:xfrm>
+      </p:grpSpPr>
+      <p:sp>
+        <p:nvSpPr>
+          <p:cNvPr id="2" name="Espace réservé d’image de diapositive 1"/>
+          <p:cNvSpPr>
+            <a:spLocks noGrp="1" noRot="1" noChangeAspect="1"/>
+          </p:cNvSpPr>
+          <p:nvPr>
+            <p:ph type="sldImg"/>
+          </p:nvPr>
+        </p:nvSpPr>
+        <p:spPr/>
+      </p:sp>
+      <p:sp>
+        <p:nvSpPr>
+          <p:cNvPr id="3" name="Espace réservé des notes 2"/>
+          <p:cNvSpPr>
+            <a:spLocks noGrp="1"/>
+          </p:cNvSpPr>
+          <p:nvPr>
+            <p:ph type="body" idx="1"/>
+          </p:nvPr>
+        </p:nvSpPr>
+        <p:spPr/>
+        <p:txBody>
+          <a:bodyPr/>
+          <a:lstStyle/>
+          <a:p>
+            <a:endParaRPr lang="fr-FR" dirty="0"/>
+          </a:p>
+        </p:txBody>
+      </p:sp>
+      <p:sp>
+        <p:nvSpPr>
+          <p:cNvPr id="4" name="Espace réservé du numéro de diapositive 3"/>
+          <p:cNvSpPr>
+            <a:spLocks noGrp="1"/>
+          </p:cNvSpPr>
+          <p:nvPr>
+            <p:ph type="sldNum" sz="quarter" idx="10"/>
+          </p:nvPr>
+        </p:nvSpPr>
+        <p:spPr/>
+        <p:txBody>
+          <a:bodyPr/>
+          <a:lstStyle/>
+          <a:p>
+            <a:pPr rtl="0"/>
+            <a:fld id="{F93199CD-3E1B-4AE6-990F-76F925F5EA9F}" type="slidenum">
+              <a:rPr lang="fr-FR" smtClean="0"/>
+              <a:t>10</a:t>
+            </a:fld>
+            <a:endParaRPr lang="fr-FR" dirty="0"/>
+          </a:p>
+        </p:txBody>
+      </p:sp>
+    </p:spTree>
+    <p:extLst>
+      <p:ext uri="{BB962C8B-B14F-4D97-AF65-F5344CB8AC3E}">
+        <p14:creationId xmlns:p14="http://schemas.microsoft.com/office/powerpoint/2010/main" val="2824073808"/>
+      </p:ext>
+    </p:extLst>
+  </p:cSld>
+  <p:clrMapOvr>
+    <a:masterClrMapping/>
+  </p:clrMapOvr>
+</p:notes>
+</file>
+
 <file path=ppt/notesSlides/notesSlide2.xml><?xml version="1.0" encoding="utf-8"?>
 <p:notes xmlns:a="http://schemas.openxmlformats.org/drawingml/2006/main" xmlns:r="http://schemas.openxmlformats.org/officeDocument/2006/relationships" xmlns:p="http://schemas.openxmlformats.org/presentationml/2006/main">
   <p:cSld>
@@ -1271,7 +1357,7 @@
     </p:spTree>
     <p:extLst>
       <p:ext uri="{BB962C8B-B14F-4D97-AF65-F5344CB8AC3E}">
-        <p14:creationId xmlns:p14="http://schemas.microsoft.com/office/powerpoint/2010/main" val="2545620953"/>
+        <p14:creationId xmlns:p14="http://schemas.microsoft.com/office/powerpoint/2010/main" val="3562994706"/>
       </p:ext>
     </p:extLst>
   </p:cSld>
@@ -1356,7 +1442,7 @@
     </p:spTree>
     <p:extLst>
       <p:ext uri="{BB962C8B-B14F-4D97-AF65-F5344CB8AC3E}">
-        <p14:creationId xmlns:p14="http://schemas.microsoft.com/office/powerpoint/2010/main" val="1754128439"/>
+        <p14:creationId xmlns:p14="http://schemas.microsoft.com/office/powerpoint/2010/main" val="2545620953"/>
       </p:ext>
     </p:extLst>
   </p:cSld>
@@ -1441,7 +1527,7 @@
     </p:spTree>
     <p:extLst>
       <p:ext uri="{BB962C8B-B14F-4D97-AF65-F5344CB8AC3E}">
-        <p14:creationId xmlns:p14="http://schemas.microsoft.com/office/powerpoint/2010/main" val="3382611344"/>
+        <p14:creationId xmlns:p14="http://schemas.microsoft.com/office/powerpoint/2010/main" val="1754128439"/>
       </p:ext>
     </p:extLst>
   </p:cSld>
@@ -1526,7 +1612,7 @@
     </p:spTree>
     <p:extLst>
       <p:ext uri="{BB962C8B-B14F-4D97-AF65-F5344CB8AC3E}">
-        <p14:creationId xmlns:p14="http://schemas.microsoft.com/office/powerpoint/2010/main" val="2824073808"/>
+        <p14:creationId xmlns:p14="http://schemas.microsoft.com/office/powerpoint/2010/main" val="3382611344"/>
       </p:ext>
     </p:extLst>
   </p:cSld>
@@ -5483,6 +5569,338 @@
 </p:sld>
 </file>
 
+<file path=ppt/slides/slide10.xml><?xml version="1.0" encoding="utf-8"?>
+<p:sld xmlns:a="http://schemas.openxmlformats.org/drawingml/2006/main" xmlns:r="http://schemas.openxmlformats.org/officeDocument/2006/relationships" xmlns:p="http://schemas.openxmlformats.org/presentationml/2006/main">
+  <p:cSld>
+    <p:bg>
+      <p:bgPr>
+        <a:solidFill>
+          <a:srgbClr val="34473D"/>
+        </a:solidFill>
+        <a:effectLst/>
+      </p:bgPr>
+    </p:bg>
+    <p:spTree>
+      <p:nvGrpSpPr>
+        <p:cNvPr id="1" name=""/>
+        <p:cNvGrpSpPr/>
+        <p:nvPr/>
+      </p:nvGrpSpPr>
+      <p:grpSpPr>
+        <a:xfrm>
+          <a:off x="0" y="0"/>
+          <a:ext cx="0" cy="0"/>
+          <a:chOff x="0" y="0"/>
+          <a:chExt cx="0" cy="0"/>
+        </a:xfrm>
+      </p:grpSpPr>
+      <p:sp>
+        <p:nvSpPr>
+          <p:cNvPr id="5" name="Titre 12"/>
+          <p:cNvSpPr txBox="1">
+            <a:spLocks/>
+          </p:cNvSpPr>
+          <p:nvPr/>
+        </p:nvSpPr>
+        <p:spPr>
+          <a:xfrm>
+            <a:off x="549796" y="1124744"/>
+            <a:ext cx="11159008" cy="875928"/>
+          </a:xfrm>
+          <a:prstGeom prst="rect">
+            <a:avLst/>
+          </a:prstGeom>
+          <a:ln>
+            <a:noFill/>
+          </a:ln>
+        </p:spPr>
+        <p:txBody>
+          <a:bodyPr vert="horz" lIns="91440" tIns="45720" rIns="91440" bIns="45720" rtlCol="0" anchor="ctr">
+            <a:noAutofit/>
+          </a:bodyPr>
+          <a:lstStyle>
+            <a:lvl1pPr algn="l" defTabSz="914400" rtl="0" eaLnBrk="1" latinLnBrk="0" hangingPunct="1">
+              <a:lnSpc>
+                <a:spcPct val="90000"/>
+              </a:lnSpc>
+              <a:spcBef>
+                <a:spcPct val="0"/>
+              </a:spcBef>
+              <a:buNone/>
+              <a:defRPr sz="3600" b="1" kern="1200" cap="none" spc="0" baseline="0">
+                <a:ln w="9525">
+                  <a:noFill/>
+                  <a:prstDash val="solid"/>
+                </a:ln>
+                <a:solidFill>
+                  <a:schemeClr val="accent5"/>
+                </a:solidFill>
+                <a:effectLst/>
+                <a:latin typeface="+mj-lt"/>
+                <a:ea typeface="+mj-ea"/>
+                <a:cs typeface="+mj-cs"/>
+              </a:defRPr>
+            </a:lvl1pPr>
+          </a:lstStyle>
+          <a:p>
+            <a:pPr algn="ctr"/>
+            <a:r>
+              <a:rPr lang="fr-CH" sz="4800" cap="all" dirty="0">
+                <a:solidFill>
+                  <a:srgbClr val="87A896"/>
+                </a:solidFill>
+                <a:latin typeface="Tahoma" panose="020B0604030504040204" pitchFamily="34" charset="0"/>
+                <a:ea typeface="Tahoma" panose="020B0604030504040204" pitchFamily="34" charset="0"/>
+                <a:cs typeface="Tahoma" panose="020B0604030504040204" pitchFamily="34" charset="0"/>
+              </a:rPr>
+              <a:t>Différence serveur impression et imprimante réseau standard</a:t>
+            </a:r>
+          </a:p>
+          <a:p>
+            <a:pPr algn="ctr"/>
+            <a:endParaRPr lang="fr-FR" sz="4800" cap="all" dirty="0">
+              <a:solidFill>
+                <a:srgbClr val="87A896"/>
+              </a:solidFill>
+              <a:latin typeface="Tahoma" panose="020B0604030504040204" pitchFamily="34" charset="0"/>
+              <a:ea typeface="Tahoma" panose="020B0604030504040204" pitchFamily="34" charset="0"/>
+              <a:cs typeface="Tahoma" panose="020B0604030504040204" pitchFamily="34" charset="0"/>
+            </a:endParaRPr>
+          </a:p>
+        </p:txBody>
+      </p:sp>
+      <p:sp>
+        <p:nvSpPr>
+          <p:cNvPr id="8" name="Titre 12"/>
+          <p:cNvSpPr>
+            <a:spLocks noGrp="1"/>
+          </p:cNvSpPr>
+          <p:nvPr>
+            <p:ph type="title"/>
+          </p:nvPr>
+        </p:nvSpPr>
+        <p:spPr>
+          <a:xfrm>
+            <a:off x="8758708" y="6453336"/>
+            <a:ext cx="3264497" cy="216024"/>
+          </a:xfrm>
+          <a:solidFill>
+            <a:srgbClr val="B6CABF"/>
+          </a:solidFill>
+        </p:spPr>
+        <p:txBody>
+          <a:bodyPr rtlCol="0" anchor="ctr">
+            <a:noAutofit/>
+          </a:bodyPr>
+          <a:lstStyle/>
+          <a:p>
+            <a:pPr algn="ctr" rtl="0"/>
+            <a:r>
+              <a:rPr lang="fr-FR" sz="1800" dirty="0">
+                <a:solidFill>
+                  <a:srgbClr val="87A896"/>
+                </a:solidFill>
+                <a:latin typeface="Tahoma" panose="020B0604030504040204" pitchFamily="34" charset="0"/>
+                <a:ea typeface="Tahoma" panose="020B0604030504040204" pitchFamily="34" charset="0"/>
+                <a:cs typeface="Tahoma" panose="020B0604030504040204" pitchFamily="34" charset="0"/>
+              </a:rPr>
+              <a:t>SERVEURS D’IMPRESSION</a:t>
+            </a:r>
+          </a:p>
+        </p:txBody>
+      </p:sp>
+      <p:sp>
+        <p:nvSpPr>
+          <p:cNvPr id="10" name="ZoneTexte 9"/>
+          <p:cNvSpPr txBox="1"/>
+          <p:nvPr/>
+        </p:nvSpPr>
+        <p:spPr>
+          <a:xfrm>
+            <a:off x="7220273" y="2350150"/>
+            <a:ext cx="4608512" cy="369332"/>
+          </a:xfrm>
+          <a:prstGeom prst="rect">
+            <a:avLst/>
+          </a:prstGeom>
+          <a:noFill/>
+          <a:ln>
+            <a:solidFill>
+              <a:schemeClr val="bg2"/>
+            </a:solidFill>
+          </a:ln>
+        </p:spPr>
+        <p:txBody>
+          <a:bodyPr wrap="square" rtlCol="0" anchor="ctr" anchorCtr="1">
+            <a:spAutoFit/>
+          </a:bodyPr>
+          <a:lstStyle/>
+          <a:p>
+            <a:pPr algn="ctr"/>
+            <a:r>
+              <a:rPr lang="fr-CH" dirty="0">
+                <a:latin typeface="Tahoma" panose="020B0604030504040204" pitchFamily="34" charset="0"/>
+                <a:ea typeface="Tahoma" panose="020B0604030504040204" pitchFamily="34" charset="0"/>
+                <a:cs typeface="Tahoma" panose="020B0604030504040204" pitchFamily="34" charset="0"/>
+              </a:rPr>
+              <a:t>SERVEUR IMPRESSION</a:t>
+            </a:r>
+          </a:p>
+        </p:txBody>
+      </p:sp>
+      <p:sp>
+        <p:nvSpPr>
+          <p:cNvPr id="6" name="ZoneTexte 5"/>
+          <p:cNvSpPr txBox="1"/>
+          <p:nvPr/>
+        </p:nvSpPr>
+        <p:spPr>
+          <a:xfrm>
+            <a:off x="261764" y="2350150"/>
+            <a:ext cx="4582244" cy="369332"/>
+          </a:xfrm>
+          <a:prstGeom prst="rect">
+            <a:avLst/>
+          </a:prstGeom>
+          <a:noFill/>
+          <a:ln>
+            <a:solidFill>
+              <a:schemeClr val="bg2"/>
+            </a:solidFill>
+          </a:ln>
+        </p:spPr>
+        <p:txBody>
+          <a:bodyPr wrap="square" rtlCol="0" anchor="ctr" anchorCtr="1">
+            <a:spAutoFit/>
+          </a:bodyPr>
+          <a:lstStyle/>
+          <a:p>
+            <a:pPr algn="ctr"/>
+            <a:r>
+              <a:rPr lang="fr-CH" dirty="0">
+                <a:latin typeface="Tahoma" panose="020B0604030504040204" pitchFamily="34" charset="0"/>
+                <a:ea typeface="Tahoma" panose="020B0604030504040204" pitchFamily="34" charset="0"/>
+                <a:cs typeface="Tahoma" panose="020B0604030504040204" pitchFamily="34" charset="0"/>
+              </a:rPr>
+              <a:t>IMPRIMANTE RÉSEAU STANDARD</a:t>
+            </a:r>
+          </a:p>
+        </p:txBody>
+      </p:sp>
+      <p:sp>
+        <p:nvSpPr>
+          <p:cNvPr id="7" name="ZoneTexte 6">
+            <a:extLst>
+              <a:ext uri="{FF2B5EF4-FFF2-40B4-BE49-F238E27FC236}">
+                <a16:creationId xmlns:a16="http://schemas.microsoft.com/office/drawing/2014/main" id="{84828FFD-F527-4365-97E1-65E888A6C578}"/>
+              </a:ext>
+            </a:extLst>
+          </p:cNvPr>
+          <p:cNvSpPr txBox="1"/>
+          <p:nvPr/>
+        </p:nvSpPr>
+        <p:spPr>
+          <a:xfrm>
+            <a:off x="7220272" y="3068960"/>
+            <a:ext cx="4608513" cy="1569660"/>
+          </a:xfrm>
+          <a:prstGeom prst="rect">
+            <a:avLst/>
+          </a:prstGeom>
+          <a:noFill/>
+          <a:ln>
+            <a:solidFill>
+              <a:schemeClr val="bg2"/>
+            </a:solidFill>
+          </a:ln>
+        </p:spPr>
+        <p:txBody>
+          <a:bodyPr wrap="square" rtlCol="0" anchor="ctr" anchorCtr="1">
+            <a:spAutoFit/>
+          </a:bodyPr>
+          <a:lstStyle/>
+          <a:p>
+            <a:pPr algn="r"/>
+            <a:r>
+              <a:rPr lang="fr-CH" sz="2400" dirty="0">
+                <a:latin typeface="Tahoma" panose="020B0604030504040204" pitchFamily="34" charset="0"/>
+                <a:ea typeface="Tahoma" panose="020B0604030504040204" pitchFamily="34" charset="0"/>
+                <a:cs typeface="Tahoma" panose="020B0604030504040204" pitchFamily="34" charset="0"/>
+              </a:rPr>
+              <a:t>Serveur qui connecte une ou plusieurs imprimantes à un ou plusieurs utilisateurs sur même réseau</a:t>
+            </a:r>
+          </a:p>
+        </p:txBody>
+      </p:sp>
+      <p:sp>
+        <p:nvSpPr>
+          <p:cNvPr id="9" name="ZoneTexte 8">
+            <a:extLst>
+              <a:ext uri="{FF2B5EF4-FFF2-40B4-BE49-F238E27FC236}">
+                <a16:creationId xmlns:a16="http://schemas.microsoft.com/office/drawing/2014/main" id="{92D32FE1-891A-4488-9EE0-000EF80AF297}"/>
+              </a:ext>
+            </a:extLst>
+          </p:cNvPr>
+          <p:cNvSpPr txBox="1"/>
+          <p:nvPr/>
+        </p:nvSpPr>
+        <p:spPr>
+          <a:xfrm>
+            <a:off x="261764" y="2984357"/>
+            <a:ext cx="5256584" cy="2308324"/>
+          </a:xfrm>
+          <a:prstGeom prst="rect">
+            <a:avLst/>
+          </a:prstGeom>
+          <a:noFill/>
+          <a:ln>
+            <a:solidFill>
+              <a:schemeClr val="bg2"/>
+            </a:solidFill>
+          </a:ln>
+        </p:spPr>
+        <p:txBody>
+          <a:bodyPr wrap="square" rtlCol="0" anchor="ctr" anchorCtr="1">
+            <a:spAutoFit/>
+          </a:bodyPr>
+          <a:lstStyle/>
+          <a:p>
+            <a:r>
+              <a:rPr lang="fr-CH" sz="2400" dirty="0">
+                <a:latin typeface="Tahoma" panose="020B0604030504040204" pitchFamily="34" charset="0"/>
+                <a:ea typeface="Tahoma" panose="020B0604030504040204" pitchFamily="34" charset="0"/>
+                <a:cs typeface="Tahoma" panose="020B0604030504040204" pitchFamily="34" charset="0"/>
+              </a:rPr>
+              <a:t>Connectée directement sur le réseau. Accessible par tous les ordinateurs reliés à ce réseau. imprimante standard se branche en USB. Certaines imprimantes joignent le réseau à l’aide du sans fil.</a:t>
+            </a:r>
+          </a:p>
+        </p:txBody>
+      </p:sp>
+    </p:spTree>
+    <p:extLst>
+      <p:ext uri="{BB962C8B-B14F-4D97-AF65-F5344CB8AC3E}">
+        <p14:creationId xmlns:p14="http://schemas.microsoft.com/office/powerpoint/2010/main" val="3290548540"/>
+      </p:ext>
+    </p:extLst>
+  </p:cSld>
+  <p:clrMapOvr>
+    <a:masterClrMapping/>
+  </p:clrMapOvr>
+  <mc:AlternateContent xmlns:mc="http://schemas.openxmlformats.org/markup-compatibility/2006" xmlns:p14="http://schemas.microsoft.com/office/powerpoint/2010/main">
+    <mc:Choice Requires="p14">
+      <p:transition spd="med" p14:dur="700">
+        <p:fade/>
+      </p:transition>
+    </mc:Choice>
+    <mc:Fallback xmlns="">
+      <p:transition spd="med">
+        <p:fade/>
+      </p:transition>
+    </mc:Fallback>
+  </mc:AlternateContent>
+</p:sld>
+</file>
+
 <file path=ppt/slides/slide2.xml><?xml version="1.0" encoding="utf-8"?>
 <p:sld xmlns:a="http://schemas.openxmlformats.org/drawingml/2006/main" xmlns:r="http://schemas.openxmlformats.org/officeDocument/2006/relationships" xmlns:p="http://schemas.openxmlformats.org/presentationml/2006/main">
   <p:cSld>
@@ -6129,7 +6547,7 @@
         </p:nvSpPr>
         <p:spPr>
           <a:xfrm>
-            <a:off x="2205980" y="836712"/>
+            <a:off x="2208211" y="694817"/>
             <a:ext cx="7772401" cy="875928"/>
           </a:xfrm>
           <a:prstGeom prst="rect">
@@ -6231,8 +6649,8 @@
         </p:nvSpPr>
         <p:spPr>
           <a:xfrm>
-            <a:off x="261764" y="2132856"/>
-            <a:ext cx="4968552" cy="523220"/>
+            <a:off x="261764" y="1922570"/>
+            <a:ext cx="11761441" cy="523220"/>
           </a:xfrm>
           <a:prstGeom prst="rect">
             <a:avLst/>
@@ -6264,14 +6682,20 @@
       </p:sp>
       <p:sp>
         <p:nvSpPr>
-          <p:cNvPr id="6" name="ZoneTexte 5"/>
+          <p:cNvPr id="7" name="ZoneTexte 6">
+            <a:extLst>
+              <a:ext uri="{FF2B5EF4-FFF2-40B4-BE49-F238E27FC236}">
+                <a16:creationId xmlns:a16="http://schemas.microsoft.com/office/drawing/2014/main" id="{1B5AF021-9BC8-4F93-B8DF-F81CDF37A060}"/>
+              </a:ext>
+            </a:extLst>
+          </p:cNvPr>
           <p:cNvSpPr txBox="1"/>
           <p:nvPr/>
         </p:nvSpPr>
         <p:spPr>
           <a:xfrm>
-            <a:off x="8902724" y="2132856"/>
-            <a:ext cx="2448272" cy="954107"/>
+            <a:off x="261763" y="2668270"/>
+            <a:ext cx="5472609" cy="3416320"/>
           </a:xfrm>
           <a:prstGeom prst="rect">
             <a:avLst/>
@@ -6289,18 +6713,100 @@
           </a:bodyPr>
           <a:lstStyle/>
           <a:p>
-            <a:pPr algn="ctr"/>
-            <a:r>
-              <a:rPr lang="fr-CH" sz="2800" dirty="0">
+            <a:r>
+              <a:rPr lang="fr-CH" sz="2400" dirty="0">
                 <a:latin typeface="Tahoma" panose="020B0604030504040204" pitchFamily="34" charset="0"/>
                 <a:ea typeface="Tahoma" panose="020B0604030504040204" pitchFamily="34" charset="0"/>
                 <a:cs typeface="Tahoma" panose="020B0604030504040204" pitchFamily="34" charset="0"/>
               </a:rPr>
-              <a:t>PARTAGE AVANCÉ</a:t>
-            </a:r>
-          </a:p>
-        </p:txBody>
-      </p:sp>
+              <a:t>Il en existe 3 types : </a:t>
+            </a:r>
+          </a:p>
+          <a:p>
+            <a:pPr marL="342900" indent="-342900">
+              <a:buFontTx/>
+              <a:buChar char="-"/>
+            </a:pPr>
+            <a:r>
+              <a:rPr lang="fr-CH" sz="2400" dirty="0">
+                <a:latin typeface="Tahoma" panose="020B0604030504040204" pitchFamily="34" charset="0"/>
+                <a:ea typeface="Tahoma" panose="020B0604030504040204" pitchFamily="34" charset="0"/>
+                <a:cs typeface="Tahoma" panose="020B0604030504040204" pitchFamily="34" charset="0"/>
+              </a:rPr>
+              <a:t>Contrôle Total : Liberté totale, modifier dossier, transférer, supprimer etc..</a:t>
+            </a:r>
+          </a:p>
+          <a:p>
+            <a:pPr marL="342900" indent="-342900">
+              <a:buFontTx/>
+              <a:buChar char="-"/>
+            </a:pPr>
+            <a:r>
+              <a:rPr lang="fr-CH" sz="2400" dirty="0">
+                <a:latin typeface="Tahoma" panose="020B0604030504040204" pitchFamily="34" charset="0"/>
+                <a:ea typeface="Tahoma" panose="020B0604030504040204" pitchFamily="34" charset="0"/>
+                <a:cs typeface="Tahoma" panose="020B0604030504040204" pitchFamily="34" charset="0"/>
+              </a:rPr>
+              <a:t>Modification : Liberté restreinte. Lire et écrire seulement</a:t>
+            </a:r>
+          </a:p>
+          <a:p>
+            <a:pPr marL="342900" indent="-342900">
+              <a:buFontTx/>
+              <a:buChar char="-"/>
+            </a:pPr>
+            <a:r>
+              <a:rPr lang="fr-CH" sz="2400" dirty="0">
+                <a:latin typeface="Tahoma" panose="020B0604030504040204" pitchFamily="34" charset="0"/>
+                <a:ea typeface="Tahoma" panose="020B0604030504040204" pitchFamily="34" charset="0"/>
+                <a:cs typeface="Tahoma" panose="020B0604030504040204" pitchFamily="34" charset="0"/>
+              </a:rPr>
+              <a:t>Lecture : Pas de liberté. Afficher seulement le contenu. </a:t>
+            </a:r>
+          </a:p>
+          <a:p>
+            <a:pPr marL="342900" indent="-342900">
+              <a:buFontTx/>
+              <a:buChar char="-"/>
+            </a:pPr>
+            <a:endParaRPr lang="fr-CH" sz="2400" dirty="0">
+              <a:latin typeface="Tahoma" panose="020B0604030504040204" pitchFamily="34" charset="0"/>
+              <a:ea typeface="Tahoma" panose="020B0604030504040204" pitchFamily="34" charset="0"/>
+              <a:cs typeface="Tahoma" panose="020B0604030504040204" pitchFamily="34" charset="0"/>
+            </a:endParaRPr>
+          </a:p>
+        </p:txBody>
+      </p:sp>
+      <p:pic>
+        <p:nvPicPr>
+          <p:cNvPr id="3" name="Image 2">
+            <a:extLst>
+              <a:ext uri="{FF2B5EF4-FFF2-40B4-BE49-F238E27FC236}">
+                <a16:creationId xmlns:a16="http://schemas.microsoft.com/office/drawing/2014/main" id="{2C212905-EAD8-4063-81D0-19A74EA14547}"/>
+              </a:ext>
+            </a:extLst>
+          </p:cNvPr>
+          <p:cNvPicPr>
+            <a:picLocks noChangeAspect="1"/>
+          </p:cNvPicPr>
+          <p:nvPr/>
+        </p:nvPicPr>
+        <p:blipFill>
+          <a:blip r:embed="rId3"/>
+          <a:stretch>
+            <a:fillRect/>
+          </a:stretch>
+        </p:blipFill>
+        <p:spPr>
+          <a:xfrm>
+            <a:off x="8069554" y="2210178"/>
+            <a:ext cx="3203451" cy="3953005"/>
+          </a:xfrm>
+          <a:prstGeom prst="rect">
+            <a:avLst/>
+          </a:prstGeom>
+        </p:spPr>
+      </p:pic>
     </p:spTree>
     <p:extLst>
       <p:ext uri="{BB962C8B-B14F-4D97-AF65-F5344CB8AC3E}">
@@ -6327,6 +6833,286 @@
 </file>
 
 <file path=ppt/slides/slide6.xml><?xml version="1.0" encoding="utf-8"?>
+<p:sld xmlns:a="http://schemas.openxmlformats.org/drawingml/2006/main" xmlns:r="http://schemas.openxmlformats.org/officeDocument/2006/relationships" xmlns:p="http://schemas.openxmlformats.org/presentationml/2006/main">
+  <p:cSld>
+    <p:bg>
+      <p:bgPr>
+        <a:solidFill>
+          <a:srgbClr val="34473D"/>
+        </a:solidFill>
+        <a:effectLst/>
+      </p:bgPr>
+    </p:bg>
+    <p:spTree>
+      <p:nvGrpSpPr>
+        <p:cNvPr id="1" name=""/>
+        <p:cNvGrpSpPr/>
+        <p:nvPr/>
+      </p:nvGrpSpPr>
+      <p:grpSpPr>
+        <a:xfrm>
+          <a:off x="0" y="0"/>
+          <a:ext cx="0" cy="0"/>
+          <a:chOff x="0" y="0"/>
+          <a:chExt cx="0" cy="0"/>
+        </a:xfrm>
+      </p:grpSpPr>
+      <p:sp>
+        <p:nvSpPr>
+          <p:cNvPr id="5" name="Titre 12"/>
+          <p:cNvSpPr txBox="1">
+            <a:spLocks/>
+          </p:cNvSpPr>
+          <p:nvPr/>
+        </p:nvSpPr>
+        <p:spPr>
+          <a:xfrm>
+            <a:off x="2208211" y="548680"/>
+            <a:ext cx="7772401" cy="875928"/>
+          </a:xfrm>
+          <a:prstGeom prst="rect">
+            <a:avLst/>
+          </a:prstGeom>
+          <a:ln>
+            <a:noFill/>
+          </a:ln>
+        </p:spPr>
+        <p:txBody>
+          <a:bodyPr vert="horz" lIns="91440" tIns="45720" rIns="91440" bIns="45720" rtlCol="0" anchor="ctr">
+            <a:noAutofit/>
+          </a:bodyPr>
+          <a:lstStyle>
+            <a:lvl1pPr algn="l" defTabSz="914400" rtl="0" eaLnBrk="1" latinLnBrk="0" hangingPunct="1">
+              <a:lnSpc>
+                <a:spcPct val="90000"/>
+              </a:lnSpc>
+              <a:spcBef>
+                <a:spcPct val="0"/>
+              </a:spcBef>
+              <a:buNone/>
+              <a:defRPr sz="3600" b="1" kern="1200" cap="none" spc="0" baseline="0">
+                <a:ln w="9525">
+                  <a:noFill/>
+                  <a:prstDash val="solid"/>
+                </a:ln>
+                <a:solidFill>
+                  <a:schemeClr val="accent5"/>
+                </a:solidFill>
+                <a:effectLst/>
+                <a:latin typeface="+mj-lt"/>
+                <a:ea typeface="+mj-ea"/>
+                <a:cs typeface="+mj-cs"/>
+              </a:defRPr>
+            </a:lvl1pPr>
+          </a:lstStyle>
+          <a:p>
+            <a:pPr algn="ctr"/>
+            <a:r>
+              <a:rPr lang="fr-FR" sz="6600" dirty="0">
+                <a:solidFill>
+                  <a:srgbClr val="87A896"/>
+                </a:solidFill>
+                <a:latin typeface="Tahoma" panose="020B0604030504040204" pitchFamily="34" charset="0"/>
+                <a:ea typeface="Tahoma" panose="020B0604030504040204" pitchFamily="34" charset="0"/>
+                <a:cs typeface="Tahoma" panose="020B0604030504040204" pitchFamily="34" charset="0"/>
+              </a:rPr>
+              <a:t>EXPLICATIONS DES PARTAGES</a:t>
+            </a:r>
+          </a:p>
+        </p:txBody>
+      </p:sp>
+      <p:sp>
+        <p:nvSpPr>
+          <p:cNvPr id="8" name="Titre 12"/>
+          <p:cNvSpPr>
+            <a:spLocks noGrp="1"/>
+          </p:cNvSpPr>
+          <p:nvPr>
+            <p:ph type="title"/>
+          </p:nvPr>
+        </p:nvSpPr>
+        <p:spPr>
+          <a:xfrm>
+            <a:off x="8974732" y="6453336"/>
+            <a:ext cx="3048473" cy="216024"/>
+          </a:xfrm>
+          <a:solidFill>
+            <a:srgbClr val="B6CABF"/>
+          </a:solidFill>
+        </p:spPr>
+        <p:txBody>
+          <a:bodyPr rtlCol="0" anchor="ctr">
+            <a:noAutofit/>
+          </a:bodyPr>
+          <a:lstStyle/>
+          <a:p>
+            <a:pPr algn="ctr" rtl="0"/>
+            <a:r>
+              <a:rPr lang="fr-FR" sz="1800" dirty="0">
+                <a:solidFill>
+                  <a:srgbClr val="87A896"/>
+                </a:solidFill>
+                <a:latin typeface="Tahoma" panose="020B0604030504040204" pitchFamily="34" charset="0"/>
+                <a:ea typeface="Tahoma" panose="020B0604030504040204" pitchFamily="34" charset="0"/>
+                <a:cs typeface="Tahoma" panose="020B0604030504040204" pitchFamily="34" charset="0"/>
+              </a:rPr>
+              <a:t>SERVEURS DE FICHIERS</a:t>
+            </a:r>
+          </a:p>
+        </p:txBody>
+      </p:sp>
+      <p:sp>
+        <p:nvSpPr>
+          <p:cNvPr id="9" name="ZoneTexte 8">
+            <a:extLst>
+              <a:ext uri="{FF2B5EF4-FFF2-40B4-BE49-F238E27FC236}">
+                <a16:creationId xmlns:a16="http://schemas.microsoft.com/office/drawing/2014/main" id="{C8117F79-68BD-4428-A5E9-20A442E8086E}"/>
+              </a:ext>
+            </a:extLst>
+          </p:cNvPr>
+          <p:cNvSpPr txBox="1"/>
+          <p:nvPr/>
+        </p:nvSpPr>
+        <p:spPr>
+          <a:xfrm>
+            <a:off x="261764" y="1844824"/>
+            <a:ext cx="11761441" cy="523220"/>
+          </a:xfrm>
+          <a:prstGeom prst="rect">
+            <a:avLst/>
+          </a:prstGeom>
+          <a:noFill/>
+          <a:ln>
+            <a:solidFill>
+              <a:schemeClr val="bg2"/>
+            </a:solidFill>
+          </a:ln>
+        </p:spPr>
+        <p:txBody>
+          <a:bodyPr wrap="square" rtlCol="0" anchor="ctr" anchorCtr="1">
+            <a:spAutoFit/>
+          </a:bodyPr>
+          <a:lstStyle/>
+          <a:p>
+            <a:pPr algn="ctr"/>
+            <a:r>
+              <a:rPr lang="fr-CH" sz="2800" dirty="0">
+                <a:latin typeface="Tahoma" panose="020B0604030504040204" pitchFamily="34" charset="0"/>
+                <a:ea typeface="Tahoma" panose="020B0604030504040204" pitchFamily="34" charset="0"/>
+                <a:cs typeface="Tahoma" panose="020B0604030504040204" pitchFamily="34" charset="0"/>
+              </a:rPr>
+              <a:t>PARTAGE AVANCÉ</a:t>
+            </a:r>
+          </a:p>
+        </p:txBody>
+      </p:sp>
+      <p:pic>
+        <p:nvPicPr>
+          <p:cNvPr id="3" name="Image 2">
+            <a:extLst>
+              <a:ext uri="{FF2B5EF4-FFF2-40B4-BE49-F238E27FC236}">
+                <a16:creationId xmlns:a16="http://schemas.microsoft.com/office/drawing/2014/main" id="{217FE6C8-D702-419F-9CC4-809704F1257F}"/>
+              </a:ext>
+            </a:extLst>
+          </p:cNvPr>
+          <p:cNvPicPr>
+            <a:picLocks noChangeAspect="1"/>
+          </p:cNvPicPr>
+          <p:nvPr/>
+        </p:nvPicPr>
+        <p:blipFill>
+          <a:blip r:embed="rId3"/>
+          <a:stretch>
+            <a:fillRect/>
+          </a:stretch>
+        </p:blipFill>
+        <p:spPr>
+          <a:xfrm>
+            <a:off x="6179910" y="3284984"/>
+            <a:ext cx="5589644" cy="1519152"/>
+          </a:xfrm>
+          <a:prstGeom prst="rect">
+            <a:avLst/>
+          </a:prstGeom>
+        </p:spPr>
+      </p:pic>
+      <p:sp>
+        <p:nvSpPr>
+          <p:cNvPr id="12" name="ZoneTexte 11">
+            <a:extLst>
+              <a:ext uri="{FF2B5EF4-FFF2-40B4-BE49-F238E27FC236}">
+                <a16:creationId xmlns:a16="http://schemas.microsoft.com/office/drawing/2014/main" id="{C060D9CE-5EFB-4EE2-A9B6-F68E164C7549}"/>
+              </a:ext>
+            </a:extLst>
+          </p:cNvPr>
+          <p:cNvSpPr txBox="1"/>
+          <p:nvPr/>
+        </p:nvSpPr>
+        <p:spPr>
+          <a:xfrm>
+            <a:off x="283772" y="2603594"/>
+            <a:ext cx="5472609" cy="1200329"/>
+          </a:xfrm>
+          <a:prstGeom prst="rect">
+            <a:avLst/>
+          </a:prstGeom>
+          <a:noFill/>
+          <a:ln>
+            <a:solidFill>
+              <a:schemeClr val="bg2"/>
+            </a:solidFill>
+          </a:ln>
+        </p:spPr>
+        <p:txBody>
+          <a:bodyPr wrap="square" rtlCol="0" anchor="ctr" anchorCtr="1">
+            <a:spAutoFit/>
+          </a:bodyPr>
+          <a:lstStyle/>
+          <a:p>
+            <a:r>
+              <a:rPr lang="fr-CH" sz="2400" dirty="0">
+                <a:latin typeface="Tahoma" panose="020B0604030504040204" pitchFamily="34" charset="0"/>
+                <a:ea typeface="Tahoma" panose="020B0604030504040204" pitchFamily="34" charset="0"/>
+                <a:cs typeface="Tahoma" panose="020B0604030504040204" pitchFamily="34" charset="0"/>
+              </a:rPr>
+              <a:t>- Fonctionnalité disponible uniquement chez Windows.</a:t>
+            </a:r>
+          </a:p>
+          <a:p>
+            <a:endParaRPr lang="fr-CH" sz="2400" dirty="0">
+              <a:latin typeface="Tahoma" panose="020B0604030504040204" pitchFamily="34" charset="0"/>
+              <a:ea typeface="Tahoma" panose="020B0604030504040204" pitchFamily="34" charset="0"/>
+              <a:cs typeface="Tahoma" panose="020B0604030504040204" pitchFamily="34" charset="0"/>
+            </a:endParaRPr>
+          </a:p>
+        </p:txBody>
+      </p:sp>
+    </p:spTree>
+    <p:extLst>
+      <p:ext uri="{BB962C8B-B14F-4D97-AF65-F5344CB8AC3E}">
+        <p14:creationId xmlns:p14="http://schemas.microsoft.com/office/powerpoint/2010/main" val="2067384210"/>
+      </p:ext>
+    </p:extLst>
+  </p:cSld>
+  <p:clrMapOvr>
+    <a:masterClrMapping/>
+  </p:clrMapOvr>
+  <mc:AlternateContent xmlns:mc="http://schemas.openxmlformats.org/markup-compatibility/2006" xmlns:p14="http://schemas.microsoft.com/office/powerpoint/2010/main">
+    <mc:Choice Requires="p14">
+      <p:transition spd="med" p14:dur="700">
+        <p:fade/>
+      </p:transition>
+    </mc:Choice>
+    <mc:Fallback xmlns="">
+      <p:transition spd="med">
+        <p:fade/>
+      </p:transition>
+    </mc:Fallback>
+  </mc:AlternateContent>
+</p:sld>
+</file>
+
+<file path=ppt/slides/slide7.xml><?xml version="1.0" encoding="utf-8"?>
 <p:sld xmlns:a="http://schemas.openxmlformats.org/drawingml/2006/main" xmlns:r="http://schemas.openxmlformats.org/officeDocument/2006/relationships" xmlns:p="http://schemas.openxmlformats.org/presentationml/2006/main">
   <p:cSld>
     <p:bg>
@@ -6604,7 +7390,7 @@
 </p:sld>
 </file>
 
-<file path=ppt/slides/slide7.xml><?xml version="1.0" encoding="utf-8"?>
+<file path=ppt/slides/slide8.xml><?xml version="1.0" encoding="utf-8"?>
 <p:sld xmlns:a="http://schemas.openxmlformats.org/drawingml/2006/main" xmlns:r="http://schemas.openxmlformats.org/officeDocument/2006/relationships" xmlns:p="http://schemas.openxmlformats.org/presentationml/2006/main">
   <p:cSld>
     <p:bg>
@@ -6888,93 +7674,6 @@
 </p:sld>
 </file>
 
-<file path=ppt/slides/slide8.xml><?xml version="1.0" encoding="utf-8"?>
-<p:sld xmlns:a="http://schemas.openxmlformats.org/drawingml/2006/main" xmlns:r="http://schemas.openxmlformats.org/officeDocument/2006/relationships" xmlns:p="http://schemas.openxmlformats.org/presentationml/2006/main">
-  <p:cSld>
-    <p:bg>
-      <p:bgPr>
-        <a:solidFill>
-          <a:srgbClr val="34473D"/>
-        </a:solidFill>
-        <a:effectLst/>
-      </p:bgPr>
-    </p:bg>
-    <p:spTree>
-      <p:nvGrpSpPr>
-        <p:cNvPr id="1" name=""/>
-        <p:cNvGrpSpPr/>
-        <p:nvPr/>
-      </p:nvGrpSpPr>
-      <p:grpSpPr>
-        <a:xfrm>
-          <a:off x="0" y="0"/>
-          <a:ext cx="0" cy="0"/>
-          <a:chOff x="0" y="0"/>
-          <a:chExt cx="0" cy="0"/>
-        </a:xfrm>
-      </p:grpSpPr>
-      <p:sp>
-        <p:nvSpPr>
-          <p:cNvPr id="13" name="Titre 12"/>
-          <p:cNvSpPr>
-            <a:spLocks noGrp="1"/>
-          </p:cNvSpPr>
-          <p:nvPr>
-            <p:ph type="title"/>
-          </p:nvPr>
-        </p:nvSpPr>
-        <p:spPr>
-          <a:xfrm>
-            <a:off x="1485900" y="1988840"/>
-            <a:ext cx="9601201" cy="2514600"/>
-          </a:xfrm>
-        </p:spPr>
-        <p:txBody>
-          <a:bodyPr rtlCol="0" anchor="ctr">
-            <a:noAutofit/>
-          </a:bodyPr>
-          <a:lstStyle/>
-          <a:p>
-            <a:pPr algn="ctr" rtl="0"/>
-            <a:r>
-              <a:rPr lang="fr-FR" sz="6600" dirty="0">
-                <a:solidFill>
-                  <a:srgbClr val="87A896"/>
-                </a:solidFill>
-                <a:latin typeface="Tahoma" panose="020B0604030504040204" pitchFamily="34" charset="0"/>
-                <a:ea typeface="Tahoma" panose="020B0604030504040204" pitchFamily="34" charset="0"/>
-                <a:cs typeface="Tahoma" panose="020B0604030504040204" pitchFamily="34" charset="0"/>
-              </a:rPr>
-              <a:t>SERVEURS D’IMPRESSION</a:t>
-            </a:r>
-          </a:p>
-        </p:txBody>
-      </p:sp>
-    </p:spTree>
-    <p:extLst>
-      <p:ext uri="{BB962C8B-B14F-4D97-AF65-F5344CB8AC3E}">
-        <p14:creationId xmlns:p14="http://schemas.microsoft.com/office/powerpoint/2010/main" val="2589682945"/>
-      </p:ext>
-    </p:extLst>
-  </p:cSld>
-  <p:clrMapOvr>
-    <a:masterClrMapping/>
-  </p:clrMapOvr>
-  <mc:AlternateContent xmlns:mc="http://schemas.openxmlformats.org/markup-compatibility/2006" xmlns:p14="http://schemas.microsoft.com/office/powerpoint/2010/main">
-    <mc:Choice Requires="p14">
-      <p:transition spd="med" p14:dur="700">
-        <p:fade/>
-      </p:transition>
-    </mc:Choice>
-    <mc:Fallback xmlns="">
-      <p:transition spd="med">
-        <p:fade/>
-      </p:transition>
-    </mc:Fallback>
-  </mc:AlternateContent>
-</p:sld>
-</file>
-
 <file path=ppt/slides/slide9.xml><?xml version="1.0" encoding="utf-8"?>
 <p:sld xmlns:a="http://schemas.openxmlformats.org/drawingml/2006/main" xmlns:r="http://schemas.openxmlformats.org/officeDocument/2006/relationships" xmlns:p="http://schemas.openxmlformats.org/presentationml/2006/main">
   <p:cSld>
@@ -7002,97 +7701,19 @@
       </p:grpSpPr>
       <p:sp>
         <p:nvSpPr>
-          <p:cNvPr id="5" name="Titre 12"/>
-          <p:cNvSpPr txBox="1">
-            <a:spLocks/>
-          </p:cNvSpPr>
-          <p:nvPr/>
+          <p:cNvPr id="13" name="Titre 12"/>
+          <p:cNvSpPr>
+            <a:spLocks noGrp="1"/>
+          </p:cNvSpPr>
+          <p:nvPr>
+            <p:ph type="title"/>
+          </p:nvPr>
         </p:nvSpPr>
         <p:spPr>
           <a:xfrm>
-            <a:off x="549796" y="1124744"/>
-            <a:ext cx="11159008" cy="875928"/>
+            <a:off x="1485900" y="1988840"/>
+            <a:ext cx="9601201" cy="2514600"/>
           </a:xfrm>
-          <a:prstGeom prst="rect">
-            <a:avLst/>
-          </a:prstGeom>
-          <a:ln>
-            <a:noFill/>
-          </a:ln>
-        </p:spPr>
-        <p:txBody>
-          <a:bodyPr vert="horz" lIns="91440" tIns="45720" rIns="91440" bIns="45720" rtlCol="0" anchor="ctr">
-            <a:noAutofit/>
-          </a:bodyPr>
-          <a:lstStyle>
-            <a:lvl1pPr algn="l" defTabSz="914400" rtl="0" eaLnBrk="1" latinLnBrk="0" hangingPunct="1">
-              <a:lnSpc>
-                <a:spcPct val="90000"/>
-              </a:lnSpc>
-              <a:spcBef>
-                <a:spcPct val="0"/>
-              </a:spcBef>
-              <a:buNone/>
-              <a:defRPr sz="3600" b="1" kern="1200" cap="none" spc="0" baseline="0">
-                <a:ln w="9525">
-                  <a:noFill/>
-                  <a:prstDash val="solid"/>
-                </a:ln>
-                <a:solidFill>
-                  <a:schemeClr val="accent5"/>
-                </a:solidFill>
-                <a:effectLst/>
-                <a:latin typeface="+mj-lt"/>
-                <a:ea typeface="+mj-ea"/>
-                <a:cs typeface="+mj-cs"/>
-              </a:defRPr>
-            </a:lvl1pPr>
-          </a:lstStyle>
-          <a:p>
-            <a:pPr algn="ctr"/>
-            <a:r>
-              <a:rPr lang="fr-CH" sz="4800" cap="all" dirty="0">
-                <a:solidFill>
-                  <a:srgbClr val="87A896"/>
-                </a:solidFill>
-                <a:latin typeface="Tahoma" panose="020B0604030504040204" pitchFamily="34" charset="0"/>
-                <a:ea typeface="Tahoma" panose="020B0604030504040204" pitchFamily="34" charset="0"/>
-                <a:cs typeface="Tahoma" panose="020B0604030504040204" pitchFamily="34" charset="0"/>
-              </a:rPr>
-              <a:t>Différence serveur impression et imprimante réseau standard</a:t>
-            </a:r>
-          </a:p>
-          <a:p>
-            <a:pPr algn="ctr"/>
-            <a:endParaRPr lang="fr-FR" sz="4800" cap="all" dirty="0">
-              <a:solidFill>
-                <a:srgbClr val="87A896"/>
-              </a:solidFill>
-              <a:latin typeface="Tahoma" panose="020B0604030504040204" pitchFamily="34" charset="0"/>
-              <a:ea typeface="Tahoma" panose="020B0604030504040204" pitchFamily="34" charset="0"/>
-              <a:cs typeface="Tahoma" panose="020B0604030504040204" pitchFamily="34" charset="0"/>
-            </a:endParaRPr>
-          </a:p>
-        </p:txBody>
-      </p:sp>
-      <p:sp>
-        <p:nvSpPr>
-          <p:cNvPr id="8" name="Titre 12"/>
-          <p:cNvSpPr>
-            <a:spLocks noGrp="1"/>
-          </p:cNvSpPr>
-          <p:nvPr>
-            <p:ph type="title"/>
-          </p:nvPr>
-        </p:nvSpPr>
-        <p:spPr>
-          <a:xfrm>
-            <a:off x="8758708" y="6453336"/>
-            <a:ext cx="3264497" cy="216024"/>
-          </a:xfrm>
-          <a:solidFill>
-            <a:srgbClr val="B6CABF"/>
-          </a:solidFill>
         </p:spPr>
         <p:txBody>
           <a:bodyPr rtlCol="0" anchor="ctr">
@@ -7102,7 +7723,7 @@
           <a:p>
             <a:pPr algn="ctr" rtl="0"/>
             <a:r>
-              <a:rPr lang="fr-FR" sz="1800" dirty="0">
+              <a:rPr lang="fr-FR" sz="6600" dirty="0">
                 <a:solidFill>
                   <a:srgbClr val="87A896"/>
                 </a:solidFill>
@@ -7115,88 +7736,10 @@
           </a:p>
         </p:txBody>
       </p:sp>
-      <p:sp>
-        <p:nvSpPr>
-          <p:cNvPr id="10" name="ZoneTexte 9"/>
-          <p:cNvSpPr txBox="1"/>
-          <p:nvPr/>
-        </p:nvSpPr>
-        <p:spPr>
-          <a:xfrm>
-            <a:off x="5086300" y="3068960"/>
-            <a:ext cx="6552728" cy="369332"/>
-          </a:xfrm>
-          <a:prstGeom prst="rect">
-            <a:avLst/>
-          </a:prstGeom>
-          <a:noFill/>
-          <a:ln>
-            <a:solidFill>
-              <a:schemeClr val="bg2"/>
-            </a:solidFill>
-          </a:ln>
-        </p:spPr>
-        <p:txBody>
-          <a:bodyPr wrap="square" rtlCol="0" anchor="ctr" anchorCtr="1">
-            <a:spAutoFit/>
-          </a:bodyPr>
-          <a:lstStyle/>
-          <a:p>
-            <a:pPr algn="ctr"/>
-            <a:r>
-              <a:rPr lang="fr-CH" dirty="0">
-                <a:latin typeface="Tahoma" panose="020B0604030504040204" pitchFamily="34" charset="0"/>
-                <a:ea typeface="Tahoma" panose="020B0604030504040204" pitchFamily="34" charset="0"/>
-                <a:cs typeface="Tahoma" panose="020B0604030504040204" pitchFamily="34" charset="0"/>
-              </a:rPr>
-              <a:t>SERVEUR IMPRESSION</a:t>
-            </a:r>
-          </a:p>
-        </p:txBody>
-      </p:sp>
-      <p:sp>
-        <p:nvSpPr>
-          <p:cNvPr id="6" name="ZoneTexte 5"/>
-          <p:cNvSpPr txBox="1"/>
-          <p:nvPr/>
-        </p:nvSpPr>
-        <p:spPr>
-          <a:xfrm>
-            <a:off x="981844" y="2492896"/>
-            <a:ext cx="6552728" cy="369332"/>
-          </a:xfrm>
-          <a:prstGeom prst="rect">
-            <a:avLst/>
-          </a:prstGeom>
-          <a:noFill/>
-          <a:ln>
-            <a:solidFill>
-              <a:schemeClr val="bg2"/>
-            </a:solidFill>
-          </a:ln>
-        </p:spPr>
-        <p:txBody>
-          <a:bodyPr wrap="square" rtlCol="0" anchor="ctr" anchorCtr="1">
-            <a:spAutoFit/>
-          </a:bodyPr>
-          <a:lstStyle/>
-          <a:p>
-            <a:pPr algn="ctr"/>
-            <a:r>
-              <a:rPr lang="fr-CH" dirty="0">
-                <a:latin typeface="Tahoma" panose="020B0604030504040204" pitchFamily="34" charset="0"/>
-                <a:ea typeface="Tahoma" panose="020B0604030504040204" pitchFamily="34" charset="0"/>
-                <a:cs typeface="Tahoma" panose="020B0604030504040204" pitchFamily="34" charset="0"/>
-              </a:rPr>
-              <a:t>IMPRIMANTE RÉSEAU STANDARD</a:t>
-            </a:r>
-          </a:p>
-        </p:txBody>
-      </p:sp>
     </p:spTree>
     <p:extLst>
       <p:ext uri="{BB962C8B-B14F-4D97-AF65-F5344CB8AC3E}">
-        <p14:creationId xmlns:p14="http://schemas.microsoft.com/office/powerpoint/2010/main" val="3290548540"/>
+        <p14:creationId xmlns:p14="http://schemas.microsoft.com/office/powerpoint/2010/main" val="2589682945"/>
       </p:ext>
     </p:extLst>
   </p:cSld>
@@ -8069,12 +8612,14 @@
 </file>
 
 <file path=customXml/item1.xml><?xml version="1.0" encoding="utf-8"?>
-<?mso-contentType ?>
-<FormTemplates xmlns="http://schemas.microsoft.com/sharepoint/v3/contenttype/forms">
-  <Display>DocumentLibraryForm</Display>
-  <Edit>DocumentLibraryForm</Edit>
-  <New>DocumentLibraryForm</New>
-</FormTemplates>
+<p:properties xmlns:p="http://schemas.microsoft.com/office/2006/metadata/properties" xmlns:xsi="http://www.w3.org/2001/XMLSchema-instance" xmlns:pc="http://schemas.microsoft.com/office/infopath/2007/PartnerControls">
+  <documentManagement>
+    <VSO_x0020_item_x0020_id xmlns="40262f94-9f35-4ac3-9a90-690165a166b7" xsi:nil="true"/>
+    <Assetid_x0020_ xmlns="40262f94-9f35-4ac3-9a90-690165a166b7" xsi:nil="true"/>
+    <Item_x0020_Details xmlns="40262f94-9f35-4ac3-9a90-690165a166b7" xsi:nil="true"/>
+    <Template_x0020_details xmlns="40262f94-9f35-4ac3-9a90-690165a166b7" xsi:nil="true"/>
+  </documentManagement>
+</p:properties>
 </file>
 
 <file path=customXml/item2.xml><?xml version="1.0" encoding="utf-8"?>
@@ -8259,20 +8804,27 @@
 </file>
 
 <file path=customXml/item3.xml><?xml version="1.0" encoding="utf-8"?>
-<p:properties xmlns:p="http://schemas.microsoft.com/office/2006/metadata/properties" xmlns:xsi="http://www.w3.org/2001/XMLSchema-instance" xmlns:pc="http://schemas.microsoft.com/office/infopath/2007/PartnerControls">
-  <documentManagement>
-    <VSO_x0020_item_x0020_id xmlns="40262f94-9f35-4ac3-9a90-690165a166b7" xsi:nil="true"/>
-    <Assetid_x0020_ xmlns="40262f94-9f35-4ac3-9a90-690165a166b7" xsi:nil="true"/>
-    <Item_x0020_Details xmlns="40262f94-9f35-4ac3-9a90-690165a166b7" xsi:nil="true"/>
-    <Template_x0020_details xmlns="40262f94-9f35-4ac3-9a90-690165a166b7" xsi:nil="true"/>
-  </documentManagement>
-</p:properties>
+<?mso-contentType ?>
+<FormTemplates xmlns="http://schemas.microsoft.com/sharepoint/v3/contenttype/forms">
+  <Display>DocumentLibraryForm</Display>
+  <Edit>DocumentLibraryForm</Edit>
+  <New>DocumentLibraryForm</New>
+</FormTemplates>
 </file>
 
 <file path=customXml/itemProps1.xml><?xml version="1.0" encoding="utf-8"?>
-<ds:datastoreItem xmlns:ds="http://schemas.openxmlformats.org/officeDocument/2006/customXml" ds:itemID="{0875BD71-4A33-4FB7-88CA-777C4D9E6EE5}">
+<ds:datastoreItem xmlns:ds="http://schemas.openxmlformats.org/officeDocument/2006/customXml" ds:itemID="{3049C11C-71DC-49B6-ACD8-27E3AE088D14}">
   <ds:schemaRefs>
-    <ds:schemaRef ds:uri="http://schemas.microsoft.com/sharepoint/v3/contenttype/forms"/>
+    <ds:schemaRef ds:uri="http://purl.org/dc/terms/"/>
+    <ds:schemaRef ds:uri="http://schemas.openxmlformats.org/package/2006/metadata/core-properties"/>
+    <ds:schemaRef ds:uri="http://purl.org/dc/dcmitype/"/>
+    <ds:schemaRef ds:uri="http://schemas.microsoft.com/office/infopath/2007/PartnerControls"/>
+    <ds:schemaRef ds:uri="http://purl.org/dc/elements/1.1/"/>
+    <ds:schemaRef ds:uri="http://schemas.microsoft.com/office/2006/metadata/properties"/>
+    <ds:schemaRef ds:uri="http://schemas.microsoft.com/office/2006/documentManagement/types"/>
+    <ds:schemaRef ds:uri="40262f94-9f35-4ac3-9a90-690165a166b7"/>
+    <ds:schemaRef ds:uri="a4f35948-e619-41b3-aa29-22878b09cfd2"/>
+    <ds:schemaRef ds:uri="http://www.w3.org/XML/1998/namespace"/>
   </ds:schemaRefs>
 </ds:datastoreItem>
 </file>
@@ -8297,18 +8849,9 @@
 </file>
 
 <file path=customXml/itemProps3.xml><?xml version="1.0" encoding="utf-8"?>
-<ds:datastoreItem xmlns:ds="http://schemas.openxmlformats.org/officeDocument/2006/customXml" ds:itemID="{3049C11C-71DC-49B6-ACD8-27E3AE088D14}">
+<ds:datastoreItem xmlns:ds="http://schemas.openxmlformats.org/officeDocument/2006/customXml" ds:itemID="{0875BD71-4A33-4FB7-88CA-777C4D9E6EE5}">
   <ds:schemaRefs>
-    <ds:schemaRef ds:uri="http://purl.org/dc/terms/"/>
-    <ds:schemaRef ds:uri="http://schemas.openxmlformats.org/package/2006/metadata/core-properties"/>
-    <ds:schemaRef ds:uri="http://purl.org/dc/dcmitype/"/>
-    <ds:schemaRef ds:uri="http://schemas.microsoft.com/office/infopath/2007/PartnerControls"/>
-    <ds:schemaRef ds:uri="http://purl.org/dc/elements/1.1/"/>
-    <ds:schemaRef ds:uri="http://schemas.microsoft.com/office/2006/metadata/properties"/>
-    <ds:schemaRef ds:uri="http://schemas.microsoft.com/office/2006/documentManagement/types"/>
-    <ds:schemaRef ds:uri="40262f94-9f35-4ac3-9a90-690165a166b7"/>
-    <ds:schemaRef ds:uri="a4f35948-e619-41b3-aa29-22878b09cfd2"/>
-    <ds:schemaRef ds:uri="http://www.w3.org/XML/1998/namespace"/>
+    <ds:schemaRef ds:uri="http://schemas.microsoft.com/sharepoint/v3/contenttype/forms"/>
   </ds:schemaRefs>
 </ds:datastoreItem>
 </file>
--- a/SERVEUR ET FICHIERS D’IMPRESSION.pptx
+++ b/SERVEUR ET FICHIERS D’IMPRESSION.pptx
@@ -5558,12 +5558,16 @@
   <p:clrMapOvr>
     <a:masterClrMapping/>
   </p:clrMapOvr>
-  <mc:AlternateContent xmlns:mc="http://schemas.openxmlformats.org/markup-compatibility/2006" xmlns:p14="http://schemas.microsoft.com/office/powerpoint/2010/main">
-    <mc:Choice Requires="p14">
-      <p:transition p14:dur="10"/>
+  <mc:AlternateContent xmlns:mc="http://schemas.openxmlformats.org/markup-compatibility/2006">
+    <mc:Choice xmlns:p14="http://schemas.microsoft.com/office/powerpoint/2010/main" Requires="p14">
+      <p:transition spd="med" p14:dur="700">
+        <p:fade/>
+      </p:transition>
     </mc:Choice>
-    <mc:Fallback xmlns="">
-      <p:transition/>
+    <mc:Fallback>
+      <p:transition spd="med">
+        <p:fade/>
+      </p:transition>
     </mc:Fallback>
   </mc:AlternateContent>
 </p:sld>
@@ -5717,17 +5721,15 @@
         </p:nvSpPr>
         <p:spPr>
           <a:xfrm>
-            <a:off x="7220273" y="2350150"/>
-            <a:ext cx="4608512" cy="369332"/>
+            <a:off x="6915504" y="3591540"/>
+            <a:ext cx="3432247" cy="830997"/>
           </a:xfrm>
           <a:prstGeom prst="rect">
             <a:avLst/>
           </a:prstGeom>
           <a:noFill/>
           <a:ln>
-            <a:solidFill>
-              <a:schemeClr val="bg2"/>
-            </a:solidFill>
+            <a:noFill/>
           </a:ln>
         </p:spPr>
         <p:txBody>
@@ -5738,7 +5740,10 @@
           <a:p>
             <a:pPr algn="ctr"/>
             <a:r>
-              <a:rPr lang="fr-CH" dirty="0">
+              <a:rPr lang="fr-CH" sz="2400" b="1" u="sng" dirty="0">
+                <a:solidFill>
+                  <a:srgbClr val="B6CABF"/>
+                </a:solidFill>
                 <a:latin typeface="Tahoma" panose="020B0604030504040204" pitchFamily="34" charset="0"/>
                 <a:ea typeface="Tahoma" panose="020B0604030504040204" pitchFamily="34" charset="0"/>
                 <a:cs typeface="Tahoma" panose="020B0604030504040204" pitchFamily="34" charset="0"/>
@@ -5756,17 +5761,15 @@
         </p:nvSpPr>
         <p:spPr>
           <a:xfrm>
-            <a:off x="261764" y="2350150"/>
-            <a:ext cx="4582244" cy="369332"/>
+            <a:off x="405780" y="2420888"/>
+            <a:ext cx="4752528" cy="830997"/>
           </a:xfrm>
           <a:prstGeom prst="rect">
             <a:avLst/>
           </a:prstGeom>
           <a:noFill/>
           <a:ln>
-            <a:solidFill>
-              <a:schemeClr val="bg2"/>
-            </a:solidFill>
+            <a:noFill/>
           </a:ln>
         </p:spPr>
         <p:txBody>
@@ -5777,7 +5780,10 @@
           <a:p>
             <a:pPr algn="ctr"/>
             <a:r>
-              <a:rPr lang="fr-CH" dirty="0">
+              <a:rPr lang="fr-CH" sz="2400" b="1" u="sng" dirty="0">
+                <a:solidFill>
+                  <a:srgbClr val="B6CABF"/>
+                </a:solidFill>
                 <a:latin typeface="Tahoma" panose="020B0604030504040204" pitchFamily="34" charset="0"/>
                 <a:ea typeface="Tahoma" panose="020B0604030504040204" pitchFamily="34" charset="0"/>
                 <a:cs typeface="Tahoma" panose="020B0604030504040204" pitchFamily="34" charset="0"/>
@@ -5801,7 +5807,7 @@
         </p:nvSpPr>
         <p:spPr>
           <a:xfrm>
-            <a:off x="7220272" y="3068960"/>
+            <a:off x="6327372" y="4585804"/>
             <a:ext cx="4608513" cy="1569660"/>
           </a:xfrm>
           <a:prstGeom prst="rect">
@@ -5809,9 +5815,7 @@
           </a:prstGeom>
           <a:noFill/>
           <a:ln>
-            <a:solidFill>
-              <a:schemeClr val="bg2"/>
-            </a:solidFill>
+            <a:noFill/>
           </a:ln>
         </p:spPr>
         <p:txBody>
@@ -5820,9 +5824,11 @@
           </a:bodyPr>
           <a:lstStyle/>
           <a:p>
-            <a:pPr algn="r"/>
-            <a:r>
-              <a:rPr lang="fr-CH" sz="2400" dirty="0">
+            <a:r>
+              <a:rPr lang="fr-CH" sz="2400" b="1" dirty="0">
+                <a:solidFill>
+                  <a:srgbClr val="B6CABF"/>
+                </a:solidFill>
                 <a:latin typeface="Tahoma" panose="020B0604030504040204" pitchFamily="34" charset="0"/>
                 <a:ea typeface="Tahoma" panose="020B0604030504040204" pitchFamily="34" charset="0"/>
                 <a:cs typeface="Tahoma" panose="020B0604030504040204" pitchFamily="34" charset="0"/>
@@ -5846,17 +5852,15 @@
         </p:nvSpPr>
         <p:spPr>
           <a:xfrm>
-            <a:off x="261764" y="2984357"/>
-            <a:ext cx="5256584" cy="2308324"/>
+            <a:off x="261764" y="3460120"/>
+            <a:ext cx="5256584" cy="2677656"/>
           </a:xfrm>
           <a:prstGeom prst="rect">
             <a:avLst/>
           </a:prstGeom>
           <a:noFill/>
           <a:ln>
-            <a:solidFill>
-              <a:schemeClr val="bg2"/>
-            </a:solidFill>
+            <a:noFill/>
           </a:ln>
         </p:spPr>
         <p:txBody>
@@ -5866,7 +5870,10 @@
           <a:lstStyle/>
           <a:p>
             <a:r>
-              <a:rPr lang="fr-CH" sz="2400" dirty="0">
+              <a:rPr lang="fr-CH" sz="2400" b="1" dirty="0">
+                <a:solidFill>
+                  <a:srgbClr val="B6CABF"/>
+                </a:solidFill>
                 <a:latin typeface="Tahoma" panose="020B0604030504040204" pitchFamily="34" charset="0"/>
                 <a:ea typeface="Tahoma" panose="020B0604030504040204" pitchFamily="34" charset="0"/>
                 <a:cs typeface="Tahoma" panose="020B0604030504040204" pitchFamily="34" charset="0"/>
@@ -5876,6 +5883,62 @@
           </a:p>
         </p:txBody>
       </p:sp>
+      <p:pic>
+        <p:nvPicPr>
+          <p:cNvPr id="3" name="Image 2" descr="Une image contenant imprimante, équipement électronique&#10;&#10;Description générée automatiquement">
+            <a:extLst>
+              <a:ext uri="{FF2B5EF4-FFF2-40B4-BE49-F238E27FC236}">
+                <a16:creationId xmlns:a16="http://schemas.microsoft.com/office/drawing/2014/main" id="{BCE775C7-FA37-4DCB-BE06-A0D11B44E150}"/>
+              </a:ext>
+            </a:extLst>
+          </p:cNvPr>
+          <p:cNvPicPr>
+            <a:picLocks noChangeAspect="1"/>
+          </p:cNvPicPr>
+          <p:nvPr/>
+        </p:nvPicPr>
+        <p:blipFill>
+          <a:blip r:embed="rId3" cstate="print">
+            <a:extLst>
+              <a:ext uri="{BEBA8EAE-BF5A-486C-A8C5-ECC9F3942E4B}">
+                <a14:imgProps xmlns:a14="http://schemas.microsoft.com/office/drawing/2010/main">
+                  <a14:imgLayer r:embed="rId4">
+                    <a14:imgEffect>
+                      <a14:backgroundRemoval t="10000" b="90000" l="10000" r="90000">
+                        <a14:foregroundMark x1="70651" y1="42909" x2="73055" y2="42909"/>
+                        <a14:foregroundMark x1="67412" y1="42465" x2="73122" y2="47434"/>
+                        <a14:foregroundMark x1="73122" y1="47434" x2="71452" y2="40687"/>
+                        <a14:foregroundMark x1="71452" y1="40687" x2="69115" y2="45495"/>
+                        <a14:foregroundMark x1="70651" y1="69859" x2="71619" y2="79596"/>
+                        <a14:foregroundMark x1="71619" y1="79596" x2="43639" y2="81576"/>
+                        <a14:foregroundMark x1="43639" y1="81576" x2="35192" y2="74424"/>
+                        <a14:foregroundMark x1="35192" y1="74424" x2="35693" y2="67556"/>
+                        <a14:foregroundMark x1="73055" y1="39717" x2="70417" y2="39838"/>
+                        <a14:foregroundMark x1="34958" y1="74061" x2="34725" y2="79838"/>
+                      </a14:backgroundRemoval>
+                    </a14:imgEffect>
+                  </a14:imgLayer>
+                </a14:imgProps>
+              </a:ext>
+              <a:ext uri="{28A0092B-C50C-407E-A947-70E740481C1C}">
+                <a14:useLocalDpi xmlns:a14="http://schemas.microsoft.com/office/drawing/2010/main" val="0"/>
+              </a:ext>
+            </a:extLst>
+          </a:blip>
+          <a:stretch>
+            <a:fillRect/>
+          </a:stretch>
+        </p:blipFill>
+        <p:spPr>
+          <a:xfrm>
+            <a:off x="9172306" y="1418303"/>
+            <a:ext cx="3012964" cy="2489914"/>
+          </a:xfrm>
+          <a:prstGeom prst="rect">
+            <a:avLst/>
+          </a:prstGeom>
+        </p:spPr>
+      </p:pic>
     </p:spTree>
     <p:extLst>
       <p:ext uri="{BB962C8B-B14F-4D97-AF65-F5344CB8AC3E}">
@@ -5982,7 +6045,7 @@
         </p:spPr>
         <p:txBody>
           <a:bodyPr rtlCol="0">
-            <a:normAutofit lnSpcReduction="10000"/>
+            <a:normAutofit fontScale="92500" lnSpcReduction="10000"/>
           </a:bodyPr>
           <a:lstStyle/>
           <a:p>
@@ -6106,7 +6169,21 @@
                 <a:ea typeface="Tahoma" panose="020B0604030504040204" pitchFamily="34" charset="0"/>
                 <a:cs typeface="Tahoma" panose="020B0604030504040204" pitchFamily="34" charset="0"/>
               </a:rPr>
-              <a:t>Différence entre serveur d'impression et imprimante réseau standard</a:t>
+              <a:t>Différence entre serveur d'impression et </a:t>
+            </a:r>
+          </a:p>
+          <a:p>
+            <a:pPr lvl="1"/>
+            <a:r>
+              <a:rPr lang="fr-CH" b="1" dirty="0">
+                <a:solidFill>
+                  <a:srgbClr val="87A896"/>
+                </a:solidFill>
+                <a:latin typeface="Tahoma" panose="020B0604030504040204" pitchFamily="34" charset="0"/>
+                <a:ea typeface="Tahoma" panose="020B0604030504040204" pitchFamily="34" charset="0"/>
+                <a:cs typeface="Tahoma" panose="020B0604030504040204" pitchFamily="34" charset="0"/>
+              </a:rPr>
+              <a:t>imprimante réseau standard</a:t>
             </a:r>
           </a:p>
           <a:p>
@@ -6125,6 +6202,69 @@
           </a:p>
         </p:txBody>
       </p:sp>
+      <p:pic>
+        <p:nvPicPr>
+          <p:cNvPr id="3" name="Image 2">
+            <a:extLst>
+              <a:ext uri="{FF2B5EF4-FFF2-40B4-BE49-F238E27FC236}">
+                <a16:creationId xmlns:a16="http://schemas.microsoft.com/office/drawing/2014/main" id="{93B0A02E-2E2F-48C2-9ED6-C7A578B9D48E}"/>
+              </a:ext>
+            </a:extLst>
+          </p:cNvPr>
+          <p:cNvPicPr>
+            <a:picLocks noChangeAspect="1"/>
+          </p:cNvPicPr>
+          <p:nvPr/>
+        </p:nvPicPr>
+        <p:blipFill>
+          <a:blip r:embed="rId3">
+            <a:extLst>
+              <a:ext uri="{BEBA8EAE-BF5A-486C-A8C5-ECC9F3942E4B}">
+                <a14:imgProps xmlns:a14="http://schemas.microsoft.com/office/drawing/2010/main">
+                  <a14:imgLayer r:embed="rId4">
+                    <a14:imgEffect>
+                      <a14:backgroundRemoval t="9966" b="89865" l="10000" r="90676">
+                        <a14:foregroundMark x1="41081" y1="37838" x2="45000" y2="42905"/>
+                        <a14:foregroundMark x1="89730" y1="61149" x2="90676" y2="72804"/>
+                        <a14:foregroundMark x1="57568" y1="57601" x2="60946" y2="56757"/>
+                        <a14:foregroundMark x1="68919" y1="26182" x2="58243" y2="29223"/>
+                        <a14:foregroundMark x1="20811" y1="20101" x2="21622" y2="19257"/>
+                        <a14:foregroundMark x1="19324" y1="11655" x2="20270" y2="12331"/>
+                        <a14:foregroundMark x1="21081" y1="79561" x2="16351" y2="67061"/>
+                        <a14:foregroundMark x1="16351" y1="67061" x2="18378" y2="60811"/>
+                        <a14:foregroundMark x1="25676" y1="23480" x2="20946" y2="25338"/>
+                        <a14:foregroundMark x1="20946" y1="80912" x2="14054" y2="71959"/>
+                        <a14:foregroundMark x1="14054" y1="71959" x2="15135" y2="70946"/>
+                        <a14:backgroundMark x1="83054" y1="19764" x2="82973" y2="20270"/>
+                        <a14:backgroundMark x1="83514" y1="16892" x2="83054" y2="19764"/>
+                        <a14:backgroundMark x1="77703" y1="9291" x2="85000" y2="15709"/>
+                        <a14:backgroundMark x1="85000" y1="15709" x2="79730" y2="11486"/>
+                        <a14:backgroundMark x1="79730" y1="14527" x2="82162" y2="17568"/>
+                        <a14:backgroundMark x1="81622" y1="19257" x2="83108" y2="20946"/>
+                      </a14:backgroundRemoval>
+                    </a14:imgEffect>
+                  </a14:imgLayer>
+                </a14:imgProps>
+              </a:ext>
+              <a:ext uri="{28A0092B-C50C-407E-A947-70E740481C1C}">
+                <a14:useLocalDpi xmlns:a14="http://schemas.microsoft.com/office/drawing/2010/main" val="0"/>
+              </a:ext>
+            </a:extLst>
+          </a:blip>
+          <a:stretch>
+            <a:fillRect/>
+          </a:stretch>
+        </p:blipFill>
+        <p:spPr>
+          <a:xfrm>
+            <a:off x="5905774" y="1268760"/>
+            <a:ext cx="5959579" cy="4767663"/>
+          </a:xfrm>
+          <a:prstGeom prst="rect">
+            <a:avLst/>
+          </a:prstGeom>
+        </p:spPr>
+      </p:pic>
     </p:spTree>
     <p:extLst>
       <p:ext uri="{BB962C8B-B14F-4D97-AF65-F5344CB8AC3E}">
@@ -6135,12 +6275,16 @@
   <p:clrMapOvr>
     <a:masterClrMapping/>
   </p:clrMapOvr>
-  <mc:AlternateContent xmlns:mc="http://schemas.openxmlformats.org/markup-compatibility/2006" xmlns:p14="http://schemas.microsoft.com/office/powerpoint/2010/main">
-    <mc:Choice Requires="p14">
-      <p:transition p14:dur="10"/>
+  <mc:AlternateContent xmlns:mc="http://schemas.openxmlformats.org/markup-compatibility/2006">
+    <mc:Choice xmlns:p14="http://schemas.microsoft.com/office/powerpoint/2010/main" Requires="p14">
+      <p:transition spd="med" p14:dur="700">
+        <p:fade/>
+      </p:transition>
     </mc:Choice>
-    <mc:Fallback xmlns="">
-      <p:transition/>
+    <mc:Fallback>
+      <p:transition spd="med">
+        <p:fade/>
+      </p:transition>
     </mc:Fallback>
   </mc:AlternateContent>
 </p:sld>
@@ -6407,17 +6551,15 @@
         </p:nvSpPr>
         <p:spPr>
           <a:xfrm>
-            <a:off x="4510236" y="2592628"/>
-            <a:ext cx="6552728" cy="2862322"/>
+            <a:off x="4510236" y="2284854"/>
+            <a:ext cx="6552728" cy="3477875"/>
           </a:xfrm>
           <a:prstGeom prst="rect">
             <a:avLst/>
           </a:prstGeom>
           <a:noFill/>
           <a:ln>
-            <a:solidFill>
-              <a:schemeClr val="bg2"/>
-            </a:solidFill>
+            <a:noFill/>
           </a:ln>
         </p:spPr>
         <p:txBody>
@@ -6432,7 +6574,10 @@
               </a:tabLst>
             </a:pPr>
             <a:r>
-              <a:rPr lang="fr-CH" dirty="0">
+              <a:rPr lang="fr-CH" sz="2000" b="1" dirty="0">
+                <a:solidFill>
+                  <a:srgbClr val="B6CABF"/>
+                </a:solidFill>
                 <a:latin typeface="Tahoma" panose="020B0604030504040204" pitchFamily="34" charset="0"/>
                 <a:ea typeface="Tahoma" panose="020B0604030504040204" pitchFamily="34" charset="0"/>
                 <a:cs typeface="Tahoma" panose="020B0604030504040204" pitchFamily="34" charset="0"/>
@@ -6442,7 +6587,10 @@
           </a:p>
           <a:p>
             <a:pPr algn="ctr"/>
-            <a:endParaRPr lang="fr-CH" dirty="0">
+            <a:endParaRPr lang="fr-CH" sz="2000" b="1" dirty="0">
+              <a:solidFill>
+                <a:srgbClr val="B6CABF"/>
+              </a:solidFill>
               <a:latin typeface="Tahoma" panose="020B0604030504040204" pitchFamily="34" charset="0"/>
               <a:ea typeface="Tahoma" panose="020B0604030504040204" pitchFamily="34" charset="0"/>
               <a:cs typeface="Tahoma" panose="020B0604030504040204" pitchFamily="34" charset="0"/>
@@ -6451,7 +6599,10 @@
           <a:p>
             <a:pPr algn="ctr"/>
             <a:r>
-              <a:rPr lang="fr-CH" dirty="0">
+              <a:rPr lang="fr-CH" sz="2000" b="1" dirty="0">
+                <a:solidFill>
+                  <a:srgbClr val="B6CABF"/>
+                </a:solidFill>
                 <a:latin typeface="Tahoma" panose="020B0604030504040204" pitchFamily="34" charset="0"/>
                 <a:ea typeface="Tahoma" panose="020B0604030504040204" pitchFamily="34" charset="0"/>
                 <a:cs typeface="Tahoma" panose="020B0604030504040204" pitchFamily="34" charset="0"/>
@@ -6461,7 +6612,10 @@
           </a:p>
           <a:p>
             <a:pPr algn="ctr"/>
-            <a:endParaRPr lang="fr-CH" dirty="0">
+            <a:endParaRPr lang="fr-CH" sz="2000" b="1" dirty="0">
+              <a:solidFill>
+                <a:srgbClr val="B6CABF"/>
+              </a:solidFill>
               <a:latin typeface="Tahoma" panose="020B0604030504040204" pitchFamily="34" charset="0"/>
               <a:ea typeface="Tahoma" panose="020B0604030504040204" pitchFamily="34" charset="0"/>
               <a:cs typeface="Tahoma" panose="020B0604030504040204" pitchFamily="34" charset="0"/>
@@ -6470,18 +6624,16 @@
           <a:p>
             <a:pPr algn="ctr"/>
             <a:r>
-              <a:rPr lang="fr-CH" dirty="0">
+              <a:rPr lang="fr-CH" sz="2000" b="1" dirty="0">
+                <a:solidFill>
+                  <a:srgbClr val="B6CABF"/>
+                </a:solidFill>
                 <a:latin typeface="Tahoma" panose="020B0604030504040204" pitchFamily="34" charset="0"/>
                 <a:ea typeface="Tahoma" panose="020B0604030504040204" pitchFamily="34" charset="0"/>
                 <a:cs typeface="Tahoma" panose="020B0604030504040204" pitchFamily="34" charset="0"/>
               </a:rPr>
-              <a:t>Ces restrictions sont infranchissables et doivent être respectées. Elles sont respectées et sont représentés par des droits NTFS.</a:t>
-            </a:r>
-            <a:endParaRPr lang="fr-CH" b="1" dirty="0">
-              <a:latin typeface="Tahoma" panose="020B0604030504040204" pitchFamily="34" charset="0"/>
-              <a:ea typeface="Tahoma" panose="020B0604030504040204" pitchFamily="34" charset="0"/>
-              <a:cs typeface="Tahoma" panose="020B0604030504040204" pitchFamily="34" charset="0"/>
-            </a:endParaRPr>
+              <a:t>Restrictions infranchissables et doivent être respectées. Respectées et représentés par des droits NTFS.</a:t>
+            </a:r>
           </a:p>
         </p:txBody>
       </p:sp>
@@ -6657,9 +6809,7 @@
           </a:prstGeom>
           <a:noFill/>
           <a:ln>
-            <a:solidFill>
-              <a:schemeClr val="bg2"/>
-            </a:solidFill>
+            <a:noFill/>
           </a:ln>
         </p:spPr>
         <p:txBody>
@@ -6670,7 +6820,10 @@
           <a:p>
             <a:pPr algn="ctr"/>
             <a:r>
-              <a:rPr lang="fr-CH" sz="2800" dirty="0">
+              <a:rPr lang="fr-CH" sz="2800" b="1" u="sng" dirty="0">
+                <a:solidFill>
+                  <a:srgbClr val="B6CABF"/>
+                </a:solidFill>
                 <a:latin typeface="Tahoma" panose="020B0604030504040204" pitchFamily="34" charset="0"/>
                 <a:ea typeface="Tahoma" panose="020B0604030504040204" pitchFamily="34" charset="0"/>
                 <a:cs typeface="Tahoma" panose="020B0604030504040204" pitchFamily="34" charset="0"/>
@@ -6694,17 +6847,15 @@
         </p:nvSpPr>
         <p:spPr>
           <a:xfrm>
-            <a:off x="261763" y="2668270"/>
-            <a:ext cx="5472609" cy="3416320"/>
+            <a:off x="261763" y="2483604"/>
+            <a:ext cx="5472609" cy="3785652"/>
           </a:xfrm>
           <a:prstGeom prst="rect">
             <a:avLst/>
           </a:prstGeom>
           <a:noFill/>
           <a:ln>
-            <a:solidFill>
-              <a:schemeClr val="bg2"/>
-            </a:solidFill>
+            <a:noFill/>
           </a:ln>
         </p:spPr>
         <p:txBody>
@@ -6714,7 +6865,10 @@
           <a:lstStyle/>
           <a:p>
             <a:r>
-              <a:rPr lang="fr-CH" sz="2400" dirty="0">
+              <a:rPr lang="fr-CH" sz="2400" b="1" dirty="0">
+                <a:solidFill>
+                  <a:srgbClr val="B6CABF"/>
+                </a:solidFill>
                 <a:latin typeface="Tahoma" panose="020B0604030504040204" pitchFamily="34" charset="0"/>
                 <a:ea typeface="Tahoma" panose="020B0604030504040204" pitchFamily="34" charset="0"/>
                 <a:cs typeface="Tahoma" panose="020B0604030504040204" pitchFamily="34" charset="0"/>
@@ -6728,7 +6882,10 @@
               <a:buChar char="-"/>
             </a:pPr>
             <a:r>
-              <a:rPr lang="fr-CH" sz="2400" dirty="0">
+              <a:rPr lang="fr-CH" sz="2400" b="1" dirty="0">
+                <a:solidFill>
+                  <a:srgbClr val="B6CABF"/>
+                </a:solidFill>
                 <a:latin typeface="Tahoma" panose="020B0604030504040204" pitchFamily="34" charset="0"/>
                 <a:ea typeface="Tahoma" panose="020B0604030504040204" pitchFamily="34" charset="0"/>
                 <a:cs typeface="Tahoma" panose="020B0604030504040204" pitchFamily="34" charset="0"/>
@@ -6742,7 +6899,10 @@
               <a:buChar char="-"/>
             </a:pPr>
             <a:r>
-              <a:rPr lang="fr-CH" sz="2400" dirty="0">
+              <a:rPr lang="fr-CH" sz="2400" b="1" dirty="0">
+                <a:solidFill>
+                  <a:srgbClr val="B6CABF"/>
+                </a:solidFill>
                 <a:latin typeface="Tahoma" panose="020B0604030504040204" pitchFamily="34" charset="0"/>
                 <a:ea typeface="Tahoma" panose="020B0604030504040204" pitchFamily="34" charset="0"/>
                 <a:cs typeface="Tahoma" panose="020B0604030504040204" pitchFamily="34" charset="0"/>
@@ -6756,7 +6916,10 @@
               <a:buChar char="-"/>
             </a:pPr>
             <a:r>
-              <a:rPr lang="fr-CH" sz="2400" dirty="0">
+              <a:rPr lang="fr-CH" sz="2400" b="1" dirty="0">
+                <a:solidFill>
+                  <a:srgbClr val="B6CABF"/>
+                </a:solidFill>
                 <a:latin typeface="Tahoma" panose="020B0604030504040204" pitchFamily="34" charset="0"/>
                 <a:ea typeface="Tahoma" panose="020B0604030504040204" pitchFamily="34" charset="0"/>
                 <a:cs typeface="Tahoma" panose="020B0604030504040204" pitchFamily="34" charset="0"/>
@@ -6769,7 +6932,10 @@
               <a:buFontTx/>
               <a:buChar char="-"/>
             </a:pPr>
-            <a:endParaRPr lang="fr-CH" sz="2400" dirty="0">
+            <a:endParaRPr lang="fr-CH" sz="2400" b="1" dirty="0">
+              <a:solidFill>
+                <a:srgbClr val="B6CABF"/>
+              </a:solidFill>
               <a:latin typeface="Tahoma" panose="020B0604030504040204" pitchFamily="34" charset="0"/>
               <a:ea typeface="Tahoma" panose="020B0604030504040204" pitchFamily="34" charset="0"/>
               <a:cs typeface="Tahoma" panose="020B0604030504040204" pitchFamily="34" charset="0"/>
@@ -6983,9 +7149,7 @@
           </a:prstGeom>
           <a:noFill/>
           <a:ln>
-            <a:solidFill>
-              <a:schemeClr val="bg2"/>
-            </a:solidFill>
+            <a:noFill/>
           </a:ln>
         </p:spPr>
         <p:txBody>
@@ -6996,7 +7160,10 @@
           <a:p>
             <a:pPr algn="ctr"/>
             <a:r>
-              <a:rPr lang="fr-CH" sz="2800" dirty="0">
+              <a:rPr lang="fr-CH" sz="2800" b="1" u="sng" dirty="0">
+                <a:solidFill>
+                  <a:srgbClr val="B6CABF"/>
+                </a:solidFill>
                 <a:latin typeface="Tahoma" panose="020B0604030504040204" pitchFamily="34" charset="0"/>
                 <a:ea typeface="Tahoma" panose="020B0604030504040204" pitchFamily="34" charset="0"/>
                 <a:cs typeface="Tahoma" panose="020B0604030504040204" pitchFamily="34" charset="0"/>
@@ -7028,8 +7195,8 @@
         </p:blipFill>
         <p:spPr>
           <a:xfrm>
-            <a:off x="6179910" y="3284984"/>
-            <a:ext cx="5589644" cy="1519152"/>
+            <a:off x="6742484" y="3789040"/>
+            <a:ext cx="4811046" cy="1519152"/>
           </a:xfrm>
           <a:prstGeom prst="rect">
             <a:avLst/>
@@ -7050,17 +7217,15 @@
         </p:nvSpPr>
         <p:spPr>
           <a:xfrm>
-            <a:off x="283772" y="2603594"/>
-            <a:ext cx="5472609" cy="1200329"/>
+            <a:off x="117748" y="2996952"/>
+            <a:ext cx="5589644" cy="2677656"/>
           </a:xfrm>
           <a:prstGeom prst="rect">
             <a:avLst/>
           </a:prstGeom>
           <a:noFill/>
           <a:ln>
-            <a:solidFill>
-              <a:schemeClr val="bg2"/>
-            </a:solidFill>
+            <a:noFill/>
           </a:ln>
         </p:spPr>
         <p:txBody>
@@ -7069,17 +7234,50 @@
           </a:bodyPr>
           <a:lstStyle/>
           <a:p>
-            <a:r>
-              <a:rPr lang="fr-CH" sz="2400" dirty="0">
+            <a:pPr marL="342900" indent="-342900" defTabSz="893763">
+              <a:buFontTx/>
+              <a:buChar char="-"/>
+              <a:tabLst>
+                <a:tab pos="182563" algn="l"/>
+              </a:tabLst>
+            </a:pPr>
+            <a:r>
+              <a:rPr lang="fr-CH" sz="2400" b="1" dirty="0">
+                <a:solidFill>
+                  <a:srgbClr val="B6CABF"/>
+                </a:solidFill>
                 <a:latin typeface="Tahoma" panose="020B0604030504040204" pitchFamily="34" charset="0"/>
                 <a:ea typeface="Tahoma" panose="020B0604030504040204" pitchFamily="34" charset="0"/>
                 <a:cs typeface="Tahoma" panose="020B0604030504040204" pitchFamily="34" charset="0"/>
               </a:rPr>
-              <a:t>- Fonctionnalité disponible uniquement chez Windows.</a:t>
-            </a:r>
-          </a:p>
-          <a:p>
-            <a:endParaRPr lang="fr-CH" sz="2400" dirty="0">
+              <a:t>Fonctionnalité courant notamment chez Windows.</a:t>
+            </a:r>
+          </a:p>
+          <a:p>
+            <a:pPr marL="342900" indent="-342900" defTabSz="893763">
+              <a:buFontTx/>
+              <a:buChar char="-"/>
+              <a:tabLst>
+                <a:tab pos="182563" algn="l"/>
+              </a:tabLst>
+            </a:pPr>
+            <a:r>
+              <a:rPr lang="fr-CH" sz="2400" b="1" dirty="0">
+                <a:solidFill>
+                  <a:srgbClr val="B6CABF"/>
+                </a:solidFill>
+                <a:latin typeface="Tahoma" panose="020B0604030504040204" pitchFamily="34" charset="0"/>
+                <a:ea typeface="Tahoma" panose="020B0604030504040204" pitchFamily="34" charset="0"/>
+                <a:cs typeface="Tahoma" panose="020B0604030504040204" pitchFamily="34" charset="0"/>
+              </a:rPr>
+              <a:t>Utilisation principale : Autorisations personnalisées, ressources partagées ou/et autres options de partage. </a:t>
+            </a:r>
+          </a:p>
+          <a:p>
+            <a:endParaRPr lang="fr-CH" sz="2400" b="1" dirty="0">
+              <a:solidFill>
+                <a:srgbClr val="B6CABF"/>
+              </a:solidFill>
               <a:latin typeface="Tahoma" panose="020B0604030504040204" pitchFamily="34" charset="0"/>
               <a:ea typeface="Tahoma" panose="020B0604030504040204" pitchFamily="34" charset="0"/>
               <a:cs typeface="Tahoma" panose="020B0604030504040204" pitchFamily="34" charset="0"/>
@@ -7249,17 +7447,15 @@
         </p:nvSpPr>
         <p:spPr>
           <a:xfrm>
-            <a:off x="261764" y="2924944"/>
-            <a:ext cx="4968552" cy="2677656"/>
+            <a:off x="261764" y="2740278"/>
+            <a:ext cx="4968552" cy="3046988"/>
           </a:xfrm>
           <a:prstGeom prst="rect">
             <a:avLst/>
           </a:prstGeom>
           <a:noFill/>
           <a:ln>
-            <a:solidFill>
-              <a:schemeClr val="bg2"/>
-            </a:solidFill>
+            <a:noFill/>
           </a:ln>
         </p:spPr>
         <p:txBody>
@@ -7270,7 +7466,10 @@
           <a:p>
             <a:pPr algn="ctr"/>
             <a:r>
-              <a:rPr lang="fr-CH" sz="2400" dirty="0">
+              <a:rPr lang="fr-CH" sz="2400" b="1" dirty="0">
+                <a:solidFill>
+                  <a:srgbClr val="B6CABF"/>
+                </a:solidFill>
                 <a:latin typeface="Tahoma" panose="020B0604030504040204" pitchFamily="34" charset="0"/>
                 <a:ea typeface="Tahoma" panose="020B0604030504040204" pitchFamily="34" charset="0"/>
                 <a:cs typeface="Tahoma" panose="020B0604030504040204" pitchFamily="34" charset="0"/>
@@ -7296,9 +7495,7 @@
           </a:prstGeom>
           <a:noFill/>
           <a:ln>
-            <a:solidFill>
-              <a:schemeClr val="bg2"/>
-            </a:solidFill>
+            <a:noFill/>
           </a:ln>
         </p:spPr>
         <p:txBody>
@@ -7309,12 +7506,15 @@
           <a:p>
             <a:pPr algn="ctr"/>
             <a:r>
-              <a:rPr lang="fr-CH" sz="2800" u="sng" dirty="0">
+              <a:rPr lang="fr-CH" sz="2800" b="1" u="sng" dirty="0">
+                <a:solidFill>
+                  <a:srgbClr val="B6CABF"/>
+                </a:solidFill>
                 <a:latin typeface="Tahoma" panose="020B0604030504040204" pitchFamily="34" charset="0"/>
                 <a:ea typeface="Tahoma" panose="020B0604030504040204" pitchFamily="34" charset="0"/>
                 <a:cs typeface="Tahoma" panose="020B0604030504040204" pitchFamily="34" charset="0"/>
               </a:rPr>
-              <a:t>Type d’autorisation</a:t>
+              <a:t>TYPE D’AUTORISATIONS</a:t>
             </a:r>
           </a:p>
         </p:txBody>
@@ -7527,7 +7727,7 @@
         </p:nvSpPr>
         <p:spPr>
           <a:xfrm>
-            <a:off x="261764" y="2852936"/>
+            <a:off x="477788" y="2996952"/>
             <a:ext cx="4968552" cy="2677656"/>
           </a:xfrm>
           <a:prstGeom prst="rect">
@@ -7535,9 +7735,7 @@
           </a:prstGeom>
           <a:noFill/>
           <a:ln>
-            <a:solidFill>
-              <a:schemeClr val="bg2"/>
-            </a:solidFill>
+            <a:noFill/>
           </a:ln>
         </p:spPr>
         <p:txBody>
@@ -7548,7 +7746,10 @@
           <a:p>
             <a:pPr algn="ctr"/>
             <a:r>
-              <a:rPr lang="fr-CH" sz="2400" dirty="0">
+              <a:rPr lang="fr-CH" sz="2400" b="1" dirty="0">
+                <a:solidFill>
+                  <a:srgbClr val="B6CABF"/>
+                </a:solidFill>
                 <a:latin typeface="Tahoma" panose="020B0604030504040204" pitchFamily="34" charset="0"/>
                 <a:ea typeface="Tahoma" panose="020B0604030504040204" pitchFamily="34" charset="0"/>
                 <a:cs typeface="Tahoma" panose="020B0604030504040204" pitchFamily="34" charset="0"/>
@@ -7559,7 +7760,10 @@
           <a:p>
             <a:pPr algn="ctr"/>
             <a:r>
-              <a:rPr lang="fr-CH" sz="2400" dirty="0">
+              <a:rPr lang="fr-CH" sz="2400" b="1" dirty="0">
+                <a:solidFill>
+                  <a:srgbClr val="B6CABF"/>
+                </a:solidFill>
                 <a:latin typeface="Tahoma" panose="020B0604030504040204" pitchFamily="34" charset="0"/>
                 <a:ea typeface="Tahoma" panose="020B0604030504040204" pitchFamily="34" charset="0"/>
                 <a:cs typeface="Tahoma" panose="020B0604030504040204" pitchFamily="34" charset="0"/>
@@ -7570,7 +7774,10 @@
           <a:p>
             <a:pPr algn="ctr"/>
             <a:r>
-              <a:rPr lang="fr-CH" sz="2400" dirty="0">
+              <a:rPr lang="fr-CH" sz="2400" b="1" dirty="0">
+                <a:solidFill>
+                  <a:srgbClr val="B6CABF"/>
+                </a:solidFill>
                 <a:latin typeface="Tahoma" panose="020B0604030504040204" pitchFamily="34" charset="0"/>
                 <a:ea typeface="Tahoma" panose="020B0604030504040204" pitchFamily="34" charset="0"/>
                 <a:cs typeface="Tahoma" panose="020B0604030504040204" pitchFamily="34" charset="0"/>
@@ -7588,7 +7795,7 @@
         </p:nvSpPr>
         <p:spPr>
           <a:xfrm>
-            <a:off x="261764" y="1988840"/>
+            <a:off x="477788" y="2132856"/>
             <a:ext cx="4968552" cy="523220"/>
           </a:xfrm>
           <a:prstGeom prst="rect">
@@ -7596,9 +7803,7 @@
           </a:prstGeom>
           <a:noFill/>
           <a:ln>
-            <a:solidFill>
-              <a:schemeClr val="bg2"/>
-            </a:solidFill>
+            <a:noFill/>
           </a:ln>
         </p:spPr>
         <p:txBody>
@@ -7609,12 +7814,15 @@
           <a:p>
             <a:pPr algn="ctr"/>
             <a:r>
-              <a:rPr lang="fr-CH" sz="2800" u="sng" dirty="0">
+              <a:rPr lang="fr-CH" sz="2800" b="1" u="sng" dirty="0">
+                <a:solidFill>
+                  <a:srgbClr val="B6CABF"/>
+                </a:solidFill>
                 <a:latin typeface="Tahoma" panose="020B0604030504040204" pitchFamily="34" charset="0"/>
                 <a:ea typeface="Tahoma" panose="020B0604030504040204" pitchFamily="34" charset="0"/>
                 <a:cs typeface="Tahoma" panose="020B0604030504040204" pitchFamily="34" charset="0"/>
               </a:rPr>
-              <a:t>Instructions NTFS</a:t>
+              <a:t>INSTRUCTIONS NTFS</a:t>
             </a:r>
           </a:p>
         </p:txBody>
@@ -8612,14 +8820,12 @@
 </file>
 
 <file path=customXml/item1.xml><?xml version="1.0" encoding="utf-8"?>
-<p:properties xmlns:p="http://schemas.microsoft.com/office/2006/metadata/properties" xmlns:xsi="http://www.w3.org/2001/XMLSchema-instance" xmlns:pc="http://schemas.microsoft.com/office/infopath/2007/PartnerControls">
-  <documentManagement>
-    <VSO_x0020_item_x0020_id xmlns="40262f94-9f35-4ac3-9a90-690165a166b7" xsi:nil="true"/>
-    <Assetid_x0020_ xmlns="40262f94-9f35-4ac3-9a90-690165a166b7" xsi:nil="true"/>
-    <Item_x0020_Details xmlns="40262f94-9f35-4ac3-9a90-690165a166b7" xsi:nil="true"/>
-    <Template_x0020_details xmlns="40262f94-9f35-4ac3-9a90-690165a166b7" xsi:nil="true"/>
-  </documentManagement>
-</p:properties>
+<?mso-contentType ?>
+<FormTemplates xmlns="http://schemas.microsoft.com/sharepoint/v3/contenttype/forms">
+  <Display>DocumentLibraryForm</Display>
+  <Edit>DocumentLibraryForm</Edit>
+  <New>DocumentLibraryForm</New>
+</FormTemplates>
 </file>
 
 <file path=customXml/item2.xml><?xml version="1.0" encoding="utf-8"?>
@@ -8804,27 +9010,20 @@
 </file>
 
 <file path=customXml/item3.xml><?xml version="1.0" encoding="utf-8"?>
-<?mso-contentType ?>
-<FormTemplates xmlns="http://schemas.microsoft.com/sharepoint/v3/contenttype/forms">
-  <Display>DocumentLibraryForm</Display>
-  <Edit>DocumentLibraryForm</Edit>
-  <New>DocumentLibraryForm</New>
-</FormTemplates>
+<p:properties xmlns:p="http://schemas.microsoft.com/office/2006/metadata/properties" xmlns:xsi="http://www.w3.org/2001/XMLSchema-instance" xmlns:pc="http://schemas.microsoft.com/office/infopath/2007/PartnerControls">
+  <documentManagement>
+    <VSO_x0020_item_x0020_id xmlns="40262f94-9f35-4ac3-9a90-690165a166b7" xsi:nil="true"/>
+    <Assetid_x0020_ xmlns="40262f94-9f35-4ac3-9a90-690165a166b7" xsi:nil="true"/>
+    <Item_x0020_Details xmlns="40262f94-9f35-4ac3-9a90-690165a166b7" xsi:nil="true"/>
+    <Template_x0020_details xmlns="40262f94-9f35-4ac3-9a90-690165a166b7" xsi:nil="true"/>
+  </documentManagement>
+</p:properties>
 </file>
 
 <file path=customXml/itemProps1.xml><?xml version="1.0" encoding="utf-8"?>
-<ds:datastoreItem xmlns:ds="http://schemas.openxmlformats.org/officeDocument/2006/customXml" ds:itemID="{3049C11C-71DC-49B6-ACD8-27E3AE088D14}">
+<ds:datastoreItem xmlns:ds="http://schemas.openxmlformats.org/officeDocument/2006/customXml" ds:itemID="{0875BD71-4A33-4FB7-88CA-777C4D9E6EE5}">
   <ds:schemaRefs>
-    <ds:schemaRef ds:uri="http://purl.org/dc/terms/"/>
-    <ds:schemaRef ds:uri="http://schemas.openxmlformats.org/package/2006/metadata/core-properties"/>
-    <ds:schemaRef ds:uri="http://purl.org/dc/dcmitype/"/>
-    <ds:schemaRef ds:uri="http://schemas.microsoft.com/office/infopath/2007/PartnerControls"/>
-    <ds:schemaRef ds:uri="http://purl.org/dc/elements/1.1/"/>
-    <ds:schemaRef ds:uri="http://schemas.microsoft.com/office/2006/metadata/properties"/>
-    <ds:schemaRef ds:uri="http://schemas.microsoft.com/office/2006/documentManagement/types"/>
-    <ds:schemaRef ds:uri="40262f94-9f35-4ac3-9a90-690165a166b7"/>
-    <ds:schemaRef ds:uri="a4f35948-e619-41b3-aa29-22878b09cfd2"/>
-    <ds:schemaRef ds:uri="http://www.w3.org/XML/1998/namespace"/>
+    <ds:schemaRef ds:uri="http://schemas.microsoft.com/sharepoint/v3/contenttype/forms"/>
   </ds:schemaRefs>
 </ds:datastoreItem>
 </file>
@@ -8849,9 +9048,18 @@
 </file>
 
 <file path=customXml/itemProps3.xml><?xml version="1.0" encoding="utf-8"?>
-<ds:datastoreItem xmlns:ds="http://schemas.openxmlformats.org/officeDocument/2006/customXml" ds:itemID="{0875BD71-4A33-4FB7-88CA-777C4D9E6EE5}">
+<ds:datastoreItem xmlns:ds="http://schemas.openxmlformats.org/officeDocument/2006/customXml" ds:itemID="{3049C11C-71DC-49B6-ACD8-27E3AE088D14}">
   <ds:schemaRefs>
-    <ds:schemaRef ds:uri="http://schemas.microsoft.com/sharepoint/v3/contenttype/forms"/>
+    <ds:schemaRef ds:uri="http://purl.org/dc/terms/"/>
+    <ds:schemaRef ds:uri="http://schemas.openxmlformats.org/package/2006/metadata/core-properties"/>
+    <ds:schemaRef ds:uri="http://purl.org/dc/dcmitype/"/>
+    <ds:schemaRef ds:uri="http://schemas.microsoft.com/office/infopath/2007/PartnerControls"/>
+    <ds:schemaRef ds:uri="http://purl.org/dc/elements/1.1/"/>
+    <ds:schemaRef ds:uri="http://schemas.microsoft.com/office/2006/metadata/properties"/>
+    <ds:schemaRef ds:uri="http://schemas.microsoft.com/office/2006/documentManagement/types"/>
+    <ds:schemaRef ds:uri="40262f94-9f35-4ac3-9a90-690165a166b7"/>
+    <ds:schemaRef ds:uri="a4f35948-e619-41b3-aa29-22878b09cfd2"/>
+    <ds:schemaRef ds:uri="http://www.w3.org/XML/1998/namespace"/>
   </ds:schemaRefs>
 </ds:datastoreItem>
 </file>
--- a/SERVEUR ET FICHIERS D’IMPRESSION.pptx
+++ b/SERVEUR ET FICHIERS D’IMPRESSION.pptx
@@ -330,7 +330,7 @@
             <a:pPr rtl="0"/>
             <a:fld id="{1BF5C993-8495-4216-89A4-42CD5FDDBACA}" type="datetime1">
               <a:rPr lang="fr-FR" smtClean="0"/>
-              <a:t>27/04/2022</a:t>
+              <a:t>11/05/2022</a:t>
             </a:fld>
             <a:endParaRPr lang="fr-FR" dirty="0"/>
           </a:p>
@@ -500,7 +500,7 @@
             <a:pPr rtl="0"/>
             <a:fld id="{2C0862E7-FD40-4D3D-ACE4-67E006776546}" type="datetime1">
               <a:rPr lang="fr-FR" noProof="0" smtClean="0"/>
-              <a:t>27/04/2022</a:t>
+              <a:t>11/05/2022</a:t>
             </a:fld>
             <a:endParaRPr lang="fr-FR" noProof="0" dirty="0"/>
           </a:p>
@@ -1888,7 +1888,7 @@
             <a:fld id="{B88C40BB-4737-4D39-9F3C-F0B9A14C804A}" type="datetime1">
               <a:rPr lang="fr-FR" smtClean="0"/>
               <a:pPr/>
-              <a:t>27/04/2022</a:t>
+              <a:t>11/05/2022</a:t>
             </a:fld>
             <a:endParaRPr lang="fr-FR" dirty="0"/>
           </a:p>
@@ -2081,7 +2081,7 @@
             <a:fld id="{B88C40BB-4737-4D39-9F3C-F0B9A14C804A}" type="datetime1">
               <a:rPr lang="fr-FR" smtClean="0"/>
               <a:pPr/>
-              <a:t>27/04/2022</a:t>
+              <a:t>11/05/2022</a:t>
             </a:fld>
             <a:endParaRPr lang="fr-FR" dirty="0"/>
           </a:p>
@@ -2284,7 +2284,7 @@
             <a:fld id="{B88C40BB-4737-4D39-9F3C-F0B9A14C804A}" type="datetime1">
               <a:rPr lang="fr-FR" smtClean="0"/>
               <a:pPr/>
-              <a:t>27/04/2022</a:t>
+              <a:t>11/05/2022</a:t>
             </a:fld>
             <a:endParaRPr lang="fr-FR" dirty="0"/>
           </a:p>
@@ -2478,7 +2478,7 @@
             <a:fld id="{B88C40BB-4737-4D39-9F3C-F0B9A14C804A}" type="datetime1">
               <a:rPr lang="fr-FR" smtClean="0"/>
               <a:pPr/>
-              <a:t>27/04/2022</a:t>
+              <a:t>11/05/2022</a:t>
             </a:fld>
             <a:endParaRPr lang="fr-FR" dirty="0"/>
           </a:p>
@@ -2749,7 +2749,7 @@
             <a:fld id="{B88C40BB-4737-4D39-9F3C-F0B9A14C804A}" type="datetime1">
               <a:rPr lang="fr-FR" smtClean="0"/>
               <a:pPr/>
-              <a:t>27/04/2022</a:t>
+              <a:t>11/05/2022</a:t>
             </a:fld>
             <a:endParaRPr lang="fr-FR" dirty="0"/>
           </a:p>
@@ -3105,7 +3105,7 @@
             <a:fld id="{B88C40BB-4737-4D39-9F3C-F0B9A14C804A}" type="datetime1">
               <a:rPr lang="fr-FR" smtClean="0"/>
               <a:pPr/>
-              <a:t>27/04/2022</a:t>
+              <a:t>11/05/2022</a:t>
             </a:fld>
             <a:endParaRPr lang="fr-FR" dirty="0"/>
           </a:p>
@@ -3697,7 +3697,7 @@
             <a:fld id="{B88C40BB-4737-4D39-9F3C-F0B9A14C804A}" type="datetime1">
               <a:rPr lang="fr-FR" smtClean="0"/>
               <a:pPr/>
-              <a:t>27/04/2022</a:t>
+              <a:t>11/05/2022</a:t>
             </a:fld>
             <a:endParaRPr lang="fr-FR" dirty="0"/>
           </a:p>
@@ -3960,7 +3960,7 @@
             <a:fld id="{B88C40BB-4737-4D39-9F3C-F0B9A14C804A}" type="datetime1">
               <a:rPr lang="fr-FR" smtClean="0"/>
               <a:pPr/>
-              <a:t>27/04/2022</a:t>
+              <a:t>11/05/2022</a:t>
             </a:fld>
             <a:endParaRPr lang="fr-FR" dirty="0"/>
           </a:p>
@@ -4069,7 +4069,7 @@
             <a:fld id="{B88C40BB-4737-4D39-9F3C-F0B9A14C804A}" type="datetime1">
               <a:rPr lang="fr-FR" smtClean="0"/>
               <a:pPr/>
-              <a:t>27/04/2022</a:t>
+              <a:t>11/05/2022</a:t>
             </a:fld>
             <a:endParaRPr lang="fr-FR" dirty="0"/>
           </a:p>
@@ -4379,7 +4379,7 @@
             <a:fld id="{B88C40BB-4737-4D39-9F3C-F0B9A14C804A}" type="datetime1">
               <a:rPr lang="fr-FR" smtClean="0"/>
               <a:pPr/>
-              <a:t>27/04/2022</a:t>
+              <a:t>11/05/2022</a:t>
             </a:fld>
             <a:endParaRPr lang="fr-FR" dirty="0"/>
           </a:p>
@@ -4680,7 +4680,7 @@
             <a:fld id="{B88C40BB-4737-4D39-9F3C-F0B9A14C804A}" type="datetime1">
               <a:rPr lang="fr-FR" smtClean="0"/>
               <a:pPr/>
-              <a:t>27/04/2022</a:t>
+              <a:t>11/05/2022</a:t>
             </a:fld>
             <a:endParaRPr lang="fr-FR" dirty="0"/>
           </a:p>
@@ -5049,7 +5049,7 @@
             <a:fld id="{B88C40BB-4737-4D39-9F3C-F0B9A14C804A}" type="datetime1">
               <a:rPr lang="fr-FR" smtClean="0"/>
               <a:pPr/>
-              <a:t>27/04/2022</a:t>
+              <a:t>11/05/2022</a:t>
             </a:fld>
             <a:endParaRPr lang="fr-FR" dirty="0"/>
           </a:p>
@@ -5558,13 +5558,13 @@
   <p:clrMapOvr>
     <a:masterClrMapping/>
   </p:clrMapOvr>
-  <mc:AlternateContent xmlns:mc="http://schemas.openxmlformats.org/markup-compatibility/2006">
-    <mc:Choice xmlns:p14="http://schemas.microsoft.com/office/powerpoint/2010/main" Requires="p14">
+  <mc:AlternateContent xmlns:mc="http://schemas.openxmlformats.org/markup-compatibility/2006" xmlns:p14="http://schemas.microsoft.com/office/powerpoint/2010/main">
+    <mc:Choice Requires="p14">
       <p:transition spd="med" p14:dur="700">
         <p:fade/>
       </p:transition>
     </mc:Choice>
-    <mc:Fallback>
+    <mc:Fallback xmlns="">
       <p:transition spd="med">
         <p:fade/>
       </p:transition>
@@ -6275,13 +6275,13 @@
   <p:clrMapOvr>
     <a:masterClrMapping/>
   </p:clrMapOvr>
-  <mc:AlternateContent xmlns:mc="http://schemas.openxmlformats.org/markup-compatibility/2006">
-    <mc:Choice xmlns:p14="http://schemas.microsoft.com/office/powerpoint/2010/main" Requires="p14">
+  <mc:AlternateContent xmlns:mc="http://schemas.openxmlformats.org/markup-compatibility/2006" xmlns:p14="http://schemas.microsoft.com/office/powerpoint/2010/main">
+    <mc:Choice Requires="p14">
       <p:transition spd="med" p14:dur="700">
         <p:fade/>
       </p:transition>
     </mc:Choice>
-    <mc:Fallback>
+    <mc:Fallback xmlns="">
       <p:transition spd="med">
         <p:fade/>
       </p:transition>
@@ -8820,12 +8820,14 @@
 </file>
 
 <file path=customXml/item1.xml><?xml version="1.0" encoding="utf-8"?>
-<?mso-contentType ?>
-<FormTemplates xmlns="http://schemas.microsoft.com/sharepoint/v3/contenttype/forms">
-  <Display>DocumentLibraryForm</Display>
-  <Edit>DocumentLibraryForm</Edit>
-  <New>DocumentLibraryForm</New>
-</FormTemplates>
+<p:properties xmlns:p="http://schemas.microsoft.com/office/2006/metadata/properties" xmlns:xsi="http://www.w3.org/2001/XMLSchema-instance" xmlns:pc="http://schemas.microsoft.com/office/infopath/2007/PartnerControls">
+  <documentManagement>
+    <VSO_x0020_item_x0020_id xmlns="40262f94-9f35-4ac3-9a90-690165a166b7" xsi:nil="true"/>
+    <Assetid_x0020_ xmlns="40262f94-9f35-4ac3-9a90-690165a166b7" xsi:nil="true"/>
+    <Item_x0020_Details xmlns="40262f94-9f35-4ac3-9a90-690165a166b7" xsi:nil="true"/>
+    <Template_x0020_details xmlns="40262f94-9f35-4ac3-9a90-690165a166b7" xsi:nil="true"/>
+  </documentManagement>
+</p:properties>
 </file>
 
 <file path=customXml/item2.xml><?xml version="1.0" encoding="utf-8"?>
@@ -9010,20 +9012,27 @@
 </file>
 
 <file path=customXml/item3.xml><?xml version="1.0" encoding="utf-8"?>
-<p:properties xmlns:p="http://schemas.microsoft.com/office/2006/metadata/properties" xmlns:xsi="http://www.w3.org/2001/XMLSchema-instance" xmlns:pc="http://schemas.microsoft.com/office/infopath/2007/PartnerControls">
-  <documentManagement>
-    <VSO_x0020_item_x0020_id xmlns="40262f94-9f35-4ac3-9a90-690165a166b7" xsi:nil="true"/>
-    <Assetid_x0020_ xmlns="40262f94-9f35-4ac3-9a90-690165a166b7" xsi:nil="true"/>
-    <Item_x0020_Details xmlns="40262f94-9f35-4ac3-9a90-690165a166b7" xsi:nil="true"/>
-    <Template_x0020_details xmlns="40262f94-9f35-4ac3-9a90-690165a166b7" xsi:nil="true"/>
-  </documentManagement>
-</p:properties>
+<?mso-contentType ?>
+<FormTemplates xmlns="http://schemas.microsoft.com/sharepoint/v3/contenttype/forms">
+  <Display>DocumentLibraryForm</Display>
+  <Edit>DocumentLibraryForm</Edit>
+  <New>DocumentLibraryForm</New>
+</FormTemplates>
 </file>
 
 <file path=customXml/itemProps1.xml><?xml version="1.0" encoding="utf-8"?>
-<ds:datastoreItem xmlns:ds="http://schemas.openxmlformats.org/officeDocument/2006/customXml" ds:itemID="{0875BD71-4A33-4FB7-88CA-777C4D9E6EE5}">
+<ds:datastoreItem xmlns:ds="http://schemas.openxmlformats.org/officeDocument/2006/customXml" ds:itemID="{3049C11C-71DC-49B6-ACD8-27E3AE088D14}">
   <ds:schemaRefs>
-    <ds:schemaRef ds:uri="http://schemas.microsoft.com/sharepoint/v3/contenttype/forms"/>
+    <ds:schemaRef ds:uri="http://purl.org/dc/terms/"/>
+    <ds:schemaRef ds:uri="http://schemas.openxmlformats.org/package/2006/metadata/core-properties"/>
+    <ds:schemaRef ds:uri="http://purl.org/dc/dcmitype/"/>
+    <ds:schemaRef ds:uri="http://schemas.microsoft.com/office/infopath/2007/PartnerControls"/>
+    <ds:schemaRef ds:uri="http://purl.org/dc/elements/1.1/"/>
+    <ds:schemaRef ds:uri="http://schemas.microsoft.com/office/2006/metadata/properties"/>
+    <ds:schemaRef ds:uri="http://schemas.microsoft.com/office/2006/documentManagement/types"/>
+    <ds:schemaRef ds:uri="40262f94-9f35-4ac3-9a90-690165a166b7"/>
+    <ds:schemaRef ds:uri="a4f35948-e619-41b3-aa29-22878b09cfd2"/>
+    <ds:schemaRef ds:uri="http://www.w3.org/XML/1998/namespace"/>
   </ds:schemaRefs>
 </ds:datastoreItem>
 </file>
@@ -9048,18 +9057,9 @@
 </file>
 
 <file path=customXml/itemProps3.xml><?xml version="1.0" encoding="utf-8"?>
-<ds:datastoreItem xmlns:ds="http://schemas.openxmlformats.org/officeDocument/2006/customXml" ds:itemID="{3049C11C-71DC-49B6-ACD8-27E3AE088D14}">
+<ds:datastoreItem xmlns:ds="http://schemas.openxmlformats.org/officeDocument/2006/customXml" ds:itemID="{0875BD71-4A33-4FB7-88CA-777C4D9E6EE5}">
   <ds:schemaRefs>
-    <ds:schemaRef ds:uri="http://purl.org/dc/terms/"/>
-    <ds:schemaRef ds:uri="http://schemas.openxmlformats.org/package/2006/metadata/core-properties"/>
-    <ds:schemaRef ds:uri="http://purl.org/dc/dcmitype/"/>
-    <ds:schemaRef ds:uri="http://schemas.microsoft.com/office/infopath/2007/PartnerControls"/>
-    <ds:schemaRef ds:uri="http://purl.org/dc/elements/1.1/"/>
-    <ds:schemaRef ds:uri="http://schemas.microsoft.com/office/2006/metadata/properties"/>
-    <ds:schemaRef ds:uri="http://schemas.microsoft.com/office/2006/documentManagement/types"/>
-    <ds:schemaRef ds:uri="40262f94-9f35-4ac3-9a90-690165a166b7"/>
-    <ds:schemaRef ds:uri="a4f35948-e619-41b3-aa29-22878b09cfd2"/>
-    <ds:schemaRef ds:uri="http://www.w3.org/XML/1998/namespace"/>
+    <ds:schemaRef ds:uri="http://schemas.microsoft.com/sharepoint/v3/contenttype/forms"/>
   </ds:schemaRefs>
 </ds:datastoreItem>
 </file>